--- a/folien/Semester_04_Termin_01_Kapitel09.pptx
+++ b/folien/Semester_04_Termin_01_Kapitel09.pptx
@@ -173,6 +173,36 @@
       </a:defRPr>
     </a:lvl9pPr>
   </p:defaultTextStyle>
+  <p:extLst>
+    <p:ext uri="{EFAFB233-063F-42B5-8137-9DF3F51BA10A}">
+      <p15:sldGuideLst xmlns:p15="http://schemas.microsoft.com/office/powerpoint/2012/main">
+        <p15:guide id="1" orient="horz" pos="2160">
+          <p15:clr>
+            <a:srgbClr val="A4A3A4"/>
+          </p15:clr>
+        </p15:guide>
+        <p15:guide id="2" pos="2880">
+          <p15:clr>
+            <a:srgbClr val="A4A3A4"/>
+          </p15:clr>
+        </p15:guide>
+      </p15:sldGuideLst>
+    </p:ext>
+    <p:ext uri="{2D200454-40CA-4A62-9FC3-DE9A4176ACB9}">
+      <p15:notesGuideLst xmlns:p15="http://schemas.microsoft.com/office/powerpoint/2012/main">
+        <p15:guide id="1" orient="horz" pos="2880">
+          <p15:clr>
+            <a:srgbClr val="A4A3A4"/>
+          </p15:clr>
+        </p15:guide>
+        <p15:guide id="2" pos="2160">
+          <p15:clr>
+            <a:srgbClr val="A4A3A4"/>
+          </p15:clr>
+        </p15:guide>
+      </p15:notesGuideLst>
+    </p:ext>
+  </p:extLst>
 </p:presentation>
 </file>
 
@@ -205,7 +235,7 @@
         <p:nvSpPr>
           <p:cNvPr id="2050" name="Rectangle 1"/>
           <p:cNvSpPr>
-            <a:spLocks noGrp="1" noChangeArrowheads="1"/>
+            <a:spLocks noGrp="1" noRot="1" noChangeAspect="1" noChangeArrowheads="1"/>
           </p:cNvSpPr>
           <p:nvPr>
             <p:ph type="sldImg"/>
@@ -254,14 +284,14 @@
           <a:effectLst/>
           <a:extLst>
             <a:ext uri="{909E8E84-426E-40DD-AFC4-6F175D3DCCD1}">
-              <a14:hiddenFill xmlns:a14="http://schemas.microsoft.com/office/drawing/2010/main" xmlns="">
+              <a14:hiddenFill xmlns:a14="http://schemas.microsoft.com/office/drawing/2010/main">
                 <a:solidFill>
                   <a:srgbClr val="FFFFFF"/>
                 </a:solidFill>
               </a14:hiddenFill>
             </a:ext>
             <a:ext uri="{91240B29-F687-4F45-9708-019B960494DF}">
-              <a14:hiddenLine xmlns:a14="http://schemas.microsoft.com/office/drawing/2010/main" xmlns="" w="9525">
+              <a14:hiddenLine xmlns:a14="http://schemas.microsoft.com/office/drawing/2010/main" w="9525">
                 <a:solidFill>
                   <a:srgbClr val="000000"/>
                 </a:solidFill>
@@ -271,7 +301,7 @@
               </a14:hiddenLine>
             </a:ext>
             <a:ext uri="{AF507438-7753-43E0-B8FC-AC1667EBCBE1}">
-              <a14:hiddenEffects xmlns:a14="http://schemas.microsoft.com/office/drawing/2010/main" xmlns="">
+              <a14:hiddenEffects xmlns:a14="http://schemas.microsoft.com/office/drawing/2010/main">
                 <a:effectLst>
                   <a:outerShdw dist="35921" dir="2700000" algn="ctr" rotWithShape="0">
                     <a:schemeClr val="bg2"/>
@@ -319,14 +349,14 @@
           <a:effectLst/>
           <a:extLst>
             <a:ext uri="{909E8E84-426E-40DD-AFC4-6F175D3DCCD1}">
-              <a14:hiddenFill xmlns:a14="http://schemas.microsoft.com/office/drawing/2010/main" xmlns="">
+              <a14:hiddenFill xmlns:a14="http://schemas.microsoft.com/office/drawing/2010/main">
                 <a:solidFill>
                   <a:srgbClr val="FFFFFF"/>
                 </a:solidFill>
               </a14:hiddenFill>
             </a:ext>
             <a:ext uri="{91240B29-F687-4F45-9708-019B960494DF}">
-              <a14:hiddenLine xmlns:a14="http://schemas.microsoft.com/office/drawing/2010/main" xmlns="" w="9525">
+              <a14:hiddenLine xmlns:a14="http://schemas.microsoft.com/office/drawing/2010/main" w="9525">
                 <a:solidFill>
                   <a:srgbClr val="000000"/>
                 </a:solidFill>
@@ -336,7 +366,7 @@
               </a14:hiddenLine>
             </a:ext>
             <a:ext uri="{AF507438-7753-43E0-B8FC-AC1667EBCBE1}">
-              <a14:hiddenEffects xmlns:a14="http://schemas.microsoft.com/office/drawing/2010/main" xmlns="">
+              <a14:hiddenEffects xmlns:a14="http://schemas.microsoft.com/office/drawing/2010/main">
                 <a:effectLst>
                   <a:outerShdw dist="35921" dir="2700000" algn="ctr" rotWithShape="0">
                     <a:schemeClr val="bg2"/>
@@ -411,14 +441,14 @@
           <a:effectLst/>
           <a:extLst>
             <a:ext uri="{909E8E84-426E-40DD-AFC4-6F175D3DCCD1}">
-              <a14:hiddenFill xmlns:a14="http://schemas.microsoft.com/office/drawing/2010/main" xmlns="">
+              <a14:hiddenFill xmlns:a14="http://schemas.microsoft.com/office/drawing/2010/main">
                 <a:solidFill>
                   <a:srgbClr val="FFFFFF"/>
                 </a:solidFill>
               </a14:hiddenFill>
             </a:ext>
             <a:ext uri="{91240B29-F687-4F45-9708-019B960494DF}">
-              <a14:hiddenLine xmlns:a14="http://schemas.microsoft.com/office/drawing/2010/main" xmlns="" w="9525">
+              <a14:hiddenLine xmlns:a14="http://schemas.microsoft.com/office/drawing/2010/main" w="9525">
                 <a:solidFill>
                   <a:srgbClr val="000000"/>
                 </a:solidFill>
@@ -428,7 +458,7 @@
               </a14:hiddenLine>
             </a:ext>
             <a:ext uri="{AF507438-7753-43E0-B8FC-AC1667EBCBE1}">
-              <a14:hiddenEffects xmlns:a14="http://schemas.microsoft.com/office/drawing/2010/main" xmlns="">
+              <a14:hiddenEffects xmlns:a14="http://schemas.microsoft.com/office/drawing/2010/main">
                 <a:effectLst>
                   <a:outerShdw dist="35921" dir="2700000" algn="ctr" rotWithShape="0">
                     <a:schemeClr val="bg2"/>
@@ -503,14 +533,14 @@
           <a:effectLst/>
           <a:extLst>
             <a:ext uri="{909E8E84-426E-40DD-AFC4-6F175D3DCCD1}">
-              <a14:hiddenFill xmlns:a14="http://schemas.microsoft.com/office/drawing/2010/main" xmlns="">
+              <a14:hiddenFill xmlns:a14="http://schemas.microsoft.com/office/drawing/2010/main">
                 <a:solidFill>
                   <a:srgbClr val="FFFFFF"/>
                 </a:solidFill>
               </a14:hiddenFill>
             </a:ext>
             <a:ext uri="{91240B29-F687-4F45-9708-019B960494DF}">
-              <a14:hiddenLine xmlns:a14="http://schemas.microsoft.com/office/drawing/2010/main" xmlns="" w="9525">
+              <a14:hiddenLine xmlns:a14="http://schemas.microsoft.com/office/drawing/2010/main" w="9525">
                 <a:solidFill>
                   <a:srgbClr val="000000"/>
                 </a:solidFill>
@@ -520,7 +550,7 @@
               </a14:hiddenLine>
             </a:ext>
             <a:ext uri="{AF507438-7753-43E0-B8FC-AC1667EBCBE1}">
-              <a14:hiddenEffects xmlns:a14="http://schemas.microsoft.com/office/drawing/2010/main" xmlns="">
+              <a14:hiddenEffects xmlns:a14="http://schemas.microsoft.com/office/drawing/2010/main">
                 <a:effectLst>
                   <a:outerShdw dist="35921" dir="2700000" algn="ctr" rotWithShape="0">
                     <a:schemeClr val="bg2"/>
@@ -595,14 +625,14 @@
           <a:effectLst/>
           <a:extLst>
             <a:ext uri="{909E8E84-426E-40DD-AFC4-6F175D3DCCD1}">
-              <a14:hiddenFill xmlns:a14="http://schemas.microsoft.com/office/drawing/2010/main" xmlns="">
+              <a14:hiddenFill xmlns:a14="http://schemas.microsoft.com/office/drawing/2010/main">
                 <a:solidFill>
                   <a:srgbClr val="FFFFFF"/>
                 </a:solidFill>
               </a14:hiddenFill>
             </a:ext>
             <a:ext uri="{91240B29-F687-4F45-9708-019B960494DF}">
-              <a14:hiddenLine xmlns:a14="http://schemas.microsoft.com/office/drawing/2010/main" xmlns="" w="9525">
+              <a14:hiddenLine xmlns:a14="http://schemas.microsoft.com/office/drawing/2010/main" w="9525">
                 <a:solidFill>
                   <a:srgbClr val="000000"/>
                 </a:solidFill>
@@ -612,7 +642,7 @@
               </a14:hiddenLine>
             </a:ext>
             <a:ext uri="{AF507438-7753-43E0-B8FC-AC1667EBCBE1}">
-              <a14:hiddenEffects xmlns:a14="http://schemas.microsoft.com/office/drawing/2010/main" xmlns="">
+              <a14:hiddenEffects xmlns:a14="http://schemas.microsoft.com/office/drawing/2010/main">
                 <a:effectLst>
                   <a:outerShdw dist="35921" dir="2700000" algn="ctr" rotWithShape="0">
                     <a:schemeClr val="bg2"/>
@@ -664,6 +694,11 @@
         </p:txBody>
       </p:sp>
     </p:spTree>
+    <p:extLst>
+      <p:ext uri="{BB962C8B-B14F-4D97-AF65-F5344CB8AC3E}">
+        <p14:creationId xmlns:p14="http://schemas.microsoft.com/office/powerpoint/2010/main" val="1918974402"/>
+      </p:ext>
+    </p:extLst>
   </p:cSld>
   <p:clrMap bg1="lt1" tx1="dk1" bg2="lt2" tx2="dk2" accent1="accent1" accent2="accent2" accent3="accent3" accent4="accent4" accent5="accent5" accent6="accent6" hlink="hlink" folHlink="folHlink"/>
   <p:notesStyle>
@@ -876,7 +911,7 @@
         <p:nvSpPr>
           <p:cNvPr id="4099" name="Rectangle 1"/>
           <p:cNvSpPr>
-            <a:spLocks noChangeArrowheads="1" noTextEdit="1"/>
+            <a:spLocks noGrp="1" noRot="1" noChangeAspect="1" noChangeArrowheads="1" noTextEdit="1"/>
           </p:cNvSpPr>
           <p:nvPr>
             <p:ph type="sldImg"/>
@@ -902,7 +937,7 @@
         <p:nvSpPr>
           <p:cNvPr id="4100" name="Rectangle 2"/>
           <p:cNvSpPr>
-            <a:spLocks noChangeArrowheads="1"/>
+            <a:spLocks noGrp="1" noChangeArrowheads="1"/>
           </p:cNvSpPr>
           <p:nvPr>
             <p:ph type="body" idx="1"/>
@@ -926,6 +961,11 @@
         </p:txBody>
       </p:sp>
     </p:spTree>
+    <p:extLst>
+      <p:ext uri="{BB962C8B-B14F-4D97-AF65-F5344CB8AC3E}">
+        <p14:creationId xmlns:p14="http://schemas.microsoft.com/office/powerpoint/2010/main" val="42050546"/>
+      </p:ext>
+    </p:extLst>
   </p:cSld>
   <p:clrMapOvr>
     <a:masterClrMapping/>
@@ -993,7 +1033,7 @@
         <p:nvSpPr>
           <p:cNvPr id="22531" name="Rectangle 1"/>
           <p:cNvSpPr>
-            <a:spLocks noChangeArrowheads="1" noTextEdit="1"/>
+            <a:spLocks noGrp="1" noRot="1" noChangeAspect="1" noChangeArrowheads="1" noTextEdit="1"/>
           </p:cNvSpPr>
           <p:nvPr>
             <p:ph type="sldImg"/>
@@ -1019,7 +1059,7 @@
         <p:nvSpPr>
           <p:cNvPr id="22532" name="Rectangle 2"/>
           <p:cNvSpPr>
-            <a:spLocks noChangeArrowheads="1"/>
+            <a:spLocks noGrp="1" noChangeArrowheads="1"/>
           </p:cNvSpPr>
           <p:nvPr>
             <p:ph type="body" idx="1"/>
@@ -1043,6 +1083,11 @@
         </p:txBody>
       </p:sp>
     </p:spTree>
+    <p:extLst>
+      <p:ext uri="{BB962C8B-B14F-4D97-AF65-F5344CB8AC3E}">
+        <p14:creationId xmlns:p14="http://schemas.microsoft.com/office/powerpoint/2010/main" val="3695878693"/>
+      </p:ext>
+    </p:extLst>
   </p:cSld>
   <p:clrMapOvr>
     <a:masterClrMapping/>
@@ -1110,7 +1155,7 @@
         <p:nvSpPr>
           <p:cNvPr id="24579" name="Rectangle 1"/>
           <p:cNvSpPr>
-            <a:spLocks noChangeArrowheads="1" noTextEdit="1"/>
+            <a:spLocks noGrp="1" noRot="1" noChangeAspect="1" noChangeArrowheads="1" noTextEdit="1"/>
           </p:cNvSpPr>
           <p:nvPr>
             <p:ph type="sldImg"/>
@@ -1136,7 +1181,7 @@
         <p:nvSpPr>
           <p:cNvPr id="24580" name="Rectangle 2"/>
           <p:cNvSpPr>
-            <a:spLocks noChangeArrowheads="1"/>
+            <a:spLocks noGrp="1" noChangeArrowheads="1"/>
           </p:cNvSpPr>
           <p:nvPr>
             <p:ph type="body" idx="1"/>
@@ -1160,6 +1205,11 @@
         </p:txBody>
       </p:sp>
     </p:spTree>
+    <p:extLst>
+      <p:ext uri="{BB962C8B-B14F-4D97-AF65-F5344CB8AC3E}">
+        <p14:creationId xmlns:p14="http://schemas.microsoft.com/office/powerpoint/2010/main" val="956622683"/>
+      </p:ext>
+    </p:extLst>
   </p:cSld>
   <p:clrMapOvr>
     <a:masterClrMapping/>
@@ -1227,7 +1277,7 @@
         <p:nvSpPr>
           <p:cNvPr id="26627" name="Rectangle 1"/>
           <p:cNvSpPr>
-            <a:spLocks noChangeArrowheads="1" noTextEdit="1"/>
+            <a:spLocks noGrp="1" noRot="1" noChangeAspect="1" noChangeArrowheads="1" noTextEdit="1"/>
           </p:cNvSpPr>
           <p:nvPr>
             <p:ph type="sldImg"/>
@@ -1253,7 +1303,7 @@
         <p:nvSpPr>
           <p:cNvPr id="26628" name="Rectangle 2"/>
           <p:cNvSpPr>
-            <a:spLocks noChangeArrowheads="1"/>
+            <a:spLocks noGrp="1" noChangeArrowheads="1"/>
           </p:cNvSpPr>
           <p:nvPr>
             <p:ph type="body" idx="1"/>
@@ -1277,6 +1327,11 @@
         </p:txBody>
       </p:sp>
     </p:spTree>
+    <p:extLst>
+      <p:ext uri="{BB962C8B-B14F-4D97-AF65-F5344CB8AC3E}">
+        <p14:creationId xmlns:p14="http://schemas.microsoft.com/office/powerpoint/2010/main" val="4247299366"/>
+      </p:ext>
+    </p:extLst>
   </p:cSld>
   <p:clrMapOvr>
     <a:masterClrMapping/>
@@ -1344,7 +1399,7 @@
         <p:nvSpPr>
           <p:cNvPr id="28675" name="Rectangle 1"/>
           <p:cNvSpPr>
-            <a:spLocks noChangeArrowheads="1" noTextEdit="1"/>
+            <a:spLocks noGrp="1" noRot="1" noChangeAspect="1" noChangeArrowheads="1" noTextEdit="1"/>
           </p:cNvSpPr>
           <p:nvPr>
             <p:ph type="sldImg"/>
@@ -1370,7 +1425,7 @@
         <p:nvSpPr>
           <p:cNvPr id="28676" name="Rectangle 2"/>
           <p:cNvSpPr>
-            <a:spLocks noChangeArrowheads="1"/>
+            <a:spLocks noGrp="1" noChangeArrowheads="1"/>
           </p:cNvSpPr>
           <p:nvPr>
             <p:ph type="body" idx="1"/>
@@ -1394,6 +1449,11 @@
         </p:txBody>
       </p:sp>
     </p:spTree>
+    <p:extLst>
+      <p:ext uri="{BB962C8B-B14F-4D97-AF65-F5344CB8AC3E}">
+        <p14:creationId xmlns:p14="http://schemas.microsoft.com/office/powerpoint/2010/main" val="832768815"/>
+      </p:ext>
+    </p:extLst>
   </p:cSld>
   <p:clrMapOvr>
     <a:masterClrMapping/>
@@ -1461,7 +1521,7 @@
         <p:nvSpPr>
           <p:cNvPr id="30723" name="Rectangle 1"/>
           <p:cNvSpPr>
-            <a:spLocks noChangeArrowheads="1" noTextEdit="1"/>
+            <a:spLocks noGrp="1" noRot="1" noChangeAspect="1" noChangeArrowheads="1" noTextEdit="1"/>
           </p:cNvSpPr>
           <p:nvPr>
             <p:ph type="sldImg"/>
@@ -1487,7 +1547,7 @@
         <p:nvSpPr>
           <p:cNvPr id="30724" name="Rectangle 2"/>
           <p:cNvSpPr>
-            <a:spLocks noChangeArrowheads="1"/>
+            <a:spLocks noGrp="1" noChangeArrowheads="1"/>
           </p:cNvSpPr>
           <p:nvPr>
             <p:ph type="body" idx="1"/>
@@ -1511,6 +1571,11 @@
         </p:txBody>
       </p:sp>
     </p:spTree>
+    <p:extLst>
+      <p:ext uri="{BB962C8B-B14F-4D97-AF65-F5344CB8AC3E}">
+        <p14:creationId xmlns:p14="http://schemas.microsoft.com/office/powerpoint/2010/main" val="1823494493"/>
+      </p:ext>
+    </p:extLst>
   </p:cSld>
   <p:clrMapOvr>
     <a:masterClrMapping/>
@@ -1578,7 +1643,7 @@
         <p:nvSpPr>
           <p:cNvPr id="32771" name="Rectangle 1"/>
           <p:cNvSpPr>
-            <a:spLocks noChangeArrowheads="1" noTextEdit="1"/>
+            <a:spLocks noGrp="1" noRot="1" noChangeAspect="1" noChangeArrowheads="1" noTextEdit="1"/>
           </p:cNvSpPr>
           <p:nvPr>
             <p:ph type="sldImg"/>
@@ -1604,7 +1669,7 @@
         <p:nvSpPr>
           <p:cNvPr id="32772" name="Rectangle 2"/>
           <p:cNvSpPr>
-            <a:spLocks noChangeArrowheads="1"/>
+            <a:spLocks noGrp="1" noChangeArrowheads="1"/>
           </p:cNvSpPr>
           <p:nvPr>
             <p:ph type="body" idx="1"/>
@@ -1628,6 +1693,11 @@
         </p:txBody>
       </p:sp>
     </p:spTree>
+    <p:extLst>
+      <p:ext uri="{BB962C8B-B14F-4D97-AF65-F5344CB8AC3E}">
+        <p14:creationId xmlns:p14="http://schemas.microsoft.com/office/powerpoint/2010/main" val="3764620127"/>
+      </p:ext>
+    </p:extLst>
   </p:cSld>
   <p:clrMapOvr>
     <a:masterClrMapping/>
@@ -1695,7 +1765,7 @@
         <p:nvSpPr>
           <p:cNvPr id="34819" name="Rectangle 1"/>
           <p:cNvSpPr>
-            <a:spLocks noChangeArrowheads="1" noTextEdit="1"/>
+            <a:spLocks noGrp="1" noRot="1" noChangeAspect="1" noChangeArrowheads="1" noTextEdit="1"/>
           </p:cNvSpPr>
           <p:nvPr>
             <p:ph type="sldImg"/>
@@ -1721,7 +1791,7 @@
         <p:nvSpPr>
           <p:cNvPr id="34820" name="Rectangle 2"/>
           <p:cNvSpPr>
-            <a:spLocks noChangeArrowheads="1"/>
+            <a:spLocks noGrp="1" noChangeArrowheads="1"/>
           </p:cNvSpPr>
           <p:nvPr>
             <p:ph type="body" idx="1"/>
@@ -1745,6 +1815,11 @@
         </p:txBody>
       </p:sp>
     </p:spTree>
+    <p:extLst>
+      <p:ext uri="{BB962C8B-B14F-4D97-AF65-F5344CB8AC3E}">
+        <p14:creationId xmlns:p14="http://schemas.microsoft.com/office/powerpoint/2010/main" val="3172697500"/>
+      </p:ext>
+    </p:extLst>
   </p:cSld>
   <p:clrMapOvr>
     <a:masterClrMapping/>
@@ -1812,7 +1887,7 @@
         <p:nvSpPr>
           <p:cNvPr id="36867" name="Rectangle 1"/>
           <p:cNvSpPr>
-            <a:spLocks noChangeArrowheads="1" noTextEdit="1"/>
+            <a:spLocks noGrp="1" noRot="1" noChangeAspect="1" noChangeArrowheads="1" noTextEdit="1"/>
           </p:cNvSpPr>
           <p:nvPr>
             <p:ph type="sldImg"/>
@@ -1838,7 +1913,7 @@
         <p:nvSpPr>
           <p:cNvPr id="36868" name="Rectangle 2"/>
           <p:cNvSpPr>
-            <a:spLocks noChangeArrowheads="1"/>
+            <a:spLocks noGrp="1" noChangeArrowheads="1"/>
           </p:cNvSpPr>
           <p:nvPr>
             <p:ph type="body" idx="1"/>
@@ -1862,6 +1937,11 @@
         </p:txBody>
       </p:sp>
     </p:spTree>
+    <p:extLst>
+      <p:ext uri="{BB962C8B-B14F-4D97-AF65-F5344CB8AC3E}">
+        <p14:creationId xmlns:p14="http://schemas.microsoft.com/office/powerpoint/2010/main" val="3962970376"/>
+      </p:ext>
+    </p:extLst>
   </p:cSld>
   <p:clrMapOvr>
     <a:masterClrMapping/>
@@ -1929,7 +2009,7 @@
         <p:nvSpPr>
           <p:cNvPr id="38915" name="Rectangle 1"/>
           <p:cNvSpPr>
-            <a:spLocks noChangeArrowheads="1" noTextEdit="1"/>
+            <a:spLocks noGrp="1" noRot="1" noChangeAspect="1" noChangeArrowheads="1" noTextEdit="1"/>
           </p:cNvSpPr>
           <p:nvPr>
             <p:ph type="sldImg"/>
@@ -1955,7 +2035,7 @@
         <p:nvSpPr>
           <p:cNvPr id="38916" name="Rectangle 2"/>
           <p:cNvSpPr>
-            <a:spLocks noChangeArrowheads="1"/>
+            <a:spLocks noGrp="1" noChangeArrowheads="1"/>
           </p:cNvSpPr>
           <p:nvPr>
             <p:ph type="body" idx="1"/>
@@ -1979,6 +2059,11 @@
         </p:txBody>
       </p:sp>
     </p:spTree>
+    <p:extLst>
+      <p:ext uri="{BB962C8B-B14F-4D97-AF65-F5344CB8AC3E}">
+        <p14:creationId xmlns:p14="http://schemas.microsoft.com/office/powerpoint/2010/main" val="2260329551"/>
+      </p:ext>
+    </p:extLst>
   </p:cSld>
   <p:clrMapOvr>
     <a:masterClrMapping/>
@@ -2046,7 +2131,7 @@
         <p:nvSpPr>
           <p:cNvPr id="40963" name="Rectangle 1"/>
           <p:cNvSpPr>
-            <a:spLocks noChangeArrowheads="1" noTextEdit="1"/>
+            <a:spLocks noGrp="1" noRot="1" noChangeAspect="1" noChangeArrowheads="1" noTextEdit="1"/>
           </p:cNvSpPr>
           <p:nvPr>
             <p:ph type="sldImg"/>
@@ -2072,7 +2157,7 @@
         <p:nvSpPr>
           <p:cNvPr id="40964" name="Rectangle 2"/>
           <p:cNvSpPr>
-            <a:spLocks noChangeArrowheads="1"/>
+            <a:spLocks noGrp="1" noChangeArrowheads="1"/>
           </p:cNvSpPr>
           <p:nvPr>
             <p:ph type="body" idx="1"/>
@@ -2096,6 +2181,11 @@
         </p:txBody>
       </p:sp>
     </p:spTree>
+    <p:extLst>
+      <p:ext uri="{BB962C8B-B14F-4D97-AF65-F5344CB8AC3E}">
+        <p14:creationId xmlns:p14="http://schemas.microsoft.com/office/powerpoint/2010/main" val="1114755399"/>
+      </p:ext>
+    </p:extLst>
   </p:cSld>
   <p:clrMapOvr>
     <a:masterClrMapping/>
@@ -2163,7 +2253,7 @@
         <p:nvSpPr>
           <p:cNvPr id="6147" name="Rectangle 1"/>
           <p:cNvSpPr>
-            <a:spLocks noChangeArrowheads="1" noTextEdit="1"/>
+            <a:spLocks noGrp="1" noRot="1" noChangeAspect="1" noChangeArrowheads="1" noTextEdit="1"/>
           </p:cNvSpPr>
           <p:nvPr>
             <p:ph type="sldImg"/>
@@ -2189,7 +2279,7 @@
         <p:nvSpPr>
           <p:cNvPr id="6148" name="Rectangle 2"/>
           <p:cNvSpPr>
-            <a:spLocks noChangeArrowheads="1"/>
+            <a:spLocks noGrp="1" noChangeArrowheads="1"/>
           </p:cNvSpPr>
           <p:nvPr>
             <p:ph type="body" idx="1"/>
@@ -2213,6 +2303,11 @@
         </p:txBody>
       </p:sp>
     </p:spTree>
+    <p:extLst>
+      <p:ext uri="{BB962C8B-B14F-4D97-AF65-F5344CB8AC3E}">
+        <p14:creationId xmlns:p14="http://schemas.microsoft.com/office/powerpoint/2010/main" val="1317698827"/>
+      </p:ext>
+    </p:extLst>
   </p:cSld>
   <p:clrMapOvr>
     <a:masterClrMapping/>
@@ -2280,7 +2375,7 @@
         <p:nvSpPr>
           <p:cNvPr id="43011" name="Rectangle 1"/>
           <p:cNvSpPr>
-            <a:spLocks noChangeArrowheads="1" noTextEdit="1"/>
+            <a:spLocks noGrp="1" noRot="1" noChangeAspect="1" noChangeArrowheads="1" noTextEdit="1"/>
           </p:cNvSpPr>
           <p:nvPr>
             <p:ph type="sldImg"/>
@@ -2306,7 +2401,7 @@
         <p:nvSpPr>
           <p:cNvPr id="43012" name="Rectangle 2"/>
           <p:cNvSpPr>
-            <a:spLocks noChangeArrowheads="1"/>
+            <a:spLocks noGrp="1" noChangeArrowheads="1"/>
           </p:cNvSpPr>
           <p:nvPr>
             <p:ph type="body" idx="1"/>
@@ -2330,6 +2425,11 @@
         </p:txBody>
       </p:sp>
     </p:spTree>
+    <p:extLst>
+      <p:ext uri="{BB962C8B-B14F-4D97-AF65-F5344CB8AC3E}">
+        <p14:creationId xmlns:p14="http://schemas.microsoft.com/office/powerpoint/2010/main" val="2523161732"/>
+      </p:ext>
+    </p:extLst>
   </p:cSld>
   <p:clrMapOvr>
     <a:masterClrMapping/>
@@ -2397,7 +2497,7 @@
         <p:nvSpPr>
           <p:cNvPr id="45059" name="Rectangle 1"/>
           <p:cNvSpPr>
-            <a:spLocks noChangeArrowheads="1" noTextEdit="1"/>
+            <a:spLocks noGrp="1" noRot="1" noChangeAspect="1" noChangeArrowheads="1" noTextEdit="1"/>
           </p:cNvSpPr>
           <p:nvPr>
             <p:ph type="sldImg"/>
@@ -2423,7 +2523,7 @@
         <p:nvSpPr>
           <p:cNvPr id="45060" name="Rectangle 2"/>
           <p:cNvSpPr>
-            <a:spLocks noChangeArrowheads="1"/>
+            <a:spLocks noGrp="1" noChangeArrowheads="1"/>
           </p:cNvSpPr>
           <p:nvPr>
             <p:ph type="body" idx="1"/>
@@ -2447,6 +2547,11 @@
         </p:txBody>
       </p:sp>
     </p:spTree>
+    <p:extLst>
+      <p:ext uri="{BB962C8B-B14F-4D97-AF65-F5344CB8AC3E}">
+        <p14:creationId xmlns:p14="http://schemas.microsoft.com/office/powerpoint/2010/main" val="4163731922"/>
+      </p:ext>
+    </p:extLst>
   </p:cSld>
   <p:clrMapOvr>
     <a:masterClrMapping/>
@@ -2514,7 +2619,7 @@
         <p:nvSpPr>
           <p:cNvPr id="47107" name="Rectangle 1"/>
           <p:cNvSpPr>
-            <a:spLocks noChangeArrowheads="1" noTextEdit="1"/>
+            <a:spLocks noGrp="1" noRot="1" noChangeAspect="1" noChangeArrowheads="1" noTextEdit="1"/>
           </p:cNvSpPr>
           <p:nvPr>
             <p:ph type="sldImg"/>
@@ -2540,7 +2645,7 @@
         <p:nvSpPr>
           <p:cNvPr id="47108" name="Rectangle 2"/>
           <p:cNvSpPr>
-            <a:spLocks noChangeArrowheads="1"/>
+            <a:spLocks noGrp="1" noChangeArrowheads="1"/>
           </p:cNvSpPr>
           <p:nvPr>
             <p:ph type="body" idx="1"/>
@@ -2564,6 +2669,11 @@
         </p:txBody>
       </p:sp>
     </p:spTree>
+    <p:extLst>
+      <p:ext uri="{BB962C8B-B14F-4D97-AF65-F5344CB8AC3E}">
+        <p14:creationId xmlns:p14="http://schemas.microsoft.com/office/powerpoint/2010/main" val="4157049032"/>
+      </p:ext>
+    </p:extLst>
   </p:cSld>
   <p:clrMapOvr>
     <a:masterClrMapping/>
@@ -2631,7 +2741,7 @@
         <p:nvSpPr>
           <p:cNvPr id="49155" name="Rectangle 1"/>
           <p:cNvSpPr>
-            <a:spLocks noChangeArrowheads="1" noTextEdit="1"/>
+            <a:spLocks noGrp="1" noRot="1" noChangeAspect="1" noChangeArrowheads="1" noTextEdit="1"/>
           </p:cNvSpPr>
           <p:nvPr>
             <p:ph type="sldImg"/>
@@ -2657,7 +2767,7 @@
         <p:nvSpPr>
           <p:cNvPr id="49156" name="Rectangle 2"/>
           <p:cNvSpPr>
-            <a:spLocks noChangeArrowheads="1"/>
+            <a:spLocks noGrp="1" noChangeArrowheads="1"/>
           </p:cNvSpPr>
           <p:nvPr>
             <p:ph type="body" idx="1"/>
@@ -2681,6 +2791,11 @@
         </p:txBody>
       </p:sp>
     </p:spTree>
+    <p:extLst>
+      <p:ext uri="{BB962C8B-B14F-4D97-AF65-F5344CB8AC3E}">
+        <p14:creationId xmlns:p14="http://schemas.microsoft.com/office/powerpoint/2010/main" val="1746510029"/>
+      </p:ext>
+    </p:extLst>
   </p:cSld>
   <p:clrMapOvr>
     <a:masterClrMapping/>
@@ -2748,7 +2863,7 @@
         <p:nvSpPr>
           <p:cNvPr id="51203" name="Rectangle 1"/>
           <p:cNvSpPr>
-            <a:spLocks noChangeArrowheads="1" noTextEdit="1"/>
+            <a:spLocks noGrp="1" noRot="1" noChangeAspect="1" noChangeArrowheads="1" noTextEdit="1"/>
           </p:cNvSpPr>
           <p:nvPr>
             <p:ph type="sldImg"/>
@@ -2774,7 +2889,7 @@
         <p:nvSpPr>
           <p:cNvPr id="51204" name="Rectangle 2"/>
           <p:cNvSpPr>
-            <a:spLocks noChangeArrowheads="1"/>
+            <a:spLocks noGrp="1" noChangeArrowheads="1"/>
           </p:cNvSpPr>
           <p:nvPr>
             <p:ph type="body" idx="1"/>
@@ -2798,6 +2913,11 @@
         </p:txBody>
       </p:sp>
     </p:spTree>
+    <p:extLst>
+      <p:ext uri="{BB962C8B-B14F-4D97-AF65-F5344CB8AC3E}">
+        <p14:creationId xmlns:p14="http://schemas.microsoft.com/office/powerpoint/2010/main" val="200276390"/>
+      </p:ext>
+    </p:extLst>
   </p:cSld>
   <p:clrMapOvr>
     <a:masterClrMapping/>
@@ -2865,7 +2985,7 @@
         <p:nvSpPr>
           <p:cNvPr id="53251" name="Rectangle 1"/>
           <p:cNvSpPr>
-            <a:spLocks noChangeArrowheads="1" noTextEdit="1"/>
+            <a:spLocks noGrp="1" noRot="1" noChangeAspect="1" noChangeArrowheads="1" noTextEdit="1"/>
           </p:cNvSpPr>
           <p:nvPr>
             <p:ph type="sldImg"/>
@@ -2891,7 +3011,7 @@
         <p:nvSpPr>
           <p:cNvPr id="53252" name="Rectangle 2"/>
           <p:cNvSpPr>
-            <a:spLocks noChangeArrowheads="1"/>
+            <a:spLocks noGrp="1" noChangeArrowheads="1"/>
           </p:cNvSpPr>
           <p:nvPr>
             <p:ph type="body" idx="1"/>
@@ -2915,6 +3035,11 @@
         </p:txBody>
       </p:sp>
     </p:spTree>
+    <p:extLst>
+      <p:ext uri="{BB962C8B-B14F-4D97-AF65-F5344CB8AC3E}">
+        <p14:creationId xmlns:p14="http://schemas.microsoft.com/office/powerpoint/2010/main" val="3776665909"/>
+      </p:ext>
+    </p:extLst>
   </p:cSld>
   <p:clrMapOvr>
     <a:masterClrMapping/>
@@ -2982,7 +3107,7 @@
         <p:nvSpPr>
           <p:cNvPr id="55299" name="Rectangle 1"/>
           <p:cNvSpPr>
-            <a:spLocks noChangeArrowheads="1" noTextEdit="1"/>
+            <a:spLocks noGrp="1" noRot="1" noChangeAspect="1" noChangeArrowheads="1" noTextEdit="1"/>
           </p:cNvSpPr>
           <p:nvPr>
             <p:ph type="sldImg"/>
@@ -3008,7 +3133,7 @@
         <p:nvSpPr>
           <p:cNvPr id="55300" name="Rectangle 2"/>
           <p:cNvSpPr>
-            <a:spLocks noChangeArrowheads="1"/>
+            <a:spLocks noGrp="1" noChangeArrowheads="1"/>
           </p:cNvSpPr>
           <p:nvPr>
             <p:ph type="body" idx="1"/>
@@ -3032,6 +3157,11 @@
         </p:txBody>
       </p:sp>
     </p:spTree>
+    <p:extLst>
+      <p:ext uri="{BB962C8B-B14F-4D97-AF65-F5344CB8AC3E}">
+        <p14:creationId xmlns:p14="http://schemas.microsoft.com/office/powerpoint/2010/main" val="3478868481"/>
+      </p:ext>
+    </p:extLst>
   </p:cSld>
   <p:clrMapOvr>
     <a:masterClrMapping/>
@@ -3099,7 +3229,7 @@
         <p:nvSpPr>
           <p:cNvPr id="57347" name="Rectangle 1"/>
           <p:cNvSpPr>
-            <a:spLocks noChangeArrowheads="1" noTextEdit="1"/>
+            <a:spLocks noGrp="1" noRot="1" noChangeAspect="1" noChangeArrowheads="1" noTextEdit="1"/>
           </p:cNvSpPr>
           <p:nvPr>
             <p:ph type="sldImg"/>
@@ -3125,7 +3255,7 @@
         <p:nvSpPr>
           <p:cNvPr id="57348" name="Rectangle 2"/>
           <p:cNvSpPr>
-            <a:spLocks noChangeArrowheads="1"/>
+            <a:spLocks noGrp="1" noChangeArrowheads="1"/>
           </p:cNvSpPr>
           <p:nvPr>
             <p:ph type="body" idx="1"/>
@@ -3149,6 +3279,11 @@
         </p:txBody>
       </p:sp>
     </p:spTree>
+    <p:extLst>
+      <p:ext uri="{BB962C8B-B14F-4D97-AF65-F5344CB8AC3E}">
+        <p14:creationId xmlns:p14="http://schemas.microsoft.com/office/powerpoint/2010/main" val="4253673966"/>
+      </p:ext>
+    </p:extLst>
   </p:cSld>
   <p:clrMapOvr>
     <a:masterClrMapping/>
@@ -3216,7 +3351,7 @@
         <p:nvSpPr>
           <p:cNvPr id="59395" name="Rectangle 1"/>
           <p:cNvSpPr>
-            <a:spLocks noChangeArrowheads="1" noTextEdit="1"/>
+            <a:spLocks noGrp="1" noRot="1" noChangeAspect="1" noChangeArrowheads="1" noTextEdit="1"/>
           </p:cNvSpPr>
           <p:nvPr>
             <p:ph type="sldImg"/>
@@ -3242,7 +3377,7 @@
         <p:nvSpPr>
           <p:cNvPr id="59396" name="Rectangle 2"/>
           <p:cNvSpPr>
-            <a:spLocks noChangeArrowheads="1"/>
+            <a:spLocks noGrp="1" noChangeArrowheads="1"/>
           </p:cNvSpPr>
           <p:nvPr>
             <p:ph type="body" idx="1"/>
@@ -3266,6 +3401,11 @@
         </p:txBody>
       </p:sp>
     </p:spTree>
+    <p:extLst>
+      <p:ext uri="{BB962C8B-B14F-4D97-AF65-F5344CB8AC3E}">
+        <p14:creationId xmlns:p14="http://schemas.microsoft.com/office/powerpoint/2010/main" val="1344981799"/>
+      </p:ext>
+    </p:extLst>
   </p:cSld>
   <p:clrMapOvr>
     <a:masterClrMapping/>
@@ -3333,7 +3473,7 @@
         <p:nvSpPr>
           <p:cNvPr id="61443" name="Rectangle 1"/>
           <p:cNvSpPr>
-            <a:spLocks noChangeArrowheads="1" noTextEdit="1"/>
+            <a:spLocks noGrp="1" noRot="1" noChangeAspect="1" noChangeArrowheads="1" noTextEdit="1"/>
           </p:cNvSpPr>
           <p:nvPr>
             <p:ph type="sldImg"/>
@@ -3359,7 +3499,7 @@
         <p:nvSpPr>
           <p:cNvPr id="61444" name="Rectangle 2"/>
           <p:cNvSpPr>
-            <a:spLocks noChangeArrowheads="1"/>
+            <a:spLocks noGrp="1" noChangeArrowheads="1"/>
           </p:cNvSpPr>
           <p:nvPr>
             <p:ph type="body" idx="1"/>
@@ -3383,6 +3523,11 @@
         </p:txBody>
       </p:sp>
     </p:spTree>
+    <p:extLst>
+      <p:ext uri="{BB962C8B-B14F-4D97-AF65-F5344CB8AC3E}">
+        <p14:creationId xmlns:p14="http://schemas.microsoft.com/office/powerpoint/2010/main" val="1883092408"/>
+      </p:ext>
+    </p:extLst>
   </p:cSld>
   <p:clrMapOvr>
     <a:masterClrMapping/>
@@ -3450,7 +3595,7 @@
         <p:nvSpPr>
           <p:cNvPr id="8195" name="Rectangle 1"/>
           <p:cNvSpPr>
-            <a:spLocks noChangeArrowheads="1" noTextEdit="1"/>
+            <a:spLocks noGrp="1" noRot="1" noChangeAspect="1" noChangeArrowheads="1" noTextEdit="1"/>
           </p:cNvSpPr>
           <p:nvPr>
             <p:ph type="sldImg"/>
@@ -3476,7 +3621,7 @@
         <p:nvSpPr>
           <p:cNvPr id="8196" name="Rectangle 2"/>
           <p:cNvSpPr>
-            <a:spLocks noChangeArrowheads="1"/>
+            <a:spLocks noGrp="1" noChangeArrowheads="1"/>
           </p:cNvSpPr>
           <p:nvPr>
             <p:ph type="body" idx="1"/>
@@ -3500,6 +3645,11 @@
         </p:txBody>
       </p:sp>
     </p:spTree>
+    <p:extLst>
+      <p:ext uri="{BB962C8B-B14F-4D97-AF65-F5344CB8AC3E}">
+        <p14:creationId xmlns:p14="http://schemas.microsoft.com/office/powerpoint/2010/main" val="3834770153"/>
+      </p:ext>
+    </p:extLst>
   </p:cSld>
   <p:clrMapOvr>
     <a:masterClrMapping/>
@@ -3567,7 +3717,7 @@
         <p:nvSpPr>
           <p:cNvPr id="63491" name="Rectangle 1"/>
           <p:cNvSpPr>
-            <a:spLocks noChangeArrowheads="1" noTextEdit="1"/>
+            <a:spLocks noGrp="1" noRot="1" noChangeAspect="1" noChangeArrowheads="1" noTextEdit="1"/>
           </p:cNvSpPr>
           <p:nvPr>
             <p:ph type="sldImg"/>
@@ -3593,7 +3743,7 @@
         <p:nvSpPr>
           <p:cNvPr id="63492" name="Rectangle 2"/>
           <p:cNvSpPr>
-            <a:spLocks noChangeArrowheads="1"/>
+            <a:spLocks noGrp="1" noChangeArrowheads="1"/>
           </p:cNvSpPr>
           <p:nvPr>
             <p:ph type="body" idx="1"/>
@@ -3617,6 +3767,11 @@
         </p:txBody>
       </p:sp>
     </p:spTree>
+    <p:extLst>
+      <p:ext uri="{BB962C8B-B14F-4D97-AF65-F5344CB8AC3E}">
+        <p14:creationId xmlns:p14="http://schemas.microsoft.com/office/powerpoint/2010/main" val="3859950044"/>
+      </p:ext>
+    </p:extLst>
   </p:cSld>
   <p:clrMapOvr>
     <a:masterClrMapping/>
@@ -3684,7 +3839,7 @@
         <p:nvSpPr>
           <p:cNvPr id="65539" name="Rectangle 1"/>
           <p:cNvSpPr>
-            <a:spLocks noChangeArrowheads="1" noTextEdit="1"/>
+            <a:spLocks noGrp="1" noRot="1" noChangeAspect="1" noChangeArrowheads="1" noTextEdit="1"/>
           </p:cNvSpPr>
           <p:nvPr>
             <p:ph type="sldImg"/>
@@ -3710,7 +3865,7 @@
         <p:nvSpPr>
           <p:cNvPr id="65540" name="Rectangle 2"/>
           <p:cNvSpPr>
-            <a:spLocks noChangeArrowheads="1"/>
+            <a:spLocks noGrp="1" noChangeArrowheads="1"/>
           </p:cNvSpPr>
           <p:nvPr>
             <p:ph type="body" idx="1"/>
@@ -3734,6 +3889,11 @@
         </p:txBody>
       </p:sp>
     </p:spTree>
+    <p:extLst>
+      <p:ext uri="{BB962C8B-B14F-4D97-AF65-F5344CB8AC3E}">
+        <p14:creationId xmlns:p14="http://schemas.microsoft.com/office/powerpoint/2010/main" val="2801704936"/>
+      </p:ext>
+    </p:extLst>
   </p:cSld>
   <p:clrMapOvr>
     <a:masterClrMapping/>
@@ -3801,7 +3961,7 @@
         <p:nvSpPr>
           <p:cNvPr id="67587" name="Rectangle 1"/>
           <p:cNvSpPr>
-            <a:spLocks noChangeArrowheads="1" noTextEdit="1"/>
+            <a:spLocks noGrp="1" noRot="1" noChangeAspect="1" noChangeArrowheads="1" noTextEdit="1"/>
           </p:cNvSpPr>
           <p:nvPr>
             <p:ph type="sldImg"/>
@@ -3827,7 +3987,7 @@
         <p:nvSpPr>
           <p:cNvPr id="67588" name="Rectangle 2"/>
           <p:cNvSpPr>
-            <a:spLocks noChangeArrowheads="1"/>
+            <a:spLocks noGrp="1" noChangeArrowheads="1"/>
           </p:cNvSpPr>
           <p:nvPr>
             <p:ph type="body" idx="1"/>
@@ -3851,6 +4011,11 @@
         </p:txBody>
       </p:sp>
     </p:spTree>
+    <p:extLst>
+      <p:ext uri="{BB962C8B-B14F-4D97-AF65-F5344CB8AC3E}">
+        <p14:creationId xmlns:p14="http://schemas.microsoft.com/office/powerpoint/2010/main" val="306331640"/>
+      </p:ext>
+    </p:extLst>
   </p:cSld>
   <p:clrMapOvr>
     <a:masterClrMapping/>
@@ -3918,7 +4083,7 @@
         <p:nvSpPr>
           <p:cNvPr id="69635" name="Rectangle 1"/>
           <p:cNvSpPr>
-            <a:spLocks noChangeArrowheads="1" noTextEdit="1"/>
+            <a:spLocks noGrp="1" noRot="1" noChangeAspect="1" noChangeArrowheads="1" noTextEdit="1"/>
           </p:cNvSpPr>
           <p:nvPr>
             <p:ph type="sldImg"/>
@@ -3944,7 +4109,7 @@
         <p:nvSpPr>
           <p:cNvPr id="69636" name="Rectangle 2"/>
           <p:cNvSpPr>
-            <a:spLocks noChangeArrowheads="1"/>
+            <a:spLocks noGrp="1" noChangeArrowheads="1"/>
           </p:cNvSpPr>
           <p:nvPr>
             <p:ph type="body" idx="1"/>
@@ -3968,6 +4133,11 @@
         </p:txBody>
       </p:sp>
     </p:spTree>
+    <p:extLst>
+      <p:ext uri="{BB962C8B-B14F-4D97-AF65-F5344CB8AC3E}">
+        <p14:creationId xmlns:p14="http://schemas.microsoft.com/office/powerpoint/2010/main" val="1915139262"/>
+      </p:ext>
+    </p:extLst>
   </p:cSld>
   <p:clrMapOvr>
     <a:masterClrMapping/>
@@ -4035,7 +4205,7 @@
         <p:nvSpPr>
           <p:cNvPr id="71683" name="Rectangle 1"/>
           <p:cNvSpPr>
-            <a:spLocks noChangeArrowheads="1" noTextEdit="1"/>
+            <a:spLocks noGrp="1" noRot="1" noChangeAspect="1" noChangeArrowheads="1" noTextEdit="1"/>
           </p:cNvSpPr>
           <p:nvPr>
             <p:ph type="sldImg"/>
@@ -4061,7 +4231,7 @@
         <p:nvSpPr>
           <p:cNvPr id="71684" name="Rectangle 2"/>
           <p:cNvSpPr>
-            <a:spLocks noChangeArrowheads="1"/>
+            <a:spLocks noGrp="1" noChangeArrowheads="1"/>
           </p:cNvSpPr>
           <p:nvPr>
             <p:ph type="body" idx="1"/>
@@ -4085,6 +4255,11 @@
         </p:txBody>
       </p:sp>
     </p:spTree>
+    <p:extLst>
+      <p:ext uri="{BB962C8B-B14F-4D97-AF65-F5344CB8AC3E}">
+        <p14:creationId xmlns:p14="http://schemas.microsoft.com/office/powerpoint/2010/main" val="2840300364"/>
+      </p:ext>
+    </p:extLst>
   </p:cSld>
   <p:clrMapOvr>
     <a:masterClrMapping/>
@@ -4152,7 +4327,7 @@
         <p:nvSpPr>
           <p:cNvPr id="73731" name="Rectangle 1"/>
           <p:cNvSpPr>
-            <a:spLocks noChangeArrowheads="1" noTextEdit="1"/>
+            <a:spLocks noGrp="1" noRot="1" noChangeAspect="1" noChangeArrowheads="1" noTextEdit="1"/>
           </p:cNvSpPr>
           <p:nvPr>
             <p:ph type="sldImg"/>
@@ -4178,7 +4353,7 @@
         <p:nvSpPr>
           <p:cNvPr id="73732" name="Rectangle 2"/>
           <p:cNvSpPr>
-            <a:spLocks noChangeArrowheads="1"/>
+            <a:spLocks noGrp="1" noChangeArrowheads="1"/>
           </p:cNvSpPr>
           <p:nvPr>
             <p:ph type="body" idx="1"/>
@@ -4202,6 +4377,11 @@
         </p:txBody>
       </p:sp>
     </p:spTree>
+    <p:extLst>
+      <p:ext uri="{BB962C8B-B14F-4D97-AF65-F5344CB8AC3E}">
+        <p14:creationId xmlns:p14="http://schemas.microsoft.com/office/powerpoint/2010/main" val="1403514416"/>
+      </p:ext>
+    </p:extLst>
   </p:cSld>
   <p:clrMapOvr>
     <a:masterClrMapping/>
@@ -4269,7 +4449,7 @@
         <p:nvSpPr>
           <p:cNvPr id="75779" name="Rectangle 1"/>
           <p:cNvSpPr>
-            <a:spLocks noChangeArrowheads="1" noTextEdit="1"/>
+            <a:spLocks noGrp="1" noRot="1" noChangeAspect="1" noChangeArrowheads="1" noTextEdit="1"/>
           </p:cNvSpPr>
           <p:nvPr>
             <p:ph type="sldImg"/>
@@ -4295,7 +4475,7 @@
         <p:nvSpPr>
           <p:cNvPr id="75780" name="Rectangle 2"/>
           <p:cNvSpPr>
-            <a:spLocks noChangeArrowheads="1"/>
+            <a:spLocks noGrp="1" noChangeArrowheads="1"/>
           </p:cNvSpPr>
           <p:nvPr>
             <p:ph type="body" idx="1"/>
@@ -4319,6 +4499,11 @@
         </p:txBody>
       </p:sp>
     </p:spTree>
+    <p:extLst>
+      <p:ext uri="{BB962C8B-B14F-4D97-AF65-F5344CB8AC3E}">
+        <p14:creationId xmlns:p14="http://schemas.microsoft.com/office/powerpoint/2010/main" val="2488373299"/>
+      </p:ext>
+    </p:extLst>
   </p:cSld>
   <p:clrMapOvr>
     <a:masterClrMapping/>
@@ -4386,7 +4571,7 @@
         <p:nvSpPr>
           <p:cNvPr id="77827" name="Rectangle 1"/>
           <p:cNvSpPr>
-            <a:spLocks noChangeArrowheads="1" noTextEdit="1"/>
+            <a:spLocks noGrp="1" noRot="1" noChangeAspect="1" noChangeArrowheads="1" noTextEdit="1"/>
           </p:cNvSpPr>
           <p:nvPr>
             <p:ph type="sldImg"/>
@@ -4412,7 +4597,7 @@
         <p:nvSpPr>
           <p:cNvPr id="77828" name="Rectangle 2"/>
           <p:cNvSpPr>
-            <a:spLocks noChangeArrowheads="1"/>
+            <a:spLocks noGrp="1" noChangeArrowheads="1"/>
           </p:cNvSpPr>
           <p:nvPr>
             <p:ph type="body" idx="1"/>
@@ -4436,6 +4621,11 @@
         </p:txBody>
       </p:sp>
     </p:spTree>
+    <p:extLst>
+      <p:ext uri="{BB962C8B-B14F-4D97-AF65-F5344CB8AC3E}">
+        <p14:creationId xmlns:p14="http://schemas.microsoft.com/office/powerpoint/2010/main" val="3410403489"/>
+      </p:ext>
+    </p:extLst>
   </p:cSld>
   <p:clrMapOvr>
     <a:masterClrMapping/>
@@ -4503,7 +4693,7 @@
         <p:nvSpPr>
           <p:cNvPr id="10243" name="Rectangle 1"/>
           <p:cNvSpPr>
-            <a:spLocks noChangeArrowheads="1" noTextEdit="1"/>
+            <a:spLocks noGrp="1" noRot="1" noChangeAspect="1" noChangeArrowheads="1" noTextEdit="1"/>
           </p:cNvSpPr>
           <p:nvPr>
             <p:ph type="sldImg"/>
@@ -4529,7 +4719,7 @@
         <p:nvSpPr>
           <p:cNvPr id="10244" name="Rectangle 2"/>
           <p:cNvSpPr>
-            <a:spLocks noChangeArrowheads="1"/>
+            <a:spLocks noGrp="1" noChangeArrowheads="1"/>
           </p:cNvSpPr>
           <p:nvPr>
             <p:ph type="body" idx="1"/>
@@ -4553,6 +4743,11 @@
         </p:txBody>
       </p:sp>
     </p:spTree>
+    <p:extLst>
+      <p:ext uri="{BB962C8B-B14F-4D97-AF65-F5344CB8AC3E}">
+        <p14:creationId xmlns:p14="http://schemas.microsoft.com/office/powerpoint/2010/main" val="1608900027"/>
+      </p:ext>
+    </p:extLst>
   </p:cSld>
   <p:clrMapOvr>
     <a:masterClrMapping/>
@@ -4620,7 +4815,7 @@
         <p:nvSpPr>
           <p:cNvPr id="12291" name="Rectangle 1"/>
           <p:cNvSpPr>
-            <a:spLocks noChangeArrowheads="1" noTextEdit="1"/>
+            <a:spLocks noGrp="1" noRot="1" noChangeAspect="1" noChangeArrowheads="1" noTextEdit="1"/>
           </p:cNvSpPr>
           <p:nvPr>
             <p:ph type="sldImg"/>
@@ -4646,7 +4841,7 @@
         <p:nvSpPr>
           <p:cNvPr id="12292" name="Rectangle 2"/>
           <p:cNvSpPr>
-            <a:spLocks noChangeArrowheads="1"/>
+            <a:spLocks noGrp="1" noChangeArrowheads="1"/>
           </p:cNvSpPr>
           <p:nvPr>
             <p:ph type="body" idx="1"/>
@@ -4670,6 +4865,11 @@
         </p:txBody>
       </p:sp>
     </p:spTree>
+    <p:extLst>
+      <p:ext uri="{BB962C8B-B14F-4D97-AF65-F5344CB8AC3E}">
+        <p14:creationId xmlns:p14="http://schemas.microsoft.com/office/powerpoint/2010/main" val="3507959500"/>
+      </p:ext>
+    </p:extLst>
   </p:cSld>
   <p:clrMapOvr>
     <a:masterClrMapping/>
@@ -4737,7 +4937,7 @@
         <p:nvSpPr>
           <p:cNvPr id="14339" name="Rectangle 1"/>
           <p:cNvSpPr>
-            <a:spLocks noChangeArrowheads="1" noTextEdit="1"/>
+            <a:spLocks noGrp="1" noRot="1" noChangeAspect="1" noChangeArrowheads="1" noTextEdit="1"/>
           </p:cNvSpPr>
           <p:nvPr>
             <p:ph type="sldImg"/>
@@ -4763,7 +4963,7 @@
         <p:nvSpPr>
           <p:cNvPr id="14340" name="Rectangle 2"/>
           <p:cNvSpPr>
-            <a:spLocks noChangeArrowheads="1"/>
+            <a:spLocks noGrp="1" noChangeArrowheads="1"/>
           </p:cNvSpPr>
           <p:nvPr>
             <p:ph type="body" idx="1"/>
@@ -4787,6 +4987,11 @@
         </p:txBody>
       </p:sp>
     </p:spTree>
+    <p:extLst>
+      <p:ext uri="{BB962C8B-B14F-4D97-AF65-F5344CB8AC3E}">
+        <p14:creationId xmlns:p14="http://schemas.microsoft.com/office/powerpoint/2010/main" val="574178272"/>
+      </p:ext>
+    </p:extLst>
   </p:cSld>
   <p:clrMapOvr>
     <a:masterClrMapping/>
@@ -4854,7 +5059,7 @@
         <p:nvSpPr>
           <p:cNvPr id="16387" name="Rectangle 1"/>
           <p:cNvSpPr>
-            <a:spLocks noChangeArrowheads="1" noTextEdit="1"/>
+            <a:spLocks noGrp="1" noRot="1" noChangeAspect="1" noChangeArrowheads="1" noTextEdit="1"/>
           </p:cNvSpPr>
           <p:nvPr>
             <p:ph type="sldImg"/>
@@ -4880,7 +5085,7 @@
         <p:nvSpPr>
           <p:cNvPr id="16388" name="Rectangle 2"/>
           <p:cNvSpPr>
-            <a:spLocks noChangeArrowheads="1"/>
+            <a:spLocks noGrp="1" noChangeArrowheads="1"/>
           </p:cNvSpPr>
           <p:nvPr>
             <p:ph type="body" idx="1"/>
@@ -4904,6 +5109,11 @@
         </p:txBody>
       </p:sp>
     </p:spTree>
+    <p:extLst>
+      <p:ext uri="{BB962C8B-B14F-4D97-AF65-F5344CB8AC3E}">
+        <p14:creationId xmlns:p14="http://schemas.microsoft.com/office/powerpoint/2010/main" val="4221654177"/>
+      </p:ext>
+    </p:extLst>
   </p:cSld>
   <p:clrMapOvr>
     <a:masterClrMapping/>
@@ -4971,7 +5181,7 @@
         <p:nvSpPr>
           <p:cNvPr id="18435" name="Rectangle 1"/>
           <p:cNvSpPr>
-            <a:spLocks noChangeArrowheads="1" noTextEdit="1"/>
+            <a:spLocks noGrp="1" noRot="1" noChangeAspect="1" noChangeArrowheads="1" noTextEdit="1"/>
           </p:cNvSpPr>
           <p:nvPr>
             <p:ph type="sldImg"/>
@@ -4997,7 +5207,7 @@
         <p:nvSpPr>
           <p:cNvPr id="18436" name="Rectangle 2"/>
           <p:cNvSpPr>
-            <a:spLocks noChangeArrowheads="1"/>
+            <a:spLocks noGrp="1" noChangeArrowheads="1"/>
           </p:cNvSpPr>
           <p:nvPr>
             <p:ph type="body" idx="1"/>
@@ -5021,6 +5231,11 @@
         </p:txBody>
       </p:sp>
     </p:spTree>
+    <p:extLst>
+      <p:ext uri="{BB962C8B-B14F-4D97-AF65-F5344CB8AC3E}">
+        <p14:creationId xmlns:p14="http://schemas.microsoft.com/office/powerpoint/2010/main" val="4263098502"/>
+      </p:ext>
+    </p:extLst>
   </p:cSld>
   <p:clrMapOvr>
     <a:masterClrMapping/>
@@ -5088,7 +5303,7 @@
         <p:nvSpPr>
           <p:cNvPr id="20483" name="Rectangle 1"/>
           <p:cNvSpPr>
-            <a:spLocks noChangeArrowheads="1" noTextEdit="1"/>
+            <a:spLocks noGrp="1" noRot="1" noChangeAspect="1" noChangeArrowheads="1" noTextEdit="1"/>
           </p:cNvSpPr>
           <p:nvPr>
             <p:ph type="sldImg"/>
@@ -5114,7 +5329,7 @@
         <p:nvSpPr>
           <p:cNvPr id="20484" name="Rectangle 2"/>
           <p:cNvSpPr>
-            <a:spLocks noChangeArrowheads="1"/>
+            <a:spLocks noGrp="1" noChangeArrowheads="1"/>
           </p:cNvSpPr>
           <p:nvPr>
             <p:ph type="body" idx="1"/>
@@ -5138,6 +5353,11 @@
         </p:txBody>
       </p:sp>
     </p:spTree>
+    <p:extLst>
+      <p:ext uri="{BB962C8B-B14F-4D97-AF65-F5344CB8AC3E}">
+        <p14:creationId xmlns:p14="http://schemas.microsoft.com/office/powerpoint/2010/main" val="3084282577"/>
+      </p:ext>
+    </p:extLst>
   </p:cSld>
   <p:clrMapOvr>
     <a:masterClrMapping/>
@@ -7899,14 +8119,14 @@
           <a:effectLst/>
           <a:extLst>
             <a:ext uri="{909E8E84-426E-40DD-AFC4-6F175D3DCCD1}">
-              <a14:hiddenFill xmlns:a14="http://schemas.microsoft.com/office/drawing/2010/main" xmlns="">
+              <a14:hiddenFill xmlns:a14="http://schemas.microsoft.com/office/drawing/2010/main">
                 <a:solidFill>
                   <a:srgbClr val="FFFFFF"/>
                 </a:solidFill>
               </a14:hiddenFill>
             </a:ext>
             <a:ext uri="{91240B29-F687-4F45-9708-019B960494DF}">
-              <a14:hiddenLine xmlns:a14="http://schemas.microsoft.com/office/drawing/2010/main" xmlns="" w="9525">
+              <a14:hiddenLine xmlns:a14="http://schemas.microsoft.com/office/drawing/2010/main" w="9525">
                 <a:solidFill>
                   <a:srgbClr val="000000"/>
                 </a:solidFill>
@@ -7916,7 +8136,7 @@
               </a14:hiddenLine>
             </a:ext>
             <a:ext uri="{AF507438-7753-43E0-B8FC-AC1667EBCBE1}">
-              <a14:hiddenEffects xmlns:a14="http://schemas.microsoft.com/office/drawing/2010/main" xmlns="">
+              <a14:hiddenEffects xmlns:a14="http://schemas.microsoft.com/office/drawing/2010/main">
                 <a:effectLst>
                   <a:outerShdw dist="35921" dir="2700000" algn="ctr" rotWithShape="0">
                     <a:schemeClr val="bg2"/>
@@ -7990,14 +8210,14 @@
           <a:effectLst/>
           <a:extLst>
             <a:ext uri="{909E8E84-426E-40DD-AFC4-6F175D3DCCD1}">
-              <a14:hiddenFill xmlns:a14="http://schemas.microsoft.com/office/drawing/2010/main" xmlns="">
+              <a14:hiddenFill xmlns:a14="http://schemas.microsoft.com/office/drawing/2010/main">
                 <a:solidFill>
                   <a:srgbClr val="FFFFFF"/>
                 </a:solidFill>
               </a14:hiddenFill>
             </a:ext>
             <a:ext uri="{91240B29-F687-4F45-9708-019B960494DF}">
-              <a14:hiddenLine xmlns:a14="http://schemas.microsoft.com/office/drawing/2010/main" xmlns="" w="9525">
+              <a14:hiddenLine xmlns:a14="http://schemas.microsoft.com/office/drawing/2010/main" w="9525">
                 <a:solidFill>
                   <a:srgbClr val="000000"/>
                 </a:solidFill>
@@ -8007,7 +8227,7 @@
               </a14:hiddenLine>
             </a:ext>
             <a:ext uri="{AF507438-7753-43E0-B8FC-AC1667EBCBE1}">
-              <a14:hiddenEffects xmlns:a14="http://schemas.microsoft.com/office/drawing/2010/main" xmlns="">
+              <a14:hiddenEffects xmlns:a14="http://schemas.microsoft.com/office/drawing/2010/main">
                 <a:effectLst>
                   <a:outerShdw dist="35921" dir="2700000" algn="ctr" rotWithShape="0">
                     <a:schemeClr val="bg2"/>
@@ -8082,14 +8302,14 @@
           <a:effectLst/>
           <a:extLst>
             <a:ext uri="{909E8E84-426E-40DD-AFC4-6F175D3DCCD1}">
-              <a14:hiddenFill xmlns:a14="http://schemas.microsoft.com/office/drawing/2010/main" xmlns="">
+              <a14:hiddenFill xmlns:a14="http://schemas.microsoft.com/office/drawing/2010/main">
                 <a:solidFill>
                   <a:srgbClr val="FFFFFF"/>
                 </a:solidFill>
               </a14:hiddenFill>
             </a:ext>
             <a:ext uri="{91240B29-F687-4F45-9708-019B960494DF}">
-              <a14:hiddenLine xmlns:a14="http://schemas.microsoft.com/office/drawing/2010/main" xmlns="" w="9525">
+              <a14:hiddenLine xmlns:a14="http://schemas.microsoft.com/office/drawing/2010/main" w="9525">
                 <a:solidFill>
                   <a:srgbClr val="000000"/>
                 </a:solidFill>
@@ -8099,7 +8319,7 @@
               </a14:hiddenLine>
             </a:ext>
             <a:ext uri="{AF507438-7753-43E0-B8FC-AC1667EBCBE1}">
-              <a14:hiddenEffects xmlns:a14="http://schemas.microsoft.com/office/drawing/2010/main" xmlns="">
+              <a14:hiddenEffects xmlns:a14="http://schemas.microsoft.com/office/drawing/2010/main">
                 <a:effectLst>
                   <a:outerShdw dist="35921" dir="2700000" algn="ctr" rotWithShape="0">
                     <a:schemeClr val="bg2"/>
@@ -8950,7 +9170,7 @@
   <p:timing>
     <p:tnLst>
       <p:par>
-        <p:cTn id="1" dur="indefinite" nodeType="tmRoot">
+        <p:cTn id="1" dur="indefinite" restart="never" nodeType="tmRoot">
           <p:childTnLst>
             <p:seq concurrent="1" nextAc="seek">
               <p:cTn id="2" dur="0" nodeType="mainSeq"/>
@@ -9379,7 +9599,7 @@
   <p:timing>
     <p:tnLst>
       <p:par>
-        <p:cTn id="1" dur="indefinite" nodeType="tmRoot">
+        <p:cTn id="1" dur="indefinite" restart="never" nodeType="tmRoot">
           <p:childTnLst>
             <p:seq concurrent="1" nextAc="seek">
               <p:cTn id="2" dur="0" nodeType="mainSeq"/>
@@ -9908,7 +10128,7 @@
   <p:timing>
     <p:tnLst>
       <p:par>
-        <p:cTn id="1" dur="indefinite" nodeType="tmRoot">
+        <p:cTn id="1" dur="indefinite" restart="never" nodeType="tmRoot">
           <p:childTnLst>
             <p:seq concurrent="1" nextAc="seek">
               <p:cTn id="2" dur="0" nodeType="mainSeq"/>
@@ -10312,7 +10532,7 @@
   <p:timing>
     <p:tnLst>
       <p:par>
-        <p:cTn id="1" dur="indefinite" nodeType="tmRoot">
+        <p:cTn id="1" dur="indefinite" restart="never" nodeType="tmRoot">
           <p:childTnLst>
             <p:seq concurrent="1" nextAc="seek">
               <p:cTn id="2" dur="0" nodeType="mainSeq"/>
@@ -10819,7 +11039,7 @@
   <p:timing>
     <p:tnLst>
       <p:par>
-        <p:cTn id="1" dur="indefinite" nodeType="tmRoot">
+        <p:cTn id="1" dur="indefinite" restart="never" nodeType="tmRoot">
           <p:childTnLst>
             <p:seq concurrent="1" nextAc="seek">
               <p:cTn id="2" dur="0" nodeType="mainSeq"/>
@@ -11244,7 +11464,7 @@
   <p:timing>
     <p:tnLst>
       <p:par>
-        <p:cTn id="1" dur="indefinite" nodeType="tmRoot">
+        <p:cTn id="1" dur="indefinite" restart="never" nodeType="tmRoot">
           <p:childTnLst>
             <p:seq concurrent="1" nextAc="seek">
               <p:cTn id="2" dur="0" nodeType="mainSeq"/>
@@ -11727,7 +11947,7 @@
   <p:timing>
     <p:tnLst>
       <p:par>
-        <p:cTn id="1" dur="indefinite" nodeType="tmRoot">
+        <p:cTn id="1" dur="indefinite" restart="never" nodeType="tmRoot">
           <p:childTnLst>
             <p:seq concurrent="1" nextAc="seek">
               <p:cTn id="2" dur="0" nodeType="mainSeq"/>
@@ -12144,7 +12364,7 @@
   <p:timing>
     <p:tnLst>
       <p:par>
-        <p:cTn id="1" dur="indefinite" nodeType="tmRoot">
+        <p:cTn id="1" dur="indefinite" restart="never" nodeType="tmRoot">
           <p:childTnLst>
             <p:seq concurrent="1" nextAc="seek">
               <p:cTn id="2" dur="0" nodeType="mainSeq"/>
@@ -12452,7 +12672,7 @@
   <p:timing>
     <p:tnLst>
       <p:par>
-        <p:cTn id="1" dur="indefinite" nodeType="tmRoot">
+        <p:cTn id="1" dur="indefinite" restart="never" nodeType="tmRoot">
           <p:childTnLst>
             <p:seq concurrent="1" nextAc="seek">
               <p:cTn id="2" dur="0" nodeType="mainSeq"/>
@@ -12880,7 +13100,7 @@
   <p:timing>
     <p:tnLst>
       <p:par>
-        <p:cTn id="1" dur="indefinite" nodeType="tmRoot">
+        <p:cTn id="1" dur="indefinite" restart="never" nodeType="tmRoot">
           <p:childTnLst>
             <p:seq concurrent="1" nextAc="seek">
               <p:cTn id="2" dur="0" nodeType="mainSeq"/>
@@ -13290,7 +13510,7 @@
   <p:timing>
     <p:tnLst>
       <p:par>
-        <p:cTn id="1" dur="indefinite" nodeType="tmRoot">
+        <p:cTn id="1" dur="indefinite" restart="never" nodeType="tmRoot">
           <p:childTnLst>
             <p:seq concurrent="1" nextAc="seek">
               <p:cTn id="2" dur="0" nodeType="mainSeq"/>
@@ -13856,7 +14076,7 @@
   <p:timing>
     <p:tnLst>
       <p:par>
-        <p:cTn id="1" dur="indefinite" nodeType="tmRoot">
+        <p:cTn id="1" dur="indefinite" restart="never" nodeType="tmRoot">
           <p:childTnLst>
             <p:seq concurrent="1" nextAc="seek">
               <p:cTn id="2" dur="0" nodeType="mainSeq"/>
@@ -14267,7 +14487,7 @@
   <p:timing>
     <p:tnLst>
       <p:par>
-        <p:cTn id="1" dur="indefinite" nodeType="tmRoot">
+        <p:cTn id="1" dur="indefinite" restart="never" nodeType="tmRoot">
           <p:childTnLst>
             <p:seq concurrent="1" nextAc="seek">
               <p:cTn id="2" dur="0" nodeType="mainSeq"/>
@@ -14735,7 +14955,7 @@
   <p:timing>
     <p:tnLst>
       <p:par>
-        <p:cTn id="1" dur="indefinite" nodeType="tmRoot">
+        <p:cTn id="1" dur="indefinite" restart="never" nodeType="tmRoot">
           <p:childTnLst>
             <p:seq concurrent="1" nextAc="seek">
               <p:cTn id="2" dur="0" nodeType="mainSeq"/>
@@ -15145,7 +15365,7 @@
   <p:timing>
     <p:tnLst>
       <p:par>
-        <p:cTn id="1" dur="indefinite" nodeType="tmRoot">
+        <p:cTn id="1" dur="indefinite" restart="never" nodeType="tmRoot">
           <p:childTnLst>
             <p:seq concurrent="1" nextAc="seek">
               <p:cTn id="2" dur="0" nodeType="mainSeq"/>
@@ -15539,7 +15759,7 @@
   <p:timing>
     <p:tnLst>
       <p:par>
-        <p:cTn id="1" dur="indefinite" nodeType="tmRoot">
+        <p:cTn id="1" dur="indefinite" restart="never" nodeType="tmRoot">
           <p:childTnLst>
             <p:seq concurrent="1" nextAc="seek">
               <p:cTn id="2" dur="0" nodeType="mainSeq"/>
@@ -16001,7 +16221,7 @@
   <p:timing>
     <p:tnLst>
       <p:par>
-        <p:cTn id="1" dur="indefinite" nodeType="tmRoot">
+        <p:cTn id="1" dur="indefinite" restart="never" nodeType="tmRoot">
           <p:childTnLst>
             <p:seq concurrent="1" nextAc="seek">
               <p:cTn id="2" dur="0" nodeType="mainSeq"/>
@@ -16405,7 +16625,7 @@
   <p:timing>
     <p:tnLst>
       <p:par>
-        <p:cTn id="1" dur="indefinite" nodeType="tmRoot">
+        <p:cTn id="1" dur="indefinite" restart="never" nodeType="tmRoot">
           <p:childTnLst>
             <p:seq concurrent="1" nextAc="seek">
               <p:cTn id="2" dur="0" nodeType="mainSeq"/>
@@ -16846,7 +17066,7 @@
   <p:timing>
     <p:tnLst>
       <p:par>
-        <p:cTn id="1" dur="indefinite" nodeType="tmRoot">
+        <p:cTn id="1" dur="indefinite" restart="never" nodeType="tmRoot">
           <p:childTnLst>
             <p:seq concurrent="1" nextAc="seek">
               <p:cTn id="2" dur="0" nodeType="mainSeq"/>
@@ -17229,7 +17449,7 @@
   <p:timing>
     <p:tnLst>
       <p:par>
-        <p:cTn id="1" dur="indefinite" nodeType="tmRoot">
+        <p:cTn id="1" dur="indefinite" restart="never" nodeType="tmRoot">
           <p:childTnLst>
             <p:seq concurrent="1" nextAc="seek">
               <p:cTn id="2" dur="0" nodeType="mainSeq"/>
@@ -17648,7 +17868,7 @@
   <p:timing>
     <p:tnLst>
       <p:par>
-        <p:cTn id="1" dur="indefinite" nodeType="tmRoot">
+        <p:cTn id="1" dur="indefinite" restart="never" nodeType="tmRoot">
           <p:childTnLst>
             <p:seq concurrent="1" nextAc="seek">
               <p:cTn id="2" dur="0" nodeType="mainSeq"/>
@@ -18059,7 +18279,7 @@
   <p:timing>
     <p:tnLst>
       <p:par>
-        <p:cTn id="1" dur="indefinite" nodeType="tmRoot">
+        <p:cTn id="1" dur="indefinite" restart="never" nodeType="tmRoot">
           <p:childTnLst>
             <p:seq concurrent="1" nextAc="seek">
               <p:cTn id="2" dur="0" nodeType="mainSeq"/>
@@ -18494,7 +18714,7 @@
   <p:timing>
     <p:tnLst>
       <p:par>
-        <p:cTn id="1" dur="indefinite" nodeType="tmRoot">
+        <p:cTn id="1" dur="indefinite" restart="never" nodeType="tmRoot">
           <p:childTnLst>
             <p:seq concurrent="1" nextAc="seek">
               <p:cTn id="2" dur="0" nodeType="mainSeq"/>
@@ -18962,7 +19182,7 @@
   <p:timing>
     <p:tnLst>
       <p:par>
-        <p:cTn id="1" dur="indefinite" nodeType="tmRoot">
+        <p:cTn id="1" dur="indefinite" restart="never" nodeType="tmRoot">
           <p:childTnLst>
             <p:seq concurrent="1" nextAc="seek">
               <p:cTn id="2" dur="0" nodeType="mainSeq"/>
@@ -19423,7 +19643,7 @@
   <p:timing>
     <p:tnLst>
       <p:par>
-        <p:cTn id="1" dur="indefinite" nodeType="tmRoot">
+        <p:cTn id="1" dur="indefinite" restart="never" nodeType="tmRoot">
           <p:childTnLst>
             <p:seq concurrent="1" nextAc="seek">
               <p:cTn id="2" dur="0" nodeType="mainSeq"/>
@@ -19761,7 +19981,7 @@
   <p:timing>
     <p:tnLst>
       <p:par>
-        <p:cTn id="1" dur="indefinite" nodeType="tmRoot">
+        <p:cTn id="1" dur="indefinite" restart="never" nodeType="tmRoot">
           <p:childTnLst>
             <p:seq concurrent="1" nextAc="seek">
               <p:cTn id="2" dur="0" nodeType="mainSeq"/>
@@ -20190,7 +20410,7 @@
   <p:timing>
     <p:tnLst>
       <p:par>
-        <p:cTn id="1" dur="indefinite" nodeType="tmRoot">
+        <p:cTn id="1" dur="indefinite" restart="never" nodeType="tmRoot">
           <p:childTnLst>
             <p:seq concurrent="1" nextAc="seek">
               <p:cTn id="2" dur="0" nodeType="mainSeq"/>
@@ -20595,7 +20815,7 @@
   <p:timing>
     <p:tnLst>
       <p:par>
-        <p:cTn id="1" dur="indefinite" nodeType="tmRoot">
+        <p:cTn id="1" dur="indefinite" restart="never" nodeType="tmRoot">
           <p:childTnLst>
             <p:seq concurrent="1" nextAc="seek">
               <p:cTn id="2" dur="0" nodeType="mainSeq"/>
@@ -21060,7 +21280,7 @@
   <p:timing>
     <p:tnLst>
       <p:par>
-        <p:cTn id="1" dur="indefinite" nodeType="tmRoot">
+        <p:cTn id="1" dur="indefinite" restart="never" nodeType="tmRoot">
           <p:childTnLst>
             <p:seq concurrent="1" nextAc="seek">
               <p:cTn id="2" dur="0" nodeType="mainSeq"/>
@@ -21522,7 +21742,7 @@
   <p:timing>
     <p:tnLst>
       <p:par>
-        <p:cTn id="1" dur="indefinite" nodeType="tmRoot">
+        <p:cTn id="1" dur="indefinite" restart="never" nodeType="tmRoot">
           <p:childTnLst>
             <p:seq concurrent="1" nextAc="seek">
               <p:cTn id="2" dur="0" nodeType="mainSeq"/>
@@ -21884,7 +22104,7 @@
   <p:timing>
     <p:tnLst>
       <p:par>
-        <p:cTn id="1" dur="indefinite" nodeType="tmRoot">
+        <p:cTn id="1" dur="indefinite" restart="never" nodeType="tmRoot">
           <p:childTnLst>
             <p:seq concurrent="1" nextAc="seek">
               <p:cTn id="2" dur="0" nodeType="mainSeq"/>
@@ -22291,7 +22511,7 @@
   <p:timing>
     <p:tnLst>
       <p:par>
-        <p:cTn id="1" dur="indefinite" nodeType="tmRoot">
+        <p:cTn id="1" dur="indefinite" restart="never" nodeType="tmRoot">
           <p:childTnLst>
             <p:seq concurrent="1" nextAc="seek">
               <p:cTn id="2" dur="0" nodeType="mainSeq"/>
@@ -22709,7 +22929,7 @@
   <p:timing>
     <p:tnLst>
       <p:par>
-        <p:cTn id="1" dur="indefinite" nodeType="tmRoot">
+        <p:cTn id="1" dur="indefinite" restart="never" nodeType="tmRoot">
           <p:childTnLst>
             <p:seq concurrent="1" nextAc="seek">
               <p:cTn id="2" dur="0" nodeType="mainSeq"/>
@@ -23120,7 +23340,7 @@
   <p:timing>
     <p:tnLst>
       <p:par>
-        <p:cTn id="1" dur="indefinite" nodeType="tmRoot">
+        <p:cTn id="1" dur="indefinite" restart="never" nodeType="tmRoot">
           <p:childTnLst>
             <p:seq concurrent="1" nextAc="seek">
               <p:cTn id="2" dur="0" nodeType="mainSeq"/>
@@ -23531,7 +23751,7 @@
   <p:timing>
     <p:tnLst>
       <p:par>
-        <p:cTn id="1" dur="indefinite" nodeType="tmRoot">
+        <p:cTn id="1" dur="indefinite" restart="never" nodeType="tmRoot">
           <p:childTnLst>
             <p:seq concurrent="1" nextAc="seek">
               <p:cTn id="2" dur="0" nodeType="mainSeq"/>
@@ -23942,7 +24162,7 @@
   <p:timing>
     <p:tnLst>
       <p:par>
-        <p:cTn id="1" dur="indefinite" nodeType="tmRoot">
+        <p:cTn id="1" dur="indefinite" restart="never" nodeType="tmRoot">
           <p:childTnLst>
             <p:seq concurrent="1" nextAc="seek">
               <p:cTn id="2" dur="0" nodeType="mainSeq"/>
@@ -24298,7 +24518,7 @@
   <p:timing>
     <p:tnLst>
       <p:par>
-        <p:cTn id="1" dur="indefinite" nodeType="tmRoot">
+        <p:cTn id="1" dur="indefinite" restart="never" nodeType="tmRoot">
           <p:childTnLst>
             <p:seq concurrent="1" nextAc="seek">
               <p:cTn id="2" dur="0" nodeType="mainSeq"/>
@@ -24328,7 +24548,7 @@
 <file path=ppt/theme/theme1.xml><?xml version="1.0" encoding="utf-8"?>
 <a:theme xmlns:a="http://schemas.openxmlformats.org/drawingml/2006/main" name="Office Theme">
   <a:themeElements>
-    <a:clrScheme name="Office Theme 1">
+    <a:clrScheme name="Benutzerdefiniert 1">
       <a:dk1>
         <a:srgbClr val="000000"/>
       </a:dk1>
@@ -24360,10 +24580,10 @@
         <a:srgbClr val="2D2DB9"/>
       </a:accent6>
       <a:hlink>
-        <a:srgbClr val="CCCCFF"/>
+        <a:srgbClr val="2D2DB9"/>
       </a:hlink>
       <a:folHlink>
-        <a:srgbClr val="B2B2B2"/>
+        <a:srgbClr val="2D2DB9"/>
       </a:folHlink>
     </a:clrScheme>
     <a:fontScheme name="Office Theme">
@@ -24546,7 +24766,7 @@
         <a:effectLst/>
         <a:extLst>
           <a:ext uri="{AF507438-7753-43E0-B8FC-AC1667EBCBE1}">
-            <a14:hiddenEffects xmlns:a14="http://schemas.microsoft.com/office/drawing/2010/main" xmlns="">
+            <a14:hiddenEffects xmlns:a14="http://schemas.microsoft.com/office/drawing/2010/main">
               <a:effectLst>
                 <a:outerShdw dist="35921" dir="2700000" algn="ctr" rotWithShape="0">
                   <a:schemeClr val="bg2"/>
@@ -24619,7 +24839,7 @@
         <a:effectLst/>
         <a:extLst>
           <a:ext uri="{AF507438-7753-43E0-B8FC-AC1667EBCBE1}">
-            <a14:hiddenEffects xmlns:a14="http://schemas.microsoft.com/office/drawing/2010/main" xmlns="">
+            <a14:hiddenEffects xmlns:a14="http://schemas.microsoft.com/office/drawing/2010/main">
               <a:effectLst>
                 <a:outerShdw dist="35921" dir="2700000" algn="ctr" rotWithShape="0">
                   <a:schemeClr val="bg2"/>
@@ -24955,7 +25175,7 @@
   </a:extraClrSchemeLst>
   <a:extLst>
     <a:ext uri="{05A4C25C-085E-4340-85A3-A5531E510DB2}">
-      <thm15:themeFamily xmlns:thm15="http://schemas.microsoft.com/office/thememl/2012/main" xmlns="" name="Office Theme" id="{62F939B6-93AF-4DB8-9C6B-D6C7DFDC589F}" vid="{4A3C46E8-61CC-4603-A589-7422A47A8E4A}"/>
+      <thm15:themeFamily xmlns:thm15="http://schemas.microsoft.com/office/thememl/2012/main" name="Office Theme" id="{62F939B6-93AF-4DB8-9C6B-D6C7DFDC589F}" vid="{4A3C46E8-61CC-4603-A589-7422A47A8E4A}"/>
     </a:ext>
   </a:extLst>
 </a:theme>
@@ -25216,7 +25436,7 @@
   <a:extraClrSchemeLst/>
   <a:extLst>
     <a:ext uri="{05A4C25C-085E-4340-85A3-A5531E510DB2}">
-      <thm15:themeFamily xmlns:thm15="http://schemas.microsoft.com/office/thememl/2012/main" xmlns="" name="Office Theme" id="{62F939B6-93AF-4DB8-9C6B-D6C7DFDC589F}" vid="{4A3C46E8-61CC-4603-A589-7422A47A8E4A}"/>
+      <thm15:themeFamily xmlns:thm15="http://schemas.microsoft.com/office/thememl/2012/main" name="Office Theme" id="{62F939B6-93AF-4DB8-9C6B-D6C7DFDC589F}" vid="{4A3C46E8-61CC-4603-A589-7422A47A8E4A}"/>
     </a:ext>
   </a:extLst>
 </a:theme>

--- a/folien/Semester_04_Termin_01_Kapitel09.pptx
+++ b/folien/Semester_04_Termin_01_Kapitel09.pptx
@@ -5,7 +5,7 @@
     <p:sldMasterId id="2147483648" r:id="rId1"/>
   </p:sldMasterIdLst>
   <p:notesMasterIdLst>
-    <p:notesMasterId r:id="rId39"/>
+    <p:notesMasterId r:id="rId37"/>
   </p:notesMasterIdLst>
   <p:sldIdLst>
     <p:sldId id="256" r:id="rId2"/>
@@ -40,11 +40,9 @@
     <p:sldId id="283" r:id="rId31"/>
     <p:sldId id="284" r:id="rId32"/>
     <p:sldId id="285" r:id="rId33"/>
-    <p:sldId id="286" r:id="rId34"/>
-    <p:sldId id="287" r:id="rId35"/>
-    <p:sldId id="288" r:id="rId36"/>
-    <p:sldId id="289" r:id="rId37"/>
-    <p:sldId id="290" r:id="rId38"/>
+    <p:sldId id="287" r:id="rId34"/>
+    <p:sldId id="288" r:id="rId35"/>
+    <p:sldId id="289" r:id="rId36"/>
   </p:sldIdLst>
   <p:sldSz cx="10080625" cy="7559675"/>
   <p:notesSz cx="7559675" cy="10691813"/>
@@ -175,7 +173,7 @@
   </p:defaultTextStyle>
   <p:extLst>
     <p:ext uri="{EFAFB233-063F-42B5-8137-9DF3F51BA10A}">
-      <p15:sldGuideLst xmlns:p15="http://schemas.microsoft.com/office/powerpoint/2012/main">
+      <p15:sldGuideLst xmlns:p15="http://schemas.microsoft.com/office/powerpoint/2012/main" xmlns="">
         <p15:guide id="1" orient="horz" pos="2160">
           <p15:clr>
             <a:srgbClr val="A4A3A4"/>
@@ -189,7 +187,7 @@
       </p15:sldGuideLst>
     </p:ext>
     <p:ext uri="{2D200454-40CA-4A62-9FC3-DE9A4176ACB9}">
-      <p15:notesGuideLst xmlns:p15="http://schemas.microsoft.com/office/powerpoint/2012/main">
+      <p15:notesGuideLst xmlns:p15="http://schemas.microsoft.com/office/powerpoint/2012/main" xmlns="">
         <p15:guide id="1" orient="horz" pos="2880">
           <p15:clr>
             <a:srgbClr val="A4A3A4"/>
@@ -284,14 +282,14 @@
           <a:effectLst/>
           <a:extLst>
             <a:ext uri="{909E8E84-426E-40DD-AFC4-6F175D3DCCD1}">
-              <a14:hiddenFill xmlns:a14="http://schemas.microsoft.com/office/drawing/2010/main">
+              <a14:hiddenFill xmlns:a14="http://schemas.microsoft.com/office/drawing/2010/main" xmlns="">
                 <a:solidFill>
                   <a:srgbClr val="FFFFFF"/>
                 </a:solidFill>
               </a14:hiddenFill>
             </a:ext>
             <a:ext uri="{91240B29-F687-4F45-9708-019B960494DF}">
-              <a14:hiddenLine xmlns:a14="http://schemas.microsoft.com/office/drawing/2010/main" w="9525">
+              <a14:hiddenLine xmlns:a14="http://schemas.microsoft.com/office/drawing/2010/main" xmlns="" w="9525">
                 <a:solidFill>
                   <a:srgbClr val="000000"/>
                 </a:solidFill>
@@ -301,7 +299,7 @@
               </a14:hiddenLine>
             </a:ext>
             <a:ext uri="{AF507438-7753-43E0-B8FC-AC1667EBCBE1}">
-              <a14:hiddenEffects xmlns:a14="http://schemas.microsoft.com/office/drawing/2010/main">
+              <a14:hiddenEffects xmlns:a14="http://schemas.microsoft.com/office/drawing/2010/main" xmlns="">
                 <a:effectLst>
                   <a:outerShdw dist="35921" dir="2700000" algn="ctr" rotWithShape="0">
                     <a:schemeClr val="bg2"/>
@@ -349,14 +347,14 @@
           <a:effectLst/>
           <a:extLst>
             <a:ext uri="{909E8E84-426E-40DD-AFC4-6F175D3DCCD1}">
-              <a14:hiddenFill xmlns:a14="http://schemas.microsoft.com/office/drawing/2010/main">
+              <a14:hiddenFill xmlns:a14="http://schemas.microsoft.com/office/drawing/2010/main" xmlns="">
                 <a:solidFill>
                   <a:srgbClr val="FFFFFF"/>
                 </a:solidFill>
               </a14:hiddenFill>
             </a:ext>
             <a:ext uri="{91240B29-F687-4F45-9708-019B960494DF}">
-              <a14:hiddenLine xmlns:a14="http://schemas.microsoft.com/office/drawing/2010/main" w="9525">
+              <a14:hiddenLine xmlns:a14="http://schemas.microsoft.com/office/drawing/2010/main" xmlns="" w="9525">
                 <a:solidFill>
                   <a:srgbClr val="000000"/>
                 </a:solidFill>
@@ -366,7 +364,7 @@
               </a14:hiddenLine>
             </a:ext>
             <a:ext uri="{AF507438-7753-43E0-B8FC-AC1667EBCBE1}">
-              <a14:hiddenEffects xmlns:a14="http://schemas.microsoft.com/office/drawing/2010/main">
+              <a14:hiddenEffects xmlns:a14="http://schemas.microsoft.com/office/drawing/2010/main" xmlns="">
                 <a:effectLst>
                   <a:outerShdw dist="35921" dir="2700000" algn="ctr" rotWithShape="0">
                     <a:schemeClr val="bg2"/>
@@ -441,14 +439,14 @@
           <a:effectLst/>
           <a:extLst>
             <a:ext uri="{909E8E84-426E-40DD-AFC4-6F175D3DCCD1}">
-              <a14:hiddenFill xmlns:a14="http://schemas.microsoft.com/office/drawing/2010/main">
+              <a14:hiddenFill xmlns:a14="http://schemas.microsoft.com/office/drawing/2010/main" xmlns="">
                 <a:solidFill>
                   <a:srgbClr val="FFFFFF"/>
                 </a:solidFill>
               </a14:hiddenFill>
             </a:ext>
             <a:ext uri="{91240B29-F687-4F45-9708-019B960494DF}">
-              <a14:hiddenLine xmlns:a14="http://schemas.microsoft.com/office/drawing/2010/main" w="9525">
+              <a14:hiddenLine xmlns:a14="http://schemas.microsoft.com/office/drawing/2010/main" xmlns="" w="9525">
                 <a:solidFill>
                   <a:srgbClr val="000000"/>
                 </a:solidFill>
@@ -458,7 +456,7 @@
               </a14:hiddenLine>
             </a:ext>
             <a:ext uri="{AF507438-7753-43E0-B8FC-AC1667EBCBE1}">
-              <a14:hiddenEffects xmlns:a14="http://schemas.microsoft.com/office/drawing/2010/main">
+              <a14:hiddenEffects xmlns:a14="http://schemas.microsoft.com/office/drawing/2010/main" xmlns="">
                 <a:effectLst>
                   <a:outerShdw dist="35921" dir="2700000" algn="ctr" rotWithShape="0">
                     <a:schemeClr val="bg2"/>
@@ -533,14 +531,14 @@
           <a:effectLst/>
           <a:extLst>
             <a:ext uri="{909E8E84-426E-40DD-AFC4-6F175D3DCCD1}">
-              <a14:hiddenFill xmlns:a14="http://schemas.microsoft.com/office/drawing/2010/main">
+              <a14:hiddenFill xmlns:a14="http://schemas.microsoft.com/office/drawing/2010/main" xmlns="">
                 <a:solidFill>
                   <a:srgbClr val="FFFFFF"/>
                 </a:solidFill>
               </a14:hiddenFill>
             </a:ext>
             <a:ext uri="{91240B29-F687-4F45-9708-019B960494DF}">
-              <a14:hiddenLine xmlns:a14="http://schemas.microsoft.com/office/drawing/2010/main" w="9525">
+              <a14:hiddenLine xmlns:a14="http://schemas.microsoft.com/office/drawing/2010/main" xmlns="" w="9525">
                 <a:solidFill>
                   <a:srgbClr val="000000"/>
                 </a:solidFill>
@@ -550,7 +548,7 @@
               </a14:hiddenLine>
             </a:ext>
             <a:ext uri="{AF507438-7753-43E0-B8FC-AC1667EBCBE1}">
-              <a14:hiddenEffects xmlns:a14="http://schemas.microsoft.com/office/drawing/2010/main">
+              <a14:hiddenEffects xmlns:a14="http://schemas.microsoft.com/office/drawing/2010/main" xmlns="">
                 <a:effectLst>
                   <a:outerShdw dist="35921" dir="2700000" algn="ctr" rotWithShape="0">
                     <a:schemeClr val="bg2"/>
@@ -625,14 +623,14 @@
           <a:effectLst/>
           <a:extLst>
             <a:ext uri="{909E8E84-426E-40DD-AFC4-6F175D3DCCD1}">
-              <a14:hiddenFill xmlns:a14="http://schemas.microsoft.com/office/drawing/2010/main">
+              <a14:hiddenFill xmlns:a14="http://schemas.microsoft.com/office/drawing/2010/main" xmlns="">
                 <a:solidFill>
                   <a:srgbClr val="FFFFFF"/>
                 </a:solidFill>
               </a14:hiddenFill>
             </a:ext>
             <a:ext uri="{91240B29-F687-4F45-9708-019B960494DF}">
-              <a14:hiddenLine xmlns:a14="http://schemas.microsoft.com/office/drawing/2010/main" w="9525">
+              <a14:hiddenLine xmlns:a14="http://schemas.microsoft.com/office/drawing/2010/main" xmlns="" w="9525">
                 <a:solidFill>
                   <a:srgbClr val="000000"/>
                 </a:solidFill>
@@ -642,7 +640,7 @@
               </a14:hiddenLine>
             </a:ext>
             <a:ext uri="{AF507438-7753-43E0-B8FC-AC1667EBCBE1}">
-              <a14:hiddenEffects xmlns:a14="http://schemas.microsoft.com/office/drawing/2010/main">
+              <a14:hiddenEffects xmlns:a14="http://schemas.microsoft.com/office/drawing/2010/main" xmlns="">
                 <a:effectLst>
                   <a:outerShdw dist="35921" dir="2700000" algn="ctr" rotWithShape="0">
                     <a:schemeClr val="bg2"/>
@@ -696,7 +694,7 @@
     </p:spTree>
     <p:extLst>
       <p:ext uri="{BB962C8B-B14F-4D97-AF65-F5344CB8AC3E}">
-        <p14:creationId xmlns:p14="http://schemas.microsoft.com/office/powerpoint/2010/main" val="1918974402"/>
+        <p14:creationId xmlns:p14="http://schemas.microsoft.com/office/powerpoint/2010/main" xmlns="" val="1918974402"/>
       </p:ext>
     </p:extLst>
   </p:cSld>
@@ -963,7 +961,7 @@
     </p:spTree>
     <p:extLst>
       <p:ext uri="{BB962C8B-B14F-4D97-AF65-F5344CB8AC3E}">
-        <p14:creationId xmlns:p14="http://schemas.microsoft.com/office/powerpoint/2010/main" val="42050546"/>
+        <p14:creationId xmlns:p14="http://schemas.microsoft.com/office/powerpoint/2010/main" xmlns="" val="42050546"/>
       </p:ext>
     </p:extLst>
   </p:cSld>
@@ -1085,7 +1083,7 @@
     </p:spTree>
     <p:extLst>
       <p:ext uri="{BB962C8B-B14F-4D97-AF65-F5344CB8AC3E}">
-        <p14:creationId xmlns:p14="http://schemas.microsoft.com/office/powerpoint/2010/main" val="3695878693"/>
+        <p14:creationId xmlns:p14="http://schemas.microsoft.com/office/powerpoint/2010/main" xmlns="" val="3695878693"/>
       </p:ext>
     </p:extLst>
   </p:cSld>
@@ -1207,7 +1205,7 @@
     </p:spTree>
     <p:extLst>
       <p:ext uri="{BB962C8B-B14F-4D97-AF65-F5344CB8AC3E}">
-        <p14:creationId xmlns:p14="http://schemas.microsoft.com/office/powerpoint/2010/main" val="956622683"/>
+        <p14:creationId xmlns:p14="http://schemas.microsoft.com/office/powerpoint/2010/main" xmlns="" val="956622683"/>
       </p:ext>
     </p:extLst>
   </p:cSld>
@@ -1329,7 +1327,7 @@
     </p:spTree>
     <p:extLst>
       <p:ext uri="{BB962C8B-B14F-4D97-AF65-F5344CB8AC3E}">
-        <p14:creationId xmlns:p14="http://schemas.microsoft.com/office/powerpoint/2010/main" val="4247299366"/>
+        <p14:creationId xmlns:p14="http://schemas.microsoft.com/office/powerpoint/2010/main" xmlns="" val="4247299366"/>
       </p:ext>
     </p:extLst>
   </p:cSld>
@@ -1451,7 +1449,7 @@
     </p:spTree>
     <p:extLst>
       <p:ext uri="{BB962C8B-B14F-4D97-AF65-F5344CB8AC3E}">
-        <p14:creationId xmlns:p14="http://schemas.microsoft.com/office/powerpoint/2010/main" val="832768815"/>
+        <p14:creationId xmlns:p14="http://schemas.microsoft.com/office/powerpoint/2010/main" xmlns="" val="832768815"/>
       </p:ext>
     </p:extLst>
   </p:cSld>
@@ -1573,7 +1571,7 @@
     </p:spTree>
     <p:extLst>
       <p:ext uri="{BB962C8B-B14F-4D97-AF65-F5344CB8AC3E}">
-        <p14:creationId xmlns:p14="http://schemas.microsoft.com/office/powerpoint/2010/main" val="1823494493"/>
+        <p14:creationId xmlns:p14="http://schemas.microsoft.com/office/powerpoint/2010/main" xmlns="" val="1823494493"/>
       </p:ext>
     </p:extLst>
   </p:cSld>
@@ -1695,7 +1693,7 @@
     </p:spTree>
     <p:extLst>
       <p:ext uri="{BB962C8B-B14F-4D97-AF65-F5344CB8AC3E}">
-        <p14:creationId xmlns:p14="http://schemas.microsoft.com/office/powerpoint/2010/main" val="3764620127"/>
+        <p14:creationId xmlns:p14="http://schemas.microsoft.com/office/powerpoint/2010/main" xmlns="" val="3764620127"/>
       </p:ext>
     </p:extLst>
   </p:cSld>
@@ -1817,7 +1815,7 @@
     </p:spTree>
     <p:extLst>
       <p:ext uri="{BB962C8B-B14F-4D97-AF65-F5344CB8AC3E}">
-        <p14:creationId xmlns:p14="http://schemas.microsoft.com/office/powerpoint/2010/main" val="3172697500"/>
+        <p14:creationId xmlns:p14="http://schemas.microsoft.com/office/powerpoint/2010/main" xmlns="" val="3172697500"/>
       </p:ext>
     </p:extLst>
   </p:cSld>
@@ -1939,7 +1937,7 @@
     </p:spTree>
     <p:extLst>
       <p:ext uri="{BB962C8B-B14F-4D97-AF65-F5344CB8AC3E}">
-        <p14:creationId xmlns:p14="http://schemas.microsoft.com/office/powerpoint/2010/main" val="3962970376"/>
+        <p14:creationId xmlns:p14="http://schemas.microsoft.com/office/powerpoint/2010/main" xmlns="" val="3962970376"/>
       </p:ext>
     </p:extLst>
   </p:cSld>
@@ -2061,7 +2059,7 @@
     </p:spTree>
     <p:extLst>
       <p:ext uri="{BB962C8B-B14F-4D97-AF65-F5344CB8AC3E}">
-        <p14:creationId xmlns:p14="http://schemas.microsoft.com/office/powerpoint/2010/main" val="2260329551"/>
+        <p14:creationId xmlns:p14="http://schemas.microsoft.com/office/powerpoint/2010/main" xmlns="" val="2260329551"/>
       </p:ext>
     </p:extLst>
   </p:cSld>
@@ -2183,7 +2181,7 @@
     </p:spTree>
     <p:extLst>
       <p:ext uri="{BB962C8B-B14F-4D97-AF65-F5344CB8AC3E}">
-        <p14:creationId xmlns:p14="http://schemas.microsoft.com/office/powerpoint/2010/main" val="1114755399"/>
+        <p14:creationId xmlns:p14="http://schemas.microsoft.com/office/powerpoint/2010/main" xmlns="" val="1114755399"/>
       </p:ext>
     </p:extLst>
   </p:cSld>
@@ -2305,7 +2303,7 @@
     </p:spTree>
     <p:extLst>
       <p:ext uri="{BB962C8B-B14F-4D97-AF65-F5344CB8AC3E}">
-        <p14:creationId xmlns:p14="http://schemas.microsoft.com/office/powerpoint/2010/main" val="1317698827"/>
+        <p14:creationId xmlns:p14="http://schemas.microsoft.com/office/powerpoint/2010/main" xmlns="" val="1317698827"/>
       </p:ext>
     </p:extLst>
   </p:cSld>
@@ -2427,7 +2425,7 @@
     </p:spTree>
     <p:extLst>
       <p:ext uri="{BB962C8B-B14F-4D97-AF65-F5344CB8AC3E}">
-        <p14:creationId xmlns:p14="http://schemas.microsoft.com/office/powerpoint/2010/main" val="2523161732"/>
+        <p14:creationId xmlns:p14="http://schemas.microsoft.com/office/powerpoint/2010/main" xmlns="" val="2523161732"/>
       </p:ext>
     </p:extLst>
   </p:cSld>
@@ -2549,7 +2547,7 @@
     </p:spTree>
     <p:extLst>
       <p:ext uri="{BB962C8B-B14F-4D97-AF65-F5344CB8AC3E}">
-        <p14:creationId xmlns:p14="http://schemas.microsoft.com/office/powerpoint/2010/main" val="4163731922"/>
+        <p14:creationId xmlns:p14="http://schemas.microsoft.com/office/powerpoint/2010/main" xmlns="" val="4163731922"/>
       </p:ext>
     </p:extLst>
   </p:cSld>
@@ -2671,7 +2669,7 @@
     </p:spTree>
     <p:extLst>
       <p:ext uri="{BB962C8B-B14F-4D97-AF65-F5344CB8AC3E}">
-        <p14:creationId xmlns:p14="http://schemas.microsoft.com/office/powerpoint/2010/main" val="4157049032"/>
+        <p14:creationId xmlns:p14="http://schemas.microsoft.com/office/powerpoint/2010/main" xmlns="" val="4157049032"/>
       </p:ext>
     </p:extLst>
   </p:cSld>
@@ -2793,7 +2791,7 @@
     </p:spTree>
     <p:extLst>
       <p:ext uri="{BB962C8B-B14F-4D97-AF65-F5344CB8AC3E}">
-        <p14:creationId xmlns:p14="http://schemas.microsoft.com/office/powerpoint/2010/main" val="1746510029"/>
+        <p14:creationId xmlns:p14="http://schemas.microsoft.com/office/powerpoint/2010/main" xmlns="" val="1746510029"/>
       </p:ext>
     </p:extLst>
   </p:cSld>
@@ -2915,7 +2913,7 @@
     </p:spTree>
     <p:extLst>
       <p:ext uri="{BB962C8B-B14F-4D97-AF65-F5344CB8AC3E}">
-        <p14:creationId xmlns:p14="http://schemas.microsoft.com/office/powerpoint/2010/main" val="200276390"/>
+        <p14:creationId xmlns:p14="http://schemas.microsoft.com/office/powerpoint/2010/main" xmlns="" val="200276390"/>
       </p:ext>
     </p:extLst>
   </p:cSld>
@@ -3037,7 +3035,7 @@
     </p:spTree>
     <p:extLst>
       <p:ext uri="{BB962C8B-B14F-4D97-AF65-F5344CB8AC3E}">
-        <p14:creationId xmlns:p14="http://schemas.microsoft.com/office/powerpoint/2010/main" val="3776665909"/>
+        <p14:creationId xmlns:p14="http://schemas.microsoft.com/office/powerpoint/2010/main" xmlns="" val="3776665909"/>
       </p:ext>
     </p:extLst>
   </p:cSld>
@@ -3159,7 +3157,7 @@
     </p:spTree>
     <p:extLst>
       <p:ext uri="{BB962C8B-B14F-4D97-AF65-F5344CB8AC3E}">
-        <p14:creationId xmlns:p14="http://schemas.microsoft.com/office/powerpoint/2010/main" val="3478868481"/>
+        <p14:creationId xmlns:p14="http://schemas.microsoft.com/office/powerpoint/2010/main" xmlns="" val="3478868481"/>
       </p:ext>
     </p:extLst>
   </p:cSld>
@@ -3281,7 +3279,7 @@
     </p:spTree>
     <p:extLst>
       <p:ext uri="{BB962C8B-B14F-4D97-AF65-F5344CB8AC3E}">
-        <p14:creationId xmlns:p14="http://schemas.microsoft.com/office/powerpoint/2010/main" val="4253673966"/>
+        <p14:creationId xmlns:p14="http://schemas.microsoft.com/office/powerpoint/2010/main" xmlns="" val="4253673966"/>
       </p:ext>
     </p:extLst>
   </p:cSld>
@@ -3403,7 +3401,7 @@
     </p:spTree>
     <p:extLst>
       <p:ext uri="{BB962C8B-B14F-4D97-AF65-F5344CB8AC3E}">
-        <p14:creationId xmlns:p14="http://schemas.microsoft.com/office/powerpoint/2010/main" val="1344981799"/>
+        <p14:creationId xmlns:p14="http://schemas.microsoft.com/office/powerpoint/2010/main" xmlns="" val="1344981799"/>
       </p:ext>
     </p:extLst>
   </p:cSld>
@@ -3525,7 +3523,7 @@
     </p:spTree>
     <p:extLst>
       <p:ext uri="{BB962C8B-B14F-4D97-AF65-F5344CB8AC3E}">
-        <p14:creationId xmlns:p14="http://schemas.microsoft.com/office/powerpoint/2010/main" val="1883092408"/>
+        <p14:creationId xmlns:p14="http://schemas.microsoft.com/office/powerpoint/2010/main" xmlns="" val="1883092408"/>
       </p:ext>
     </p:extLst>
   </p:cSld>
@@ -3647,7 +3645,7 @@
     </p:spTree>
     <p:extLst>
       <p:ext uri="{BB962C8B-B14F-4D97-AF65-F5344CB8AC3E}">
-        <p14:creationId xmlns:p14="http://schemas.microsoft.com/office/powerpoint/2010/main" val="3834770153"/>
+        <p14:creationId xmlns:p14="http://schemas.microsoft.com/office/powerpoint/2010/main" xmlns="" val="3834770153"/>
       </p:ext>
     </p:extLst>
   </p:cSld>
@@ -3769,7 +3767,7 @@
     </p:spTree>
     <p:extLst>
       <p:ext uri="{BB962C8B-B14F-4D97-AF65-F5344CB8AC3E}">
-        <p14:creationId xmlns:p14="http://schemas.microsoft.com/office/powerpoint/2010/main" val="3859950044"/>
+        <p14:creationId xmlns:p14="http://schemas.microsoft.com/office/powerpoint/2010/main" xmlns="" val="3859950044"/>
       </p:ext>
     </p:extLst>
   </p:cSld>
@@ -3891,7 +3889,7 @@
     </p:spTree>
     <p:extLst>
       <p:ext uri="{BB962C8B-B14F-4D97-AF65-F5344CB8AC3E}">
-        <p14:creationId xmlns:p14="http://schemas.microsoft.com/office/powerpoint/2010/main" val="2801704936"/>
+        <p14:creationId xmlns:p14="http://schemas.microsoft.com/office/powerpoint/2010/main" xmlns="" val="2801704936"/>
       </p:ext>
     </p:extLst>
   </p:cSld>
@@ -4013,7 +4011,7 @@
     </p:spTree>
     <p:extLst>
       <p:ext uri="{BB962C8B-B14F-4D97-AF65-F5344CB8AC3E}">
-        <p14:creationId xmlns:p14="http://schemas.microsoft.com/office/powerpoint/2010/main" val="306331640"/>
+        <p14:creationId xmlns:p14="http://schemas.microsoft.com/office/powerpoint/2010/main" xmlns="" val="306331640"/>
       </p:ext>
     </p:extLst>
   </p:cSld>
@@ -4050,7 +4048,7 @@
       </p:grpSpPr>
       <p:sp>
         <p:nvSpPr>
-          <p:cNvPr id="69634" name="Rectangle 6"/>
+          <p:cNvPr id="71682" name="Rectangle 6"/>
           <p:cNvSpPr>
             <a:spLocks noGrp="1" noChangeArrowheads="1"/>
           </p:cNvSpPr>
@@ -4070,7 +4068,7 @@
           <a:bodyPr/>
           <a:lstStyle/>
           <a:p>
-            <a:fld id="{09EBA9D8-0BEF-4DF7-8FFE-EDDA6651F9C3}" type="slidenum">
+            <a:fld id="{7B0732C5-6D38-41E2-A492-3F5CD42AC337}" type="slidenum">
               <a:rPr lang="de-DE" altLang="de-DE"/>
               <a:pPr/>
               <a:t>33</a:t>
@@ -4081,7 +4079,7 @@
       </p:sp>
       <p:sp>
         <p:nvSpPr>
-          <p:cNvPr id="69635" name="Rectangle 1"/>
+          <p:cNvPr id="71683" name="Rectangle 1"/>
           <p:cNvSpPr>
             <a:spLocks noGrp="1" noRot="1" noChangeAspect="1" noChangeArrowheads="1" noTextEdit="1"/>
           </p:cNvSpPr>
@@ -4107,7 +4105,7 @@
       </p:sp>
       <p:sp>
         <p:nvSpPr>
-          <p:cNvPr id="69636" name="Rectangle 2"/>
+          <p:cNvPr id="71684" name="Rectangle 2"/>
           <p:cNvSpPr>
             <a:spLocks noGrp="1" noChangeArrowheads="1"/>
           </p:cNvSpPr>
@@ -4135,7 +4133,7 @@
     </p:spTree>
     <p:extLst>
       <p:ext uri="{BB962C8B-B14F-4D97-AF65-F5344CB8AC3E}">
-        <p14:creationId xmlns:p14="http://schemas.microsoft.com/office/powerpoint/2010/main" val="1915139262"/>
+        <p14:creationId xmlns:p14="http://schemas.microsoft.com/office/powerpoint/2010/main" xmlns="" val="2840300364"/>
       </p:ext>
     </p:extLst>
   </p:cSld>
@@ -4172,7 +4170,7 @@
       </p:grpSpPr>
       <p:sp>
         <p:nvSpPr>
-          <p:cNvPr id="71682" name="Rectangle 6"/>
+          <p:cNvPr id="73730" name="Rectangle 6"/>
           <p:cNvSpPr>
             <a:spLocks noGrp="1" noChangeArrowheads="1"/>
           </p:cNvSpPr>
@@ -4192,7 +4190,7 @@
           <a:bodyPr/>
           <a:lstStyle/>
           <a:p>
-            <a:fld id="{7B0732C5-6D38-41E2-A492-3F5CD42AC337}" type="slidenum">
+            <a:fld id="{BD9056EB-7CB9-45A4-BC37-74F7C80297B6}" type="slidenum">
               <a:rPr lang="de-DE" altLang="de-DE"/>
               <a:pPr/>
               <a:t>34</a:t>
@@ -4203,7 +4201,7 @@
       </p:sp>
       <p:sp>
         <p:nvSpPr>
-          <p:cNvPr id="71683" name="Rectangle 1"/>
+          <p:cNvPr id="73731" name="Rectangle 1"/>
           <p:cNvSpPr>
             <a:spLocks noGrp="1" noRot="1" noChangeAspect="1" noChangeArrowheads="1" noTextEdit="1"/>
           </p:cNvSpPr>
@@ -4229,7 +4227,7 @@
       </p:sp>
       <p:sp>
         <p:nvSpPr>
-          <p:cNvPr id="71684" name="Rectangle 2"/>
+          <p:cNvPr id="73732" name="Rectangle 2"/>
           <p:cNvSpPr>
             <a:spLocks noGrp="1" noChangeArrowheads="1"/>
           </p:cNvSpPr>
@@ -4257,7 +4255,7 @@
     </p:spTree>
     <p:extLst>
       <p:ext uri="{BB962C8B-B14F-4D97-AF65-F5344CB8AC3E}">
-        <p14:creationId xmlns:p14="http://schemas.microsoft.com/office/powerpoint/2010/main" val="2840300364"/>
+        <p14:creationId xmlns:p14="http://schemas.microsoft.com/office/powerpoint/2010/main" xmlns="" val="1403514416"/>
       </p:ext>
     </p:extLst>
   </p:cSld>
@@ -4294,7 +4292,7 @@
       </p:grpSpPr>
       <p:sp>
         <p:nvSpPr>
-          <p:cNvPr id="73730" name="Rectangle 6"/>
+          <p:cNvPr id="75778" name="Rectangle 6"/>
           <p:cNvSpPr>
             <a:spLocks noGrp="1" noChangeArrowheads="1"/>
           </p:cNvSpPr>
@@ -4314,7 +4312,7 @@
           <a:bodyPr/>
           <a:lstStyle/>
           <a:p>
-            <a:fld id="{BD9056EB-7CB9-45A4-BC37-74F7C80297B6}" type="slidenum">
+            <a:fld id="{E88ABFAE-4B8A-4AFA-A933-ADC72E23BE1C}" type="slidenum">
               <a:rPr lang="de-DE" altLang="de-DE"/>
               <a:pPr/>
               <a:t>35</a:t>
@@ -4325,7 +4323,7 @@
       </p:sp>
       <p:sp>
         <p:nvSpPr>
-          <p:cNvPr id="73731" name="Rectangle 1"/>
+          <p:cNvPr id="75779" name="Rectangle 1"/>
           <p:cNvSpPr>
             <a:spLocks noGrp="1" noRot="1" noChangeAspect="1" noChangeArrowheads="1" noTextEdit="1"/>
           </p:cNvSpPr>
@@ -4351,7 +4349,7 @@
       </p:sp>
       <p:sp>
         <p:nvSpPr>
-          <p:cNvPr id="73732" name="Rectangle 2"/>
+          <p:cNvPr id="75780" name="Rectangle 2"/>
           <p:cNvSpPr>
             <a:spLocks noGrp="1" noChangeArrowheads="1"/>
           </p:cNvSpPr>
@@ -4379,251 +4377,7 @@
     </p:spTree>
     <p:extLst>
       <p:ext uri="{BB962C8B-B14F-4D97-AF65-F5344CB8AC3E}">
-        <p14:creationId xmlns:p14="http://schemas.microsoft.com/office/powerpoint/2010/main" val="1403514416"/>
-      </p:ext>
-    </p:extLst>
-  </p:cSld>
-  <p:clrMapOvr>
-    <a:masterClrMapping/>
-  </p:clrMapOvr>
-</p:notes>
-</file>
-
-<file path=ppt/notesSlides/notesSlide36.xml><?xml version="1.0" encoding="utf-8"?>
-<p:notes xmlns:a="http://schemas.openxmlformats.org/drawingml/2006/main" xmlns:r="http://schemas.openxmlformats.org/officeDocument/2006/relationships" xmlns:p="http://schemas.openxmlformats.org/presentationml/2006/main">
-  <p:cSld>
-    <p:bg>
-      <p:bgPr>
-        <a:solidFill>
-          <a:srgbClr val="FFFFFF"/>
-        </a:solidFill>
-        <a:effectLst/>
-      </p:bgPr>
-    </p:bg>
-    <p:spTree>
-      <p:nvGrpSpPr>
-        <p:cNvPr id="1" name=""/>
-        <p:cNvGrpSpPr/>
-        <p:nvPr/>
-      </p:nvGrpSpPr>
-      <p:grpSpPr>
-        <a:xfrm>
-          <a:off x="0" y="0"/>
-          <a:ext cx="0" cy="0"/>
-          <a:chOff x="0" y="0"/>
-          <a:chExt cx="0" cy="0"/>
-        </a:xfrm>
-      </p:grpSpPr>
-      <p:sp>
-        <p:nvSpPr>
-          <p:cNvPr id="75778" name="Rectangle 6"/>
-          <p:cNvSpPr>
-            <a:spLocks noGrp="1" noChangeArrowheads="1"/>
-          </p:cNvSpPr>
-          <p:nvPr>
-            <p:ph type="sldNum" sz="quarter"/>
-          </p:nvPr>
-        </p:nvSpPr>
-        <p:spPr>
-          <a:noFill/>
-          <a:ln>
-            <a:round/>
-            <a:headEnd/>
-            <a:tailEnd/>
-          </a:ln>
-        </p:spPr>
-        <p:txBody>
-          <a:bodyPr/>
-          <a:lstStyle/>
-          <a:p>
-            <a:fld id="{E88ABFAE-4B8A-4AFA-A933-ADC72E23BE1C}" type="slidenum">
-              <a:rPr lang="de-DE" altLang="de-DE"/>
-              <a:pPr/>
-              <a:t>36</a:t>
-            </a:fld>
-            <a:endParaRPr lang="de-DE" altLang="de-DE"/>
-          </a:p>
-        </p:txBody>
-      </p:sp>
-      <p:sp>
-        <p:nvSpPr>
-          <p:cNvPr id="75779" name="Rectangle 1"/>
-          <p:cNvSpPr>
-            <a:spLocks noGrp="1" noRot="1" noChangeAspect="1" noChangeArrowheads="1" noTextEdit="1"/>
-          </p:cNvSpPr>
-          <p:nvPr>
-            <p:ph type="sldImg"/>
-          </p:nvPr>
-        </p:nvSpPr>
-        <p:spPr>
-          <a:xfrm>
-            <a:off x="1106488" y="812800"/>
-            <a:ext cx="5345112" cy="4008438"/>
-          </a:xfrm>
-          <a:solidFill>
-            <a:srgbClr val="FFFFFF"/>
-          </a:solidFill>
-          <a:ln>
-            <a:solidFill>
-              <a:srgbClr val="000000"/>
-            </a:solidFill>
-            <a:miter lim="800000"/>
-          </a:ln>
-        </p:spPr>
-      </p:sp>
-      <p:sp>
-        <p:nvSpPr>
-          <p:cNvPr id="75780" name="Rectangle 2"/>
-          <p:cNvSpPr>
-            <a:spLocks noGrp="1" noChangeArrowheads="1"/>
-          </p:cNvSpPr>
-          <p:nvPr>
-            <p:ph type="body" idx="1"/>
-          </p:nvPr>
-        </p:nvSpPr>
-        <p:spPr>
-          <a:xfrm>
-            <a:off x="755650" y="5078413"/>
-            <a:ext cx="6048375" cy="4811712"/>
-          </a:xfrm>
-          <a:noFill/>
-        </p:spPr>
-        <p:txBody>
-          <a:bodyPr wrap="none" anchor="ctr"/>
-          <a:lstStyle/>
-          <a:p>
-            <a:endParaRPr lang="de-DE" altLang="de-DE" smtClean="0">
-              <a:latin typeface="Times New Roman" pitchFamily="16" charset="0"/>
-            </a:endParaRPr>
-          </a:p>
-        </p:txBody>
-      </p:sp>
-    </p:spTree>
-    <p:extLst>
-      <p:ext uri="{BB962C8B-B14F-4D97-AF65-F5344CB8AC3E}">
-        <p14:creationId xmlns:p14="http://schemas.microsoft.com/office/powerpoint/2010/main" val="2488373299"/>
-      </p:ext>
-    </p:extLst>
-  </p:cSld>
-  <p:clrMapOvr>
-    <a:masterClrMapping/>
-  </p:clrMapOvr>
-</p:notes>
-</file>
-
-<file path=ppt/notesSlides/notesSlide37.xml><?xml version="1.0" encoding="utf-8"?>
-<p:notes xmlns:a="http://schemas.openxmlformats.org/drawingml/2006/main" xmlns:r="http://schemas.openxmlformats.org/officeDocument/2006/relationships" xmlns:p="http://schemas.openxmlformats.org/presentationml/2006/main">
-  <p:cSld>
-    <p:bg>
-      <p:bgPr>
-        <a:solidFill>
-          <a:srgbClr val="FFFFFF"/>
-        </a:solidFill>
-        <a:effectLst/>
-      </p:bgPr>
-    </p:bg>
-    <p:spTree>
-      <p:nvGrpSpPr>
-        <p:cNvPr id="1" name=""/>
-        <p:cNvGrpSpPr/>
-        <p:nvPr/>
-      </p:nvGrpSpPr>
-      <p:grpSpPr>
-        <a:xfrm>
-          <a:off x="0" y="0"/>
-          <a:ext cx="0" cy="0"/>
-          <a:chOff x="0" y="0"/>
-          <a:chExt cx="0" cy="0"/>
-        </a:xfrm>
-      </p:grpSpPr>
-      <p:sp>
-        <p:nvSpPr>
-          <p:cNvPr id="77826" name="Rectangle 6"/>
-          <p:cNvSpPr>
-            <a:spLocks noGrp="1" noChangeArrowheads="1"/>
-          </p:cNvSpPr>
-          <p:nvPr>
-            <p:ph type="sldNum" sz="quarter"/>
-          </p:nvPr>
-        </p:nvSpPr>
-        <p:spPr>
-          <a:noFill/>
-          <a:ln>
-            <a:round/>
-            <a:headEnd/>
-            <a:tailEnd/>
-          </a:ln>
-        </p:spPr>
-        <p:txBody>
-          <a:bodyPr/>
-          <a:lstStyle/>
-          <a:p>
-            <a:fld id="{021D52BF-5EDB-4191-B4B4-204962BD5FD1}" type="slidenum">
-              <a:rPr lang="de-DE" altLang="de-DE"/>
-              <a:pPr/>
-              <a:t>37</a:t>
-            </a:fld>
-            <a:endParaRPr lang="de-DE" altLang="de-DE"/>
-          </a:p>
-        </p:txBody>
-      </p:sp>
-      <p:sp>
-        <p:nvSpPr>
-          <p:cNvPr id="77827" name="Rectangle 1"/>
-          <p:cNvSpPr>
-            <a:spLocks noGrp="1" noRot="1" noChangeAspect="1" noChangeArrowheads="1" noTextEdit="1"/>
-          </p:cNvSpPr>
-          <p:nvPr>
-            <p:ph type="sldImg"/>
-          </p:nvPr>
-        </p:nvSpPr>
-        <p:spPr>
-          <a:xfrm>
-            <a:off x="1106488" y="812800"/>
-            <a:ext cx="5345112" cy="4008438"/>
-          </a:xfrm>
-          <a:solidFill>
-            <a:srgbClr val="FFFFFF"/>
-          </a:solidFill>
-          <a:ln>
-            <a:solidFill>
-              <a:srgbClr val="000000"/>
-            </a:solidFill>
-            <a:miter lim="800000"/>
-          </a:ln>
-        </p:spPr>
-      </p:sp>
-      <p:sp>
-        <p:nvSpPr>
-          <p:cNvPr id="77828" name="Rectangle 2"/>
-          <p:cNvSpPr>
-            <a:spLocks noGrp="1" noChangeArrowheads="1"/>
-          </p:cNvSpPr>
-          <p:nvPr>
-            <p:ph type="body" idx="1"/>
-          </p:nvPr>
-        </p:nvSpPr>
-        <p:spPr>
-          <a:xfrm>
-            <a:off x="755650" y="5078413"/>
-            <a:ext cx="6048375" cy="4811712"/>
-          </a:xfrm>
-          <a:noFill/>
-        </p:spPr>
-        <p:txBody>
-          <a:bodyPr wrap="none" anchor="ctr"/>
-          <a:lstStyle/>
-          <a:p>
-            <a:endParaRPr lang="de-DE" altLang="de-DE" smtClean="0">
-              <a:latin typeface="Times New Roman" pitchFamily="16" charset="0"/>
-            </a:endParaRPr>
-          </a:p>
-        </p:txBody>
-      </p:sp>
-    </p:spTree>
-    <p:extLst>
-      <p:ext uri="{BB962C8B-B14F-4D97-AF65-F5344CB8AC3E}">
-        <p14:creationId xmlns:p14="http://schemas.microsoft.com/office/powerpoint/2010/main" val="3410403489"/>
+        <p14:creationId xmlns:p14="http://schemas.microsoft.com/office/powerpoint/2010/main" xmlns="" val="2488373299"/>
       </p:ext>
     </p:extLst>
   </p:cSld>
@@ -4745,7 +4499,7 @@
     </p:spTree>
     <p:extLst>
       <p:ext uri="{BB962C8B-B14F-4D97-AF65-F5344CB8AC3E}">
-        <p14:creationId xmlns:p14="http://schemas.microsoft.com/office/powerpoint/2010/main" val="1608900027"/>
+        <p14:creationId xmlns:p14="http://schemas.microsoft.com/office/powerpoint/2010/main" xmlns="" val="1608900027"/>
       </p:ext>
     </p:extLst>
   </p:cSld>
@@ -4867,7 +4621,7 @@
     </p:spTree>
     <p:extLst>
       <p:ext uri="{BB962C8B-B14F-4D97-AF65-F5344CB8AC3E}">
-        <p14:creationId xmlns:p14="http://schemas.microsoft.com/office/powerpoint/2010/main" val="3507959500"/>
+        <p14:creationId xmlns:p14="http://schemas.microsoft.com/office/powerpoint/2010/main" xmlns="" val="3507959500"/>
       </p:ext>
     </p:extLst>
   </p:cSld>
@@ -4989,7 +4743,7 @@
     </p:spTree>
     <p:extLst>
       <p:ext uri="{BB962C8B-B14F-4D97-AF65-F5344CB8AC3E}">
-        <p14:creationId xmlns:p14="http://schemas.microsoft.com/office/powerpoint/2010/main" val="574178272"/>
+        <p14:creationId xmlns:p14="http://schemas.microsoft.com/office/powerpoint/2010/main" xmlns="" val="574178272"/>
       </p:ext>
     </p:extLst>
   </p:cSld>
@@ -5111,7 +4865,7 @@
     </p:spTree>
     <p:extLst>
       <p:ext uri="{BB962C8B-B14F-4D97-AF65-F5344CB8AC3E}">
-        <p14:creationId xmlns:p14="http://schemas.microsoft.com/office/powerpoint/2010/main" val="4221654177"/>
+        <p14:creationId xmlns:p14="http://schemas.microsoft.com/office/powerpoint/2010/main" xmlns="" val="4221654177"/>
       </p:ext>
     </p:extLst>
   </p:cSld>
@@ -5233,7 +4987,7 @@
     </p:spTree>
     <p:extLst>
       <p:ext uri="{BB962C8B-B14F-4D97-AF65-F5344CB8AC3E}">
-        <p14:creationId xmlns:p14="http://schemas.microsoft.com/office/powerpoint/2010/main" val="4263098502"/>
+        <p14:creationId xmlns:p14="http://schemas.microsoft.com/office/powerpoint/2010/main" xmlns="" val="4263098502"/>
       </p:ext>
     </p:extLst>
   </p:cSld>
@@ -5355,7 +5109,7 @@
     </p:spTree>
     <p:extLst>
       <p:ext uri="{BB962C8B-B14F-4D97-AF65-F5344CB8AC3E}">
-        <p14:creationId xmlns:p14="http://schemas.microsoft.com/office/powerpoint/2010/main" val="3084282577"/>
+        <p14:creationId xmlns:p14="http://schemas.microsoft.com/office/powerpoint/2010/main" xmlns="" val="3084282577"/>
       </p:ext>
     </p:extLst>
   </p:cSld>
@@ -8119,14 +7873,14 @@
           <a:effectLst/>
           <a:extLst>
             <a:ext uri="{909E8E84-426E-40DD-AFC4-6F175D3DCCD1}">
-              <a14:hiddenFill xmlns:a14="http://schemas.microsoft.com/office/drawing/2010/main">
+              <a14:hiddenFill xmlns:a14="http://schemas.microsoft.com/office/drawing/2010/main" xmlns="">
                 <a:solidFill>
                   <a:srgbClr val="FFFFFF"/>
                 </a:solidFill>
               </a14:hiddenFill>
             </a:ext>
             <a:ext uri="{91240B29-F687-4F45-9708-019B960494DF}">
-              <a14:hiddenLine xmlns:a14="http://schemas.microsoft.com/office/drawing/2010/main" w="9525">
+              <a14:hiddenLine xmlns:a14="http://schemas.microsoft.com/office/drawing/2010/main" xmlns="" w="9525">
                 <a:solidFill>
                   <a:srgbClr val="000000"/>
                 </a:solidFill>
@@ -8136,7 +7890,7 @@
               </a14:hiddenLine>
             </a:ext>
             <a:ext uri="{AF507438-7753-43E0-B8FC-AC1667EBCBE1}">
-              <a14:hiddenEffects xmlns:a14="http://schemas.microsoft.com/office/drawing/2010/main">
+              <a14:hiddenEffects xmlns:a14="http://schemas.microsoft.com/office/drawing/2010/main" xmlns="">
                 <a:effectLst>
                   <a:outerShdw dist="35921" dir="2700000" algn="ctr" rotWithShape="0">
                     <a:schemeClr val="bg2"/>
@@ -8210,14 +7964,14 @@
           <a:effectLst/>
           <a:extLst>
             <a:ext uri="{909E8E84-426E-40DD-AFC4-6F175D3DCCD1}">
-              <a14:hiddenFill xmlns:a14="http://schemas.microsoft.com/office/drawing/2010/main">
+              <a14:hiddenFill xmlns:a14="http://schemas.microsoft.com/office/drawing/2010/main" xmlns="">
                 <a:solidFill>
                   <a:srgbClr val="FFFFFF"/>
                 </a:solidFill>
               </a14:hiddenFill>
             </a:ext>
             <a:ext uri="{91240B29-F687-4F45-9708-019B960494DF}">
-              <a14:hiddenLine xmlns:a14="http://schemas.microsoft.com/office/drawing/2010/main" w="9525">
+              <a14:hiddenLine xmlns:a14="http://schemas.microsoft.com/office/drawing/2010/main" xmlns="" w="9525">
                 <a:solidFill>
                   <a:srgbClr val="000000"/>
                 </a:solidFill>
@@ -8227,7 +7981,7 @@
               </a14:hiddenLine>
             </a:ext>
             <a:ext uri="{AF507438-7753-43E0-B8FC-AC1667EBCBE1}">
-              <a14:hiddenEffects xmlns:a14="http://schemas.microsoft.com/office/drawing/2010/main">
+              <a14:hiddenEffects xmlns:a14="http://schemas.microsoft.com/office/drawing/2010/main" xmlns="">
                 <a:effectLst>
                   <a:outerShdw dist="35921" dir="2700000" algn="ctr" rotWithShape="0">
                     <a:schemeClr val="bg2"/>
@@ -8302,14 +8056,14 @@
           <a:effectLst/>
           <a:extLst>
             <a:ext uri="{909E8E84-426E-40DD-AFC4-6F175D3DCCD1}">
-              <a14:hiddenFill xmlns:a14="http://schemas.microsoft.com/office/drawing/2010/main">
+              <a14:hiddenFill xmlns:a14="http://schemas.microsoft.com/office/drawing/2010/main" xmlns="">
                 <a:solidFill>
                   <a:srgbClr val="FFFFFF"/>
                 </a:solidFill>
               </a14:hiddenFill>
             </a:ext>
             <a:ext uri="{91240B29-F687-4F45-9708-019B960494DF}">
-              <a14:hiddenLine xmlns:a14="http://schemas.microsoft.com/office/drawing/2010/main" w="9525">
+              <a14:hiddenLine xmlns:a14="http://schemas.microsoft.com/office/drawing/2010/main" xmlns="" w="9525">
                 <a:solidFill>
                   <a:srgbClr val="000000"/>
                 </a:solidFill>
@@ -8319,7 +8073,7 @@
               </a14:hiddenLine>
             </a:ext>
             <a:ext uri="{AF507438-7753-43E0-B8FC-AC1667EBCBE1}">
-              <a14:hiddenEffects xmlns:a14="http://schemas.microsoft.com/office/drawing/2010/main">
+              <a14:hiddenEffects xmlns:a14="http://schemas.microsoft.com/office/drawing/2010/main" xmlns="">
                 <a:effectLst>
                   <a:outerShdw dist="35921" dir="2700000" algn="ctr" rotWithShape="0">
                     <a:schemeClr val="bg2"/>
@@ -11662,12 +11416,28 @@
               </a:tabLst>
             </a:pPr>
             <a:r>
-              <a:rPr lang="de-DE" altLang="de-DE" sz="4000" smtClean="0">
+              <a:rPr lang="de-DE" altLang="de-DE" sz="4000" dirty="0" smtClean="0">
                 <a:solidFill>
                   <a:srgbClr val="FFFFFF"/>
                 </a:solidFill>
               </a:rPr>
-              <a:t>Zu Übung 2 (1)</a:t>
+              <a:t>Zu </a:t>
+            </a:r>
+            <a:r>
+              <a:rPr lang="de-DE" altLang="de-DE" sz="4000" dirty="0" smtClean="0">
+                <a:solidFill>
+                  <a:srgbClr val="FFFFFF"/>
+                </a:solidFill>
+              </a:rPr>
+              <a:t>Teil 2 </a:t>
+            </a:r>
+            <a:r>
+              <a:rPr lang="de-DE" altLang="de-DE" sz="4000" dirty="0" smtClean="0">
+                <a:solidFill>
+                  <a:srgbClr val="FFFFFF"/>
+                </a:solidFill>
+              </a:rPr>
+              <a:t>(1)</a:t>
             </a:r>
           </a:p>
         </p:txBody>
@@ -12145,12 +11915,28 @@
               </a:tabLst>
             </a:pPr>
             <a:r>
-              <a:rPr lang="de-DE" altLang="de-DE" sz="4000" smtClean="0">
+              <a:rPr lang="de-DE" altLang="de-DE" sz="4000" dirty="0" smtClean="0">
                 <a:solidFill>
                   <a:srgbClr val="FFFFFF"/>
                 </a:solidFill>
               </a:rPr>
-              <a:t>Zu Übung 2 (2)</a:t>
+              <a:t>Zu </a:t>
+            </a:r>
+            <a:r>
+              <a:rPr lang="de-DE" altLang="de-DE" sz="4000" dirty="0" smtClean="0">
+                <a:solidFill>
+                  <a:srgbClr val="FFFFFF"/>
+                </a:solidFill>
+              </a:rPr>
+              <a:t>Teil 2 </a:t>
+            </a:r>
+            <a:r>
+              <a:rPr lang="de-DE" altLang="de-DE" sz="4000" dirty="0" smtClean="0">
+                <a:solidFill>
+                  <a:srgbClr val="FFFFFF"/>
+                </a:solidFill>
+              </a:rPr>
+              <a:t>(2)</a:t>
             </a:r>
           </a:p>
         </p:txBody>
@@ -12562,12 +12348,44 @@
               </a:tabLst>
             </a:pPr>
             <a:r>
-              <a:rPr lang="de-DE" altLang="de-DE" sz="4000" smtClean="0">
+              <a:rPr lang="de-DE" altLang="de-DE" sz="4000" dirty="0" smtClean="0">
                 <a:solidFill>
                   <a:srgbClr val="FFFFFF"/>
                 </a:solidFill>
               </a:rPr>
-              <a:t>Zu Übung 2 (3)</a:t>
+              <a:t>Zu </a:t>
+            </a:r>
+            <a:r>
+              <a:rPr lang="de-DE" altLang="de-DE" sz="4000" dirty="0" smtClean="0">
+                <a:solidFill>
+                  <a:srgbClr val="FFFFFF"/>
+                </a:solidFill>
+              </a:rPr>
+              <a:t>Tei</a:t>
+            </a:r>
+            <a:r>
+              <a:rPr lang="de-DE" altLang="de-DE" sz="4000" dirty="0" smtClean="0">
+                <a:solidFill>
+                  <a:srgbClr val="FFFFFF"/>
+                </a:solidFill>
+              </a:rPr>
+              <a:t>l </a:t>
+            </a:r>
+            <a:r>
+              <a:rPr lang="de-DE" altLang="de-DE" sz="4000" dirty="0" smtClean="0">
+                <a:solidFill>
+                  <a:srgbClr val="FFFFFF"/>
+                </a:solidFill>
+              </a:rPr>
+              <a:t>2 </a:t>
+            </a:r>
+            <a:r>
+              <a:rPr lang="de-DE" altLang="de-DE" sz="4000" dirty="0" smtClean="0">
+                <a:solidFill>
+                  <a:srgbClr val="FFFFFF"/>
+                </a:solidFill>
+              </a:rPr>
+              <a:t>(3)</a:t>
             </a:r>
           </a:p>
         </p:txBody>
@@ -18912,13 +18730,18 @@
               </a:tabLst>
             </a:pPr>
             <a:r>
-              <a:rPr lang="de-DE" altLang="de-DE" sz="4000" smtClean="0">
+              <a:rPr lang="de-DE" altLang="de-DE" sz="4000" dirty="0" smtClean="0">
                 <a:solidFill>
                   <a:srgbClr val="FFFFFF"/>
                 </a:solidFill>
               </a:rPr>
-              <a:t>Übung (1)</a:t>
-            </a:r>
+              <a:t>Übung (Teil 5)</a:t>
+            </a:r>
+            <a:endParaRPr lang="de-DE" altLang="de-DE" sz="4000" dirty="0" smtClean="0">
+              <a:solidFill>
+                <a:srgbClr val="FFFFFF"/>
+              </a:solidFill>
+            </a:endParaRPr>
           </a:p>
         </p:txBody>
       </p:sp>
@@ -18962,13 +18785,13 @@
               </a:tabLst>
             </a:pPr>
             <a:r>
-              <a:rPr lang="de-DE" altLang="de-DE" sz="2400" smtClean="0"/>
+              <a:rPr lang="de-DE" altLang="de-DE" sz="2400" dirty="0" smtClean="0"/>
               <a:t>Erweitern Sie das "Black Jack"-Programm wie folgt:</a:t>
             </a:r>
             <a:br>
-              <a:rPr lang="de-DE" altLang="de-DE" sz="2400" smtClean="0"/>
+              <a:rPr lang="de-DE" altLang="de-DE" sz="2400" dirty="0" smtClean="0"/>
             </a:br>
-            <a:endParaRPr lang="de-DE" altLang="de-DE" sz="2400" smtClean="0"/>
+            <a:endParaRPr lang="de-DE" altLang="de-DE" sz="2400" dirty="0" smtClean="0"/>
           </a:p>
           <a:p>
             <a:pPr marL="269875" indent="-269875" eaLnBrk="1">
@@ -18994,34 +18817,75 @@
               </a:tabLst>
             </a:pPr>
             <a:r>
-              <a:rPr lang="de-DE" altLang="de-DE" sz="2400" smtClean="0"/>
-              <a:t>Erweitern Sie die Klasse "Kartenhand" um eine Methode</a:t>
+              <a:rPr lang="de-DE" altLang="de-DE" sz="2400" dirty="0" smtClean="0"/>
+              <a:t>Erweitern Sie die Klasse </a:t>
+            </a:r>
+            <a:r>
+              <a:rPr lang="de-DE" altLang="de-DE" sz="2400" dirty="0" smtClean="0">
+                <a:latin typeface="Courier New" pitchFamily="49" charset="0"/>
+                <a:cs typeface="Courier New" pitchFamily="49" charset="0"/>
+              </a:rPr>
+              <a:t>Kartenhand</a:t>
+            </a:r>
+            <a:r>
+              <a:rPr lang="de-DE" altLang="de-DE" sz="2400" dirty="0" smtClean="0"/>
+              <a:t> </a:t>
+            </a:r>
+            <a:r>
+              <a:rPr lang="de-DE" altLang="de-DE" sz="2400" dirty="0" smtClean="0"/>
+              <a:t>um eine Methode</a:t>
             </a:r>
             <a:br>
-              <a:rPr lang="de-DE" altLang="de-DE" sz="2400" smtClean="0"/>
+              <a:rPr lang="de-DE" altLang="de-DE" sz="2400" dirty="0" smtClean="0"/>
             </a:br>
             <a:r>
-              <a:rPr lang="de-DE" altLang="de-DE" sz="2400" smtClean="0"/>
-              <a:t>"istSiebenerDrilling", welche "true" zurückliefert, wenn die</a:t>
+              <a:rPr lang="de-DE" altLang="de-DE" sz="2400" dirty="0" err="1" smtClean="0">
+                <a:latin typeface="Courier New" pitchFamily="49" charset="0"/>
+                <a:cs typeface="Courier New" pitchFamily="49" charset="0"/>
+              </a:rPr>
+              <a:t>istSiebenerDrilling</a:t>
+            </a:r>
+            <a:r>
+              <a:rPr lang="de-DE" altLang="de-DE" sz="2400" dirty="0" smtClean="0"/>
+              <a:t>, </a:t>
+            </a:r>
+            <a:r>
+              <a:rPr lang="de-DE" altLang="de-DE" sz="2400" dirty="0" smtClean="0"/>
+              <a:t>welche </a:t>
+            </a:r>
+            <a:r>
+              <a:rPr lang="de-DE" altLang="de-DE" sz="2400" dirty="0" err="1" smtClean="0">
+                <a:latin typeface="Courier New" pitchFamily="49" charset="0"/>
+                <a:cs typeface="Courier New" pitchFamily="49" charset="0"/>
+              </a:rPr>
+              <a:t>true</a:t>
+            </a:r>
+            <a:r>
+              <a:rPr lang="de-DE" altLang="de-DE" sz="2400" dirty="0" smtClean="0"/>
+              <a:t> </a:t>
+            </a:r>
+            <a:r>
+              <a:rPr lang="de-DE" altLang="de-DE" sz="2400" dirty="0" smtClean="0"/>
+              <a:t>zurückliefert, wenn die</a:t>
             </a:r>
             <a:br>
-              <a:rPr lang="de-DE" altLang="de-DE" sz="2400" smtClean="0"/>
+              <a:rPr lang="de-DE" altLang="de-DE" sz="2400" dirty="0" smtClean="0"/>
             </a:br>
             <a:r>
-              <a:rPr lang="de-DE" altLang="de-DE" sz="2400" smtClean="0"/>
+              <a:rPr lang="de-DE" altLang="de-DE" sz="2400" dirty="0" smtClean="0"/>
               <a:t>Kartenhand aus nur 3 Karten besteht und alle Karten Siebenen</a:t>
             </a:r>
             <a:br>
-              <a:rPr lang="de-DE" altLang="de-DE" sz="2400" smtClean="0"/>
+              <a:rPr lang="de-DE" altLang="de-DE" sz="2400" dirty="0" smtClean="0"/>
             </a:br>
             <a:r>
-              <a:rPr lang="de-DE" altLang="de-DE" sz="2400" smtClean="0"/>
+              <a:rPr lang="de-DE" altLang="de-DE" sz="2400" dirty="0" smtClean="0"/>
               <a:t>sind.</a:t>
             </a:r>
             <a:br>
-              <a:rPr lang="de-DE" altLang="de-DE" sz="2400" smtClean="0"/>
+              <a:rPr lang="de-DE" altLang="de-DE" sz="2400" dirty="0" smtClean="0"/>
             </a:br>
-            <a:endParaRPr lang="de-DE" altLang="de-DE" sz="2400" smtClean="0"/>
+            <a:endParaRPr lang="de-DE" altLang="de-DE" sz="2400" dirty="0" smtClean="0"/>
           </a:p>
           <a:p>
             <a:pPr marL="269875" indent="-269875" eaLnBrk="1">
@@ -19047,42 +18911,76 @@
               </a:tabLst>
             </a:pPr>
             <a:r>
-              <a:rPr lang="de-DE" altLang="de-DE" sz="2400" smtClean="0"/>
-              <a:t>Prüfen Sie in der Klasse "Start" an geeigneter Stelle ab, ob der</a:t>
+              <a:rPr lang="de-DE" altLang="de-DE" sz="2400" dirty="0" smtClean="0"/>
+              <a:t>Prüfen Sie in der Klasse </a:t>
+            </a:r>
+            <a:r>
+              <a:rPr lang="de-DE" altLang="de-DE" sz="2400" dirty="0" smtClean="0">
+                <a:latin typeface="Courier New" pitchFamily="49" charset="0"/>
+                <a:cs typeface="Courier New" pitchFamily="49" charset="0"/>
+              </a:rPr>
+              <a:t>Start</a:t>
+            </a:r>
+            <a:r>
+              <a:rPr lang="de-DE" altLang="de-DE" sz="2400" dirty="0" smtClean="0"/>
+              <a:t> </a:t>
+            </a:r>
+            <a:r>
+              <a:rPr lang="de-DE" altLang="de-DE" sz="2400" dirty="0" smtClean="0"/>
+              <a:t>an geeigneter Stelle ab, ob der</a:t>
             </a:r>
             <a:br>
-              <a:rPr lang="de-DE" altLang="de-DE" sz="2400" smtClean="0"/>
+              <a:rPr lang="de-DE" altLang="de-DE" sz="2400" dirty="0" smtClean="0"/>
             </a:br>
             <a:r>
-              <a:rPr lang="de-DE" altLang="de-DE" sz="2400" smtClean="0"/>
+              <a:rPr lang="de-DE" altLang="de-DE" sz="2400" dirty="0" smtClean="0"/>
               <a:t>Spieler einen Siebener-Drilling hat und beenden Sie das Spiel</a:t>
             </a:r>
             <a:br>
-              <a:rPr lang="de-DE" altLang="de-DE" sz="2400" smtClean="0"/>
+              <a:rPr lang="de-DE" altLang="de-DE" sz="2400" dirty="0" smtClean="0"/>
             </a:br>
             <a:r>
-              <a:rPr lang="de-DE" altLang="de-DE" sz="2400" smtClean="0"/>
-              <a:t>gegebenfalls mit einer Gewonnen-Nachricht. Erweitern Sie dafür</a:t>
+              <a:rPr lang="de-DE" altLang="de-DE" sz="2400" dirty="0" err="1" smtClean="0"/>
+              <a:t>gegebenfalls</a:t>
+            </a:r>
+            <a:r>
+              <a:rPr lang="de-DE" altLang="de-DE" sz="2400" dirty="0" smtClean="0"/>
+              <a:t> mit einer Gewonnen-Nachricht. Erweitern Sie dafür</a:t>
             </a:r>
             <a:br>
-              <a:rPr lang="de-DE" altLang="de-DE" sz="2400" smtClean="0"/>
+              <a:rPr lang="de-DE" altLang="de-DE" sz="2400" dirty="0" smtClean="0"/>
             </a:br>
             <a:r>
-              <a:rPr lang="de-DE" altLang="de-DE" sz="2400" smtClean="0"/>
-              <a:t>auch die Klasse "Benutzerinterface" um eine entsprechende</a:t>
+              <a:rPr lang="de-DE" altLang="de-DE" sz="2400" dirty="0" smtClean="0"/>
+              <a:t>auch die Klasse </a:t>
+            </a:r>
+            <a:r>
+              <a:rPr lang="de-DE" altLang="de-DE" sz="2400" dirty="0" smtClean="0">
+                <a:latin typeface="Courier New" pitchFamily="49" charset="0"/>
+                <a:cs typeface="Courier New" pitchFamily="49" charset="0"/>
+              </a:rPr>
+              <a:t>Benutzerinterface</a:t>
+            </a:r>
+            <a:r>
+              <a:rPr lang="de-DE" altLang="de-DE" sz="2400" dirty="0" smtClean="0"/>
+              <a:t> </a:t>
+            </a:r>
+            <a:r>
+              <a:rPr lang="de-DE" altLang="de-DE" sz="2400" dirty="0" smtClean="0"/>
+              <a:t>um eine entsprechende</a:t>
             </a:r>
             <a:br>
-              <a:rPr lang="de-DE" altLang="de-DE" sz="2400" smtClean="0"/>
+              <a:rPr lang="de-DE" altLang="de-DE" sz="2400" dirty="0" smtClean="0"/>
             </a:br>
             <a:r>
-              <a:rPr lang="de-DE" altLang="de-DE" sz="2400" smtClean="0"/>
+              <a:rPr lang="de-DE" altLang="de-DE" sz="2400" dirty="0" smtClean="0"/>
               <a:t>Methode.</a:t>
             </a:r>
             <a:br>
-              <a:rPr lang="de-DE" altLang="de-DE" sz="2400" smtClean="0"/>
+              <a:rPr lang="de-DE" altLang="de-DE" sz="2400" dirty="0" smtClean="0"/>
             </a:br>
             <a:r>
-              <a:rPr lang="de-DE" altLang="de-DE" sz="2400" smtClean="0"/>
+              <a:rPr lang="de-DE" altLang="de-DE" sz="2400" dirty="0" smtClean="0"/>
               <a:t> </a:t>
             </a:r>
           </a:p>
@@ -19110,15 +19008,23 @@
               </a:tabLst>
             </a:pPr>
             <a:r>
-              <a:rPr lang="de-DE" altLang="de-DE" sz="2400" smtClean="0"/>
+              <a:rPr lang="de-DE" altLang="de-DE" sz="2400" dirty="0" smtClean="0"/>
               <a:t>Kommentieren Sie die neuen Methoden und generieren Sie</a:t>
             </a:r>
             <a:br>
-              <a:rPr lang="de-DE" altLang="de-DE" sz="2400" smtClean="0"/>
+              <a:rPr lang="de-DE" altLang="de-DE" sz="2400" dirty="0" smtClean="0"/>
             </a:br>
             <a:r>
-              <a:rPr lang="de-DE" altLang="de-DE" sz="2400" smtClean="0"/>
-              <a:t>ein Jar.</a:t>
+              <a:rPr lang="de-DE" altLang="de-DE" sz="2400" dirty="0" smtClean="0"/>
+              <a:t>ein </a:t>
+            </a:r>
+            <a:r>
+              <a:rPr lang="de-DE" altLang="de-DE" sz="2400" dirty="0" err="1" smtClean="0"/>
+              <a:t>Jar</a:t>
+            </a:r>
+            <a:r>
+              <a:rPr lang="de-DE" altLang="de-DE" sz="2400" dirty="0" smtClean="0"/>
+              <a:t>.</a:t>
             </a:r>
           </a:p>
           <a:p>
@@ -19144,7 +19050,7 @@
                 <a:tab pos="8686800" algn="l"/>
               </a:tabLst>
             </a:pPr>
-            <a:endParaRPr lang="de-DE" altLang="de-DE" sz="2400" smtClean="0"/>
+            <a:endParaRPr lang="de-DE" altLang="de-DE" sz="2400" dirty="0" smtClean="0"/>
           </a:p>
           <a:p>
             <a:pPr marL="269875" indent="-269875" eaLnBrk="1">
@@ -19169,7 +19075,7 @@
                 <a:tab pos="8686800" algn="l"/>
               </a:tabLst>
             </a:pPr>
-            <a:endParaRPr lang="de-DE" altLang="de-DE" smtClean="0"/>
+            <a:endParaRPr lang="de-DE" altLang="de-DE" dirty="0" smtClean="0"/>
           </a:p>
         </p:txBody>
       </p:sp>
@@ -19380,13 +19286,26 @@
               </a:tabLst>
             </a:pPr>
             <a:r>
-              <a:rPr lang="de-DE" altLang="de-DE" sz="4000" smtClean="0">
+              <a:rPr lang="de-DE" altLang="de-DE" sz="4000" dirty="0" smtClean="0">
                 <a:solidFill>
                   <a:srgbClr val="FFFFFF"/>
                 </a:solidFill>
               </a:rPr>
-              <a:t>Übung (2)</a:t>
-            </a:r>
+              <a:t>Übung </a:t>
+            </a:r>
+            <a:r>
+              <a:rPr lang="de-DE" altLang="de-DE" sz="4000" dirty="0" smtClean="0">
+                <a:solidFill>
+                  <a:srgbClr val="FFFFFF"/>
+                </a:solidFill>
+              </a:rPr>
+              <a:t>(Teil 6)</a:t>
+            </a:r>
+            <a:endParaRPr lang="de-DE" altLang="de-DE" sz="4000" dirty="0" smtClean="0">
+              <a:solidFill>
+                <a:srgbClr val="FFFFFF"/>
+              </a:solidFill>
+            </a:endParaRPr>
           </a:p>
         </p:txBody>
       </p:sp>
@@ -19409,35 +19328,6 @@
         <p:txBody>
           <a:bodyPr tIns="21168"/>
           <a:lstStyle/>
-          <a:p>
-            <a:pPr marL="269875" indent="-269875" eaLnBrk="1">
-              <a:spcAft>
-                <a:spcPct val="0"/>
-              </a:spcAft>
-              <a:tabLst>
-                <a:tab pos="723900" algn="l"/>
-                <a:tab pos="1447800" algn="l"/>
-                <a:tab pos="2171700" algn="l"/>
-                <a:tab pos="2895600" algn="l"/>
-                <a:tab pos="3619500" algn="l"/>
-                <a:tab pos="4343400" algn="l"/>
-                <a:tab pos="5067300" algn="l"/>
-                <a:tab pos="5791200" algn="l"/>
-                <a:tab pos="6515100" algn="l"/>
-                <a:tab pos="7239000" algn="l"/>
-                <a:tab pos="7962900" algn="l"/>
-                <a:tab pos="8686800" algn="l"/>
-              </a:tabLst>
-            </a:pPr>
-            <a:r>
-              <a:rPr lang="de-DE" altLang="de-DE" sz="2400" smtClean="0"/>
-              <a:t>Erweitern Sie das "Black Jack"-Programm wie folgt:</a:t>
-            </a:r>
-            <a:br>
-              <a:rPr lang="de-DE" altLang="de-DE" sz="2400" smtClean="0"/>
-            </a:br>
-            <a:endParaRPr lang="de-DE" altLang="de-DE" sz="2400" smtClean="0"/>
-          </a:p>
           <a:p>
             <a:pPr marL="269875" indent="-269875" eaLnBrk="1">
               <a:spcAft>
@@ -19462,27 +19352,73 @@
               </a:tabLst>
             </a:pPr>
             <a:r>
-              <a:rPr lang="de-DE" altLang="de-DE" sz="2400" smtClean="0"/>
-              <a:t>Erweitern Sie die Klasse "Kartenhand" um eine Methode</a:t>
+              <a:rPr lang="de-DE" altLang="de-DE" sz="2400" dirty="0" smtClean="0"/>
+              <a:t>Erweitern </a:t>
+            </a:r>
+            <a:r>
+              <a:rPr lang="de-DE" altLang="de-DE" sz="2400" dirty="0" smtClean="0"/>
+              <a:t>Sie die Klasse </a:t>
+            </a:r>
+            <a:r>
+              <a:rPr lang="de-DE" altLang="de-DE" sz="2400" dirty="0" smtClean="0">
+                <a:latin typeface="Courier New" pitchFamily="49" charset="0"/>
+                <a:cs typeface="Courier New" pitchFamily="49" charset="0"/>
+              </a:rPr>
+              <a:t>Kartenhand</a:t>
+            </a:r>
+            <a:r>
+              <a:rPr lang="de-DE" altLang="de-DE" sz="2400" dirty="0" smtClean="0"/>
+              <a:t> </a:t>
+            </a:r>
+            <a:r>
+              <a:rPr lang="de-DE" altLang="de-DE" sz="2400" dirty="0" smtClean="0"/>
+              <a:t>um eine Methode</a:t>
             </a:r>
             <a:br>
-              <a:rPr lang="de-DE" altLang="de-DE" sz="2400" smtClean="0"/>
+              <a:rPr lang="de-DE" altLang="de-DE" sz="2400" dirty="0" smtClean="0"/>
             </a:br>
             <a:r>
-              <a:rPr lang="de-DE" altLang="de-DE" sz="2400" smtClean="0"/>
-              <a:t>"istBlackJack", welche "true" zurückliefert, wenn die Kartenhand</a:t>
+              <a:rPr lang="de-DE" altLang="de-DE" sz="2400" dirty="0" err="1" smtClean="0">
+                <a:latin typeface="Courier New" pitchFamily="49" charset="0"/>
+                <a:cs typeface="Courier New" pitchFamily="49" charset="0"/>
+              </a:rPr>
+              <a:t>istBlackJack</a:t>
+            </a:r>
+            <a:r>
+              <a:rPr lang="de-DE" altLang="de-DE" sz="2400" dirty="0" smtClean="0"/>
+              <a:t>, </a:t>
+            </a:r>
+            <a:r>
+              <a:rPr lang="de-DE" altLang="de-DE" sz="2400" dirty="0" smtClean="0"/>
+              <a:t>welche </a:t>
+            </a:r>
+            <a:r>
+              <a:rPr lang="de-DE" altLang="de-DE" sz="2400" dirty="0" err="1" smtClean="0">
+                <a:latin typeface="Courier New" pitchFamily="49" charset="0"/>
+                <a:cs typeface="Courier New" pitchFamily="49" charset="0"/>
+              </a:rPr>
+              <a:t>true</a:t>
+            </a:r>
+            <a:r>
+              <a:rPr lang="de-DE" altLang="de-DE" sz="2400" dirty="0" smtClean="0"/>
+              <a:t> </a:t>
+            </a:r>
+            <a:r>
+              <a:rPr lang="de-DE" altLang="de-DE" sz="2400" dirty="0" smtClean="0"/>
+              <a:t>zurückliefert, wenn die </a:t>
+            </a:r>
+            <a:r>
+              <a:rPr lang="de-DE" altLang="de-DE" sz="2400" dirty="0" smtClean="0"/>
+              <a:t>Kartenhand aus </a:t>
+            </a:r>
+            <a:r>
+              <a:rPr lang="de-DE" altLang="de-DE" sz="2400" dirty="0" smtClean="0"/>
+              <a:t>nur 2 Karten besteht und 21 Punkte ergibt.</a:t>
             </a:r>
             <a:br>
-              <a:rPr lang="de-DE" altLang="de-DE" sz="2400" smtClean="0"/>
+              <a:rPr lang="de-DE" altLang="de-DE" sz="2400" dirty="0" smtClean="0"/>
             </a:br>
-            <a:r>
-              <a:rPr lang="de-DE" altLang="de-DE" sz="2400" smtClean="0"/>
-              <a:t>aus nur 2 Karten besteht und 21 Punkte ergibt.</a:t>
-            </a:r>
-            <a:br>
-              <a:rPr lang="de-DE" altLang="de-DE" sz="2400" smtClean="0"/>
-            </a:br>
-            <a:endParaRPr lang="de-DE" altLang="de-DE" sz="2400" smtClean="0"/>
+            <a:endParaRPr lang="de-DE" altLang="de-DE" sz="2400" dirty="0" smtClean="0"/>
           </a:p>
           <a:p>
             <a:pPr marL="269875" indent="-269875" eaLnBrk="1">
@@ -19508,28 +19444,43 @@
               </a:tabLst>
             </a:pPr>
             <a:r>
-              <a:rPr lang="de-DE" altLang="de-DE" sz="2400" smtClean="0"/>
-              <a:t>Ergänzen Sie die Methode "getTextdarstellung" der Kartenhand</a:t>
+              <a:rPr lang="de-DE" altLang="de-DE" sz="2400" dirty="0" smtClean="0"/>
+              <a:t>Ergänzen Sie die Methode </a:t>
+            </a:r>
+            <a:r>
+              <a:rPr lang="de-DE" altLang="de-DE" sz="2400" dirty="0" err="1" smtClean="0">
+                <a:latin typeface="Courier New" pitchFamily="49" charset="0"/>
+                <a:cs typeface="Courier New" pitchFamily="49" charset="0"/>
+              </a:rPr>
+              <a:t>getTextdarstellung</a:t>
+            </a:r>
+            <a:r>
+              <a:rPr lang="de-DE" altLang="de-DE" sz="2400" dirty="0" smtClean="0"/>
+              <a:t> </a:t>
+            </a:r>
+            <a:r>
+              <a:rPr lang="de-DE" altLang="de-DE" sz="2400" dirty="0" smtClean="0"/>
+              <a:t>der Kartenhand</a:t>
             </a:r>
             <a:br>
-              <a:rPr lang="de-DE" altLang="de-DE" sz="2400" smtClean="0"/>
+              <a:rPr lang="de-DE" altLang="de-DE" sz="2400" dirty="0" smtClean="0"/>
             </a:br>
             <a:r>
-              <a:rPr lang="de-DE" altLang="de-DE" sz="2400" smtClean="0"/>
+              <a:rPr lang="de-DE" altLang="de-DE" sz="2400" dirty="0" smtClean="0"/>
               <a:t>insoweit, dass bei einem Black Jack am Ende nicht die Punkte</a:t>
             </a:r>
             <a:br>
-              <a:rPr lang="de-DE" altLang="de-DE" sz="2400" smtClean="0"/>
+              <a:rPr lang="de-DE" altLang="de-DE" sz="2400" dirty="0" smtClean="0"/>
             </a:br>
             <a:r>
-              <a:rPr lang="de-DE" altLang="de-DE" sz="2400" smtClean="0"/>
+              <a:rPr lang="de-DE" altLang="de-DE" sz="2400" dirty="0" smtClean="0"/>
               <a:t>angezeigt werden, sondern der Text "Black Jack".</a:t>
             </a:r>
             <a:br>
-              <a:rPr lang="de-DE" altLang="de-DE" sz="2400" smtClean="0"/>
+              <a:rPr lang="de-DE" altLang="de-DE" sz="2400" dirty="0" smtClean="0"/>
             </a:br>
             <a:r>
-              <a:rPr lang="de-DE" altLang="de-DE" sz="2400" smtClean="0"/>
+              <a:rPr lang="de-DE" altLang="de-DE" sz="2400" dirty="0" smtClean="0"/>
               <a:t> </a:t>
             </a:r>
           </a:p>
@@ -19557,30 +19508,68 @@
               </a:tabLst>
             </a:pPr>
             <a:r>
-              <a:rPr lang="de-DE" altLang="de-DE" sz="2400" smtClean="0"/>
+              <a:rPr lang="de-DE" altLang="de-DE" sz="2400" dirty="0" smtClean="0"/>
               <a:t>Berücksichtigen Sie zum Ende eines Spieles, dass ein Black</a:t>
             </a:r>
             <a:br>
-              <a:rPr lang="de-DE" altLang="de-DE" sz="2400" smtClean="0"/>
+              <a:rPr lang="de-DE" altLang="de-DE" sz="2400" dirty="0" smtClean="0"/>
             </a:br>
             <a:r>
-              <a:rPr lang="de-DE" altLang="de-DE" sz="2400" smtClean="0"/>
+              <a:rPr lang="de-DE" altLang="de-DE" sz="2400" dirty="0" smtClean="0"/>
               <a:t>Jack gegenüber einem Nicht-Black-Jack gewinnt. Verwenden</a:t>
             </a:r>
             <a:br>
-              <a:rPr lang="de-DE" altLang="de-DE" sz="2400" smtClean="0"/>
+              <a:rPr lang="de-DE" altLang="de-DE" sz="2400" dirty="0" smtClean="0"/>
             </a:br>
             <a:r>
-              <a:rPr lang="de-DE" altLang="de-DE" sz="2400" smtClean="0"/>
-              <a:t>Sie die unveränderten Methoden "verlorenGeberHatMehr" und</a:t>
+              <a:rPr lang="de-DE" altLang="de-DE" sz="2400" dirty="0" smtClean="0"/>
+              <a:t>Sie die unveränderten Methoden </a:t>
+            </a:r>
+            <a:r>
+              <a:rPr lang="de-DE" altLang="de-DE" sz="2400" dirty="0" err="1" smtClean="0">
+                <a:latin typeface="Courier New" pitchFamily="49" charset="0"/>
+                <a:cs typeface="Courier New" pitchFamily="49" charset="0"/>
+              </a:rPr>
+              <a:t>verlorenGeberHatMehr</a:t>
+            </a:r>
+            <a:r>
+              <a:rPr lang="de-DE" altLang="de-DE" sz="2400" dirty="0" smtClean="0"/>
+              <a:t> </a:t>
+            </a:r>
+            <a:r>
+              <a:rPr lang="de-DE" altLang="de-DE" sz="2400" dirty="0" smtClean="0"/>
+              <a:t>und</a:t>
             </a:r>
             <a:br>
-              <a:rPr lang="de-DE" altLang="de-DE" sz="2400" smtClean="0"/>
+              <a:rPr lang="de-DE" altLang="de-DE" sz="2400" dirty="0" smtClean="0"/>
             </a:br>
             <a:r>
-              <a:rPr lang="de-DE" altLang="de-DE" sz="2400" smtClean="0"/>
-              <a:t>"gewonnenGeberHatWeniger" der Klasse "Benutzerinterface".</a:t>
-            </a:r>
+              <a:rPr lang="de-DE" altLang="de-DE" sz="2400" dirty="0" err="1" smtClean="0">
+                <a:latin typeface="Courier New" pitchFamily="49" charset="0"/>
+                <a:cs typeface="Courier New" pitchFamily="49" charset="0"/>
+              </a:rPr>
+              <a:t>gewonnenGeberHatWeniger</a:t>
+            </a:r>
+            <a:r>
+              <a:rPr lang="de-DE" altLang="de-DE" sz="2400" dirty="0" smtClean="0"/>
+              <a:t> </a:t>
+            </a:r>
+            <a:r>
+              <a:rPr lang="de-DE" altLang="de-DE" sz="2400" dirty="0" smtClean="0"/>
+              <a:t>der Klasse </a:t>
+            </a:r>
+            <a:r>
+              <a:rPr lang="de-DE" altLang="de-DE" sz="2400" dirty="0" smtClean="0">
+                <a:latin typeface="Courier New" pitchFamily="49" charset="0"/>
+                <a:cs typeface="Courier New" pitchFamily="49" charset="0"/>
+              </a:rPr>
+              <a:t>Benutzerinterface</a:t>
+            </a:r>
+            <a:r>
+              <a:rPr lang="de-DE" altLang="de-DE" sz="2400" dirty="0" smtClean="0"/>
+              <a:t>.</a:t>
+            </a:r>
+            <a:endParaRPr lang="de-DE" altLang="de-DE" sz="2400" dirty="0" smtClean="0"/>
           </a:p>
           <a:p>
             <a:pPr marL="269875" indent="-269875" eaLnBrk="1">
@@ -19605,7 +19594,7 @@
                 <a:tab pos="8686800" algn="l"/>
               </a:tabLst>
             </a:pPr>
-            <a:endParaRPr lang="de-DE" altLang="de-DE" smtClean="0"/>
+            <a:endParaRPr lang="de-DE" altLang="de-DE" dirty="0" smtClean="0"/>
           </a:p>
           <a:p>
             <a:pPr marL="269875" indent="-269875" eaLnBrk="1">
@@ -19630,7 +19619,7 @@
                 <a:tab pos="8686800" algn="l"/>
               </a:tabLst>
             </a:pPr>
-            <a:endParaRPr lang="de-DE" altLang="de-DE" smtClean="0"/>
+            <a:endParaRPr lang="de-DE" altLang="de-DE" dirty="0" smtClean="0"/>
           </a:p>
         </p:txBody>
       </p:sp>
@@ -19841,13 +19830,26 @@
               </a:tabLst>
             </a:pPr>
             <a:r>
-              <a:rPr lang="de-DE" altLang="de-DE" sz="4000" smtClean="0">
+              <a:rPr lang="de-DE" altLang="de-DE" sz="4000" dirty="0" smtClean="0">
                 <a:solidFill>
                   <a:srgbClr val="FFFFFF"/>
                 </a:solidFill>
               </a:rPr>
-              <a:t>Übung (3)</a:t>
-            </a:r>
+              <a:t>Übung </a:t>
+            </a:r>
+            <a:r>
+              <a:rPr lang="de-DE" altLang="de-DE" sz="4000" dirty="0" smtClean="0">
+                <a:solidFill>
+                  <a:srgbClr val="FFFFFF"/>
+                </a:solidFill>
+              </a:rPr>
+              <a:t>(Teil 7)</a:t>
+            </a:r>
+            <a:endParaRPr lang="de-DE" altLang="de-DE" sz="4000" dirty="0" smtClean="0">
+              <a:solidFill>
+                <a:srgbClr val="FFFFFF"/>
+              </a:solidFill>
+            </a:endParaRPr>
           </a:p>
         </p:txBody>
       </p:sp>
@@ -19870,35 +19872,6 @@
         <p:txBody>
           <a:bodyPr tIns="21168"/>
           <a:lstStyle/>
-          <a:p>
-            <a:pPr marL="269875" indent="-269875" eaLnBrk="1">
-              <a:spcAft>
-                <a:spcPct val="0"/>
-              </a:spcAft>
-              <a:tabLst>
-                <a:tab pos="723900" algn="l"/>
-                <a:tab pos="1447800" algn="l"/>
-                <a:tab pos="2171700" algn="l"/>
-                <a:tab pos="2895600" algn="l"/>
-                <a:tab pos="3619500" algn="l"/>
-                <a:tab pos="4343400" algn="l"/>
-                <a:tab pos="5067300" algn="l"/>
-                <a:tab pos="5791200" algn="l"/>
-                <a:tab pos="6515100" algn="l"/>
-                <a:tab pos="7239000" algn="l"/>
-                <a:tab pos="7962900" algn="l"/>
-                <a:tab pos="8686800" algn="l"/>
-              </a:tabLst>
-            </a:pPr>
-            <a:r>
-              <a:rPr lang="de-DE" altLang="de-DE" sz="2400" smtClean="0"/>
-              <a:t>Erweitern Sie das "Black Jack"-Programm wie folgt:</a:t>
-            </a:r>
-            <a:br>
-              <a:rPr lang="de-DE" altLang="de-DE" sz="2400" smtClean="0"/>
-            </a:br>
-            <a:endParaRPr lang="de-DE" altLang="de-DE" sz="2400" smtClean="0"/>
-          </a:p>
           <a:p>
             <a:pPr marL="269875" indent="-269875" eaLnBrk="1">
               <a:spcAft>
@@ -19923,27 +19896,355 @@
               </a:tabLst>
             </a:pPr>
             <a:r>
-              <a:rPr lang="de-DE" altLang="de-DE" sz="2400" smtClean="0"/>
-              <a:t>Vor dem Spiel am Black-Jack-Tisch soll ein Geldeinsatz getätigt</a:t>
+              <a:rPr lang="de-DE" altLang="de-DE" sz="2400" dirty="0" smtClean="0"/>
+              <a:t>Vor </a:t>
+            </a:r>
+            <a:r>
+              <a:rPr lang="de-DE" altLang="de-DE" sz="2400" dirty="0" smtClean="0"/>
+              <a:t>dem Spiel am Black-Jack-Tisch soll ein Geldeinsatz getätigt</a:t>
             </a:r>
             <a:br>
-              <a:rPr lang="de-DE" altLang="de-DE" sz="2400" smtClean="0"/>
+              <a:rPr lang="de-DE" altLang="de-DE" sz="2400" dirty="0" smtClean="0"/>
             </a:br>
             <a:r>
-              <a:rPr lang="de-DE" altLang="de-DE" sz="2400" smtClean="0"/>
+              <a:rPr lang="de-DE" altLang="de-DE" sz="2400" dirty="0" smtClean="0"/>
               <a:t>werden können. Gültige Einsätze sind 10, 20, 50, 100, 250, 500</a:t>
             </a:r>
             <a:br>
-              <a:rPr lang="de-DE" altLang="de-DE" sz="2400" smtClean="0"/>
+              <a:rPr lang="de-DE" altLang="de-DE" sz="2400" dirty="0" smtClean="0"/>
             </a:br>
             <a:r>
-              <a:rPr lang="de-DE" altLang="de-DE" sz="2400" smtClean="0"/>
-              <a:t>und 1000 Euro.</a:t>
+              <a:rPr lang="de-DE" altLang="de-DE" sz="2400" dirty="0" smtClean="0"/>
+              <a:t>und 1000 Euro</a:t>
+            </a:r>
+            <a:r>
+              <a:rPr lang="de-DE" altLang="de-DE" sz="2400" dirty="0" smtClean="0"/>
+              <a:t>.</a:t>
+            </a:r>
+          </a:p>
+          <a:p>
+            <a:pPr marL="269875" indent="-269875" eaLnBrk="1">
+              <a:spcAft>
+                <a:spcPct val="0"/>
+              </a:spcAft>
+              <a:buSzPct val="45000"/>
+              <a:buFont typeface="Wingdings" charset="2"/>
+              <a:buChar char=""/>
+              <a:tabLst>
+                <a:tab pos="723900" algn="l"/>
+                <a:tab pos="1447800" algn="l"/>
+                <a:tab pos="2171700" algn="l"/>
+                <a:tab pos="2895600" algn="l"/>
+                <a:tab pos="3619500" algn="l"/>
+                <a:tab pos="4343400" algn="l"/>
+                <a:tab pos="5067300" algn="l"/>
+                <a:tab pos="5791200" algn="l"/>
+                <a:tab pos="6515100" algn="l"/>
+                <a:tab pos="7239000" algn="l"/>
+                <a:tab pos="7962900" algn="l"/>
+                <a:tab pos="8686800" algn="l"/>
+              </a:tabLst>
+            </a:pPr>
+            <a:endParaRPr lang="de-DE" altLang="de-DE" sz="2400" dirty="0" smtClean="0"/>
+          </a:p>
+          <a:p>
+            <a:pPr marL="269875" indent="-269875" eaLnBrk="1">
+              <a:spcAft>
+                <a:spcPct val="0"/>
+              </a:spcAft>
+              <a:buSzPct val="45000"/>
+              <a:buFont typeface="Wingdings" charset="2"/>
+              <a:buChar char=""/>
+              <a:tabLst>
+                <a:tab pos="723900" algn="l"/>
+                <a:tab pos="1447800" algn="l"/>
+                <a:tab pos="2171700" algn="l"/>
+                <a:tab pos="2895600" algn="l"/>
+                <a:tab pos="3619500" algn="l"/>
+                <a:tab pos="4343400" algn="l"/>
+                <a:tab pos="5067300" algn="l"/>
+                <a:tab pos="5791200" algn="l"/>
+                <a:tab pos="6515100" algn="l"/>
+                <a:tab pos="7239000" algn="l"/>
+                <a:tab pos="7962900" algn="l"/>
+                <a:tab pos="8686800" algn="l"/>
+              </a:tabLst>
+            </a:pPr>
+            <a:r>
+              <a:rPr lang="de-DE" altLang="de-DE" sz="2400" dirty="0" smtClean="0"/>
+              <a:t>Das Spiel soll am Ende ausgeben, </a:t>
+            </a:r>
+            <a:r>
+              <a:rPr lang="de-DE" altLang="de-DE" sz="2400" dirty="0" err="1" smtClean="0"/>
+              <a:t>wieviel</a:t>
+            </a:r>
+            <a:r>
+              <a:rPr lang="de-DE" altLang="de-DE" sz="2400" dirty="0" smtClean="0"/>
+              <a:t> der Spieler </a:t>
+            </a:r>
+            <a:r>
+              <a:rPr lang="de-DE" altLang="de-DE" sz="2400" dirty="0" smtClean="0"/>
+              <a:t>erhält:</a:t>
+            </a:r>
+          </a:p>
+          <a:p>
+            <a:pPr marL="669925" lvl="1" indent="-269875" eaLnBrk="1">
+              <a:spcAft>
+                <a:spcPct val="0"/>
+              </a:spcAft>
+              <a:buSzPct val="45000"/>
+              <a:buFont typeface="Wingdings" charset="2"/>
+              <a:buChar char=""/>
+              <a:tabLst>
+                <a:tab pos="723900" algn="l"/>
+                <a:tab pos="1447800" algn="l"/>
+                <a:tab pos="2171700" algn="l"/>
+                <a:tab pos="2895600" algn="l"/>
+                <a:tab pos="3619500" algn="l"/>
+                <a:tab pos="4343400" algn="l"/>
+                <a:tab pos="5067300" algn="l"/>
+                <a:tab pos="5791200" algn="l"/>
+                <a:tab pos="6515100" algn="l"/>
+                <a:tab pos="7239000" algn="l"/>
+                <a:tab pos="7962900" algn="l"/>
+                <a:tab pos="8686800" algn="l"/>
+              </a:tabLst>
+            </a:pPr>
+            <a:r>
+              <a:rPr lang="de-DE" altLang="de-DE" sz="2000" dirty="0" smtClean="0"/>
+              <a:t>Verliert </a:t>
+            </a:r>
+            <a:r>
+              <a:rPr lang="de-DE" altLang="de-DE" sz="2000" dirty="0" smtClean="0"/>
+              <a:t>er, erhält er nichts</a:t>
+            </a:r>
+            <a:r>
+              <a:rPr lang="de-DE" altLang="de-DE" sz="2000" dirty="0" smtClean="0"/>
+              <a:t>.</a:t>
+            </a:r>
+          </a:p>
+          <a:p>
+            <a:pPr marL="669925" lvl="1" indent="-269875" eaLnBrk="1">
+              <a:spcAft>
+                <a:spcPct val="0"/>
+              </a:spcAft>
+              <a:buSzPct val="45000"/>
+              <a:buFont typeface="Wingdings" charset="2"/>
+              <a:buChar char=""/>
+              <a:tabLst>
+                <a:tab pos="723900" algn="l"/>
+                <a:tab pos="1447800" algn="l"/>
+                <a:tab pos="2171700" algn="l"/>
+                <a:tab pos="2895600" algn="l"/>
+                <a:tab pos="3619500" algn="l"/>
+                <a:tab pos="4343400" algn="l"/>
+                <a:tab pos="5067300" algn="l"/>
+                <a:tab pos="5791200" algn="l"/>
+                <a:tab pos="6515100" algn="l"/>
+                <a:tab pos="7239000" algn="l"/>
+                <a:tab pos="7962900" algn="l"/>
+                <a:tab pos="8686800" algn="l"/>
+              </a:tabLst>
+            </a:pPr>
+            <a:r>
+              <a:rPr lang="de-DE" altLang="de-DE" sz="2000" dirty="0" smtClean="0"/>
+              <a:t>Bei </a:t>
+            </a:r>
+            <a:r>
+              <a:rPr lang="de-DE" altLang="de-DE" sz="2000" dirty="0" smtClean="0"/>
+              <a:t>Unentschieden erhält er den Einsatz zurück</a:t>
+            </a:r>
+            <a:r>
+              <a:rPr lang="de-DE" altLang="de-DE" sz="2000" dirty="0" smtClean="0"/>
+              <a:t>.</a:t>
+            </a:r>
+          </a:p>
+          <a:p>
+            <a:pPr marL="669925" lvl="1" indent="-269875" eaLnBrk="1">
+              <a:spcAft>
+                <a:spcPct val="0"/>
+              </a:spcAft>
+              <a:buSzPct val="45000"/>
+              <a:buFont typeface="Wingdings" charset="2"/>
+              <a:buChar char=""/>
+              <a:tabLst>
+                <a:tab pos="723900" algn="l"/>
+                <a:tab pos="1447800" algn="l"/>
+                <a:tab pos="2171700" algn="l"/>
+                <a:tab pos="2895600" algn="l"/>
+                <a:tab pos="3619500" algn="l"/>
+                <a:tab pos="4343400" algn="l"/>
+                <a:tab pos="5067300" algn="l"/>
+                <a:tab pos="5791200" algn="l"/>
+                <a:tab pos="6515100" algn="l"/>
+                <a:tab pos="7239000" algn="l"/>
+                <a:tab pos="7962900" algn="l"/>
+                <a:tab pos="8686800" algn="l"/>
+              </a:tabLst>
+            </a:pPr>
+            <a:r>
+              <a:rPr lang="de-DE" altLang="de-DE" sz="2000" dirty="0" smtClean="0"/>
+              <a:t>Gewinnt </a:t>
+            </a:r>
+            <a:r>
+              <a:rPr lang="de-DE" altLang="de-DE" sz="2000" dirty="0" smtClean="0"/>
+              <a:t>der Spieler, erhält er seinen Einsatz zurück plus einen</a:t>
             </a:r>
             <a:br>
-              <a:rPr lang="de-DE" altLang="de-DE" sz="2400" smtClean="0"/>
+              <a:rPr lang="de-DE" altLang="de-DE" sz="2000" dirty="0" smtClean="0"/>
             </a:br>
-            <a:endParaRPr lang="de-DE" altLang="de-DE" sz="2400" smtClean="0"/>
+            <a:r>
+              <a:rPr lang="de-DE" altLang="de-DE" sz="2000" dirty="0" smtClean="0"/>
+              <a:t>Gewinn in Höhe</a:t>
+            </a:r>
+            <a:r>
+              <a:rPr lang="de-DE" altLang="de-DE" sz="2000" dirty="0" smtClean="0"/>
+              <a:t>:</a:t>
+            </a:r>
+          </a:p>
+          <a:p>
+            <a:pPr marL="1069975" lvl="2" indent="-269875" eaLnBrk="1">
+              <a:spcAft>
+                <a:spcPct val="0"/>
+              </a:spcAft>
+              <a:buSzPct val="45000"/>
+              <a:buFont typeface="Wingdings" charset="2"/>
+              <a:buChar char=""/>
+              <a:tabLst>
+                <a:tab pos="723900" algn="l"/>
+                <a:tab pos="1447800" algn="l"/>
+                <a:tab pos="2171700" algn="l"/>
+                <a:tab pos="2895600" algn="l"/>
+                <a:tab pos="3619500" algn="l"/>
+                <a:tab pos="4343400" algn="l"/>
+                <a:tab pos="5067300" algn="l"/>
+                <a:tab pos="5791200" algn="l"/>
+                <a:tab pos="6515100" algn="l"/>
+                <a:tab pos="7239000" algn="l"/>
+                <a:tab pos="7962900" algn="l"/>
+                <a:tab pos="8686800" algn="l"/>
+              </a:tabLst>
+            </a:pPr>
+            <a:r>
+              <a:rPr lang="de-DE" altLang="de-DE" sz="1600" dirty="0" smtClean="0"/>
+              <a:t>des </a:t>
+            </a:r>
+            <a:r>
+              <a:rPr lang="de-DE" altLang="de-DE" sz="1600" dirty="0" smtClean="0"/>
+              <a:t>Einsatzes bei einem "normalen" </a:t>
+            </a:r>
+            <a:r>
+              <a:rPr lang="de-DE" altLang="de-DE" sz="1600" dirty="0" smtClean="0"/>
+              <a:t>Sieg</a:t>
+            </a:r>
+          </a:p>
+          <a:p>
+            <a:pPr marL="1069975" lvl="2" indent="-269875" eaLnBrk="1">
+              <a:spcAft>
+                <a:spcPct val="0"/>
+              </a:spcAft>
+              <a:buSzPct val="45000"/>
+              <a:buFont typeface="Wingdings" charset="2"/>
+              <a:buChar char=""/>
+              <a:tabLst>
+                <a:tab pos="723900" algn="l"/>
+                <a:tab pos="1447800" algn="l"/>
+                <a:tab pos="2171700" algn="l"/>
+                <a:tab pos="2895600" algn="l"/>
+                <a:tab pos="3619500" algn="l"/>
+                <a:tab pos="4343400" algn="l"/>
+                <a:tab pos="5067300" algn="l"/>
+                <a:tab pos="5791200" algn="l"/>
+                <a:tab pos="6515100" algn="l"/>
+                <a:tab pos="7239000" algn="l"/>
+                <a:tab pos="7962900" algn="l"/>
+                <a:tab pos="8686800" algn="l"/>
+              </a:tabLst>
+            </a:pPr>
+            <a:r>
+              <a:rPr lang="de-DE" altLang="de-DE" sz="1600" dirty="0" smtClean="0"/>
+              <a:t>des </a:t>
+            </a:r>
+            <a:r>
+              <a:rPr lang="de-DE" altLang="de-DE" sz="1600" dirty="0" smtClean="0"/>
+              <a:t>1,5-fachen Einsatzes bei einem Siebener-Drilling </a:t>
+            </a:r>
+            <a:r>
+              <a:rPr lang="de-DE" altLang="de-DE" sz="1600" dirty="0" smtClean="0"/>
+              <a:t>sowie</a:t>
+            </a:r>
+          </a:p>
+          <a:p>
+            <a:pPr marL="1069975" lvl="2" indent="-269875" eaLnBrk="1">
+              <a:spcAft>
+                <a:spcPct val="0"/>
+              </a:spcAft>
+              <a:buSzPct val="45000"/>
+              <a:buFont typeface="Wingdings" charset="2"/>
+              <a:buChar char=""/>
+              <a:tabLst>
+                <a:tab pos="723900" algn="l"/>
+                <a:tab pos="1447800" algn="l"/>
+                <a:tab pos="2171700" algn="l"/>
+                <a:tab pos="2895600" algn="l"/>
+                <a:tab pos="3619500" algn="l"/>
+                <a:tab pos="4343400" algn="l"/>
+                <a:tab pos="5067300" algn="l"/>
+                <a:tab pos="5791200" algn="l"/>
+                <a:tab pos="6515100" algn="l"/>
+                <a:tab pos="7239000" algn="l"/>
+                <a:tab pos="7962900" algn="l"/>
+                <a:tab pos="8686800" algn="l"/>
+              </a:tabLst>
+            </a:pPr>
+            <a:r>
+              <a:rPr lang="de-DE" altLang="de-DE" sz="1600" dirty="0" smtClean="0"/>
+              <a:t>des </a:t>
+            </a:r>
+            <a:r>
+              <a:rPr lang="de-DE" altLang="de-DE" sz="1600" dirty="0" smtClean="0"/>
+              <a:t>1,5-fachen Einsatzes bei einem Black Jack.</a:t>
+            </a:r>
+            <a:br>
+              <a:rPr lang="de-DE" altLang="de-DE" sz="1600" dirty="0" smtClean="0"/>
+            </a:br>
+            <a:endParaRPr lang="de-DE" altLang="de-DE" sz="1600" dirty="0" smtClean="0"/>
+          </a:p>
+          <a:p>
+            <a:pPr marL="269875" indent="-269875" eaLnBrk="1">
+              <a:spcAft>
+                <a:spcPct val="0"/>
+              </a:spcAft>
+              <a:buSzPct val="45000"/>
+              <a:buFont typeface="Wingdings" charset="2"/>
+              <a:buChar char=""/>
+              <a:tabLst>
+                <a:tab pos="723900" algn="l"/>
+                <a:tab pos="1447800" algn="l"/>
+                <a:tab pos="2171700" algn="l"/>
+                <a:tab pos="2895600" algn="l"/>
+                <a:tab pos="3619500" algn="l"/>
+                <a:tab pos="4343400" algn="l"/>
+                <a:tab pos="5067300" algn="l"/>
+                <a:tab pos="5791200" algn="l"/>
+                <a:tab pos="6515100" algn="l"/>
+                <a:tab pos="7239000" algn="l"/>
+                <a:tab pos="7962900" algn="l"/>
+                <a:tab pos="8686800" algn="l"/>
+              </a:tabLst>
+            </a:pPr>
+            <a:r>
+              <a:rPr lang="de-DE" altLang="de-DE" sz="2400" dirty="0" smtClean="0"/>
+              <a:t>Der Einsatz soll bei jedem Spielschritt ausgegeben werden. </a:t>
+            </a:r>
+            <a:r>
+              <a:rPr lang="de-DE" altLang="de-DE" sz="2400" dirty="0" smtClean="0"/>
+              <a:t/>
+            </a:r>
+            <a:br>
+              <a:rPr lang="de-DE" altLang="de-DE" sz="2400" dirty="0" smtClean="0"/>
+            </a:br>
+            <a:endParaRPr lang="de-DE" altLang="de-DE" sz="2400" dirty="0" smtClean="0"/>
           </a:p>
           <a:p>
             <a:pPr marL="269875" indent="-269875" eaLnBrk="1">
@@ -19968,7 +20269,7 @@
                 <a:tab pos="8686800" algn="l"/>
               </a:tabLst>
             </a:pPr>
-            <a:endParaRPr lang="de-DE" altLang="de-DE" smtClean="0"/>
+            <a:endParaRPr lang="de-DE" altLang="de-DE" dirty="0" smtClean="0"/>
           </a:p>
         </p:txBody>
       </p:sp>
@@ -20027,7 +20328,7 @@
       </p:grpSpPr>
       <p:sp>
         <p:nvSpPr>
-          <p:cNvPr id="68610" name="Fußzeilenplatzhalter 3"/>
+          <p:cNvPr id="70658" name="Fußzeilenplatzhalter 3"/>
           <p:cNvSpPr>
             <a:spLocks noGrp="1"/>
           </p:cNvSpPr>
@@ -20063,7 +20364,7 @@
       </p:sp>
       <p:sp>
         <p:nvSpPr>
-          <p:cNvPr id="68611" name="Foliennummernplatzhalter 4"/>
+          <p:cNvPr id="70659" name="Foliennummernplatzhalter 4"/>
           <p:cNvSpPr>
             <a:spLocks noGrp="1"/>
           </p:cNvSpPr>
@@ -20083,7 +20384,7 @@
           <a:bodyPr/>
           <a:lstStyle/>
           <a:p>
-            <a:fld id="{A06D38BC-4A9F-4119-8FE6-D309C980942B}" type="slidenum">
+            <a:fld id="{57B92DD5-8246-44DF-9821-1B091E9EE8C2}" type="slidenum">
               <a:rPr lang="de-DE" altLang="de-DE"/>
               <a:pPr/>
               <a:t>33</a:t>
@@ -20094,7 +20395,7 @@
       </p:sp>
       <p:sp>
         <p:nvSpPr>
-          <p:cNvPr id="68612" name="AutoShape 1"/>
+          <p:cNvPr id="70660" name="AutoShape 1"/>
           <p:cNvSpPr>
             <a:spLocks noChangeArrowheads="1"/>
           </p:cNvSpPr>
@@ -20144,7 +20445,7 @@
       </p:sp>
       <p:sp>
         <p:nvSpPr>
-          <p:cNvPr id="68613" name="Rectangle 2"/>
+          <p:cNvPr id="70661" name="Rectangle 2"/>
           <p:cNvSpPr>
             <a:spLocks noGrp="1" noChangeArrowheads="1"/>
           </p:cNvSpPr>
@@ -20179,19 +20480,32 @@
               </a:tabLst>
             </a:pPr>
             <a:r>
-              <a:rPr lang="de-DE" altLang="de-DE" sz="4000" smtClean="0">
+              <a:rPr lang="de-DE" altLang="de-DE" sz="4000" dirty="0" smtClean="0">
                 <a:solidFill>
                   <a:srgbClr val="FFFFFF"/>
                 </a:solidFill>
               </a:rPr>
-              <a:t>Übung (3)</a:t>
-            </a:r>
-          </a:p>
-        </p:txBody>
-      </p:sp>
-      <p:sp>
-        <p:nvSpPr>
-          <p:cNvPr id="68614" name="Rectangle 3"/>
+              <a:t>Übung </a:t>
+            </a:r>
+            <a:r>
+              <a:rPr lang="de-DE" altLang="de-DE" sz="4000" dirty="0" smtClean="0">
+                <a:solidFill>
+                  <a:srgbClr val="FFFFFF"/>
+                </a:solidFill>
+              </a:rPr>
+              <a:t>(Teil 8)</a:t>
+            </a:r>
+            <a:endParaRPr lang="de-DE" altLang="de-DE" sz="4000" dirty="0" smtClean="0">
+              <a:solidFill>
+                <a:srgbClr val="FFFFFF"/>
+              </a:solidFill>
+            </a:endParaRPr>
+          </a:p>
+        </p:txBody>
+      </p:sp>
+      <p:sp>
+        <p:nvSpPr>
+          <p:cNvPr id="70662" name="Rectangle 3"/>
           <p:cNvSpPr>
             <a:spLocks noGrp="1" noChangeArrowheads="1"/>
           </p:cNvSpPr>
@@ -20232,69 +20546,31 @@
               </a:tabLst>
             </a:pPr>
             <a:r>
-              <a:rPr lang="de-DE" altLang="de-DE" sz="2400" smtClean="0"/>
-              <a:t>Das Spiel soll am Ende ausgeben, wieviel der Spieler erhält:</a:t>
+              <a:rPr lang="de-DE" altLang="de-DE" sz="2400" dirty="0" smtClean="0"/>
+              <a:t>Der </a:t>
+            </a:r>
+            <a:r>
+              <a:rPr lang="de-DE" altLang="de-DE" sz="2400" dirty="0" smtClean="0"/>
+              <a:t>Geber erhält die erste Karte zusammen mit den ersten</a:t>
             </a:r>
             <a:br>
-              <a:rPr lang="de-DE" altLang="de-DE" sz="2400" smtClean="0"/>
+              <a:rPr lang="de-DE" altLang="de-DE" sz="2400" dirty="0" smtClean="0"/>
             </a:br>
             <a:r>
-              <a:rPr lang="de-DE" altLang="de-DE" sz="2400" smtClean="0"/>
-              <a:t/>
+              <a:rPr lang="de-DE" altLang="de-DE" sz="2400" dirty="0" smtClean="0"/>
+              <a:t>beiden Karten des Spielers. Bei jedem Spielzug sollen nun</a:t>
             </a:r>
             <a:br>
-              <a:rPr lang="de-DE" altLang="de-DE" sz="2400" smtClean="0"/>
+              <a:rPr lang="de-DE" altLang="de-DE" sz="2400" dirty="0" smtClean="0"/>
             </a:br>
             <a:r>
-              <a:rPr lang="de-DE" altLang="de-DE" sz="2400" smtClean="0"/>
-              <a:t>Verliert er, erhält er nichts.</a:t>
+              <a:rPr lang="de-DE" altLang="de-DE" sz="2400" dirty="0" smtClean="0"/>
+              <a:t>immer beide Kartenhände ausgegeben werden.</a:t>
             </a:r>
             <a:br>
-              <a:rPr lang="de-DE" altLang="de-DE" sz="2400" smtClean="0"/>
+              <a:rPr lang="de-DE" altLang="de-DE" sz="2400" dirty="0" smtClean="0"/>
             </a:br>
-            <a:r>
-              <a:rPr lang="de-DE" altLang="de-DE" sz="2400" smtClean="0"/>
-              <a:t>Bei Unentschieden erhält er den Einsatz zurück.</a:t>
-            </a:r>
-            <a:br>
-              <a:rPr lang="de-DE" altLang="de-DE" sz="2400" smtClean="0"/>
-            </a:br>
-            <a:r>
-              <a:rPr lang="de-DE" altLang="de-DE" sz="2400" smtClean="0"/>
-              <a:t>Gewinnt der Spieler, erhält er seinen Einsatz zurück plus einen</a:t>
-            </a:r>
-            <a:br>
-              <a:rPr lang="de-DE" altLang="de-DE" sz="2400" smtClean="0"/>
-            </a:br>
-            <a:r>
-              <a:rPr lang="de-DE" altLang="de-DE" sz="2400" smtClean="0"/>
-              <a:t>Gewinn in Höhe:</a:t>
-            </a:r>
-            <a:br>
-              <a:rPr lang="de-DE" altLang="de-DE" sz="2400" smtClean="0"/>
-            </a:br>
-            <a:r>
-              <a:rPr lang="de-DE" altLang="de-DE" sz="2400" smtClean="0"/>
-              <a:t>- des Einsatzes bei einem "normalen" Sieg,</a:t>
-            </a:r>
-            <a:br>
-              <a:rPr lang="de-DE" altLang="de-DE" sz="2400" smtClean="0"/>
-            </a:br>
-            <a:r>
-              <a:rPr lang="de-DE" altLang="de-DE" sz="2400" smtClean="0"/>
-              <a:t>- des 1,5-fachen Einsatzes bei einem Siebener-Drilling sowie </a:t>
-            </a:r>
-            <a:br>
-              <a:rPr lang="de-DE" altLang="de-DE" sz="2400" smtClean="0"/>
-            </a:br>
-            <a:r>
-              <a:rPr lang="de-DE" altLang="de-DE" sz="2400" smtClean="0"/>
-              <a:t>- des 1,5-fachen Einsatzes bei einem Black Jack.</a:t>
-            </a:r>
-            <a:br>
-              <a:rPr lang="de-DE" altLang="de-DE" sz="2400" smtClean="0"/>
-            </a:br>
-            <a:endParaRPr lang="de-DE" altLang="de-DE" sz="2400" smtClean="0"/>
+            <a:endParaRPr lang="de-DE" altLang="de-DE" sz="2400" dirty="0" smtClean="0"/>
           </a:p>
           <a:p>
             <a:pPr marL="269875" indent="-269875" eaLnBrk="1">
@@ -20320,8 +20596,30 @@
               </a:tabLst>
             </a:pPr>
             <a:r>
-              <a:rPr lang="de-DE" altLang="de-DE" sz="2400" smtClean="0"/>
-              <a:t>Der Einsatz soll bei jedem Spielschritt ausgegeben werden.</a:t>
+              <a:rPr lang="de-DE" altLang="de-DE" sz="2400" dirty="0" smtClean="0"/>
+              <a:t>Ergänzen Sie die "double-Regel", </a:t>
+            </a:r>
+            <a:r>
+              <a:rPr lang="de-DE" altLang="de-DE" sz="2400" dirty="0" smtClean="0"/>
+              <a:t>d.h</a:t>
+            </a:r>
+            <a:r>
+              <a:rPr lang="de-DE" altLang="de-DE" sz="2400" dirty="0" smtClean="0"/>
+              <a:t>. bei seinem ersten</a:t>
+            </a:r>
+            <a:br>
+              <a:rPr lang="de-DE" altLang="de-DE" sz="2400" dirty="0" smtClean="0"/>
+            </a:br>
+            <a:r>
+              <a:rPr lang="de-DE" altLang="de-DE" sz="2400" dirty="0" smtClean="0"/>
+              <a:t>Spielzug (solange der Spieler noch 2 Karten hat), hat der Spieler</a:t>
+            </a:r>
+            <a:br>
+              <a:rPr lang="de-DE" altLang="de-DE" sz="2400" dirty="0" smtClean="0"/>
+            </a:br>
+            <a:r>
+              <a:rPr lang="de-DE" altLang="de-DE" sz="2400" dirty="0" smtClean="0"/>
+              <a:t>zusätzlich die Möglichkeit, seinen Einsatz zu verdoppeln.</a:t>
             </a:r>
           </a:p>
           <a:p>
@@ -20347,7 +20645,7 @@
                 <a:tab pos="8686800" algn="l"/>
               </a:tabLst>
             </a:pPr>
-            <a:endParaRPr lang="de-DE" altLang="de-DE" sz="2400" smtClean="0"/>
+            <a:endParaRPr lang="de-DE" altLang="de-DE" dirty="0" smtClean="0"/>
           </a:p>
           <a:p>
             <a:pPr marL="269875" indent="-269875" eaLnBrk="1">
@@ -20372,32 +20670,7 @@
                 <a:tab pos="8686800" algn="l"/>
               </a:tabLst>
             </a:pPr>
-            <a:endParaRPr lang="de-DE" altLang="de-DE" smtClean="0"/>
-          </a:p>
-          <a:p>
-            <a:pPr marL="269875" indent="-269875" eaLnBrk="1">
-              <a:spcAft>
-                <a:spcPct val="0"/>
-              </a:spcAft>
-              <a:buSzPct val="45000"/>
-              <a:buFont typeface="Wingdings" charset="2"/>
-              <a:buNone/>
-              <a:tabLst>
-                <a:tab pos="723900" algn="l"/>
-                <a:tab pos="1447800" algn="l"/>
-                <a:tab pos="2171700" algn="l"/>
-                <a:tab pos="2895600" algn="l"/>
-                <a:tab pos="3619500" algn="l"/>
-                <a:tab pos="4343400" algn="l"/>
-                <a:tab pos="5067300" algn="l"/>
-                <a:tab pos="5791200" algn="l"/>
-                <a:tab pos="6515100" algn="l"/>
-                <a:tab pos="7239000" algn="l"/>
-                <a:tab pos="7962900" algn="l"/>
-                <a:tab pos="8686800" algn="l"/>
-              </a:tabLst>
-            </a:pPr>
-            <a:endParaRPr lang="de-DE" altLang="de-DE" smtClean="0"/>
+            <a:endParaRPr lang="de-DE" altLang="de-DE" dirty="0" smtClean="0"/>
           </a:p>
         </p:txBody>
       </p:sp>
@@ -20456,7 +20729,7 @@
       </p:grpSpPr>
       <p:sp>
         <p:nvSpPr>
-          <p:cNvPr id="70658" name="Fußzeilenplatzhalter 3"/>
+          <p:cNvPr id="72706" name="Fußzeilenplatzhalter 3"/>
           <p:cNvSpPr>
             <a:spLocks noGrp="1"/>
           </p:cNvSpPr>
@@ -20492,7 +20765,7 @@
       </p:sp>
       <p:sp>
         <p:nvSpPr>
-          <p:cNvPr id="70659" name="Foliennummernplatzhalter 4"/>
+          <p:cNvPr id="72707" name="Foliennummernplatzhalter 4"/>
           <p:cNvSpPr>
             <a:spLocks noGrp="1"/>
           </p:cNvSpPr>
@@ -20512,7 +20785,7 @@
           <a:bodyPr/>
           <a:lstStyle/>
           <a:p>
-            <a:fld id="{57B92DD5-8246-44DF-9821-1B091E9EE8C2}" type="slidenum">
+            <a:fld id="{20164377-8588-4BD4-B67A-AE968FCDBA48}" type="slidenum">
               <a:rPr lang="de-DE" altLang="de-DE"/>
               <a:pPr/>
               <a:t>34</a:t>
@@ -20523,7 +20796,7 @@
       </p:sp>
       <p:sp>
         <p:nvSpPr>
-          <p:cNvPr id="70660" name="AutoShape 1"/>
+          <p:cNvPr id="72708" name="AutoShape 1"/>
           <p:cNvSpPr>
             <a:spLocks noChangeArrowheads="1"/>
           </p:cNvSpPr>
@@ -20573,7 +20846,7 @@
       </p:sp>
       <p:sp>
         <p:nvSpPr>
-          <p:cNvPr id="70661" name="Rectangle 2"/>
+          <p:cNvPr id="72709" name="Rectangle 2"/>
           <p:cNvSpPr>
             <a:spLocks noGrp="1" noChangeArrowheads="1"/>
           </p:cNvSpPr>
@@ -20608,19 +20881,32 @@
               </a:tabLst>
             </a:pPr>
             <a:r>
-              <a:rPr lang="de-DE" altLang="de-DE" sz="4000" smtClean="0">
+              <a:rPr lang="de-DE" altLang="de-DE" sz="4000" dirty="0" smtClean="0">
                 <a:solidFill>
                   <a:srgbClr val="FFFFFF"/>
                 </a:solidFill>
               </a:rPr>
-              <a:t>Übung (4)</a:t>
-            </a:r>
-          </a:p>
-        </p:txBody>
-      </p:sp>
-      <p:sp>
-        <p:nvSpPr>
-          <p:cNvPr id="70662" name="Rectangle 3"/>
+              <a:t>Übung </a:t>
+            </a:r>
+            <a:r>
+              <a:rPr lang="de-DE" altLang="de-DE" sz="4000" dirty="0" smtClean="0">
+                <a:solidFill>
+                  <a:srgbClr val="FFFFFF"/>
+                </a:solidFill>
+              </a:rPr>
+              <a:t>(Teil 9)</a:t>
+            </a:r>
+            <a:endParaRPr lang="de-DE" altLang="de-DE" sz="4000" dirty="0" smtClean="0">
+              <a:solidFill>
+                <a:srgbClr val="FFFFFF"/>
+              </a:solidFill>
+            </a:endParaRPr>
+          </a:p>
+        </p:txBody>
+      </p:sp>
+      <p:sp>
+        <p:nvSpPr>
+          <p:cNvPr id="72710" name="Rectangle 3"/>
           <p:cNvSpPr>
             <a:spLocks noGrp="1" noChangeArrowheads="1"/>
           </p:cNvSpPr>
@@ -20631,41 +20917,12 @@
         <p:spPr>
           <a:xfrm>
             <a:off x="504825" y="1619250"/>
-            <a:ext cx="9070975" cy="4989513"/>
+            <a:ext cx="9070975" cy="6008688"/>
           </a:xfrm>
         </p:spPr>
         <p:txBody>
           <a:bodyPr tIns="21168"/>
           <a:lstStyle/>
-          <a:p>
-            <a:pPr marL="269875" indent="-269875" eaLnBrk="1">
-              <a:spcAft>
-                <a:spcPct val="0"/>
-              </a:spcAft>
-              <a:tabLst>
-                <a:tab pos="723900" algn="l"/>
-                <a:tab pos="1447800" algn="l"/>
-                <a:tab pos="2171700" algn="l"/>
-                <a:tab pos="2895600" algn="l"/>
-                <a:tab pos="3619500" algn="l"/>
-                <a:tab pos="4343400" algn="l"/>
-                <a:tab pos="5067300" algn="l"/>
-                <a:tab pos="5791200" algn="l"/>
-                <a:tab pos="6515100" algn="l"/>
-                <a:tab pos="7239000" algn="l"/>
-                <a:tab pos="7962900" algn="l"/>
-                <a:tab pos="8686800" algn="l"/>
-              </a:tabLst>
-            </a:pPr>
-            <a:r>
-              <a:rPr lang="de-DE" altLang="de-DE" sz="2400" smtClean="0"/>
-              <a:t>Erweitern Sie das "Black Jack"-Programm wie folgt:</a:t>
-            </a:r>
-            <a:br>
-              <a:rPr lang="de-DE" altLang="de-DE" sz="2400" smtClean="0"/>
-            </a:br>
-            <a:endParaRPr lang="de-DE" altLang="de-DE" sz="2400" smtClean="0"/>
-          </a:p>
           <a:p>
             <a:pPr marL="269875" indent="-269875" eaLnBrk="1">
               <a:spcAft>
@@ -20690,27 +20947,46 @@
               </a:tabLst>
             </a:pPr>
             <a:r>
-              <a:rPr lang="de-DE" altLang="de-DE" sz="2400" smtClean="0"/>
-              <a:t>Der Geber erhält die erste Karte zusammen mit den ersten</a:t>
+              <a:rPr lang="de-DE" altLang="de-DE" sz="2400" dirty="0" smtClean="0"/>
+              <a:t>Ergänzen </a:t>
+            </a:r>
+            <a:r>
+              <a:rPr lang="de-DE" altLang="de-DE" sz="2400" dirty="0" smtClean="0"/>
+              <a:t>Sie die "</a:t>
+            </a:r>
+            <a:r>
+              <a:rPr lang="de-DE" altLang="de-DE" sz="2400" dirty="0" err="1" smtClean="0"/>
+              <a:t>insurance</a:t>
+            </a:r>
+            <a:r>
+              <a:rPr lang="de-DE" altLang="de-DE" sz="2400" dirty="0" smtClean="0"/>
+              <a:t>-Regel": Wurden die Karten</a:t>
             </a:r>
             <a:br>
-              <a:rPr lang="de-DE" altLang="de-DE" sz="2400" smtClean="0"/>
+              <a:rPr lang="de-DE" altLang="de-DE" sz="2400" dirty="0" smtClean="0"/>
             </a:br>
             <a:r>
-              <a:rPr lang="de-DE" altLang="de-DE" sz="2400" smtClean="0"/>
-              <a:t>beiden Karten des Spielers. Bei jedem Spielzug sollen nun</a:t>
+              <a:rPr lang="de-DE" altLang="de-DE" sz="2400" dirty="0" smtClean="0"/>
+              <a:t>ausgeteilt und hat der Geber ein Ass, so hat der Spieler bei</a:t>
             </a:r>
             <a:br>
-              <a:rPr lang="de-DE" altLang="de-DE" sz="2400" smtClean="0"/>
+              <a:rPr lang="de-DE" altLang="de-DE" sz="2400" dirty="0" smtClean="0"/>
             </a:br>
             <a:r>
-              <a:rPr lang="de-DE" altLang="de-DE" sz="2400" smtClean="0"/>
-              <a:t>immer beide Kartenhände ausgegeben werden.</a:t>
+              <a:rPr lang="de-DE" altLang="de-DE" sz="2400" dirty="0" smtClean="0"/>
+              <a:t>seinem ersten Spielzug die Möglichkeit, eine "Versicherung"</a:t>
             </a:r>
             <a:br>
-              <a:rPr lang="de-DE" altLang="de-DE" sz="2400" smtClean="0"/>
+              <a:rPr lang="de-DE" altLang="de-DE" sz="2400" dirty="0" smtClean="0"/>
             </a:br>
-            <a:endParaRPr lang="de-DE" altLang="de-DE" sz="2400" smtClean="0"/>
+            <a:r>
+              <a:rPr lang="de-DE" altLang="de-DE" sz="2400" dirty="0" smtClean="0"/>
+              <a:t>abzuschließen.</a:t>
+            </a:r>
+            <a:br>
+              <a:rPr lang="de-DE" altLang="de-DE" sz="2400" dirty="0" smtClean="0"/>
+            </a:br>
+            <a:endParaRPr lang="de-DE" altLang="de-DE" sz="2400" dirty="0" smtClean="0"/>
           </a:p>
           <a:p>
             <a:pPr marL="269875" indent="-269875" eaLnBrk="1">
@@ -20736,22 +21012,95 @@
               </a:tabLst>
             </a:pPr>
             <a:r>
-              <a:rPr lang="de-DE" altLang="de-DE" sz="2400" smtClean="0"/>
-              <a:t>Ergänzen Sie die "double-Regel", d. h. bei seinem ersten</a:t>
+              <a:rPr lang="de-DE" altLang="de-DE" sz="2400" dirty="0" smtClean="0"/>
+              <a:t>Dies bedeutet, dass er einen zusätzlichen Betrag darauf wetten</a:t>
             </a:r>
             <a:br>
-              <a:rPr lang="de-DE" altLang="de-DE" sz="2400" smtClean="0"/>
+              <a:rPr lang="de-DE" altLang="de-DE" sz="2400" dirty="0" smtClean="0"/>
             </a:br>
             <a:r>
-              <a:rPr lang="de-DE" altLang="de-DE" sz="2400" smtClean="0"/>
-              <a:t>Spielzug (solange der Spieler noch 2 Karten hat), hat der Spieler</a:t>
+              <a:rPr lang="de-DE" altLang="de-DE" sz="2400" dirty="0" smtClean="0"/>
+              <a:t>kann, dass der Geber einen Black Jack erhalten wird. Dieser</a:t>
             </a:r>
             <a:br>
-              <a:rPr lang="de-DE" altLang="de-DE" sz="2400" smtClean="0"/>
+              <a:rPr lang="de-DE" altLang="de-DE" sz="2400" dirty="0" smtClean="0"/>
             </a:br>
             <a:r>
-              <a:rPr lang="de-DE" altLang="de-DE" sz="2400" smtClean="0"/>
-              <a:t>zusätzlich die Möglichkeit, seinen Einsatz zu verdoppeln.</a:t>
+              <a:rPr lang="de-DE" altLang="de-DE" sz="2400" dirty="0" err="1" smtClean="0"/>
+              <a:t>insurance</a:t>
+            </a:r>
+            <a:r>
+              <a:rPr lang="de-DE" altLang="de-DE" sz="2400" dirty="0" smtClean="0"/>
+              <a:t>-Einsatz wird unabhängig vom restlichen Betrag</a:t>
+            </a:r>
+            <a:br>
+              <a:rPr lang="de-DE" altLang="de-DE" sz="2400" dirty="0" smtClean="0"/>
+            </a:br>
+            <a:r>
+              <a:rPr lang="de-DE" altLang="de-DE" sz="2400" dirty="0" smtClean="0"/>
+              <a:t>verwaltet.</a:t>
+            </a:r>
+            <a:br>
+              <a:rPr lang="de-DE" altLang="de-DE" sz="2400" dirty="0" smtClean="0"/>
+            </a:br>
+            <a:endParaRPr lang="de-DE" altLang="de-DE" sz="2400" dirty="0" smtClean="0"/>
+          </a:p>
+          <a:p>
+            <a:pPr marL="269875" indent="-269875" eaLnBrk="1">
+              <a:spcAft>
+                <a:spcPct val="0"/>
+              </a:spcAft>
+              <a:buSzPct val="45000"/>
+              <a:buFont typeface="Wingdings" charset="2"/>
+              <a:buChar char=""/>
+              <a:tabLst>
+                <a:tab pos="723900" algn="l"/>
+                <a:tab pos="1447800" algn="l"/>
+                <a:tab pos="2171700" algn="l"/>
+                <a:tab pos="2895600" algn="l"/>
+                <a:tab pos="3619500" algn="l"/>
+                <a:tab pos="4343400" algn="l"/>
+                <a:tab pos="5067300" algn="l"/>
+                <a:tab pos="5791200" algn="l"/>
+                <a:tab pos="6515100" algn="l"/>
+                <a:tab pos="7239000" algn="l"/>
+                <a:tab pos="7962900" algn="l"/>
+                <a:tab pos="8686800" algn="l"/>
+              </a:tabLst>
+            </a:pPr>
+            <a:r>
+              <a:rPr lang="de-DE" altLang="de-DE" sz="2400" dirty="0" smtClean="0"/>
+              <a:t>Hat der Geber zum Ende des Spieles einen Black Jack auf der</a:t>
+            </a:r>
+            <a:br>
+              <a:rPr lang="de-DE" altLang="de-DE" sz="2400" dirty="0" smtClean="0"/>
+            </a:br>
+            <a:r>
+              <a:rPr lang="de-DE" altLang="de-DE" sz="2400" dirty="0" smtClean="0"/>
+              <a:t>Hand, erhält der Spieler seinen </a:t>
+            </a:r>
+            <a:r>
+              <a:rPr lang="de-DE" altLang="de-DE" sz="2400" dirty="0" err="1" smtClean="0"/>
+              <a:t>insurance</a:t>
+            </a:r>
+            <a:r>
+              <a:rPr lang="de-DE" altLang="de-DE" sz="2400" dirty="0" smtClean="0"/>
+              <a:t>-Einsatz zurück plus</a:t>
+            </a:r>
+            <a:br>
+              <a:rPr lang="de-DE" altLang="de-DE" sz="2400" dirty="0" smtClean="0"/>
+            </a:br>
+            <a:r>
+              <a:rPr lang="de-DE" altLang="de-DE" sz="2400" dirty="0" smtClean="0"/>
+              <a:t>einen Gewinn in Höhe des doppelten </a:t>
+            </a:r>
+            <a:r>
+              <a:rPr lang="de-DE" altLang="de-DE" sz="2400" dirty="0" err="1" smtClean="0"/>
+              <a:t>insurance</a:t>
+            </a:r>
+            <a:r>
+              <a:rPr lang="de-DE" altLang="de-DE" sz="2400" dirty="0" smtClean="0"/>
+              <a:t>-Einsatzes.</a:t>
             </a:r>
           </a:p>
           <a:p>
@@ -20777,7 +21126,7 @@
                 <a:tab pos="8686800" algn="l"/>
               </a:tabLst>
             </a:pPr>
-            <a:endParaRPr lang="de-DE" altLang="de-DE" smtClean="0"/>
+            <a:endParaRPr lang="de-DE" altLang="de-DE" dirty="0" smtClean="0"/>
           </a:p>
           <a:p>
             <a:pPr marL="269875" indent="-269875" eaLnBrk="1">
@@ -20802,7 +21151,7 @@
                 <a:tab pos="8686800" algn="l"/>
               </a:tabLst>
             </a:pPr>
-            <a:endParaRPr lang="de-DE" altLang="de-DE" smtClean="0"/>
+            <a:endParaRPr lang="de-DE" altLang="de-DE" dirty="0" smtClean="0"/>
           </a:p>
         </p:txBody>
       </p:sp>
@@ -20861,7 +21210,7 @@
       </p:grpSpPr>
       <p:sp>
         <p:nvSpPr>
-          <p:cNvPr id="72706" name="Fußzeilenplatzhalter 3"/>
+          <p:cNvPr id="74754" name="Fußzeilenplatzhalter 3"/>
           <p:cNvSpPr>
             <a:spLocks noGrp="1"/>
           </p:cNvSpPr>
@@ -20897,7 +21246,7 @@
       </p:sp>
       <p:sp>
         <p:nvSpPr>
-          <p:cNvPr id="72707" name="Foliennummernplatzhalter 4"/>
+          <p:cNvPr id="74755" name="Foliennummernplatzhalter 4"/>
           <p:cNvSpPr>
             <a:spLocks noGrp="1"/>
           </p:cNvSpPr>
@@ -20917,7 +21266,7 @@
           <a:bodyPr/>
           <a:lstStyle/>
           <a:p>
-            <a:fld id="{20164377-8588-4BD4-B67A-AE968FCDBA48}" type="slidenum">
+            <a:fld id="{B6961AD7-017B-4E2E-9E76-6EBEB919FA8E}" type="slidenum">
               <a:rPr lang="de-DE" altLang="de-DE"/>
               <a:pPr/>
               <a:t>35</a:t>
@@ -20928,7 +21277,7 @@
       </p:sp>
       <p:sp>
         <p:nvSpPr>
-          <p:cNvPr id="72708" name="AutoShape 1"/>
+          <p:cNvPr id="74756" name="AutoShape 1"/>
           <p:cNvSpPr>
             <a:spLocks noChangeArrowheads="1"/>
           </p:cNvSpPr>
@@ -20978,7 +21327,7 @@
       </p:sp>
       <p:sp>
         <p:nvSpPr>
-          <p:cNvPr id="72709" name="Rectangle 2"/>
+          <p:cNvPr id="74757" name="Rectangle 2"/>
           <p:cNvSpPr>
             <a:spLocks noGrp="1" noChangeArrowheads="1"/>
           </p:cNvSpPr>
@@ -21013,19 +21362,32 @@
               </a:tabLst>
             </a:pPr>
             <a:r>
-              <a:rPr lang="de-DE" altLang="de-DE" sz="4000" smtClean="0">
+              <a:rPr lang="de-DE" altLang="de-DE" sz="4000" dirty="0" smtClean="0">
                 <a:solidFill>
                   <a:srgbClr val="FFFFFF"/>
                 </a:solidFill>
               </a:rPr>
-              <a:t>Übung (5)</a:t>
-            </a:r>
-          </a:p>
-        </p:txBody>
-      </p:sp>
-      <p:sp>
-        <p:nvSpPr>
-          <p:cNvPr id="72710" name="Rectangle 3"/>
+              <a:t>Übung </a:t>
+            </a:r>
+            <a:r>
+              <a:rPr lang="de-DE" altLang="de-DE" sz="4000" dirty="0" smtClean="0">
+                <a:solidFill>
+                  <a:srgbClr val="FFFFFF"/>
+                </a:solidFill>
+              </a:rPr>
+              <a:t>(Teil 10)</a:t>
+            </a:r>
+            <a:endParaRPr lang="de-DE" altLang="de-DE" sz="4000" dirty="0" smtClean="0">
+              <a:solidFill>
+                <a:srgbClr val="FFFFFF"/>
+              </a:solidFill>
+            </a:endParaRPr>
+          </a:p>
+        </p:txBody>
+      </p:sp>
+      <p:sp>
+        <p:nvSpPr>
+          <p:cNvPr id="74758" name="Rectangle 3"/>
           <p:cNvSpPr>
             <a:spLocks noGrp="1" noChangeArrowheads="1"/>
           </p:cNvSpPr>
@@ -21036,41 +21398,12 @@
         <p:spPr>
           <a:xfrm>
             <a:off x="504825" y="1619250"/>
-            <a:ext cx="9070975" cy="6008688"/>
+            <a:ext cx="9070975" cy="4989513"/>
           </a:xfrm>
         </p:spPr>
         <p:txBody>
           <a:bodyPr tIns="21168"/>
           <a:lstStyle/>
-          <a:p>
-            <a:pPr marL="269875" indent="-269875" eaLnBrk="1">
-              <a:spcAft>
-                <a:spcPct val="0"/>
-              </a:spcAft>
-              <a:tabLst>
-                <a:tab pos="723900" algn="l"/>
-                <a:tab pos="1447800" algn="l"/>
-                <a:tab pos="2171700" algn="l"/>
-                <a:tab pos="2895600" algn="l"/>
-                <a:tab pos="3619500" algn="l"/>
-                <a:tab pos="4343400" algn="l"/>
-                <a:tab pos="5067300" algn="l"/>
-                <a:tab pos="5791200" algn="l"/>
-                <a:tab pos="6515100" algn="l"/>
-                <a:tab pos="7239000" algn="l"/>
-                <a:tab pos="7962900" algn="l"/>
-                <a:tab pos="8686800" algn="l"/>
-              </a:tabLst>
-            </a:pPr>
-            <a:r>
-              <a:rPr lang="de-DE" altLang="de-DE" sz="2400" smtClean="0"/>
-              <a:t>Erweitern Sie das "Black Jack"-Programm wie folgt:</a:t>
-            </a:r>
-            <a:br>
-              <a:rPr lang="de-DE" altLang="de-DE" sz="2400" smtClean="0"/>
-            </a:br>
-            <a:endParaRPr lang="de-DE" altLang="de-DE" sz="2400" smtClean="0"/>
-          </a:p>
           <a:p>
             <a:pPr marL="269875" indent="-269875" eaLnBrk="1">
               <a:spcAft>
@@ -21095,34 +21428,20 @@
               </a:tabLst>
             </a:pPr>
             <a:r>
-              <a:rPr lang="de-DE" altLang="de-DE" sz="2400" smtClean="0"/>
-              <a:t>Ergänzen Sie die "insurance-Regel": Wurden die Karten</a:t>
+              <a:rPr lang="de-DE" altLang="de-DE" sz="2400" dirty="0" smtClean="0"/>
+              <a:t>Das </a:t>
+            </a:r>
+            <a:r>
+              <a:rPr lang="de-DE" altLang="de-DE" sz="2400" dirty="0" smtClean="0"/>
+              <a:t>Spiel soll nun nicht nach einer Runde zu Ende sein.</a:t>
             </a:r>
             <a:br>
-              <a:rPr lang="de-DE" altLang="de-DE" sz="2400" smtClean="0"/>
+              <a:rPr lang="de-DE" altLang="de-DE" sz="2400" dirty="0" smtClean="0"/>
             </a:br>
             <a:r>
-              <a:rPr lang="de-DE" altLang="de-DE" sz="2400" smtClean="0"/>
-              <a:t>ausgeteilt und hat der Geber ein Ass, so hat der Spieler bei</a:t>
-            </a:r>
-            <a:br>
-              <a:rPr lang="de-DE" altLang="de-DE" sz="2400" smtClean="0"/>
-            </a:br>
-            <a:r>
-              <a:rPr lang="de-DE" altLang="de-DE" sz="2400" smtClean="0"/>
-              <a:t>seinem ersten Spielzug die Möglichkeit, eine "Versicherung"</a:t>
-            </a:r>
-            <a:br>
-              <a:rPr lang="de-DE" altLang="de-DE" sz="2400" smtClean="0"/>
-            </a:br>
-            <a:r>
-              <a:rPr lang="de-DE" altLang="de-DE" sz="2400" smtClean="0"/>
-              <a:t>abzuschließen.</a:t>
-            </a:r>
-            <a:br>
-              <a:rPr lang="de-DE" altLang="de-DE" sz="2400" smtClean="0"/>
-            </a:br>
-            <a:endParaRPr lang="de-DE" altLang="de-DE" sz="2400" smtClean="0"/>
+              <a:rPr lang="de-DE" altLang="de-DE" sz="2400" dirty="0" smtClean="0"/>
+              <a:t> </a:t>
+            </a:r>
           </a:p>
           <a:p>
             <a:pPr marL="269875" indent="-269875" eaLnBrk="1">
@@ -21148,34 +21467,27 @@
               </a:tabLst>
             </a:pPr>
             <a:r>
-              <a:rPr lang="de-DE" altLang="de-DE" sz="2400" smtClean="0"/>
-              <a:t>Dies bedeutet, dass er einen zusätzlichen Betrag darauf wetten</a:t>
+              <a:rPr lang="de-DE" altLang="de-DE" sz="2400" dirty="0" smtClean="0"/>
+              <a:t>Zu Beginn des Spiels erhält der Spieler ein Budget von 5000</a:t>
             </a:r>
             <a:br>
-              <a:rPr lang="de-DE" altLang="de-DE" sz="2400" smtClean="0"/>
+              <a:rPr lang="de-DE" altLang="de-DE" sz="2400" dirty="0" smtClean="0"/>
             </a:br>
             <a:r>
-              <a:rPr lang="de-DE" altLang="de-DE" sz="2400" smtClean="0"/>
-              <a:t>kann, dass der Geber einen Black Jack erhalten wird. Dieser</a:t>
+              <a:rPr lang="de-DE" altLang="de-DE" sz="2400" dirty="0" smtClean="0"/>
+              <a:t>Euro, aus welchem die Einsätze bestritten werden müssen und</a:t>
             </a:r>
             <a:br>
-              <a:rPr lang="de-DE" altLang="de-DE" sz="2400" smtClean="0"/>
+              <a:rPr lang="de-DE" altLang="de-DE" sz="2400" dirty="0" smtClean="0"/>
             </a:br>
             <a:r>
-              <a:rPr lang="de-DE" altLang="de-DE" sz="2400" smtClean="0"/>
-              <a:t>insurance-Einsatz wird unabhängig vom restlichen Betrag</a:t>
+              <a:rPr lang="de-DE" altLang="de-DE" sz="2400" dirty="0" smtClean="0"/>
+              <a:t>in welches die Gewinne einfließen.</a:t>
             </a:r>
             <a:br>
-              <a:rPr lang="de-DE" altLang="de-DE" sz="2400" smtClean="0"/>
+              <a:rPr lang="de-DE" altLang="de-DE" sz="2400" dirty="0" smtClean="0"/>
             </a:br>
-            <a:r>
-              <a:rPr lang="de-DE" altLang="de-DE" sz="2400" smtClean="0"/>
-              <a:t>verwaltet.</a:t>
-            </a:r>
-            <a:br>
-              <a:rPr lang="de-DE" altLang="de-DE" sz="2400" smtClean="0"/>
-            </a:br>
-            <a:endParaRPr lang="de-DE" altLang="de-DE" sz="2400" smtClean="0"/>
+            <a:endParaRPr lang="de-DE" altLang="de-DE" sz="2400" dirty="0" smtClean="0"/>
           </a:p>
           <a:p>
             <a:pPr marL="269875" indent="-269875" eaLnBrk="1">
@@ -21201,23 +21513,124 @@
               </a:tabLst>
             </a:pPr>
             <a:r>
-              <a:rPr lang="de-DE" altLang="de-DE" sz="2400" smtClean="0"/>
-              <a:t>Hat der Geber zum Ende des Spieles einen Black Jack auf der</a:t>
+              <a:rPr lang="de-DE" altLang="de-DE" sz="2400" dirty="0" smtClean="0"/>
+              <a:t>Sinkt das Budget unter den Minimum-Einsatz, ist das Spiel</a:t>
             </a:r>
             <a:br>
-              <a:rPr lang="de-DE" altLang="de-DE" sz="2400" smtClean="0"/>
+              <a:rPr lang="de-DE" altLang="de-DE" sz="2400" dirty="0" smtClean="0"/>
             </a:br>
             <a:r>
-              <a:rPr lang="de-DE" altLang="de-DE" sz="2400" smtClean="0"/>
-              <a:t>Hand, erhält der Spieler seinen insurance-Einsatz zurück plus</a:t>
+              <a:rPr lang="de-DE" altLang="de-DE" sz="2400" dirty="0" smtClean="0"/>
+              <a:t>verloren.</a:t>
+            </a:r>
+          </a:p>
+          <a:p>
+            <a:pPr marL="269875" indent="-269875" eaLnBrk="1">
+              <a:spcAft>
+                <a:spcPct val="0"/>
+              </a:spcAft>
+              <a:buSzPct val="45000"/>
+              <a:buFont typeface="Wingdings" charset="2"/>
+              <a:buChar char=""/>
+              <a:tabLst>
+                <a:tab pos="723900" algn="l"/>
+                <a:tab pos="1447800" algn="l"/>
+                <a:tab pos="2171700" algn="l"/>
+                <a:tab pos="2895600" algn="l"/>
+                <a:tab pos="3619500" algn="l"/>
+                <a:tab pos="4343400" algn="l"/>
+                <a:tab pos="5067300" algn="l"/>
+                <a:tab pos="5791200" algn="l"/>
+                <a:tab pos="6515100" algn="l"/>
+                <a:tab pos="7239000" algn="l"/>
+                <a:tab pos="7962900" algn="l"/>
+                <a:tab pos="8686800" algn="l"/>
+              </a:tabLst>
+            </a:pPr>
+            <a:endParaRPr lang="de-DE" altLang="de-DE" sz="2400" dirty="0" smtClean="0"/>
+          </a:p>
+          <a:p>
+            <a:pPr marL="269875" indent="-269875" eaLnBrk="1">
+              <a:spcAft>
+                <a:spcPct val="0"/>
+              </a:spcAft>
+              <a:buSzPct val="45000"/>
+              <a:buFont typeface="Wingdings" charset="2"/>
+              <a:buChar char=""/>
+              <a:tabLst>
+                <a:tab pos="723900" algn="l"/>
+                <a:tab pos="1447800" algn="l"/>
+                <a:tab pos="2171700" algn="l"/>
+                <a:tab pos="2895600" algn="l"/>
+                <a:tab pos="3619500" algn="l"/>
+                <a:tab pos="4343400" algn="l"/>
+                <a:tab pos="5067300" algn="l"/>
+                <a:tab pos="5791200" algn="l"/>
+                <a:tab pos="6515100" algn="l"/>
+                <a:tab pos="7239000" algn="l"/>
+                <a:tab pos="7962900" algn="l"/>
+                <a:tab pos="8686800" algn="l"/>
+              </a:tabLst>
+            </a:pPr>
+            <a:r>
+              <a:rPr lang="de-DE" altLang="de-DE" sz="2400" dirty="0" smtClean="0"/>
+              <a:t>Solange </a:t>
+            </a:r>
+            <a:r>
+              <a:rPr lang="de-DE" altLang="de-DE" sz="2400" dirty="0" smtClean="0"/>
+              <a:t>das nicht der Fall ist, fragt das Programm nach jedem</a:t>
             </a:r>
             <a:br>
-              <a:rPr lang="de-DE" altLang="de-DE" sz="2400" smtClean="0"/>
+              <a:rPr lang="de-DE" altLang="de-DE" sz="2400" dirty="0" smtClean="0"/>
             </a:br>
             <a:r>
-              <a:rPr lang="de-DE" altLang="de-DE" sz="2400" smtClean="0"/>
-              <a:t>einen Gewinn in Höhe des doppelten insurance-Einsatzes.</a:t>
-            </a:r>
+              <a:rPr lang="de-DE" altLang="de-DE" sz="2400" dirty="0" smtClean="0"/>
+              <a:t>Spiel, ob eine neue Runde gespielt werden soll. Dazu werden</a:t>
+            </a:r>
+            <a:br>
+              <a:rPr lang="de-DE" altLang="de-DE" sz="2400" dirty="0" smtClean="0"/>
+            </a:br>
+            <a:r>
+              <a:rPr lang="de-DE" altLang="de-DE" sz="2400" dirty="0" smtClean="0"/>
+              <a:t>die Karten neu gemischt und eine neue Runde beginnt.</a:t>
+            </a:r>
+            <a:br>
+              <a:rPr lang="de-DE" altLang="de-DE" sz="2400" dirty="0" smtClean="0"/>
+            </a:br>
+            <a:endParaRPr lang="de-DE" altLang="de-DE" sz="2400" dirty="0" smtClean="0"/>
+          </a:p>
+          <a:p>
+            <a:pPr marL="269875" indent="-269875" eaLnBrk="1">
+              <a:spcAft>
+                <a:spcPct val="0"/>
+              </a:spcAft>
+              <a:buSzPct val="45000"/>
+              <a:buFont typeface="Wingdings" charset="2"/>
+              <a:buChar char=""/>
+              <a:tabLst>
+                <a:tab pos="723900" algn="l"/>
+                <a:tab pos="1447800" algn="l"/>
+                <a:tab pos="2171700" algn="l"/>
+                <a:tab pos="2895600" algn="l"/>
+                <a:tab pos="3619500" algn="l"/>
+                <a:tab pos="4343400" algn="l"/>
+                <a:tab pos="5067300" algn="l"/>
+                <a:tab pos="5791200" algn="l"/>
+                <a:tab pos="6515100" algn="l"/>
+                <a:tab pos="7239000" algn="l"/>
+                <a:tab pos="7962900" algn="l"/>
+                <a:tab pos="8686800" algn="l"/>
+              </a:tabLst>
+            </a:pPr>
+            <a:r>
+              <a:rPr lang="de-DE" altLang="de-DE" sz="2400" dirty="0" smtClean="0"/>
+              <a:t>Das Budget soll bei jedem Spielschritt ebenfalls ausgegeben werden</a:t>
+            </a:r>
+            <a:r>
+              <a:rPr lang="de-DE" altLang="de-DE" sz="2400" dirty="0" smtClean="0"/>
+              <a:t>.</a:t>
+            </a:r>
+            <a:endParaRPr lang="de-DE" altLang="de-DE" dirty="0" smtClean="0"/>
           </a:p>
           <a:p>
             <a:pPr marL="269875" indent="-269875" eaLnBrk="1">
@@ -21242,856 +21655,7 @@
                 <a:tab pos="8686800" algn="l"/>
               </a:tabLst>
             </a:pPr>
-            <a:endParaRPr lang="de-DE" altLang="de-DE" smtClean="0"/>
-          </a:p>
-          <a:p>
-            <a:pPr marL="269875" indent="-269875" eaLnBrk="1">
-              <a:spcAft>
-                <a:spcPct val="0"/>
-              </a:spcAft>
-              <a:buSzPct val="45000"/>
-              <a:buFont typeface="Wingdings" charset="2"/>
-              <a:buNone/>
-              <a:tabLst>
-                <a:tab pos="723900" algn="l"/>
-                <a:tab pos="1447800" algn="l"/>
-                <a:tab pos="2171700" algn="l"/>
-                <a:tab pos="2895600" algn="l"/>
-                <a:tab pos="3619500" algn="l"/>
-                <a:tab pos="4343400" algn="l"/>
-                <a:tab pos="5067300" algn="l"/>
-                <a:tab pos="5791200" algn="l"/>
-                <a:tab pos="6515100" algn="l"/>
-                <a:tab pos="7239000" algn="l"/>
-                <a:tab pos="7962900" algn="l"/>
-                <a:tab pos="8686800" algn="l"/>
-              </a:tabLst>
-            </a:pPr>
-            <a:endParaRPr lang="de-DE" altLang="de-DE" smtClean="0"/>
-          </a:p>
-        </p:txBody>
-      </p:sp>
-    </p:spTree>
-  </p:cSld>
-  <p:clrMapOvr>
-    <a:masterClrMapping/>
-  </p:clrMapOvr>
-  <p:transition spd="med"/>
-  <p:timing>
-    <p:tnLst>
-      <p:par>
-        <p:cTn id="1" dur="indefinite" restart="never" nodeType="tmRoot">
-          <p:childTnLst>
-            <p:seq concurrent="1" nextAc="seek">
-              <p:cTn id="2" dur="0" nodeType="mainSeq"/>
-              <p:prevCondLst>
-                <p:cond evt="onPrev" delay="0">
-                  <p:tgtEl>
-                    <p:sldTgt/>
-                  </p:tgtEl>
-                </p:cond>
-              </p:prevCondLst>
-              <p:nextCondLst>
-                <p:cond evt="onNext" delay="0">
-                  <p:tgtEl>
-                    <p:sldTgt/>
-                  </p:tgtEl>
-                </p:cond>
-              </p:nextCondLst>
-            </p:seq>
-          </p:childTnLst>
-        </p:cTn>
-      </p:par>
-    </p:tnLst>
-  </p:timing>
-</p:sld>
-</file>
-
-<file path=ppt/slides/slide36.xml><?xml version="1.0" encoding="utf-8"?>
-<p:sld xmlns:a="http://schemas.openxmlformats.org/drawingml/2006/main" xmlns:r="http://schemas.openxmlformats.org/officeDocument/2006/relationships" xmlns:p="http://schemas.openxmlformats.org/presentationml/2006/main">
-  <p:cSld>
-    <p:spTree>
-      <p:nvGrpSpPr>
-        <p:cNvPr id="1" name=""/>
-        <p:cNvGrpSpPr/>
-        <p:nvPr/>
-      </p:nvGrpSpPr>
-      <p:grpSpPr>
-        <a:xfrm>
-          <a:off x="0" y="0"/>
-          <a:ext cx="0" cy="0"/>
-          <a:chOff x="0" y="0"/>
-          <a:chExt cx="0" cy="0"/>
-        </a:xfrm>
-      </p:grpSpPr>
-      <p:sp>
-        <p:nvSpPr>
-          <p:cNvPr id="74754" name="Fußzeilenplatzhalter 3"/>
-          <p:cNvSpPr>
-            <a:spLocks noGrp="1"/>
-          </p:cNvSpPr>
-          <p:nvPr>
-            <p:ph type="ftr" sz="quarter" idx="11"/>
-          </p:nvPr>
-        </p:nvSpPr>
-        <p:spPr>
-          <a:noFill/>
-          <a:ln>
-            <a:round/>
-            <a:headEnd/>
-            <a:tailEnd/>
-          </a:ln>
-        </p:spPr>
-        <p:txBody>
-          <a:bodyPr/>
-          <a:lstStyle/>
-          <a:p>
-            <a:pPr>
-              <a:buFont typeface="Times New Roman" pitchFamily="16" charset="0"/>
-              <a:buNone/>
-            </a:pPr>
-            <a:r>
-              <a:rPr lang="de-DE" altLang="de-DE" smtClean="0">
-                <a:latin typeface="Arial" charset="0"/>
-                <a:ea typeface="Microsoft YaHei" charset="-122"/>
-              </a:rPr>
-              <a:t>Einführung in die Software-Entwicklung</a:t>
-            </a:r>
-          </a:p>
-        </p:txBody>
-      </p:sp>
-      <p:sp>
-        <p:nvSpPr>
-          <p:cNvPr id="74755" name="Foliennummernplatzhalter 4"/>
-          <p:cNvSpPr>
-            <a:spLocks noGrp="1"/>
-          </p:cNvSpPr>
-          <p:nvPr>
-            <p:ph type="sldNum" sz="quarter" idx="12"/>
-          </p:nvPr>
-        </p:nvSpPr>
-        <p:spPr>
-          <a:noFill/>
-          <a:ln>
-            <a:round/>
-            <a:headEnd/>
-            <a:tailEnd/>
-          </a:ln>
-        </p:spPr>
-        <p:txBody>
-          <a:bodyPr/>
-          <a:lstStyle/>
-          <a:p>
-            <a:fld id="{B6961AD7-017B-4E2E-9E76-6EBEB919FA8E}" type="slidenum">
-              <a:rPr lang="de-DE" altLang="de-DE"/>
-              <a:pPr/>
-              <a:t>36</a:t>
-            </a:fld>
-            <a:endParaRPr lang="de-DE" altLang="de-DE"/>
-          </a:p>
-        </p:txBody>
-      </p:sp>
-      <p:sp>
-        <p:nvSpPr>
-          <p:cNvPr id="74756" name="AutoShape 1"/>
-          <p:cNvSpPr>
-            <a:spLocks noChangeArrowheads="1"/>
-          </p:cNvSpPr>
-          <p:nvPr/>
-        </p:nvSpPr>
-        <p:spPr bwMode="auto">
-          <a:xfrm>
-            <a:off x="0" y="0"/>
-            <a:ext cx="10080625" cy="1260475"/>
-          </a:xfrm>
-          <a:prstGeom prst="roundRect">
-            <a:avLst>
-              <a:gd name="adj" fmla="val 125"/>
-            </a:avLst>
-          </a:prstGeom>
-          <a:solidFill>
-            <a:srgbClr val="0047FF"/>
-          </a:solidFill>
-          <a:ln w="9525">
-            <a:solidFill>
-              <a:srgbClr val="000000"/>
-            </a:solidFill>
-            <a:round/>
-            <a:headEnd/>
-            <a:tailEnd/>
-          </a:ln>
-          <a:effectLst/>
-        </p:spPr>
-        <p:txBody>
-          <a:bodyPr wrap="none" anchor="ctr"/>
-          <a:lstStyle/>
-          <a:p>
-            <a:pPr eaLnBrk="1">
-              <a:lnSpc>
-                <a:spcPct val="93000"/>
-              </a:lnSpc>
-              <a:buClr>
-                <a:srgbClr val="000000"/>
-              </a:buClr>
-              <a:buSzPct val="100000"/>
-              <a:buFont typeface="Times New Roman" pitchFamily="16" charset="0"/>
-              <a:buNone/>
-            </a:pPr>
-            <a:endParaRPr lang="de-DE" altLang="de-DE"/>
-          </a:p>
-        </p:txBody>
-      </p:sp>
-      <p:sp>
-        <p:nvSpPr>
-          <p:cNvPr id="74757" name="Rectangle 2"/>
-          <p:cNvSpPr>
-            <a:spLocks noGrp="1" noChangeArrowheads="1"/>
-          </p:cNvSpPr>
-          <p:nvPr>
-            <p:ph type="title"/>
-          </p:nvPr>
-        </p:nvSpPr>
-        <p:spPr>
-          <a:xfrm>
-            <a:off x="503238" y="301625"/>
-            <a:ext cx="9070975" cy="1262063"/>
-          </a:xfrm>
-        </p:spPr>
-        <p:txBody>
-          <a:bodyPr tIns="35280"/>
-          <a:lstStyle/>
-          <a:p>
-            <a:pPr algn="l" eaLnBrk="1">
-              <a:tabLst>
-                <a:tab pos="723900" algn="l"/>
-                <a:tab pos="1447800" algn="l"/>
-                <a:tab pos="2171700" algn="l"/>
-                <a:tab pos="2895600" algn="l"/>
-                <a:tab pos="3619500" algn="l"/>
-                <a:tab pos="4343400" algn="l"/>
-                <a:tab pos="5067300" algn="l"/>
-                <a:tab pos="5791200" algn="l"/>
-                <a:tab pos="6515100" algn="l"/>
-                <a:tab pos="7239000" algn="l"/>
-                <a:tab pos="7962900" algn="l"/>
-                <a:tab pos="8686800" algn="l"/>
-              </a:tabLst>
-            </a:pPr>
-            <a:r>
-              <a:rPr lang="de-DE" altLang="de-DE" sz="4000" smtClean="0">
-                <a:solidFill>
-                  <a:srgbClr val="FFFFFF"/>
-                </a:solidFill>
-              </a:rPr>
-              <a:t>Übung (6)</a:t>
-            </a:r>
-          </a:p>
-        </p:txBody>
-      </p:sp>
-      <p:sp>
-        <p:nvSpPr>
-          <p:cNvPr id="74758" name="Rectangle 3"/>
-          <p:cNvSpPr>
-            <a:spLocks noGrp="1" noChangeArrowheads="1"/>
-          </p:cNvSpPr>
-          <p:nvPr>
-            <p:ph type="subTitle" idx="4294967295"/>
-          </p:nvPr>
-        </p:nvSpPr>
-        <p:spPr>
-          <a:xfrm>
-            <a:off x="504825" y="1619250"/>
-            <a:ext cx="9070975" cy="4989513"/>
-          </a:xfrm>
-        </p:spPr>
-        <p:txBody>
-          <a:bodyPr tIns="21168"/>
-          <a:lstStyle/>
-          <a:p>
-            <a:pPr marL="269875" indent="-269875" eaLnBrk="1">
-              <a:spcAft>
-                <a:spcPct val="0"/>
-              </a:spcAft>
-              <a:tabLst>
-                <a:tab pos="723900" algn="l"/>
-                <a:tab pos="1447800" algn="l"/>
-                <a:tab pos="2171700" algn="l"/>
-                <a:tab pos="2895600" algn="l"/>
-                <a:tab pos="3619500" algn="l"/>
-                <a:tab pos="4343400" algn="l"/>
-                <a:tab pos="5067300" algn="l"/>
-                <a:tab pos="5791200" algn="l"/>
-                <a:tab pos="6515100" algn="l"/>
-                <a:tab pos="7239000" algn="l"/>
-                <a:tab pos="7962900" algn="l"/>
-                <a:tab pos="8686800" algn="l"/>
-              </a:tabLst>
-            </a:pPr>
-            <a:r>
-              <a:rPr lang="de-DE" altLang="de-DE" sz="2400" smtClean="0"/>
-              <a:t>Erweitern Sie das "Black Jack"-Programm wie folgt:</a:t>
-            </a:r>
-            <a:br>
-              <a:rPr lang="de-DE" altLang="de-DE" sz="2400" smtClean="0"/>
-            </a:br>
-            <a:endParaRPr lang="de-DE" altLang="de-DE" sz="2400" smtClean="0"/>
-          </a:p>
-          <a:p>
-            <a:pPr marL="269875" indent="-269875" eaLnBrk="1">
-              <a:spcAft>
-                <a:spcPct val="0"/>
-              </a:spcAft>
-              <a:buSzPct val="45000"/>
-              <a:buFont typeface="Wingdings" charset="2"/>
-              <a:buChar char=""/>
-              <a:tabLst>
-                <a:tab pos="723900" algn="l"/>
-                <a:tab pos="1447800" algn="l"/>
-                <a:tab pos="2171700" algn="l"/>
-                <a:tab pos="2895600" algn="l"/>
-                <a:tab pos="3619500" algn="l"/>
-                <a:tab pos="4343400" algn="l"/>
-                <a:tab pos="5067300" algn="l"/>
-                <a:tab pos="5791200" algn="l"/>
-                <a:tab pos="6515100" algn="l"/>
-                <a:tab pos="7239000" algn="l"/>
-                <a:tab pos="7962900" algn="l"/>
-                <a:tab pos="8686800" algn="l"/>
-              </a:tabLst>
-            </a:pPr>
-            <a:r>
-              <a:rPr lang="de-DE" altLang="de-DE" sz="2400" smtClean="0"/>
-              <a:t>Das Spiel soll nun nicht nach einer Runde zu Ende sein.</a:t>
-            </a:r>
-            <a:br>
-              <a:rPr lang="de-DE" altLang="de-DE" sz="2400" smtClean="0"/>
-            </a:br>
-            <a:r>
-              <a:rPr lang="de-DE" altLang="de-DE" sz="2400" smtClean="0"/>
-              <a:t> </a:t>
-            </a:r>
-          </a:p>
-          <a:p>
-            <a:pPr marL="269875" indent="-269875" eaLnBrk="1">
-              <a:spcAft>
-                <a:spcPct val="0"/>
-              </a:spcAft>
-              <a:buSzPct val="45000"/>
-              <a:buFont typeface="Wingdings" charset="2"/>
-              <a:buChar char=""/>
-              <a:tabLst>
-                <a:tab pos="723900" algn="l"/>
-                <a:tab pos="1447800" algn="l"/>
-                <a:tab pos="2171700" algn="l"/>
-                <a:tab pos="2895600" algn="l"/>
-                <a:tab pos="3619500" algn="l"/>
-                <a:tab pos="4343400" algn="l"/>
-                <a:tab pos="5067300" algn="l"/>
-                <a:tab pos="5791200" algn="l"/>
-                <a:tab pos="6515100" algn="l"/>
-                <a:tab pos="7239000" algn="l"/>
-                <a:tab pos="7962900" algn="l"/>
-                <a:tab pos="8686800" algn="l"/>
-              </a:tabLst>
-            </a:pPr>
-            <a:r>
-              <a:rPr lang="de-DE" altLang="de-DE" sz="2400" smtClean="0"/>
-              <a:t>Zu Beginn des Spiels erhält der Spieler ein Budget von 5000</a:t>
-            </a:r>
-            <a:br>
-              <a:rPr lang="de-DE" altLang="de-DE" sz="2400" smtClean="0"/>
-            </a:br>
-            <a:r>
-              <a:rPr lang="de-DE" altLang="de-DE" sz="2400" smtClean="0"/>
-              <a:t>Euro, aus welchem die Einsätze bestritten werden müssen und</a:t>
-            </a:r>
-            <a:br>
-              <a:rPr lang="de-DE" altLang="de-DE" sz="2400" smtClean="0"/>
-            </a:br>
-            <a:r>
-              <a:rPr lang="de-DE" altLang="de-DE" sz="2400" smtClean="0"/>
-              <a:t>in welches die Gewinne einfließen.</a:t>
-            </a:r>
-            <a:br>
-              <a:rPr lang="de-DE" altLang="de-DE" sz="2400" smtClean="0"/>
-            </a:br>
-            <a:endParaRPr lang="de-DE" altLang="de-DE" sz="2400" smtClean="0"/>
-          </a:p>
-          <a:p>
-            <a:pPr marL="269875" indent="-269875" eaLnBrk="1">
-              <a:spcAft>
-                <a:spcPct val="0"/>
-              </a:spcAft>
-              <a:buSzPct val="45000"/>
-              <a:buFont typeface="Wingdings" charset="2"/>
-              <a:buChar char=""/>
-              <a:tabLst>
-                <a:tab pos="723900" algn="l"/>
-                <a:tab pos="1447800" algn="l"/>
-                <a:tab pos="2171700" algn="l"/>
-                <a:tab pos="2895600" algn="l"/>
-                <a:tab pos="3619500" algn="l"/>
-                <a:tab pos="4343400" algn="l"/>
-                <a:tab pos="5067300" algn="l"/>
-                <a:tab pos="5791200" algn="l"/>
-                <a:tab pos="6515100" algn="l"/>
-                <a:tab pos="7239000" algn="l"/>
-                <a:tab pos="7962900" algn="l"/>
-                <a:tab pos="8686800" algn="l"/>
-              </a:tabLst>
-            </a:pPr>
-            <a:r>
-              <a:rPr lang="de-DE" altLang="de-DE" sz="2400" smtClean="0"/>
-              <a:t>Sinkt das Budget unter den Minimum-Einsatz, ist das Spiel</a:t>
-            </a:r>
-            <a:br>
-              <a:rPr lang="de-DE" altLang="de-DE" sz="2400" smtClean="0"/>
-            </a:br>
-            <a:r>
-              <a:rPr lang="de-DE" altLang="de-DE" sz="2400" smtClean="0"/>
-              <a:t>verloren.</a:t>
-            </a:r>
-            <a:br>
-              <a:rPr lang="de-DE" altLang="de-DE" sz="2400" smtClean="0"/>
-            </a:br>
-            <a:endParaRPr lang="de-DE" altLang="de-DE" sz="2400" smtClean="0"/>
-          </a:p>
-          <a:p>
-            <a:pPr marL="269875" indent="-269875" eaLnBrk="1">
-              <a:spcAft>
-                <a:spcPct val="0"/>
-              </a:spcAft>
-              <a:buSzPct val="45000"/>
-              <a:buFont typeface="Wingdings" charset="2"/>
-              <a:buNone/>
-              <a:tabLst>
-                <a:tab pos="723900" algn="l"/>
-                <a:tab pos="1447800" algn="l"/>
-                <a:tab pos="2171700" algn="l"/>
-                <a:tab pos="2895600" algn="l"/>
-                <a:tab pos="3619500" algn="l"/>
-                <a:tab pos="4343400" algn="l"/>
-                <a:tab pos="5067300" algn="l"/>
-                <a:tab pos="5791200" algn="l"/>
-                <a:tab pos="6515100" algn="l"/>
-                <a:tab pos="7239000" algn="l"/>
-                <a:tab pos="7962900" algn="l"/>
-                <a:tab pos="8686800" algn="l"/>
-              </a:tabLst>
-            </a:pPr>
-            <a:endParaRPr lang="de-DE" altLang="de-DE" sz="2400" smtClean="0"/>
-          </a:p>
-          <a:p>
-            <a:pPr marL="269875" indent="-269875" eaLnBrk="1">
-              <a:spcAft>
-                <a:spcPct val="0"/>
-              </a:spcAft>
-              <a:buSzPct val="45000"/>
-              <a:buFont typeface="Wingdings" charset="2"/>
-              <a:buNone/>
-              <a:tabLst>
-                <a:tab pos="723900" algn="l"/>
-                <a:tab pos="1447800" algn="l"/>
-                <a:tab pos="2171700" algn="l"/>
-                <a:tab pos="2895600" algn="l"/>
-                <a:tab pos="3619500" algn="l"/>
-                <a:tab pos="4343400" algn="l"/>
-                <a:tab pos="5067300" algn="l"/>
-                <a:tab pos="5791200" algn="l"/>
-                <a:tab pos="6515100" algn="l"/>
-                <a:tab pos="7239000" algn="l"/>
-                <a:tab pos="7962900" algn="l"/>
-                <a:tab pos="8686800" algn="l"/>
-              </a:tabLst>
-            </a:pPr>
-            <a:endParaRPr lang="de-DE" altLang="de-DE" smtClean="0"/>
-          </a:p>
-          <a:p>
-            <a:pPr marL="269875" indent="-269875" eaLnBrk="1">
-              <a:spcAft>
-                <a:spcPct val="0"/>
-              </a:spcAft>
-              <a:buSzPct val="45000"/>
-              <a:buFont typeface="Wingdings" charset="2"/>
-              <a:buNone/>
-              <a:tabLst>
-                <a:tab pos="723900" algn="l"/>
-                <a:tab pos="1447800" algn="l"/>
-                <a:tab pos="2171700" algn="l"/>
-                <a:tab pos="2895600" algn="l"/>
-                <a:tab pos="3619500" algn="l"/>
-                <a:tab pos="4343400" algn="l"/>
-                <a:tab pos="5067300" algn="l"/>
-                <a:tab pos="5791200" algn="l"/>
-                <a:tab pos="6515100" algn="l"/>
-                <a:tab pos="7239000" algn="l"/>
-                <a:tab pos="7962900" algn="l"/>
-                <a:tab pos="8686800" algn="l"/>
-              </a:tabLst>
-            </a:pPr>
-            <a:endParaRPr lang="de-DE" altLang="de-DE" smtClean="0"/>
-          </a:p>
-        </p:txBody>
-      </p:sp>
-    </p:spTree>
-  </p:cSld>
-  <p:clrMapOvr>
-    <a:masterClrMapping/>
-  </p:clrMapOvr>
-  <p:transition spd="med"/>
-  <p:timing>
-    <p:tnLst>
-      <p:par>
-        <p:cTn id="1" dur="indefinite" restart="never" nodeType="tmRoot">
-          <p:childTnLst>
-            <p:seq concurrent="1" nextAc="seek">
-              <p:cTn id="2" dur="0" nodeType="mainSeq"/>
-              <p:prevCondLst>
-                <p:cond evt="onPrev" delay="0">
-                  <p:tgtEl>
-                    <p:sldTgt/>
-                  </p:tgtEl>
-                </p:cond>
-              </p:prevCondLst>
-              <p:nextCondLst>
-                <p:cond evt="onNext" delay="0">
-                  <p:tgtEl>
-                    <p:sldTgt/>
-                  </p:tgtEl>
-                </p:cond>
-              </p:nextCondLst>
-            </p:seq>
-          </p:childTnLst>
-        </p:cTn>
-      </p:par>
-    </p:tnLst>
-  </p:timing>
-</p:sld>
-</file>
-
-<file path=ppt/slides/slide37.xml><?xml version="1.0" encoding="utf-8"?>
-<p:sld xmlns:a="http://schemas.openxmlformats.org/drawingml/2006/main" xmlns:r="http://schemas.openxmlformats.org/officeDocument/2006/relationships" xmlns:p="http://schemas.openxmlformats.org/presentationml/2006/main">
-  <p:cSld>
-    <p:spTree>
-      <p:nvGrpSpPr>
-        <p:cNvPr id="1" name=""/>
-        <p:cNvGrpSpPr/>
-        <p:nvPr/>
-      </p:nvGrpSpPr>
-      <p:grpSpPr>
-        <a:xfrm>
-          <a:off x="0" y="0"/>
-          <a:ext cx="0" cy="0"/>
-          <a:chOff x="0" y="0"/>
-          <a:chExt cx="0" cy="0"/>
-        </a:xfrm>
-      </p:grpSpPr>
-      <p:sp>
-        <p:nvSpPr>
-          <p:cNvPr id="76802" name="Fußzeilenplatzhalter 3"/>
-          <p:cNvSpPr>
-            <a:spLocks noGrp="1"/>
-          </p:cNvSpPr>
-          <p:nvPr>
-            <p:ph type="ftr" sz="quarter" idx="11"/>
-          </p:nvPr>
-        </p:nvSpPr>
-        <p:spPr>
-          <a:noFill/>
-          <a:ln>
-            <a:round/>
-            <a:headEnd/>
-            <a:tailEnd/>
-          </a:ln>
-        </p:spPr>
-        <p:txBody>
-          <a:bodyPr/>
-          <a:lstStyle/>
-          <a:p>
-            <a:pPr>
-              <a:buFont typeface="Times New Roman" pitchFamily="16" charset="0"/>
-              <a:buNone/>
-            </a:pPr>
-            <a:r>
-              <a:rPr lang="de-DE" altLang="de-DE" smtClean="0">
-                <a:latin typeface="Arial" charset="0"/>
-                <a:ea typeface="Microsoft YaHei" charset="-122"/>
-              </a:rPr>
-              <a:t>Einführung in die Software-Entwicklung</a:t>
-            </a:r>
-          </a:p>
-        </p:txBody>
-      </p:sp>
-      <p:sp>
-        <p:nvSpPr>
-          <p:cNvPr id="76803" name="Foliennummernplatzhalter 4"/>
-          <p:cNvSpPr>
-            <a:spLocks noGrp="1"/>
-          </p:cNvSpPr>
-          <p:nvPr>
-            <p:ph type="sldNum" sz="quarter" idx="12"/>
-          </p:nvPr>
-        </p:nvSpPr>
-        <p:spPr>
-          <a:noFill/>
-          <a:ln>
-            <a:round/>
-            <a:headEnd/>
-            <a:tailEnd/>
-          </a:ln>
-        </p:spPr>
-        <p:txBody>
-          <a:bodyPr/>
-          <a:lstStyle/>
-          <a:p>
-            <a:fld id="{BC9E1BAF-C407-44F8-9192-E61C1B9E09EF}" type="slidenum">
-              <a:rPr lang="de-DE" altLang="de-DE"/>
-              <a:pPr/>
-              <a:t>37</a:t>
-            </a:fld>
-            <a:endParaRPr lang="de-DE" altLang="de-DE"/>
-          </a:p>
-        </p:txBody>
-      </p:sp>
-      <p:sp>
-        <p:nvSpPr>
-          <p:cNvPr id="76804" name="AutoShape 1"/>
-          <p:cNvSpPr>
-            <a:spLocks noChangeArrowheads="1"/>
-          </p:cNvSpPr>
-          <p:nvPr/>
-        </p:nvSpPr>
-        <p:spPr bwMode="auto">
-          <a:xfrm>
-            <a:off x="0" y="0"/>
-            <a:ext cx="10080625" cy="1260475"/>
-          </a:xfrm>
-          <a:prstGeom prst="roundRect">
-            <a:avLst>
-              <a:gd name="adj" fmla="val 125"/>
-            </a:avLst>
-          </a:prstGeom>
-          <a:solidFill>
-            <a:srgbClr val="0047FF"/>
-          </a:solidFill>
-          <a:ln w="9525">
-            <a:solidFill>
-              <a:srgbClr val="000000"/>
-            </a:solidFill>
-            <a:round/>
-            <a:headEnd/>
-            <a:tailEnd/>
-          </a:ln>
-          <a:effectLst/>
-        </p:spPr>
-        <p:txBody>
-          <a:bodyPr wrap="none" anchor="ctr"/>
-          <a:lstStyle/>
-          <a:p>
-            <a:pPr eaLnBrk="1">
-              <a:lnSpc>
-                <a:spcPct val="93000"/>
-              </a:lnSpc>
-              <a:buClr>
-                <a:srgbClr val="000000"/>
-              </a:buClr>
-              <a:buSzPct val="100000"/>
-              <a:buFont typeface="Times New Roman" pitchFamily="16" charset="0"/>
-              <a:buNone/>
-            </a:pPr>
-            <a:endParaRPr lang="de-DE" altLang="de-DE"/>
-          </a:p>
-        </p:txBody>
-      </p:sp>
-      <p:sp>
-        <p:nvSpPr>
-          <p:cNvPr id="76805" name="Rectangle 2"/>
-          <p:cNvSpPr>
-            <a:spLocks noGrp="1" noChangeArrowheads="1"/>
-          </p:cNvSpPr>
-          <p:nvPr>
-            <p:ph type="title"/>
-          </p:nvPr>
-        </p:nvSpPr>
-        <p:spPr>
-          <a:xfrm>
-            <a:off x="503238" y="301625"/>
-            <a:ext cx="9070975" cy="1262063"/>
-          </a:xfrm>
-        </p:spPr>
-        <p:txBody>
-          <a:bodyPr tIns="35280"/>
-          <a:lstStyle/>
-          <a:p>
-            <a:pPr algn="l" eaLnBrk="1">
-              <a:tabLst>
-                <a:tab pos="723900" algn="l"/>
-                <a:tab pos="1447800" algn="l"/>
-                <a:tab pos="2171700" algn="l"/>
-                <a:tab pos="2895600" algn="l"/>
-                <a:tab pos="3619500" algn="l"/>
-                <a:tab pos="4343400" algn="l"/>
-                <a:tab pos="5067300" algn="l"/>
-                <a:tab pos="5791200" algn="l"/>
-                <a:tab pos="6515100" algn="l"/>
-                <a:tab pos="7239000" algn="l"/>
-                <a:tab pos="7962900" algn="l"/>
-                <a:tab pos="8686800" algn="l"/>
-              </a:tabLst>
-            </a:pPr>
-            <a:r>
-              <a:rPr lang="de-DE" altLang="de-DE" sz="4000" smtClean="0">
-                <a:solidFill>
-                  <a:srgbClr val="FFFFFF"/>
-                </a:solidFill>
-              </a:rPr>
-              <a:t>Übung (6)</a:t>
-            </a:r>
-          </a:p>
-        </p:txBody>
-      </p:sp>
-      <p:sp>
-        <p:nvSpPr>
-          <p:cNvPr id="76806" name="Rectangle 3"/>
-          <p:cNvSpPr>
-            <a:spLocks noGrp="1" noChangeArrowheads="1"/>
-          </p:cNvSpPr>
-          <p:nvPr>
-            <p:ph type="subTitle" idx="4294967295"/>
-          </p:nvPr>
-        </p:nvSpPr>
-        <p:spPr>
-          <a:xfrm>
-            <a:off x="504825" y="1619250"/>
-            <a:ext cx="9070975" cy="4989513"/>
-          </a:xfrm>
-        </p:spPr>
-        <p:txBody>
-          <a:bodyPr tIns="21168"/>
-          <a:lstStyle/>
-          <a:p>
-            <a:pPr marL="269875" indent="-269875" eaLnBrk="1">
-              <a:spcAft>
-                <a:spcPct val="0"/>
-              </a:spcAft>
-              <a:buSzPct val="45000"/>
-              <a:buFont typeface="Wingdings" charset="2"/>
-              <a:buChar char=""/>
-              <a:tabLst>
-                <a:tab pos="723900" algn="l"/>
-                <a:tab pos="1447800" algn="l"/>
-                <a:tab pos="2171700" algn="l"/>
-                <a:tab pos="2895600" algn="l"/>
-                <a:tab pos="3619500" algn="l"/>
-                <a:tab pos="4343400" algn="l"/>
-                <a:tab pos="5067300" algn="l"/>
-                <a:tab pos="5791200" algn="l"/>
-                <a:tab pos="6515100" algn="l"/>
-                <a:tab pos="7239000" algn="l"/>
-                <a:tab pos="7962900" algn="l"/>
-                <a:tab pos="8686800" algn="l"/>
-              </a:tabLst>
-            </a:pPr>
-            <a:r>
-              <a:rPr lang="de-DE" altLang="de-DE" sz="2400" smtClean="0"/>
-              <a:t>Solange das nicht der Fall ist, fragt das Programm nach jedem</a:t>
-            </a:r>
-            <a:br>
-              <a:rPr lang="de-DE" altLang="de-DE" sz="2400" smtClean="0"/>
-            </a:br>
-            <a:r>
-              <a:rPr lang="de-DE" altLang="de-DE" sz="2400" smtClean="0"/>
-              <a:t>Spiel, ob eine neue Runde gespielt werden soll. Dazu werden</a:t>
-            </a:r>
-            <a:br>
-              <a:rPr lang="de-DE" altLang="de-DE" sz="2400" smtClean="0"/>
-            </a:br>
-            <a:r>
-              <a:rPr lang="de-DE" altLang="de-DE" sz="2400" smtClean="0"/>
-              <a:t>die Karten neu gemischt und eine neue Runde beginnt.</a:t>
-            </a:r>
-            <a:br>
-              <a:rPr lang="de-DE" altLang="de-DE" sz="2400" smtClean="0"/>
-            </a:br>
-            <a:endParaRPr lang="de-DE" altLang="de-DE" sz="2400" smtClean="0"/>
-          </a:p>
-          <a:p>
-            <a:pPr marL="269875" indent="-269875" eaLnBrk="1">
-              <a:spcAft>
-                <a:spcPct val="0"/>
-              </a:spcAft>
-              <a:buSzPct val="45000"/>
-              <a:buFont typeface="Wingdings" charset="2"/>
-              <a:buChar char=""/>
-              <a:tabLst>
-                <a:tab pos="723900" algn="l"/>
-                <a:tab pos="1447800" algn="l"/>
-                <a:tab pos="2171700" algn="l"/>
-                <a:tab pos="2895600" algn="l"/>
-                <a:tab pos="3619500" algn="l"/>
-                <a:tab pos="4343400" algn="l"/>
-                <a:tab pos="5067300" algn="l"/>
-                <a:tab pos="5791200" algn="l"/>
-                <a:tab pos="6515100" algn="l"/>
-                <a:tab pos="7239000" algn="l"/>
-                <a:tab pos="7962900" algn="l"/>
-                <a:tab pos="8686800" algn="l"/>
-              </a:tabLst>
-            </a:pPr>
-            <a:r>
-              <a:rPr lang="de-DE" altLang="de-DE" sz="2400" smtClean="0"/>
-              <a:t>Das Budget soll bei jedem Spielschritt ebenfalls ausgegeben werden.</a:t>
-            </a:r>
-          </a:p>
-          <a:p>
-            <a:pPr marL="269875" indent="-269875" eaLnBrk="1">
-              <a:spcAft>
-                <a:spcPct val="0"/>
-              </a:spcAft>
-              <a:buSzPct val="45000"/>
-              <a:buFont typeface="Wingdings" charset="2"/>
-              <a:buNone/>
-              <a:tabLst>
-                <a:tab pos="723900" algn="l"/>
-                <a:tab pos="1447800" algn="l"/>
-                <a:tab pos="2171700" algn="l"/>
-                <a:tab pos="2895600" algn="l"/>
-                <a:tab pos="3619500" algn="l"/>
-                <a:tab pos="4343400" algn="l"/>
-                <a:tab pos="5067300" algn="l"/>
-                <a:tab pos="5791200" algn="l"/>
-                <a:tab pos="6515100" algn="l"/>
-                <a:tab pos="7239000" algn="l"/>
-                <a:tab pos="7962900" algn="l"/>
-                <a:tab pos="8686800" algn="l"/>
-              </a:tabLst>
-            </a:pPr>
-            <a:endParaRPr lang="de-DE" altLang="de-DE" smtClean="0"/>
-          </a:p>
-          <a:p>
-            <a:pPr marL="269875" indent="-269875" eaLnBrk="1">
-              <a:spcAft>
-                <a:spcPct val="0"/>
-              </a:spcAft>
-              <a:buSzPct val="45000"/>
-              <a:buFont typeface="Wingdings" charset="2"/>
-              <a:buNone/>
-              <a:tabLst>
-                <a:tab pos="723900" algn="l"/>
-                <a:tab pos="1447800" algn="l"/>
-                <a:tab pos="2171700" algn="l"/>
-                <a:tab pos="2895600" algn="l"/>
-                <a:tab pos="3619500" algn="l"/>
-                <a:tab pos="4343400" algn="l"/>
-                <a:tab pos="5067300" algn="l"/>
-                <a:tab pos="5791200" algn="l"/>
-                <a:tab pos="6515100" algn="l"/>
-                <a:tab pos="7239000" algn="l"/>
-                <a:tab pos="7962900" algn="l"/>
-                <a:tab pos="8686800" algn="l"/>
-              </a:tabLst>
-            </a:pPr>
-            <a:endParaRPr lang="de-DE" altLang="de-DE" smtClean="0"/>
+            <a:endParaRPr lang="de-DE" altLang="de-DE" dirty="0" smtClean="0"/>
           </a:p>
         </p:txBody>
       </p:sp>
@@ -22762,27 +22326,27 @@
               </a:tabLst>
             </a:pPr>
             <a:r>
-              <a:rPr lang="de-DE" altLang="de-DE" sz="2800" smtClean="0"/>
+              <a:rPr lang="de-DE" altLang="de-DE" sz="2800" dirty="0" smtClean="0"/>
               <a:t>Im Foliensatz "Uebungsblock_05-08" wurde die</a:t>
             </a:r>
             <a:br>
-              <a:rPr lang="de-DE" altLang="de-DE" sz="2800" smtClean="0"/>
+              <a:rPr lang="de-DE" altLang="de-DE" sz="2800" dirty="0" smtClean="0"/>
             </a:br>
             <a:r>
-              <a:rPr lang="de-DE" altLang="de-DE" sz="2800" smtClean="0"/>
+              <a:rPr lang="de-DE" altLang="de-DE" sz="2800" dirty="0" smtClean="0"/>
               <a:t>Erstellung eines einfachen Black-Jack-Spiels</a:t>
             </a:r>
             <a:br>
-              <a:rPr lang="de-DE" altLang="de-DE" sz="2800" smtClean="0"/>
+              <a:rPr lang="de-DE" altLang="de-DE" sz="2800" dirty="0" smtClean="0"/>
             </a:br>
             <a:r>
-              <a:rPr lang="de-DE" altLang="de-DE" sz="2800" smtClean="0"/>
+              <a:rPr lang="de-DE" altLang="de-DE" sz="2800" dirty="0" smtClean="0"/>
               <a:t>begonnen.</a:t>
             </a:r>
             <a:br>
-              <a:rPr lang="de-DE" altLang="de-DE" sz="2800" smtClean="0"/>
+              <a:rPr lang="de-DE" altLang="de-DE" sz="2800" dirty="0" smtClean="0"/>
             </a:br>
-            <a:endParaRPr lang="de-DE" altLang="de-DE" sz="2800" smtClean="0"/>
+            <a:endParaRPr lang="de-DE" altLang="de-DE" sz="2800" dirty="0" smtClean="0"/>
           </a:p>
           <a:p>
             <a:pPr marL="269875" indent="-269875" eaLnBrk="1">
@@ -22808,16 +22372,48 @@
               </a:tabLst>
             </a:pPr>
             <a:r>
-              <a:rPr lang="de-DE" altLang="de-DE" sz="2800" smtClean="0"/>
-              <a:t>In dem bekannten Dropbox-Ordner finden Sie eine Beispiellösung für Übung 1 und Übung 2.</a:t>
-            </a:r>
-            <a:br>
-              <a:rPr lang="de-DE" altLang="de-DE" sz="2800" smtClean="0"/>
-            </a:br>
-            <a:r>
-              <a:rPr lang="de-DE" altLang="de-DE" sz="2800" smtClean="0"/>
+              <a:rPr lang="de-DE" altLang="de-DE" sz="2800" dirty="0" smtClean="0"/>
+              <a:t>Auf </a:t>
+            </a:r>
+            <a:r>
+              <a:rPr lang="de-DE" altLang="de-DE" sz="2800" dirty="0" err="1" smtClean="0"/>
+              <a:t>GitHub</a:t>
+            </a:r>
+            <a:r>
+              <a:rPr lang="de-DE" altLang="de-DE" sz="2800" dirty="0" smtClean="0"/>
               <a:t> </a:t>
             </a:r>
+            <a:r>
+              <a:rPr lang="de-DE" altLang="de-DE" sz="2800" dirty="0" smtClean="0"/>
+              <a:t>finden Sie eine Beispiellösung für </a:t>
+            </a:r>
+            <a:r>
+              <a:rPr lang="de-DE" altLang="de-DE" sz="2800" dirty="0" smtClean="0"/>
+              <a:t>Teil 1+2 der Übung</a:t>
+            </a:r>
+            <a:r>
+              <a:rPr lang="de-DE" altLang="de-DE" sz="2800" dirty="0" smtClean="0"/>
+              <a:t>: </a:t>
+            </a:r>
+            <a:r>
+              <a:rPr lang="de-DE" altLang="de-DE" sz="2400" dirty="0" smtClean="0">
+                <a:hlinkClick r:id="rId3"/>
+              </a:rPr>
+              <a:t>https</a:t>
+            </a:r>
+            <a:r>
+              <a:rPr lang="de-DE" altLang="de-DE" sz="2400" dirty="0" smtClean="0">
+                <a:hlinkClick r:id="rId3"/>
+              </a:rPr>
+              <a:t>://</a:t>
+            </a:r>
+            <a:r>
+              <a:rPr lang="de-DE" altLang="de-DE" sz="2400" dirty="0" smtClean="0">
+                <a:hlinkClick r:id="rId3"/>
+              </a:rPr>
+              <a:t>github.com/nordakademie-einfuehrung-java/beispielloesungen/tree/master/Uebungsblock_5_bis_8</a:t>
+            </a:r>
+            <a:endParaRPr lang="de-DE" altLang="de-DE" sz="2400" dirty="0" smtClean="0"/>
           </a:p>
           <a:p>
             <a:pPr marL="269875" indent="-269875" eaLnBrk="1">
@@ -22842,29 +22438,54 @@
                 <a:tab pos="8686800" algn="l"/>
               </a:tabLst>
             </a:pPr>
-            <a:r>
-              <a:rPr lang="de-DE" altLang="de-DE" sz="2800" smtClean="0"/>
+            <a:endParaRPr lang="de-DE" altLang="de-DE" sz="2800" dirty="0" smtClean="0"/>
+          </a:p>
+          <a:p>
+            <a:pPr marL="269875" indent="-269875" eaLnBrk="1">
+              <a:spcAft>
+                <a:spcPct val="0"/>
+              </a:spcAft>
+              <a:buSzPct val="45000"/>
+              <a:buFont typeface="Wingdings" charset="2"/>
+              <a:buChar char=""/>
+              <a:tabLst>
+                <a:tab pos="723900" algn="l"/>
+                <a:tab pos="1447800" algn="l"/>
+                <a:tab pos="2171700" algn="l"/>
+                <a:tab pos="2895600" algn="l"/>
+                <a:tab pos="3619500" algn="l"/>
+                <a:tab pos="4343400" algn="l"/>
+                <a:tab pos="5067300" algn="l"/>
+                <a:tab pos="5791200" algn="l"/>
+                <a:tab pos="6515100" algn="l"/>
+                <a:tab pos="7239000" algn="l"/>
+                <a:tab pos="7962900" algn="l"/>
+                <a:tab pos="8686800" algn="l"/>
+              </a:tabLst>
+            </a:pPr>
+            <a:r>
+              <a:rPr lang="de-DE" altLang="de-DE" sz="2800" dirty="0" smtClean="0"/>
               <a:t>Wichtig: Viele Problemstellungen können sehr</a:t>
             </a:r>
             <a:br>
-              <a:rPr lang="de-DE" altLang="de-DE" sz="2800" smtClean="0"/>
+              <a:rPr lang="de-DE" altLang="de-DE" sz="2800" dirty="0" smtClean="0"/>
             </a:br>
             <a:r>
-              <a:rPr lang="de-DE" altLang="de-DE" sz="2800" smtClean="0"/>
+              <a:rPr lang="de-DE" altLang="de-DE" sz="2800" dirty="0" smtClean="0"/>
               <a:t>unterschiedlich mit individuellen Vor- und Nachteilen</a:t>
             </a:r>
             <a:br>
-              <a:rPr lang="de-DE" altLang="de-DE" sz="2800" smtClean="0"/>
+              <a:rPr lang="de-DE" altLang="de-DE" sz="2800" dirty="0" smtClean="0"/>
             </a:br>
             <a:r>
-              <a:rPr lang="de-DE" altLang="de-DE" sz="2800" smtClean="0"/>
+              <a:rPr lang="de-DE" altLang="de-DE" sz="2800" dirty="0" smtClean="0"/>
               <a:t>gelöst werden.</a:t>
             </a:r>
             <a:br>
-              <a:rPr lang="de-DE" altLang="de-DE" sz="2800" smtClean="0"/>
+              <a:rPr lang="de-DE" altLang="de-DE" sz="2800" dirty="0" smtClean="0"/>
             </a:br>
             <a:r>
-              <a:rPr lang="de-DE" altLang="de-DE" sz="2800" smtClean="0"/>
+              <a:rPr lang="de-DE" altLang="de-DE" sz="2800" dirty="0" smtClean="0"/>
               <a:t>=&gt; Die Beispiellösung ist eine sehr gute Lösung, aber nicht die einzige sehr gute.</a:t>
             </a:r>
           </a:p>
@@ -22891,7 +22512,7 @@
                 <a:tab pos="8686800" algn="l"/>
               </a:tabLst>
             </a:pPr>
-            <a:endParaRPr lang="de-DE" altLang="de-DE" smtClean="0"/>
+            <a:endParaRPr lang="de-DE" altLang="de-DE" dirty="0" smtClean="0"/>
           </a:p>
           <a:p>
             <a:pPr marL="269875" indent="-269875" eaLnBrk="1">
@@ -22916,7 +22537,7 @@
                 <a:tab pos="8686800" algn="l"/>
               </a:tabLst>
             </a:pPr>
-            <a:endParaRPr lang="de-DE" altLang="de-DE" smtClean="0"/>
+            <a:endParaRPr lang="de-DE" altLang="de-DE" dirty="0" smtClean="0"/>
           </a:p>
         </p:txBody>
       </p:sp>
@@ -24360,13 +23981,26 @@
               </a:tabLst>
             </a:pPr>
             <a:r>
-              <a:rPr lang="de-DE" altLang="de-DE" sz="4000" smtClean="0">
+              <a:rPr lang="de-DE" altLang="de-DE" sz="4000" dirty="0" smtClean="0">
                 <a:solidFill>
                   <a:srgbClr val="FFFFFF"/>
                 </a:solidFill>
               </a:rPr>
-              <a:t>Zu Übung 1</a:t>
-            </a:r>
+              <a:t>Zu </a:t>
+            </a:r>
+            <a:r>
+              <a:rPr lang="de-DE" altLang="de-DE" sz="4000" dirty="0" smtClean="0">
+                <a:solidFill>
+                  <a:srgbClr val="FFFFFF"/>
+                </a:solidFill>
+              </a:rPr>
+              <a:t>Teil 1</a:t>
+            </a:r>
+            <a:endParaRPr lang="de-DE" altLang="de-DE" sz="4000" dirty="0" smtClean="0">
+              <a:solidFill>
+                <a:srgbClr val="FFFFFF"/>
+              </a:solidFill>
+            </a:endParaRPr>
           </a:p>
         </p:txBody>
       </p:sp>
@@ -24766,7 +24400,7 @@
         <a:effectLst/>
         <a:extLst>
           <a:ext uri="{AF507438-7753-43E0-B8FC-AC1667EBCBE1}">
-            <a14:hiddenEffects xmlns:a14="http://schemas.microsoft.com/office/drawing/2010/main">
+            <a14:hiddenEffects xmlns:a14="http://schemas.microsoft.com/office/drawing/2010/main" xmlns="">
               <a:effectLst>
                 <a:outerShdw dist="35921" dir="2700000" algn="ctr" rotWithShape="0">
                   <a:schemeClr val="bg2"/>
@@ -24839,7 +24473,7 @@
         <a:effectLst/>
         <a:extLst>
           <a:ext uri="{AF507438-7753-43E0-B8FC-AC1667EBCBE1}">
-            <a14:hiddenEffects xmlns:a14="http://schemas.microsoft.com/office/drawing/2010/main">
+            <a14:hiddenEffects xmlns:a14="http://schemas.microsoft.com/office/drawing/2010/main" xmlns="">
               <a:effectLst>
                 <a:outerShdw dist="35921" dir="2700000" algn="ctr" rotWithShape="0">
                   <a:schemeClr val="bg2"/>
@@ -25175,7 +24809,7 @@
   </a:extraClrSchemeLst>
   <a:extLst>
     <a:ext uri="{05A4C25C-085E-4340-85A3-A5531E510DB2}">
-      <thm15:themeFamily xmlns:thm15="http://schemas.microsoft.com/office/thememl/2012/main" name="Office Theme" id="{62F939B6-93AF-4DB8-9C6B-D6C7DFDC589F}" vid="{4A3C46E8-61CC-4603-A589-7422A47A8E4A}"/>
+      <thm15:themeFamily xmlns:thm15="http://schemas.microsoft.com/office/thememl/2012/main" xmlns="" name="Office Theme" id="{62F939B6-93AF-4DB8-9C6B-D6C7DFDC589F}" vid="{4A3C46E8-61CC-4603-A589-7422A47A8E4A}"/>
     </a:ext>
   </a:extLst>
 </a:theme>
@@ -25436,7 +25070,7 @@
   <a:extraClrSchemeLst/>
   <a:extLst>
     <a:ext uri="{05A4C25C-085E-4340-85A3-A5531E510DB2}">
-      <thm15:themeFamily xmlns:thm15="http://schemas.microsoft.com/office/thememl/2012/main" name="Office Theme" id="{62F939B6-93AF-4DB8-9C6B-D6C7DFDC589F}" vid="{4A3C46E8-61CC-4603-A589-7422A47A8E4A}"/>
+      <thm15:themeFamily xmlns:thm15="http://schemas.microsoft.com/office/thememl/2012/main" xmlns="" name="Office Theme" id="{62F939B6-93AF-4DB8-9C6B-D6C7DFDC589F}" vid="{4A3C46E8-61CC-4603-A589-7422A47A8E4A}"/>
     </a:ext>
   </a:extLst>
 </a:theme>

--- a/folien/Semester_04_Termin_01_Kapitel09.pptx
+++ b/folien/Semester_04_Termin_01_Kapitel09.pptx
@@ -173,7 +173,7 @@
   </p:defaultTextStyle>
   <p:extLst>
     <p:ext uri="{EFAFB233-063F-42B5-8137-9DF3F51BA10A}">
-      <p15:sldGuideLst xmlns:p15="http://schemas.microsoft.com/office/powerpoint/2012/main" xmlns="">
+      <p15:sldGuideLst xmlns:p15="http://schemas.microsoft.com/office/powerpoint/2012/main">
         <p15:guide id="1" orient="horz" pos="2160">
           <p15:clr>
             <a:srgbClr val="A4A3A4"/>
@@ -187,7 +187,7 @@
       </p15:sldGuideLst>
     </p:ext>
     <p:ext uri="{2D200454-40CA-4A62-9FC3-DE9A4176ACB9}">
-      <p15:notesGuideLst xmlns:p15="http://schemas.microsoft.com/office/powerpoint/2012/main" xmlns="">
+      <p15:notesGuideLst xmlns:p15="http://schemas.microsoft.com/office/powerpoint/2012/main">
         <p15:guide id="1" orient="horz" pos="2880">
           <p15:clr>
             <a:srgbClr val="A4A3A4"/>
@@ -282,14 +282,14 @@
           <a:effectLst/>
           <a:extLst>
             <a:ext uri="{909E8E84-426E-40DD-AFC4-6F175D3DCCD1}">
-              <a14:hiddenFill xmlns:a14="http://schemas.microsoft.com/office/drawing/2010/main" xmlns="">
+              <a14:hiddenFill xmlns:a14="http://schemas.microsoft.com/office/drawing/2010/main">
                 <a:solidFill>
                   <a:srgbClr val="FFFFFF"/>
                 </a:solidFill>
               </a14:hiddenFill>
             </a:ext>
             <a:ext uri="{91240B29-F687-4F45-9708-019B960494DF}">
-              <a14:hiddenLine xmlns:a14="http://schemas.microsoft.com/office/drawing/2010/main" xmlns="" w="9525">
+              <a14:hiddenLine xmlns:a14="http://schemas.microsoft.com/office/drawing/2010/main" w="9525">
                 <a:solidFill>
                   <a:srgbClr val="000000"/>
                 </a:solidFill>
@@ -299,7 +299,7 @@
               </a14:hiddenLine>
             </a:ext>
             <a:ext uri="{AF507438-7753-43E0-B8FC-AC1667EBCBE1}">
-              <a14:hiddenEffects xmlns:a14="http://schemas.microsoft.com/office/drawing/2010/main" xmlns="">
+              <a14:hiddenEffects xmlns:a14="http://schemas.microsoft.com/office/drawing/2010/main">
                 <a:effectLst>
                   <a:outerShdw dist="35921" dir="2700000" algn="ctr" rotWithShape="0">
                     <a:schemeClr val="bg2"/>
@@ -347,14 +347,14 @@
           <a:effectLst/>
           <a:extLst>
             <a:ext uri="{909E8E84-426E-40DD-AFC4-6F175D3DCCD1}">
-              <a14:hiddenFill xmlns:a14="http://schemas.microsoft.com/office/drawing/2010/main" xmlns="">
+              <a14:hiddenFill xmlns:a14="http://schemas.microsoft.com/office/drawing/2010/main">
                 <a:solidFill>
                   <a:srgbClr val="FFFFFF"/>
                 </a:solidFill>
               </a14:hiddenFill>
             </a:ext>
             <a:ext uri="{91240B29-F687-4F45-9708-019B960494DF}">
-              <a14:hiddenLine xmlns:a14="http://schemas.microsoft.com/office/drawing/2010/main" xmlns="" w="9525">
+              <a14:hiddenLine xmlns:a14="http://schemas.microsoft.com/office/drawing/2010/main" w="9525">
                 <a:solidFill>
                   <a:srgbClr val="000000"/>
                 </a:solidFill>
@@ -364,7 +364,7 @@
               </a14:hiddenLine>
             </a:ext>
             <a:ext uri="{AF507438-7753-43E0-B8FC-AC1667EBCBE1}">
-              <a14:hiddenEffects xmlns:a14="http://schemas.microsoft.com/office/drawing/2010/main" xmlns="">
+              <a14:hiddenEffects xmlns:a14="http://schemas.microsoft.com/office/drawing/2010/main">
                 <a:effectLst>
                   <a:outerShdw dist="35921" dir="2700000" algn="ctr" rotWithShape="0">
                     <a:schemeClr val="bg2"/>
@@ -439,14 +439,14 @@
           <a:effectLst/>
           <a:extLst>
             <a:ext uri="{909E8E84-426E-40DD-AFC4-6F175D3DCCD1}">
-              <a14:hiddenFill xmlns:a14="http://schemas.microsoft.com/office/drawing/2010/main" xmlns="">
+              <a14:hiddenFill xmlns:a14="http://schemas.microsoft.com/office/drawing/2010/main">
                 <a:solidFill>
                   <a:srgbClr val="FFFFFF"/>
                 </a:solidFill>
               </a14:hiddenFill>
             </a:ext>
             <a:ext uri="{91240B29-F687-4F45-9708-019B960494DF}">
-              <a14:hiddenLine xmlns:a14="http://schemas.microsoft.com/office/drawing/2010/main" xmlns="" w="9525">
+              <a14:hiddenLine xmlns:a14="http://schemas.microsoft.com/office/drawing/2010/main" w="9525">
                 <a:solidFill>
                   <a:srgbClr val="000000"/>
                 </a:solidFill>
@@ -456,7 +456,7 @@
               </a14:hiddenLine>
             </a:ext>
             <a:ext uri="{AF507438-7753-43E0-B8FC-AC1667EBCBE1}">
-              <a14:hiddenEffects xmlns:a14="http://schemas.microsoft.com/office/drawing/2010/main" xmlns="">
+              <a14:hiddenEffects xmlns:a14="http://schemas.microsoft.com/office/drawing/2010/main">
                 <a:effectLst>
                   <a:outerShdw dist="35921" dir="2700000" algn="ctr" rotWithShape="0">
                     <a:schemeClr val="bg2"/>
@@ -531,14 +531,14 @@
           <a:effectLst/>
           <a:extLst>
             <a:ext uri="{909E8E84-426E-40DD-AFC4-6F175D3DCCD1}">
-              <a14:hiddenFill xmlns:a14="http://schemas.microsoft.com/office/drawing/2010/main" xmlns="">
+              <a14:hiddenFill xmlns:a14="http://schemas.microsoft.com/office/drawing/2010/main">
                 <a:solidFill>
                   <a:srgbClr val="FFFFFF"/>
                 </a:solidFill>
               </a14:hiddenFill>
             </a:ext>
             <a:ext uri="{91240B29-F687-4F45-9708-019B960494DF}">
-              <a14:hiddenLine xmlns:a14="http://schemas.microsoft.com/office/drawing/2010/main" xmlns="" w="9525">
+              <a14:hiddenLine xmlns:a14="http://schemas.microsoft.com/office/drawing/2010/main" w="9525">
                 <a:solidFill>
                   <a:srgbClr val="000000"/>
                 </a:solidFill>
@@ -548,7 +548,7 @@
               </a14:hiddenLine>
             </a:ext>
             <a:ext uri="{AF507438-7753-43E0-B8FC-AC1667EBCBE1}">
-              <a14:hiddenEffects xmlns:a14="http://schemas.microsoft.com/office/drawing/2010/main" xmlns="">
+              <a14:hiddenEffects xmlns:a14="http://schemas.microsoft.com/office/drawing/2010/main">
                 <a:effectLst>
                   <a:outerShdw dist="35921" dir="2700000" algn="ctr" rotWithShape="0">
                     <a:schemeClr val="bg2"/>
@@ -623,14 +623,14 @@
           <a:effectLst/>
           <a:extLst>
             <a:ext uri="{909E8E84-426E-40DD-AFC4-6F175D3DCCD1}">
-              <a14:hiddenFill xmlns:a14="http://schemas.microsoft.com/office/drawing/2010/main" xmlns="">
+              <a14:hiddenFill xmlns:a14="http://schemas.microsoft.com/office/drawing/2010/main">
                 <a:solidFill>
                   <a:srgbClr val="FFFFFF"/>
                 </a:solidFill>
               </a14:hiddenFill>
             </a:ext>
             <a:ext uri="{91240B29-F687-4F45-9708-019B960494DF}">
-              <a14:hiddenLine xmlns:a14="http://schemas.microsoft.com/office/drawing/2010/main" xmlns="" w="9525">
+              <a14:hiddenLine xmlns:a14="http://schemas.microsoft.com/office/drawing/2010/main" w="9525">
                 <a:solidFill>
                   <a:srgbClr val="000000"/>
                 </a:solidFill>
@@ -640,7 +640,7 @@
               </a14:hiddenLine>
             </a:ext>
             <a:ext uri="{AF507438-7753-43E0-B8FC-AC1667EBCBE1}">
-              <a14:hiddenEffects xmlns:a14="http://schemas.microsoft.com/office/drawing/2010/main" xmlns="">
+              <a14:hiddenEffects xmlns:a14="http://schemas.microsoft.com/office/drawing/2010/main">
                 <a:effectLst>
                   <a:outerShdw dist="35921" dir="2700000" algn="ctr" rotWithShape="0">
                     <a:schemeClr val="bg2"/>
@@ -694,7 +694,7 @@
     </p:spTree>
     <p:extLst>
       <p:ext uri="{BB962C8B-B14F-4D97-AF65-F5344CB8AC3E}">
-        <p14:creationId xmlns:p14="http://schemas.microsoft.com/office/powerpoint/2010/main" xmlns="" val="1918974402"/>
+        <p14:creationId xmlns:p14="http://schemas.microsoft.com/office/powerpoint/2010/main" val="1918974402"/>
       </p:ext>
     </p:extLst>
   </p:cSld>
@@ -961,7 +961,7 @@
     </p:spTree>
     <p:extLst>
       <p:ext uri="{BB962C8B-B14F-4D97-AF65-F5344CB8AC3E}">
-        <p14:creationId xmlns:p14="http://schemas.microsoft.com/office/powerpoint/2010/main" xmlns="" val="42050546"/>
+        <p14:creationId xmlns:p14="http://schemas.microsoft.com/office/powerpoint/2010/main" val="42050546"/>
       </p:ext>
     </p:extLst>
   </p:cSld>
@@ -1083,7 +1083,7 @@
     </p:spTree>
     <p:extLst>
       <p:ext uri="{BB962C8B-B14F-4D97-AF65-F5344CB8AC3E}">
-        <p14:creationId xmlns:p14="http://schemas.microsoft.com/office/powerpoint/2010/main" xmlns="" val="3695878693"/>
+        <p14:creationId xmlns:p14="http://schemas.microsoft.com/office/powerpoint/2010/main" val="3695878693"/>
       </p:ext>
     </p:extLst>
   </p:cSld>
@@ -1205,7 +1205,7 @@
     </p:spTree>
     <p:extLst>
       <p:ext uri="{BB962C8B-B14F-4D97-AF65-F5344CB8AC3E}">
-        <p14:creationId xmlns:p14="http://schemas.microsoft.com/office/powerpoint/2010/main" xmlns="" val="956622683"/>
+        <p14:creationId xmlns:p14="http://schemas.microsoft.com/office/powerpoint/2010/main" val="956622683"/>
       </p:ext>
     </p:extLst>
   </p:cSld>
@@ -1327,7 +1327,7 @@
     </p:spTree>
     <p:extLst>
       <p:ext uri="{BB962C8B-B14F-4D97-AF65-F5344CB8AC3E}">
-        <p14:creationId xmlns:p14="http://schemas.microsoft.com/office/powerpoint/2010/main" xmlns="" val="4247299366"/>
+        <p14:creationId xmlns:p14="http://schemas.microsoft.com/office/powerpoint/2010/main" val="4247299366"/>
       </p:ext>
     </p:extLst>
   </p:cSld>
@@ -1449,7 +1449,7 @@
     </p:spTree>
     <p:extLst>
       <p:ext uri="{BB962C8B-B14F-4D97-AF65-F5344CB8AC3E}">
-        <p14:creationId xmlns:p14="http://schemas.microsoft.com/office/powerpoint/2010/main" xmlns="" val="832768815"/>
+        <p14:creationId xmlns:p14="http://schemas.microsoft.com/office/powerpoint/2010/main" val="832768815"/>
       </p:ext>
     </p:extLst>
   </p:cSld>
@@ -1571,7 +1571,7 @@
     </p:spTree>
     <p:extLst>
       <p:ext uri="{BB962C8B-B14F-4D97-AF65-F5344CB8AC3E}">
-        <p14:creationId xmlns:p14="http://schemas.microsoft.com/office/powerpoint/2010/main" xmlns="" val="1823494493"/>
+        <p14:creationId xmlns:p14="http://schemas.microsoft.com/office/powerpoint/2010/main" val="1823494493"/>
       </p:ext>
     </p:extLst>
   </p:cSld>
@@ -1693,7 +1693,7 @@
     </p:spTree>
     <p:extLst>
       <p:ext uri="{BB962C8B-B14F-4D97-AF65-F5344CB8AC3E}">
-        <p14:creationId xmlns:p14="http://schemas.microsoft.com/office/powerpoint/2010/main" xmlns="" val="3764620127"/>
+        <p14:creationId xmlns:p14="http://schemas.microsoft.com/office/powerpoint/2010/main" val="3764620127"/>
       </p:ext>
     </p:extLst>
   </p:cSld>
@@ -1815,7 +1815,7 @@
     </p:spTree>
     <p:extLst>
       <p:ext uri="{BB962C8B-B14F-4D97-AF65-F5344CB8AC3E}">
-        <p14:creationId xmlns:p14="http://schemas.microsoft.com/office/powerpoint/2010/main" xmlns="" val="3172697500"/>
+        <p14:creationId xmlns:p14="http://schemas.microsoft.com/office/powerpoint/2010/main" val="3172697500"/>
       </p:ext>
     </p:extLst>
   </p:cSld>
@@ -1937,7 +1937,7 @@
     </p:spTree>
     <p:extLst>
       <p:ext uri="{BB962C8B-B14F-4D97-AF65-F5344CB8AC3E}">
-        <p14:creationId xmlns:p14="http://schemas.microsoft.com/office/powerpoint/2010/main" xmlns="" val="3962970376"/>
+        <p14:creationId xmlns:p14="http://schemas.microsoft.com/office/powerpoint/2010/main" val="3962970376"/>
       </p:ext>
     </p:extLst>
   </p:cSld>
@@ -2059,7 +2059,7 @@
     </p:spTree>
     <p:extLst>
       <p:ext uri="{BB962C8B-B14F-4D97-AF65-F5344CB8AC3E}">
-        <p14:creationId xmlns:p14="http://schemas.microsoft.com/office/powerpoint/2010/main" xmlns="" val="2260329551"/>
+        <p14:creationId xmlns:p14="http://schemas.microsoft.com/office/powerpoint/2010/main" val="2260329551"/>
       </p:ext>
     </p:extLst>
   </p:cSld>
@@ -2181,7 +2181,7 @@
     </p:spTree>
     <p:extLst>
       <p:ext uri="{BB962C8B-B14F-4D97-AF65-F5344CB8AC3E}">
-        <p14:creationId xmlns:p14="http://schemas.microsoft.com/office/powerpoint/2010/main" xmlns="" val="1114755399"/>
+        <p14:creationId xmlns:p14="http://schemas.microsoft.com/office/powerpoint/2010/main" val="1114755399"/>
       </p:ext>
     </p:extLst>
   </p:cSld>
@@ -2303,7 +2303,7 @@
     </p:spTree>
     <p:extLst>
       <p:ext uri="{BB962C8B-B14F-4D97-AF65-F5344CB8AC3E}">
-        <p14:creationId xmlns:p14="http://schemas.microsoft.com/office/powerpoint/2010/main" xmlns="" val="1317698827"/>
+        <p14:creationId xmlns:p14="http://schemas.microsoft.com/office/powerpoint/2010/main" val="1317698827"/>
       </p:ext>
     </p:extLst>
   </p:cSld>
@@ -2425,7 +2425,7 @@
     </p:spTree>
     <p:extLst>
       <p:ext uri="{BB962C8B-B14F-4D97-AF65-F5344CB8AC3E}">
-        <p14:creationId xmlns:p14="http://schemas.microsoft.com/office/powerpoint/2010/main" xmlns="" val="2523161732"/>
+        <p14:creationId xmlns:p14="http://schemas.microsoft.com/office/powerpoint/2010/main" val="2523161732"/>
       </p:ext>
     </p:extLst>
   </p:cSld>
@@ -2547,7 +2547,7 @@
     </p:spTree>
     <p:extLst>
       <p:ext uri="{BB962C8B-B14F-4D97-AF65-F5344CB8AC3E}">
-        <p14:creationId xmlns:p14="http://schemas.microsoft.com/office/powerpoint/2010/main" xmlns="" val="4163731922"/>
+        <p14:creationId xmlns:p14="http://schemas.microsoft.com/office/powerpoint/2010/main" val="4163731922"/>
       </p:ext>
     </p:extLst>
   </p:cSld>
@@ -2669,7 +2669,7 @@
     </p:spTree>
     <p:extLst>
       <p:ext uri="{BB962C8B-B14F-4D97-AF65-F5344CB8AC3E}">
-        <p14:creationId xmlns:p14="http://schemas.microsoft.com/office/powerpoint/2010/main" xmlns="" val="4157049032"/>
+        <p14:creationId xmlns:p14="http://schemas.microsoft.com/office/powerpoint/2010/main" val="4157049032"/>
       </p:ext>
     </p:extLst>
   </p:cSld>
@@ -2791,7 +2791,7 @@
     </p:spTree>
     <p:extLst>
       <p:ext uri="{BB962C8B-B14F-4D97-AF65-F5344CB8AC3E}">
-        <p14:creationId xmlns:p14="http://schemas.microsoft.com/office/powerpoint/2010/main" xmlns="" val="1746510029"/>
+        <p14:creationId xmlns:p14="http://schemas.microsoft.com/office/powerpoint/2010/main" val="1746510029"/>
       </p:ext>
     </p:extLst>
   </p:cSld>
@@ -2913,7 +2913,7 @@
     </p:spTree>
     <p:extLst>
       <p:ext uri="{BB962C8B-B14F-4D97-AF65-F5344CB8AC3E}">
-        <p14:creationId xmlns:p14="http://schemas.microsoft.com/office/powerpoint/2010/main" xmlns="" val="200276390"/>
+        <p14:creationId xmlns:p14="http://schemas.microsoft.com/office/powerpoint/2010/main" val="200276390"/>
       </p:ext>
     </p:extLst>
   </p:cSld>
@@ -3035,7 +3035,7 @@
     </p:spTree>
     <p:extLst>
       <p:ext uri="{BB962C8B-B14F-4D97-AF65-F5344CB8AC3E}">
-        <p14:creationId xmlns:p14="http://schemas.microsoft.com/office/powerpoint/2010/main" xmlns="" val="3776665909"/>
+        <p14:creationId xmlns:p14="http://schemas.microsoft.com/office/powerpoint/2010/main" val="3776665909"/>
       </p:ext>
     </p:extLst>
   </p:cSld>
@@ -3157,7 +3157,7 @@
     </p:spTree>
     <p:extLst>
       <p:ext uri="{BB962C8B-B14F-4D97-AF65-F5344CB8AC3E}">
-        <p14:creationId xmlns:p14="http://schemas.microsoft.com/office/powerpoint/2010/main" xmlns="" val="3478868481"/>
+        <p14:creationId xmlns:p14="http://schemas.microsoft.com/office/powerpoint/2010/main" val="3478868481"/>
       </p:ext>
     </p:extLst>
   </p:cSld>
@@ -3279,7 +3279,7 @@
     </p:spTree>
     <p:extLst>
       <p:ext uri="{BB962C8B-B14F-4D97-AF65-F5344CB8AC3E}">
-        <p14:creationId xmlns:p14="http://schemas.microsoft.com/office/powerpoint/2010/main" xmlns="" val="4253673966"/>
+        <p14:creationId xmlns:p14="http://schemas.microsoft.com/office/powerpoint/2010/main" val="4253673966"/>
       </p:ext>
     </p:extLst>
   </p:cSld>
@@ -3401,7 +3401,7 @@
     </p:spTree>
     <p:extLst>
       <p:ext uri="{BB962C8B-B14F-4D97-AF65-F5344CB8AC3E}">
-        <p14:creationId xmlns:p14="http://schemas.microsoft.com/office/powerpoint/2010/main" xmlns="" val="1344981799"/>
+        <p14:creationId xmlns:p14="http://schemas.microsoft.com/office/powerpoint/2010/main" val="1344981799"/>
       </p:ext>
     </p:extLst>
   </p:cSld>
@@ -3523,7 +3523,7 @@
     </p:spTree>
     <p:extLst>
       <p:ext uri="{BB962C8B-B14F-4D97-AF65-F5344CB8AC3E}">
-        <p14:creationId xmlns:p14="http://schemas.microsoft.com/office/powerpoint/2010/main" xmlns="" val="1883092408"/>
+        <p14:creationId xmlns:p14="http://schemas.microsoft.com/office/powerpoint/2010/main" val="1883092408"/>
       </p:ext>
     </p:extLst>
   </p:cSld>
@@ -3645,7 +3645,7 @@
     </p:spTree>
     <p:extLst>
       <p:ext uri="{BB962C8B-B14F-4D97-AF65-F5344CB8AC3E}">
-        <p14:creationId xmlns:p14="http://schemas.microsoft.com/office/powerpoint/2010/main" xmlns="" val="3834770153"/>
+        <p14:creationId xmlns:p14="http://schemas.microsoft.com/office/powerpoint/2010/main" val="3834770153"/>
       </p:ext>
     </p:extLst>
   </p:cSld>
@@ -3767,7 +3767,7 @@
     </p:spTree>
     <p:extLst>
       <p:ext uri="{BB962C8B-B14F-4D97-AF65-F5344CB8AC3E}">
-        <p14:creationId xmlns:p14="http://schemas.microsoft.com/office/powerpoint/2010/main" xmlns="" val="3859950044"/>
+        <p14:creationId xmlns:p14="http://schemas.microsoft.com/office/powerpoint/2010/main" val="3859950044"/>
       </p:ext>
     </p:extLst>
   </p:cSld>
@@ -3889,7 +3889,7 @@
     </p:spTree>
     <p:extLst>
       <p:ext uri="{BB962C8B-B14F-4D97-AF65-F5344CB8AC3E}">
-        <p14:creationId xmlns:p14="http://schemas.microsoft.com/office/powerpoint/2010/main" xmlns="" val="2801704936"/>
+        <p14:creationId xmlns:p14="http://schemas.microsoft.com/office/powerpoint/2010/main" val="2801704936"/>
       </p:ext>
     </p:extLst>
   </p:cSld>
@@ -4011,7 +4011,7 @@
     </p:spTree>
     <p:extLst>
       <p:ext uri="{BB962C8B-B14F-4D97-AF65-F5344CB8AC3E}">
-        <p14:creationId xmlns:p14="http://schemas.microsoft.com/office/powerpoint/2010/main" xmlns="" val="306331640"/>
+        <p14:creationId xmlns:p14="http://schemas.microsoft.com/office/powerpoint/2010/main" val="306331640"/>
       </p:ext>
     </p:extLst>
   </p:cSld>
@@ -4133,7 +4133,7 @@
     </p:spTree>
     <p:extLst>
       <p:ext uri="{BB962C8B-B14F-4D97-AF65-F5344CB8AC3E}">
-        <p14:creationId xmlns:p14="http://schemas.microsoft.com/office/powerpoint/2010/main" xmlns="" val="2840300364"/>
+        <p14:creationId xmlns:p14="http://schemas.microsoft.com/office/powerpoint/2010/main" val="2840300364"/>
       </p:ext>
     </p:extLst>
   </p:cSld>
@@ -4255,7 +4255,7 @@
     </p:spTree>
     <p:extLst>
       <p:ext uri="{BB962C8B-B14F-4D97-AF65-F5344CB8AC3E}">
-        <p14:creationId xmlns:p14="http://schemas.microsoft.com/office/powerpoint/2010/main" xmlns="" val="1403514416"/>
+        <p14:creationId xmlns:p14="http://schemas.microsoft.com/office/powerpoint/2010/main" val="1403514416"/>
       </p:ext>
     </p:extLst>
   </p:cSld>
@@ -4377,7 +4377,7 @@
     </p:spTree>
     <p:extLst>
       <p:ext uri="{BB962C8B-B14F-4D97-AF65-F5344CB8AC3E}">
-        <p14:creationId xmlns:p14="http://schemas.microsoft.com/office/powerpoint/2010/main" xmlns="" val="2488373299"/>
+        <p14:creationId xmlns:p14="http://schemas.microsoft.com/office/powerpoint/2010/main" val="2488373299"/>
       </p:ext>
     </p:extLst>
   </p:cSld>
@@ -4499,7 +4499,7 @@
     </p:spTree>
     <p:extLst>
       <p:ext uri="{BB962C8B-B14F-4D97-AF65-F5344CB8AC3E}">
-        <p14:creationId xmlns:p14="http://schemas.microsoft.com/office/powerpoint/2010/main" xmlns="" val="1608900027"/>
+        <p14:creationId xmlns:p14="http://schemas.microsoft.com/office/powerpoint/2010/main" val="1608900027"/>
       </p:ext>
     </p:extLst>
   </p:cSld>
@@ -4621,7 +4621,7 @@
     </p:spTree>
     <p:extLst>
       <p:ext uri="{BB962C8B-B14F-4D97-AF65-F5344CB8AC3E}">
-        <p14:creationId xmlns:p14="http://schemas.microsoft.com/office/powerpoint/2010/main" xmlns="" val="3507959500"/>
+        <p14:creationId xmlns:p14="http://schemas.microsoft.com/office/powerpoint/2010/main" val="3507959500"/>
       </p:ext>
     </p:extLst>
   </p:cSld>
@@ -4743,7 +4743,7 @@
     </p:spTree>
     <p:extLst>
       <p:ext uri="{BB962C8B-B14F-4D97-AF65-F5344CB8AC3E}">
-        <p14:creationId xmlns:p14="http://schemas.microsoft.com/office/powerpoint/2010/main" xmlns="" val="574178272"/>
+        <p14:creationId xmlns:p14="http://schemas.microsoft.com/office/powerpoint/2010/main" val="574178272"/>
       </p:ext>
     </p:extLst>
   </p:cSld>
@@ -4865,7 +4865,7 @@
     </p:spTree>
     <p:extLst>
       <p:ext uri="{BB962C8B-B14F-4D97-AF65-F5344CB8AC3E}">
-        <p14:creationId xmlns:p14="http://schemas.microsoft.com/office/powerpoint/2010/main" xmlns="" val="4221654177"/>
+        <p14:creationId xmlns:p14="http://schemas.microsoft.com/office/powerpoint/2010/main" val="4221654177"/>
       </p:ext>
     </p:extLst>
   </p:cSld>
@@ -4987,7 +4987,7 @@
     </p:spTree>
     <p:extLst>
       <p:ext uri="{BB962C8B-B14F-4D97-AF65-F5344CB8AC3E}">
-        <p14:creationId xmlns:p14="http://schemas.microsoft.com/office/powerpoint/2010/main" xmlns="" val="4263098502"/>
+        <p14:creationId xmlns:p14="http://schemas.microsoft.com/office/powerpoint/2010/main" val="4263098502"/>
       </p:ext>
     </p:extLst>
   </p:cSld>
@@ -5109,7 +5109,7 @@
     </p:spTree>
     <p:extLst>
       <p:ext uri="{BB962C8B-B14F-4D97-AF65-F5344CB8AC3E}">
-        <p14:creationId xmlns:p14="http://schemas.microsoft.com/office/powerpoint/2010/main" xmlns="" val="3084282577"/>
+        <p14:creationId xmlns:p14="http://schemas.microsoft.com/office/powerpoint/2010/main" val="3084282577"/>
       </p:ext>
     </p:extLst>
   </p:cSld>
@@ -7873,14 +7873,14 @@
           <a:effectLst/>
           <a:extLst>
             <a:ext uri="{909E8E84-426E-40DD-AFC4-6F175D3DCCD1}">
-              <a14:hiddenFill xmlns:a14="http://schemas.microsoft.com/office/drawing/2010/main" xmlns="">
+              <a14:hiddenFill xmlns:a14="http://schemas.microsoft.com/office/drawing/2010/main">
                 <a:solidFill>
                   <a:srgbClr val="FFFFFF"/>
                 </a:solidFill>
               </a14:hiddenFill>
             </a:ext>
             <a:ext uri="{91240B29-F687-4F45-9708-019B960494DF}">
-              <a14:hiddenLine xmlns:a14="http://schemas.microsoft.com/office/drawing/2010/main" xmlns="" w="9525">
+              <a14:hiddenLine xmlns:a14="http://schemas.microsoft.com/office/drawing/2010/main" w="9525">
                 <a:solidFill>
                   <a:srgbClr val="000000"/>
                 </a:solidFill>
@@ -7890,7 +7890,7 @@
               </a14:hiddenLine>
             </a:ext>
             <a:ext uri="{AF507438-7753-43E0-B8FC-AC1667EBCBE1}">
-              <a14:hiddenEffects xmlns:a14="http://schemas.microsoft.com/office/drawing/2010/main" xmlns="">
+              <a14:hiddenEffects xmlns:a14="http://schemas.microsoft.com/office/drawing/2010/main">
                 <a:effectLst>
                   <a:outerShdw dist="35921" dir="2700000" algn="ctr" rotWithShape="0">
                     <a:schemeClr val="bg2"/>
@@ -7964,14 +7964,14 @@
           <a:effectLst/>
           <a:extLst>
             <a:ext uri="{909E8E84-426E-40DD-AFC4-6F175D3DCCD1}">
-              <a14:hiddenFill xmlns:a14="http://schemas.microsoft.com/office/drawing/2010/main" xmlns="">
+              <a14:hiddenFill xmlns:a14="http://schemas.microsoft.com/office/drawing/2010/main">
                 <a:solidFill>
                   <a:srgbClr val="FFFFFF"/>
                 </a:solidFill>
               </a14:hiddenFill>
             </a:ext>
             <a:ext uri="{91240B29-F687-4F45-9708-019B960494DF}">
-              <a14:hiddenLine xmlns:a14="http://schemas.microsoft.com/office/drawing/2010/main" xmlns="" w="9525">
+              <a14:hiddenLine xmlns:a14="http://schemas.microsoft.com/office/drawing/2010/main" w="9525">
                 <a:solidFill>
                   <a:srgbClr val="000000"/>
                 </a:solidFill>
@@ -7981,7 +7981,7 @@
               </a14:hiddenLine>
             </a:ext>
             <a:ext uri="{AF507438-7753-43E0-B8FC-AC1667EBCBE1}">
-              <a14:hiddenEffects xmlns:a14="http://schemas.microsoft.com/office/drawing/2010/main" xmlns="">
+              <a14:hiddenEffects xmlns:a14="http://schemas.microsoft.com/office/drawing/2010/main">
                 <a:effectLst>
                   <a:outerShdw dist="35921" dir="2700000" algn="ctr" rotWithShape="0">
                     <a:schemeClr val="bg2"/>
@@ -8056,14 +8056,14 @@
           <a:effectLst/>
           <a:extLst>
             <a:ext uri="{909E8E84-426E-40DD-AFC4-6F175D3DCCD1}">
-              <a14:hiddenFill xmlns:a14="http://schemas.microsoft.com/office/drawing/2010/main" xmlns="">
+              <a14:hiddenFill xmlns:a14="http://schemas.microsoft.com/office/drawing/2010/main">
                 <a:solidFill>
                   <a:srgbClr val="FFFFFF"/>
                 </a:solidFill>
               </a14:hiddenFill>
             </a:ext>
             <a:ext uri="{91240B29-F687-4F45-9708-019B960494DF}">
-              <a14:hiddenLine xmlns:a14="http://schemas.microsoft.com/office/drawing/2010/main" xmlns="" w="9525">
+              <a14:hiddenLine xmlns:a14="http://schemas.microsoft.com/office/drawing/2010/main" w="9525">
                 <a:solidFill>
                   <a:srgbClr val="000000"/>
                 </a:solidFill>
@@ -8073,7 +8073,7 @@
               </a14:hiddenLine>
             </a:ext>
             <a:ext uri="{AF507438-7753-43E0-B8FC-AC1667EBCBE1}">
-              <a14:hiddenEffects xmlns:a14="http://schemas.microsoft.com/office/drawing/2010/main" xmlns="">
+              <a14:hiddenEffects xmlns:a14="http://schemas.microsoft.com/office/drawing/2010/main">
                 <a:effectLst>
                   <a:outerShdw dist="35921" dir="2700000" algn="ctr" rotWithShape="0">
                     <a:schemeClr val="bg2"/>
@@ -11421,23 +11421,7 @@
                   <a:srgbClr val="FFFFFF"/>
                 </a:solidFill>
               </a:rPr>
-              <a:t>Zu </a:t>
-            </a:r>
-            <a:r>
-              <a:rPr lang="de-DE" altLang="de-DE" sz="4000" dirty="0" smtClean="0">
-                <a:solidFill>
-                  <a:srgbClr val="FFFFFF"/>
-                </a:solidFill>
-              </a:rPr>
-              <a:t>Teil 2 </a:t>
-            </a:r>
-            <a:r>
-              <a:rPr lang="de-DE" altLang="de-DE" sz="4000" dirty="0" smtClean="0">
-                <a:solidFill>
-                  <a:srgbClr val="FFFFFF"/>
-                </a:solidFill>
-              </a:rPr>
-              <a:t>(1)</a:t>
+              <a:t>Zu Teil 2 (1)</a:t>
             </a:r>
           </a:p>
         </p:txBody>
@@ -11920,23 +11904,7 @@
                   <a:srgbClr val="FFFFFF"/>
                 </a:solidFill>
               </a:rPr>
-              <a:t>Zu </a:t>
-            </a:r>
-            <a:r>
-              <a:rPr lang="de-DE" altLang="de-DE" sz="4000" dirty="0" smtClean="0">
-                <a:solidFill>
-                  <a:srgbClr val="FFFFFF"/>
-                </a:solidFill>
-              </a:rPr>
-              <a:t>Teil 2 </a:t>
-            </a:r>
-            <a:r>
-              <a:rPr lang="de-DE" altLang="de-DE" sz="4000" dirty="0" smtClean="0">
-                <a:solidFill>
-                  <a:srgbClr val="FFFFFF"/>
-                </a:solidFill>
-              </a:rPr>
-              <a:t>(2)</a:t>
+              <a:t>Zu Teil 2 (2)</a:t>
             </a:r>
           </a:p>
         </p:txBody>
@@ -12353,39 +12321,7 @@
                   <a:srgbClr val="FFFFFF"/>
                 </a:solidFill>
               </a:rPr>
-              <a:t>Zu </a:t>
-            </a:r>
-            <a:r>
-              <a:rPr lang="de-DE" altLang="de-DE" sz="4000" dirty="0" smtClean="0">
-                <a:solidFill>
-                  <a:srgbClr val="FFFFFF"/>
-                </a:solidFill>
-              </a:rPr>
-              <a:t>Tei</a:t>
-            </a:r>
-            <a:r>
-              <a:rPr lang="de-DE" altLang="de-DE" sz="4000" dirty="0" smtClean="0">
-                <a:solidFill>
-                  <a:srgbClr val="FFFFFF"/>
-                </a:solidFill>
-              </a:rPr>
-              <a:t>l </a:t>
-            </a:r>
-            <a:r>
-              <a:rPr lang="de-DE" altLang="de-DE" sz="4000" dirty="0" smtClean="0">
-                <a:solidFill>
-                  <a:srgbClr val="FFFFFF"/>
-                </a:solidFill>
-              </a:rPr>
-              <a:t>2 </a:t>
-            </a:r>
-            <a:r>
-              <a:rPr lang="de-DE" altLang="de-DE" sz="4000" dirty="0" smtClean="0">
-                <a:solidFill>
-                  <a:srgbClr val="FFFFFF"/>
-                </a:solidFill>
-              </a:rPr>
-              <a:t>(3)</a:t>
+              <a:t>Zu Teil 2 (3)</a:t>
             </a:r>
           </a:p>
         </p:txBody>
@@ -18348,27 +18284,35 @@
               </a:tabLst>
             </a:pPr>
             <a:r>
-              <a:rPr lang="de-DE" altLang="de-DE" sz="2800" smtClean="0"/>
+              <a:rPr lang="de-DE" altLang="de-DE" sz="2800" dirty="0" smtClean="0"/>
               <a:t>Teilen Sie bitte bis spätestens Sonntag,</a:t>
             </a:r>
             <a:br>
-              <a:rPr lang="de-DE" altLang="de-DE" sz="2800" smtClean="0"/>
+              <a:rPr lang="de-DE" altLang="de-DE" sz="2800" dirty="0" smtClean="0"/>
             </a:br>
             <a:r>
-              <a:rPr lang="de-DE" altLang="de-DE" sz="2800" smtClean="0"/>
-              <a:t>den 10.05.2015, 24 Uhr mit, wie Sie Ihre Gruppen</a:t>
+              <a:rPr lang="de-DE" altLang="de-DE" sz="2800" dirty="0" smtClean="0"/>
+              <a:t>den </a:t>
+            </a:r>
+            <a:r>
+              <a:rPr lang="de-DE" altLang="de-DE" sz="2800" dirty="0" smtClean="0"/>
+              <a:t>15.05.2016, </a:t>
+            </a:r>
+            <a:r>
+              <a:rPr lang="de-DE" altLang="de-DE" sz="2800" dirty="0" smtClean="0"/>
+              <a:t>24 Uhr mit, wie Sie Ihre Gruppen</a:t>
             </a:r>
             <a:br>
-              <a:rPr lang="de-DE" altLang="de-DE" sz="2800" smtClean="0"/>
+              <a:rPr lang="de-DE" altLang="de-DE" sz="2800" dirty="0" smtClean="0"/>
             </a:br>
             <a:r>
-              <a:rPr lang="de-DE" altLang="de-DE" sz="2800" smtClean="0"/>
+              <a:rPr lang="de-DE" altLang="de-DE" sz="2800" dirty="0" smtClean="0"/>
               <a:t>für die Hausarbeit aufteilen.</a:t>
             </a:r>
             <a:br>
-              <a:rPr lang="de-DE" altLang="de-DE" sz="2800" smtClean="0"/>
+              <a:rPr lang="de-DE" altLang="de-DE" sz="2800" dirty="0" smtClean="0"/>
             </a:br>
-            <a:endParaRPr lang="de-DE" altLang="de-DE" sz="2800" smtClean="0"/>
+            <a:endParaRPr lang="de-DE" altLang="de-DE" sz="2800" dirty="0" smtClean="0"/>
           </a:p>
           <a:p>
             <a:pPr marL="269875" indent="-269875" eaLnBrk="1">
@@ -18394,9 +18338,30 @@
               </a:tabLst>
             </a:pPr>
             <a:r>
-              <a:rPr lang="de-DE" altLang="de-DE" sz="2800" smtClean="0"/>
-              <a:t>Möglich sind nur Zweier- oder Dreiergruppen.</a:t>
-            </a:r>
+              <a:rPr lang="de-DE" altLang="de-DE" sz="2800" dirty="0" smtClean="0"/>
+              <a:t>Möglich sind nur </a:t>
+            </a:r>
+            <a:r>
+              <a:rPr lang="de-DE" altLang="de-DE" sz="2800" dirty="0" smtClean="0"/>
+              <a:t>Dreier- </a:t>
+            </a:r>
+            <a:r>
+              <a:rPr lang="de-DE" altLang="de-DE" sz="2800" dirty="0" smtClean="0"/>
+              <a:t>oder </a:t>
+            </a:r>
+            <a:r>
+              <a:rPr lang="de-DE" altLang="de-DE" sz="2800" dirty="0" smtClean="0"/>
+              <a:t>Vierer</a:t>
+            </a:r>
+            <a:r>
+              <a:rPr lang="de-DE" altLang="de-DE" sz="2800" dirty="0" smtClean="0"/>
+              <a:t>gruppen</a:t>
+            </a:r>
+            <a:r>
+              <a:rPr lang="de-DE" altLang="de-DE" sz="2800" dirty="0"/>
+              <a:t>.</a:t>
+            </a:r>
+            <a:endParaRPr lang="de-DE" altLang="de-DE" sz="2800" dirty="0" smtClean="0"/>
           </a:p>
           <a:p>
             <a:pPr marL="269875" indent="-269875" eaLnBrk="1">
@@ -18422,14 +18387,18 @@
               </a:tabLst>
             </a:pPr>
             <a:r>
-              <a:rPr lang="de-DE" altLang="de-DE" sz="2800" smtClean="0"/>
-              <a:t>Dreiergruppen haben eine Zusatzaufgabe zu bearbeiten</a:t>
+              <a:rPr lang="de-DE" altLang="de-DE" sz="2800" dirty="0" smtClean="0"/>
+              <a:t>Alle Gruppen haben exakt dieselbe Aufgabe zu bearbeiten.</a:t>
+            </a:r>
+            <a:r>
+              <a:rPr lang="de-DE" altLang="de-DE" sz="2800" dirty="0" smtClean="0"/>
+              <a:t/>
             </a:r>
             <a:br>
-              <a:rPr lang="de-DE" altLang="de-DE" sz="2800" smtClean="0"/>
+              <a:rPr lang="de-DE" altLang="de-DE" sz="2800" dirty="0" smtClean="0"/>
             </a:br>
             <a:r>
-              <a:rPr lang="de-DE" altLang="de-DE" sz="2800" smtClean="0"/>
+              <a:rPr lang="de-DE" altLang="de-DE" sz="2800" dirty="0" smtClean="0"/>
               <a:t> </a:t>
             </a:r>
           </a:p>
@@ -18457,19 +18426,24 @@
               </a:tabLst>
             </a:pPr>
             <a:r>
-              <a:rPr lang="de-DE" altLang="de-DE" sz="2800" smtClean="0"/>
+              <a:rPr lang="de-DE" altLang="de-DE" sz="2800" dirty="0" smtClean="0"/>
               <a:t>Die Mitteilung erfolgt an die E-Mail des Dozenten (</a:t>
             </a:r>
             <a:r>
-              <a:rPr lang="de-DE" altLang="de-DE" sz="2800" smtClean="0">
+              <a:rPr lang="de-DE" altLang="de-DE" sz="2800" dirty="0" smtClean="0">
                 <a:hlinkClick r:id="rId3"/>
               </a:rPr>
               <a:t>bjoern.kimminich@nordakademie.de</a:t>
             </a:r>
             <a:r>
-              <a:rPr lang="de-DE" altLang="de-DE" sz="2800" smtClean="0"/>
-              <a:t>) und enthält die Namen aller Studenten der Gruppe sowie einen Teamnamen.</a:t>
-            </a:r>
+              <a:rPr lang="de-DE" altLang="de-DE" sz="2800" dirty="0" smtClean="0"/>
+              <a:t>) und enthält die Namen aller Studenten der </a:t>
+            </a:r>
+            <a:r>
+              <a:rPr lang="de-DE" altLang="de-DE" sz="2800" dirty="0" smtClean="0"/>
+              <a:t>Gruppe.</a:t>
+            </a:r>
+            <a:endParaRPr lang="de-DE" altLang="de-DE" sz="2800" dirty="0" smtClean="0"/>
           </a:p>
           <a:p>
             <a:pPr marL="269875" indent="-269875" eaLnBrk="1">
@@ -18494,7 +18468,7 @@
                 <a:tab pos="8686800" algn="l"/>
               </a:tabLst>
             </a:pPr>
-            <a:endParaRPr lang="de-DE" altLang="de-DE" smtClean="0"/>
+            <a:endParaRPr lang="de-DE" altLang="de-DE" dirty="0" smtClean="0"/>
           </a:p>
           <a:p>
             <a:pPr marL="269875" indent="-269875" eaLnBrk="1">
@@ -18519,7 +18493,7 @@
                 <a:tab pos="8686800" algn="l"/>
               </a:tabLst>
             </a:pPr>
-            <a:endParaRPr lang="de-DE" altLang="de-DE" smtClean="0"/>
+            <a:endParaRPr lang="de-DE" altLang="de-DE" dirty="0" smtClean="0"/>
           </a:p>
         </p:txBody>
       </p:sp>
@@ -18737,11 +18711,6 @@
               </a:rPr>
               <a:t>Übung (Teil 5)</a:t>
             </a:r>
-            <a:endParaRPr lang="de-DE" altLang="de-DE" sz="4000" dirty="0" smtClean="0">
-              <a:solidFill>
-                <a:srgbClr val="FFFFFF"/>
-              </a:solidFill>
-            </a:endParaRPr>
           </a:p>
         </p:txBody>
       </p:sp>
@@ -18829,11 +18798,7 @@
             </a:r>
             <a:r>
               <a:rPr lang="de-DE" altLang="de-DE" sz="2400" dirty="0" smtClean="0"/>
-              <a:t> </a:t>
-            </a:r>
-            <a:r>
-              <a:rPr lang="de-DE" altLang="de-DE" sz="2400" dirty="0" smtClean="0"/>
-              <a:t>um eine Methode</a:t>
+              <a:t> um eine Methode</a:t>
             </a:r>
             <a:br>
               <a:rPr lang="de-DE" altLang="de-DE" sz="2400" dirty="0" smtClean="0"/>
@@ -18847,11 +18812,7 @@
             </a:r>
             <a:r>
               <a:rPr lang="de-DE" altLang="de-DE" sz="2400" dirty="0" smtClean="0"/>
-              <a:t>, </a:t>
-            </a:r>
-            <a:r>
-              <a:rPr lang="de-DE" altLang="de-DE" sz="2400" dirty="0" smtClean="0"/>
-              <a:t>welche </a:t>
+              <a:t>, welche </a:t>
             </a:r>
             <a:r>
               <a:rPr lang="de-DE" altLang="de-DE" sz="2400" dirty="0" err="1" smtClean="0">
@@ -18862,11 +18823,7 @@
             </a:r>
             <a:r>
               <a:rPr lang="de-DE" altLang="de-DE" sz="2400" dirty="0" smtClean="0"/>
-              <a:t> </a:t>
-            </a:r>
-            <a:r>
-              <a:rPr lang="de-DE" altLang="de-DE" sz="2400" dirty="0" smtClean="0"/>
-              <a:t>zurückliefert, wenn die</a:t>
+              <a:t> zurückliefert, wenn die</a:t>
             </a:r>
             <a:br>
               <a:rPr lang="de-DE" altLang="de-DE" sz="2400" dirty="0" smtClean="0"/>
@@ -18923,11 +18880,7 @@
             </a:r>
             <a:r>
               <a:rPr lang="de-DE" altLang="de-DE" sz="2400" dirty="0" smtClean="0"/>
-              <a:t> </a:t>
-            </a:r>
-            <a:r>
-              <a:rPr lang="de-DE" altLang="de-DE" sz="2400" dirty="0" smtClean="0"/>
-              <a:t>an geeigneter Stelle ab, ob der</a:t>
+              <a:t> an geeigneter Stelle ab, ob der</a:t>
             </a:r>
             <a:br>
               <a:rPr lang="de-DE" altLang="de-DE" sz="2400" dirty="0" smtClean="0"/>
@@ -18963,11 +18916,7 @@
             </a:r>
             <a:r>
               <a:rPr lang="de-DE" altLang="de-DE" sz="2400" dirty="0" smtClean="0"/>
-              <a:t> </a:t>
-            </a:r>
-            <a:r>
-              <a:rPr lang="de-DE" altLang="de-DE" sz="2400" dirty="0" smtClean="0"/>
-              <a:t>um eine entsprechende</a:t>
+              <a:t> um eine entsprechende</a:t>
             </a:r>
             <a:br>
               <a:rPr lang="de-DE" altLang="de-DE" sz="2400" dirty="0" smtClean="0"/>
@@ -19291,21 +19240,8 @@
                   <a:srgbClr val="FFFFFF"/>
                 </a:solidFill>
               </a:rPr>
-              <a:t>Übung </a:t>
-            </a:r>
-            <a:r>
-              <a:rPr lang="de-DE" altLang="de-DE" sz="4000" dirty="0" smtClean="0">
-                <a:solidFill>
-                  <a:srgbClr val="FFFFFF"/>
-                </a:solidFill>
-              </a:rPr>
-              <a:t>(Teil 6)</a:t>
-            </a:r>
-            <a:endParaRPr lang="de-DE" altLang="de-DE" sz="4000" dirty="0" smtClean="0">
-              <a:solidFill>
-                <a:srgbClr val="FFFFFF"/>
-              </a:solidFill>
-            </a:endParaRPr>
+              <a:t>Übung (Teil 6)</a:t>
+            </a:r>
           </a:p>
         </p:txBody>
       </p:sp>
@@ -19353,11 +19289,7 @@
             </a:pPr>
             <a:r>
               <a:rPr lang="de-DE" altLang="de-DE" sz="2400" dirty="0" smtClean="0"/>
-              <a:t>Erweitern </a:t>
-            </a:r>
-            <a:r>
-              <a:rPr lang="de-DE" altLang="de-DE" sz="2400" dirty="0" smtClean="0"/>
-              <a:t>Sie die Klasse </a:t>
+              <a:t>Erweitern Sie die Klasse </a:t>
             </a:r>
             <a:r>
               <a:rPr lang="de-DE" altLang="de-DE" sz="2400" dirty="0" smtClean="0">
@@ -19368,11 +19300,7 @@
             </a:r>
             <a:r>
               <a:rPr lang="de-DE" altLang="de-DE" sz="2400" dirty="0" smtClean="0"/>
-              <a:t> </a:t>
-            </a:r>
-            <a:r>
-              <a:rPr lang="de-DE" altLang="de-DE" sz="2400" dirty="0" smtClean="0"/>
-              <a:t>um eine Methode</a:t>
+              <a:t> um eine Methode</a:t>
             </a:r>
             <a:br>
               <a:rPr lang="de-DE" altLang="de-DE" sz="2400" dirty="0" smtClean="0"/>
@@ -19386,11 +19314,7 @@
             </a:r>
             <a:r>
               <a:rPr lang="de-DE" altLang="de-DE" sz="2400" dirty="0" smtClean="0"/>
-              <a:t>, </a:t>
-            </a:r>
-            <a:r>
-              <a:rPr lang="de-DE" altLang="de-DE" sz="2400" dirty="0" smtClean="0"/>
-              <a:t>welche </a:t>
+              <a:t>, welche </a:t>
             </a:r>
             <a:r>
               <a:rPr lang="de-DE" altLang="de-DE" sz="2400" dirty="0" err="1" smtClean="0">
@@ -19401,19 +19325,7 @@
             </a:r>
             <a:r>
               <a:rPr lang="de-DE" altLang="de-DE" sz="2400" dirty="0" smtClean="0"/>
-              <a:t> </a:t>
-            </a:r>
-            <a:r>
-              <a:rPr lang="de-DE" altLang="de-DE" sz="2400" dirty="0" smtClean="0"/>
-              <a:t>zurückliefert, wenn die </a:t>
-            </a:r>
-            <a:r>
-              <a:rPr lang="de-DE" altLang="de-DE" sz="2400" dirty="0" smtClean="0"/>
-              <a:t>Kartenhand aus </a:t>
-            </a:r>
-            <a:r>
-              <a:rPr lang="de-DE" altLang="de-DE" sz="2400" dirty="0" smtClean="0"/>
-              <a:t>nur 2 Karten besteht und 21 Punkte ergibt.</a:t>
+              <a:t> zurückliefert, wenn die Kartenhand aus nur 2 Karten besteht und 21 Punkte ergibt.</a:t>
             </a:r>
             <a:br>
               <a:rPr lang="de-DE" altLang="de-DE" sz="2400" dirty="0" smtClean="0"/>
@@ -19456,11 +19368,7 @@
             </a:r>
             <a:r>
               <a:rPr lang="de-DE" altLang="de-DE" sz="2400" dirty="0" smtClean="0"/>
-              <a:t> </a:t>
-            </a:r>
-            <a:r>
-              <a:rPr lang="de-DE" altLang="de-DE" sz="2400" dirty="0" smtClean="0"/>
-              <a:t>der Kartenhand</a:t>
+              <a:t> der Kartenhand</a:t>
             </a:r>
             <a:br>
               <a:rPr lang="de-DE" altLang="de-DE" sz="2400" dirty="0" smtClean="0"/>
@@ -19534,11 +19442,7 @@
             </a:r>
             <a:r>
               <a:rPr lang="de-DE" altLang="de-DE" sz="2400" dirty="0" smtClean="0"/>
-              <a:t> </a:t>
-            </a:r>
-            <a:r>
-              <a:rPr lang="de-DE" altLang="de-DE" sz="2400" dirty="0" smtClean="0"/>
-              <a:t>und</a:t>
+              <a:t> und</a:t>
             </a:r>
             <a:br>
               <a:rPr lang="de-DE" altLang="de-DE" sz="2400" dirty="0" smtClean="0"/>
@@ -19552,11 +19456,7 @@
             </a:r>
             <a:r>
               <a:rPr lang="de-DE" altLang="de-DE" sz="2400" dirty="0" smtClean="0"/>
-              <a:t> </a:t>
-            </a:r>
-            <a:r>
-              <a:rPr lang="de-DE" altLang="de-DE" sz="2400" dirty="0" smtClean="0"/>
-              <a:t>der Klasse </a:t>
+              <a:t> der Klasse </a:t>
             </a:r>
             <a:r>
               <a:rPr lang="de-DE" altLang="de-DE" sz="2400" dirty="0" smtClean="0">
@@ -19569,7 +19469,6 @@
               <a:rPr lang="de-DE" altLang="de-DE" sz="2400" dirty="0" smtClean="0"/>
               <a:t>.</a:t>
             </a:r>
-            <a:endParaRPr lang="de-DE" altLang="de-DE" sz="2400" dirty="0" smtClean="0"/>
           </a:p>
           <a:p>
             <a:pPr marL="269875" indent="-269875" eaLnBrk="1">
@@ -19835,21 +19734,8 @@
                   <a:srgbClr val="FFFFFF"/>
                 </a:solidFill>
               </a:rPr>
-              <a:t>Übung </a:t>
-            </a:r>
-            <a:r>
-              <a:rPr lang="de-DE" altLang="de-DE" sz="4000" dirty="0" smtClean="0">
-                <a:solidFill>
-                  <a:srgbClr val="FFFFFF"/>
-                </a:solidFill>
-              </a:rPr>
-              <a:t>(Teil 7)</a:t>
-            </a:r>
-            <a:endParaRPr lang="de-DE" altLang="de-DE" sz="4000" dirty="0" smtClean="0">
-              <a:solidFill>
-                <a:srgbClr val="FFFFFF"/>
-              </a:solidFill>
-            </a:endParaRPr>
+              <a:t>Übung (Teil 7)</a:t>
+            </a:r>
           </a:p>
         </p:txBody>
       </p:sp>
@@ -19897,11 +19783,7 @@
             </a:pPr>
             <a:r>
               <a:rPr lang="de-DE" altLang="de-DE" sz="2400" dirty="0" smtClean="0"/>
-              <a:t>Vor </a:t>
-            </a:r>
-            <a:r>
-              <a:rPr lang="de-DE" altLang="de-DE" sz="2400" dirty="0" smtClean="0"/>
-              <a:t>dem Spiel am Black-Jack-Tisch soll ein Geldeinsatz getätigt</a:t>
+              <a:t>Vor dem Spiel am Black-Jack-Tisch soll ein Geldeinsatz getätigt</a:t>
             </a:r>
             <a:br>
               <a:rPr lang="de-DE" altLang="de-DE" sz="2400" dirty="0" smtClean="0"/>
@@ -19915,11 +19797,7 @@
             </a:br>
             <a:r>
               <a:rPr lang="de-DE" altLang="de-DE" sz="2400" dirty="0" smtClean="0"/>
-              <a:t>und 1000 Euro</a:t>
-            </a:r>
-            <a:r>
-              <a:rPr lang="de-DE" altLang="de-DE" sz="2400" dirty="0" smtClean="0"/>
-              <a:t>.</a:t>
+              <a:t>und 1000 Euro.</a:t>
             </a:r>
           </a:p>
           <a:p>
@@ -19980,11 +19858,7 @@
             </a:r>
             <a:r>
               <a:rPr lang="de-DE" altLang="de-DE" sz="2400" dirty="0" smtClean="0"/>
-              <a:t> der Spieler </a:t>
-            </a:r>
-            <a:r>
-              <a:rPr lang="de-DE" altLang="de-DE" sz="2400" dirty="0" smtClean="0"/>
-              <a:t>erhält:</a:t>
+              <a:t> der Spieler erhält:</a:t>
             </a:r>
           </a:p>
           <a:p>
@@ -20012,15 +19886,7 @@
             </a:pPr>
             <a:r>
               <a:rPr lang="de-DE" altLang="de-DE" sz="2000" dirty="0" smtClean="0"/>
-              <a:t>Verliert </a:t>
-            </a:r>
-            <a:r>
-              <a:rPr lang="de-DE" altLang="de-DE" sz="2000" dirty="0" smtClean="0"/>
-              <a:t>er, erhält er nichts</a:t>
-            </a:r>
-            <a:r>
-              <a:rPr lang="de-DE" altLang="de-DE" sz="2000" dirty="0" smtClean="0"/>
-              <a:t>.</a:t>
+              <a:t>Verliert er, erhält er nichts.</a:t>
             </a:r>
           </a:p>
           <a:p>
@@ -20048,15 +19914,7 @@
             </a:pPr>
             <a:r>
               <a:rPr lang="de-DE" altLang="de-DE" sz="2000" dirty="0" smtClean="0"/>
-              <a:t>Bei </a:t>
-            </a:r>
-            <a:r>
-              <a:rPr lang="de-DE" altLang="de-DE" sz="2000" dirty="0" smtClean="0"/>
-              <a:t>Unentschieden erhält er den Einsatz zurück</a:t>
-            </a:r>
-            <a:r>
-              <a:rPr lang="de-DE" altLang="de-DE" sz="2000" dirty="0" smtClean="0"/>
-              <a:t>.</a:t>
+              <a:t>Bei Unentschieden erhält er den Einsatz zurück.</a:t>
             </a:r>
           </a:p>
           <a:p>
@@ -20084,22 +19942,14 @@
             </a:pPr>
             <a:r>
               <a:rPr lang="de-DE" altLang="de-DE" sz="2000" dirty="0" smtClean="0"/>
-              <a:t>Gewinnt </a:t>
-            </a:r>
-            <a:r>
-              <a:rPr lang="de-DE" altLang="de-DE" sz="2000" dirty="0" smtClean="0"/>
-              <a:t>der Spieler, erhält er seinen Einsatz zurück plus einen</a:t>
+              <a:t>Gewinnt der Spieler, erhält er seinen Einsatz zurück plus einen</a:t>
             </a:r>
             <a:br>
               <a:rPr lang="de-DE" altLang="de-DE" sz="2000" dirty="0" smtClean="0"/>
             </a:br>
             <a:r>
               <a:rPr lang="de-DE" altLang="de-DE" sz="2000" dirty="0" smtClean="0"/>
-              <a:t>Gewinn in Höhe</a:t>
-            </a:r>
-            <a:r>
-              <a:rPr lang="de-DE" altLang="de-DE" sz="2000" dirty="0" smtClean="0"/>
-              <a:t>:</a:t>
+              <a:t>Gewinn in Höhe:</a:t>
             </a:r>
           </a:p>
           <a:p>
@@ -20127,15 +19977,7 @@
             </a:pPr>
             <a:r>
               <a:rPr lang="de-DE" altLang="de-DE" sz="1600" dirty="0" smtClean="0"/>
-              <a:t>des </a:t>
-            </a:r>
-            <a:r>
-              <a:rPr lang="de-DE" altLang="de-DE" sz="1600" dirty="0" smtClean="0"/>
-              <a:t>Einsatzes bei einem "normalen" </a:t>
-            </a:r>
-            <a:r>
-              <a:rPr lang="de-DE" altLang="de-DE" sz="1600" dirty="0" smtClean="0"/>
-              <a:t>Sieg</a:t>
+              <a:t>des Einsatzes bei einem "normalen" Sieg</a:t>
             </a:r>
           </a:p>
           <a:p>
@@ -20163,15 +20005,7 @@
             </a:pPr>
             <a:r>
               <a:rPr lang="de-DE" altLang="de-DE" sz="1600" dirty="0" smtClean="0"/>
-              <a:t>des </a:t>
-            </a:r>
-            <a:r>
-              <a:rPr lang="de-DE" altLang="de-DE" sz="1600" dirty="0" smtClean="0"/>
-              <a:t>1,5-fachen Einsatzes bei einem Siebener-Drilling </a:t>
-            </a:r>
-            <a:r>
-              <a:rPr lang="de-DE" altLang="de-DE" sz="1600" dirty="0" smtClean="0"/>
-              <a:t>sowie</a:t>
+              <a:t>des 1,5-fachen Einsatzes bei einem Siebener-Drilling sowie</a:t>
             </a:r>
           </a:p>
           <a:p>
@@ -20199,11 +20033,7 @@
             </a:pPr>
             <a:r>
               <a:rPr lang="de-DE" altLang="de-DE" sz="1600" dirty="0" smtClean="0"/>
-              <a:t>des </a:t>
-            </a:r>
-            <a:r>
-              <a:rPr lang="de-DE" altLang="de-DE" sz="1600" dirty="0" smtClean="0"/>
-              <a:t>1,5-fachen Einsatzes bei einem Black Jack.</a:t>
+              <a:t>des 1,5-fachen Einsatzes bei einem Black Jack.</a:t>
             </a:r>
             <a:br>
               <a:rPr lang="de-DE" altLang="de-DE" sz="1600" dirty="0" smtClean="0"/>
@@ -20236,10 +20066,6 @@
             <a:r>
               <a:rPr lang="de-DE" altLang="de-DE" sz="2400" dirty="0" smtClean="0"/>
               <a:t>Der Einsatz soll bei jedem Spielschritt ausgegeben werden. </a:t>
-            </a:r>
-            <a:r>
-              <a:rPr lang="de-DE" altLang="de-DE" sz="2400" dirty="0" smtClean="0"/>
-              <a:t/>
             </a:r>
             <a:br>
               <a:rPr lang="de-DE" altLang="de-DE" sz="2400" dirty="0" smtClean="0"/>
@@ -20485,21 +20311,8 @@
                   <a:srgbClr val="FFFFFF"/>
                 </a:solidFill>
               </a:rPr>
-              <a:t>Übung </a:t>
-            </a:r>
-            <a:r>
-              <a:rPr lang="de-DE" altLang="de-DE" sz="4000" dirty="0" smtClean="0">
-                <a:solidFill>
-                  <a:srgbClr val="FFFFFF"/>
-                </a:solidFill>
-              </a:rPr>
-              <a:t>(Teil 8)</a:t>
-            </a:r>
-            <a:endParaRPr lang="de-DE" altLang="de-DE" sz="4000" dirty="0" smtClean="0">
-              <a:solidFill>
-                <a:srgbClr val="FFFFFF"/>
-              </a:solidFill>
-            </a:endParaRPr>
+              <a:t>Übung (Teil 8)</a:t>
+            </a:r>
           </a:p>
         </p:txBody>
       </p:sp>
@@ -20547,11 +20360,7 @@
             </a:pPr>
             <a:r>
               <a:rPr lang="de-DE" altLang="de-DE" sz="2400" dirty="0" smtClean="0"/>
-              <a:t>Der </a:t>
-            </a:r>
-            <a:r>
-              <a:rPr lang="de-DE" altLang="de-DE" sz="2400" dirty="0" smtClean="0"/>
-              <a:t>Geber erhält die erste Karte zusammen mit den ersten</a:t>
+              <a:t>Der Geber erhält die erste Karte zusammen mit den ersten</a:t>
             </a:r>
             <a:br>
               <a:rPr lang="de-DE" altLang="de-DE" sz="2400" dirty="0" smtClean="0"/>
@@ -20597,15 +20406,7 @@
             </a:pPr>
             <a:r>
               <a:rPr lang="de-DE" altLang="de-DE" sz="2400" dirty="0" smtClean="0"/>
-              <a:t>Ergänzen Sie die "double-Regel", </a:t>
-            </a:r>
-            <a:r>
-              <a:rPr lang="de-DE" altLang="de-DE" sz="2400" dirty="0" smtClean="0"/>
-              <a:t>d.h</a:t>
-            </a:r>
-            <a:r>
-              <a:rPr lang="de-DE" altLang="de-DE" sz="2400" dirty="0" smtClean="0"/>
-              <a:t>. bei seinem ersten</a:t>
+              <a:t>Ergänzen Sie die "double-Regel", d.h. bei seinem ersten</a:t>
             </a:r>
             <a:br>
               <a:rPr lang="de-DE" altLang="de-DE" sz="2400" dirty="0" smtClean="0"/>
@@ -20886,21 +20687,8 @@
                   <a:srgbClr val="FFFFFF"/>
                 </a:solidFill>
               </a:rPr>
-              <a:t>Übung </a:t>
-            </a:r>
-            <a:r>
-              <a:rPr lang="de-DE" altLang="de-DE" sz="4000" dirty="0" smtClean="0">
-                <a:solidFill>
-                  <a:srgbClr val="FFFFFF"/>
-                </a:solidFill>
-              </a:rPr>
-              <a:t>(Teil 9)</a:t>
-            </a:r>
-            <a:endParaRPr lang="de-DE" altLang="de-DE" sz="4000" dirty="0" smtClean="0">
-              <a:solidFill>
-                <a:srgbClr val="FFFFFF"/>
-              </a:solidFill>
-            </a:endParaRPr>
+              <a:t>Übung (Teil 9)</a:t>
+            </a:r>
           </a:p>
         </p:txBody>
       </p:sp>
@@ -20948,11 +20736,7 @@
             </a:pPr>
             <a:r>
               <a:rPr lang="de-DE" altLang="de-DE" sz="2400" dirty="0" smtClean="0"/>
-              <a:t>Ergänzen </a:t>
-            </a:r>
-            <a:r>
-              <a:rPr lang="de-DE" altLang="de-DE" sz="2400" dirty="0" smtClean="0"/>
-              <a:t>Sie die "</a:t>
+              <a:t>Ergänzen Sie die "</a:t>
             </a:r>
             <a:r>
               <a:rPr lang="de-DE" altLang="de-DE" sz="2400" dirty="0" err="1" smtClean="0"/>
@@ -21367,21 +21151,8 @@
                   <a:srgbClr val="FFFFFF"/>
                 </a:solidFill>
               </a:rPr>
-              <a:t>Übung </a:t>
-            </a:r>
-            <a:r>
-              <a:rPr lang="de-DE" altLang="de-DE" sz="4000" dirty="0" smtClean="0">
-                <a:solidFill>
-                  <a:srgbClr val="FFFFFF"/>
-                </a:solidFill>
-              </a:rPr>
-              <a:t>(Teil 10)</a:t>
-            </a:r>
-            <a:endParaRPr lang="de-DE" altLang="de-DE" sz="4000" dirty="0" smtClean="0">
-              <a:solidFill>
-                <a:srgbClr val="FFFFFF"/>
-              </a:solidFill>
-            </a:endParaRPr>
+              <a:t>Übung (Teil 10)</a:t>
+            </a:r>
           </a:p>
         </p:txBody>
       </p:sp>
@@ -21429,11 +21200,7 @@
             </a:pPr>
             <a:r>
               <a:rPr lang="de-DE" altLang="de-DE" sz="2400" dirty="0" smtClean="0"/>
-              <a:t>Das </a:t>
-            </a:r>
-            <a:r>
-              <a:rPr lang="de-DE" altLang="de-DE" sz="2400" dirty="0" smtClean="0"/>
-              <a:t>Spiel soll nun nicht nach einer Runde zu Ende sein.</a:t>
+              <a:t>Das Spiel soll nun nicht nach einer Runde zu Ende sein.</a:t>
             </a:r>
             <a:br>
               <a:rPr lang="de-DE" altLang="de-DE" sz="2400" dirty="0" smtClean="0"/>
@@ -21574,11 +21341,7 @@
             </a:pPr>
             <a:r>
               <a:rPr lang="de-DE" altLang="de-DE" sz="2400" dirty="0" smtClean="0"/>
-              <a:t>Solange </a:t>
-            </a:r>
-            <a:r>
-              <a:rPr lang="de-DE" altLang="de-DE" sz="2400" dirty="0" smtClean="0"/>
-              <a:t>das nicht der Fall ist, fragt das Programm nach jedem</a:t>
+              <a:t>Solange das nicht der Fall ist, fragt das Programm nach jedem</a:t>
             </a:r>
             <a:br>
               <a:rPr lang="de-DE" altLang="de-DE" sz="2400" dirty="0" smtClean="0"/>
@@ -21624,11 +21387,7 @@
             </a:pPr>
             <a:r>
               <a:rPr lang="de-DE" altLang="de-DE" sz="2400" dirty="0" smtClean="0"/>
-              <a:t>Das Budget soll bei jedem Spielschritt ebenfalls ausgegeben werden</a:t>
-            </a:r>
-            <a:r>
-              <a:rPr lang="de-DE" altLang="de-DE" sz="2400" dirty="0" smtClean="0"/>
-              <a:t>.</a:t>
+              <a:t>Das Budget soll bei jedem Spielschritt ebenfalls ausgegeben werden.</a:t>
             </a:r>
             <a:endParaRPr lang="de-DE" altLang="de-DE" dirty="0" smtClean="0"/>
           </a:p>
@@ -22381,37 +22140,13 @@
             </a:r>
             <a:r>
               <a:rPr lang="de-DE" altLang="de-DE" sz="2800" dirty="0" smtClean="0"/>
-              <a:t> </a:t>
-            </a:r>
-            <a:r>
-              <a:rPr lang="de-DE" altLang="de-DE" sz="2800" dirty="0" smtClean="0"/>
-              <a:t>finden Sie eine Beispiellösung für </a:t>
-            </a:r>
-            <a:r>
-              <a:rPr lang="de-DE" altLang="de-DE" sz="2800" dirty="0" smtClean="0"/>
-              <a:t>Teil 1+2 der Übung</a:t>
-            </a:r>
-            <a:r>
-              <a:rPr lang="de-DE" altLang="de-DE" sz="2800" dirty="0" smtClean="0"/>
-              <a:t>: </a:t>
+              <a:t> finden Sie eine Beispiellösung für Teil 1+2 der Übung: </a:t>
             </a:r>
             <a:r>
               <a:rPr lang="de-DE" altLang="de-DE" sz="2400" dirty="0" smtClean="0">
                 <a:hlinkClick r:id="rId3"/>
               </a:rPr>
-              <a:t>https</a:t>
-            </a:r>
-            <a:r>
-              <a:rPr lang="de-DE" altLang="de-DE" sz="2400" dirty="0" smtClean="0">
-                <a:hlinkClick r:id="rId3"/>
-              </a:rPr>
-              <a:t>://</a:t>
-            </a:r>
-            <a:r>
-              <a:rPr lang="de-DE" altLang="de-DE" sz="2400" dirty="0" smtClean="0">
-                <a:hlinkClick r:id="rId3"/>
-              </a:rPr>
-              <a:t>github.com/nordakademie-einfuehrung-java/beispielloesungen/tree/master/Uebungsblock_5_bis_8</a:t>
+              <a:t>https://github.com/nordakademie-einfuehrung-java/beispielloesungen/tree/master/Uebungsblock_5_bis_8</a:t>
             </a:r>
             <a:endParaRPr lang="de-DE" altLang="de-DE" sz="2400" dirty="0" smtClean="0"/>
           </a:p>
@@ -23986,21 +23721,8 @@
                   <a:srgbClr val="FFFFFF"/>
                 </a:solidFill>
               </a:rPr>
-              <a:t>Zu </a:t>
-            </a:r>
-            <a:r>
-              <a:rPr lang="de-DE" altLang="de-DE" sz="4000" dirty="0" smtClean="0">
-                <a:solidFill>
-                  <a:srgbClr val="FFFFFF"/>
-                </a:solidFill>
-              </a:rPr>
-              <a:t>Teil 1</a:t>
-            </a:r>
-            <a:endParaRPr lang="de-DE" altLang="de-DE" sz="4000" dirty="0" smtClean="0">
-              <a:solidFill>
-                <a:srgbClr val="FFFFFF"/>
-              </a:solidFill>
-            </a:endParaRPr>
+              <a:t>Zu Teil 1</a:t>
+            </a:r>
           </a:p>
         </p:txBody>
       </p:sp>
@@ -24400,7 +24122,7 @@
         <a:effectLst/>
         <a:extLst>
           <a:ext uri="{AF507438-7753-43E0-B8FC-AC1667EBCBE1}">
-            <a14:hiddenEffects xmlns:a14="http://schemas.microsoft.com/office/drawing/2010/main" xmlns="">
+            <a14:hiddenEffects xmlns:a14="http://schemas.microsoft.com/office/drawing/2010/main">
               <a:effectLst>
                 <a:outerShdw dist="35921" dir="2700000" algn="ctr" rotWithShape="0">
                   <a:schemeClr val="bg2"/>
@@ -24473,7 +24195,7 @@
         <a:effectLst/>
         <a:extLst>
           <a:ext uri="{AF507438-7753-43E0-B8FC-AC1667EBCBE1}">
-            <a14:hiddenEffects xmlns:a14="http://schemas.microsoft.com/office/drawing/2010/main" xmlns="">
+            <a14:hiddenEffects xmlns:a14="http://schemas.microsoft.com/office/drawing/2010/main">
               <a:effectLst>
                 <a:outerShdw dist="35921" dir="2700000" algn="ctr" rotWithShape="0">
                   <a:schemeClr val="bg2"/>
@@ -24809,7 +24531,7 @@
   </a:extraClrSchemeLst>
   <a:extLst>
     <a:ext uri="{05A4C25C-085E-4340-85A3-A5531E510DB2}">
-      <thm15:themeFamily xmlns:thm15="http://schemas.microsoft.com/office/thememl/2012/main" xmlns="" name="Office Theme" id="{62F939B6-93AF-4DB8-9C6B-D6C7DFDC589F}" vid="{4A3C46E8-61CC-4603-A589-7422A47A8E4A}"/>
+      <thm15:themeFamily xmlns:thm15="http://schemas.microsoft.com/office/thememl/2012/main" name="Office Theme" id="{62F939B6-93AF-4DB8-9C6B-D6C7DFDC589F}" vid="{4A3C46E8-61CC-4603-A589-7422A47A8E4A}"/>
     </a:ext>
   </a:extLst>
 </a:theme>
@@ -25070,7 +24792,7 @@
   <a:extraClrSchemeLst/>
   <a:extLst>
     <a:ext uri="{05A4C25C-085E-4340-85A3-A5531E510DB2}">
-      <thm15:themeFamily xmlns:thm15="http://schemas.microsoft.com/office/thememl/2012/main" xmlns="" name="Office Theme" id="{62F939B6-93AF-4DB8-9C6B-D6C7DFDC589F}" vid="{4A3C46E8-61CC-4603-A589-7422A47A8E4A}"/>
+      <thm15:themeFamily xmlns:thm15="http://schemas.microsoft.com/office/thememl/2012/main" name="Office Theme" id="{62F939B6-93AF-4DB8-9C6B-D6C7DFDC589F}" vid="{4A3C46E8-61CC-4603-A589-7422A47A8E4A}"/>
     </a:ext>
   </a:extLst>
 </a:theme>

--- a/folien/Semester_04_Termin_01_Kapitel09.pptx
+++ b/folien/Semester_04_Termin_01_Kapitel09.pptx
@@ -173,7 +173,7 @@
   </p:defaultTextStyle>
   <p:extLst>
     <p:ext uri="{EFAFB233-063F-42B5-8137-9DF3F51BA10A}">
-      <p15:sldGuideLst xmlns:p15="http://schemas.microsoft.com/office/powerpoint/2012/main">
+      <p15:sldGuideLst xmlns:p15="http://schemas.microsoft.com/office/powerpoint/2012/main" xmlns="">
         <p15:guide id="1" orient="horz" pos="2160">
           <p15:clr>
             <a:srgbClr val="A4A3A4"/>
@@ -187,7 +187,7 @@
       </p15:sldGuideLst>
     </p:ext>
     <p:ext uri="{2D200454-40CA-4A62-9FC3-DE9A4176ACB9}">
-      <p15:notesGuideLst xmlns:p15="http://schemas.microsoft.com/office/powerpoint/2012/main">
+      <p15:notesGuideLst xmlns:p15="http://schemas.microsoft.com/office/powerpoint/2012/main" xmlns="">
         <p15:guide id="1" orient="horz" pos="2880">
           <p15:clr>
             <a:srgbClr val="A4A3A4"/>
@@ -18292,15 +18292,7 @@
             </a:br>
             <a:r>
               <a:rPr lang="de-DE" altLang="de-DE" sz="2800" dirty="0" smtClean="0"/>
-              <a:t>den </a:t>
-            </a:r>
-            <a:r>
-              <a:rPr lang="de-DE" altLang="de-DE" sz="2800" dirty="0" smtClean="0"/>
-              <a:t>15.05.2016, </a:t>
-            </a:r>
-            <a:r>
-              <a:rPr lang="de-DE" altLang="de-DE" sz="2800" dirty="0" smtClean="0"/>
-              <a:t>24 Uhr mit, wie Sie Ihre Gruppen</a:t>
+              <a:t>den 15.05.2016, 24 Uhr mit, wie Sie Ihre Gruppen</a:t>
             </a:r>
             <a:br>
               <a:rPr lang="de-DE" altLang="de-DE" sz="2800" dirty="0" smtClean="0"/>
@@ -18339,23 +18331,7 @@
             </a:pPr>
             <a:r>
               <a:rPr lang="de-DE" altLang="de-DE" sz="2800" dirty="0" smtClean="0"/>
-              <a:t>Möglich sind nur </a:t>
-            </a:r>
-            <a:r>
-              <a:rPr lang="de-DE" altLang="de-DE" sz="2800" dirty="0" smtClean="0"/>
-              <a:t>Dreier- </a:t>
-            </a:r>
-            <a:r>
-              <a:rPr lang="de-DE" altLang="de-DE" sz="2800" dirty="0" smtClean="0"/>
-              <a:t>oder </a:t>
-            </a:r>
-            <a:r>
-              <a:rPr lang="de-DE" altLang="de-DE" sz="2800" dirty="0" smtClean="0"/>
-              <a:t>Vierer</a:t>
-            </a:r>
-            <a:r>
-              <a:rPr lang="de-DE" altLang="de-DE" sz="2800" dirty="0" smtClean="0"/>
-              <a:t>gruppen</a:t>
+              <a:t>Möglich sind nur Dreier- oder Vierergruppen</a:t>
             </a:r>
             <a:r>
               <a:rPr lang="de-DE" altLang="de-DE" sz="2800" dirty="0"/>
@@ -18388,18 +18364,11 @@
             </a:pPr>
             <a:r>
               <a:rPr lang="de-DE" altLang="de-DE" sz="2800" dirty="0" smtClean="0"/>
-              <a:t>Alle Gruppen haben exakt dieselbe Aufgabe zu bearbeiten.</a:t>
+              <a:t>Alle Gruppen haben exakt dieselbe Aufgabe zu bearbeiten</a:t>
             </a:r>
             <a:r>
               <a:rPr lang="de-DE" altLang="de-DE" sz="2800" dirty="0" smtClean="0"/>
-              <a:t/>
-            </a:r>
-            <a:br>
-              <a:rPr lang="de-DE" altLang="de-DE" sz="2800" dirty="0" smtClean="0"/>
-            </a:br>
-            <a:r>
-              <a:rPr lang="de-DE" altLang="de-DE" sz="2800" dirty="0" smtClean="0"/>
-              <a:t> </a:t>
+              <a:t>.</a:t>
             </a:r>
           </a:p>
           <a:p>
@@ -18427,6 +18396,45 @@
             </a:pPr>
             <a:r>
               <a:rPr lang="de-DE" altLang="de-DE" sz="2800" dirty="0" smtClean="0"/>
+              <a:t>Die Aufgabe ist für 4er-Gruppen dimensioniert.</a:t>
+            </a:r>
+            <a:r>
+              <a:rPr lang="de-DE" altLang="de-DE" sz="2800" dirty="0" smtClean="0"/>
+              <a:t/>
+            </a:r>
+            <a:br>
+              <a:rPr lang="de-DE" altLang="de-DE" sz="2800" dirty="0" smtClean="0"/>
+            </a:br>
+            <a:r>
+              <a:rPr lang="de-DE" altLang="de-DE" sz="2800" dirty="0" smtClean="0"/>
+              <a:t> </a:t>
+            </a:r>
+          </a:p>
+          <a:p>
+            <a:pPr marL="269875" indent="-269875" eaLnBrk="1">
+              <a:spcAft>
+                <a:spcPct val="0"/>
+              </a:spcAft>
+              <a:buSzPct val="45000"/>
+              <a:buFont typeface="Wingdings" charset="2"/>
+              <a:buChar char=""/>
+              <a:tabLst>
+                <a:tab pos="723900" algn="l"/>
+                <a:tab pos="1447800" algn="l"/>
+                <a:tab pos="2171700" algn="l"/>
+                <a:tab pos="2895600" algn="l"/>
+                <a:tab pos="3619500" algn="l"/>
+                <a:tab pos="4343400" algn="l"/>
+                <a:tab pos="5067300" algn="l"/>
+                <a:tab pos="5791200" algn="l"/>
+                <a:tab pos="6515100" algn="l"/>
+                <a:tab pos="7239000" algn="l"/>
+                <a:tab pos="7962900" algn="l"/>
+                <a:tab pos="8686800" algn="l"/>
+              </a:tabLst>
+            </a:pPr>
+            <a:r>
+              <a:rPr lang="de-DE" altLang="de-DE" sz="2800" dirty="0" smtClean="0"/>
               <a:t>Die Mitteilung erfolgt an die E-Mail des Dozenten (</a:t>
             </a:r>
             <a:r>
@@ -18437,13 +18445,8 @@
             </a:r>
             <a:r>
               <a:rPr lang="de-DE" altLang="de-DE" sz="2800" dirty="0" smtClean="0"/>
-              <a:t>) und enthält die Namen aller Studenten der </a:t>
-            </a:r>
-            <a:r>
-              <a:rPr lang="de-DE" altLang="de-DE" sz="2800" dirty="0" smtClean="0"/>
-              <a:t>Gruppe.</a:t>
-            </a:r>
-            <a:endParaRPr lang="de-DE" altLang="de-DE" sz="2800" dirty="0" smtClean="0"/>
+              <a:t>) und enthält die Namen aller Studenten der Gruppe.</a:t>
+            </a:r>
           </a:p>
           <a:p>
             <a:pPr marL="269875" indent="-269875" eaLnBrk="1">
@@ -24531,7 +24534,7 @@
   </a:extraClrSchemeLst>
   <a:extLst>
     <a:ext uri="{05A4C25C-085E-4340-85A3-A5531E510DB2}">
-      <thm15:themeFamily xmlns:thm15="http://schemas.microsoft.com/office/thememl/2012/main" name="Office Theme" id="{62F939B6-93AF-4DB8-9C6B-D6C7DFDC589F}" vid="{4A3C46E8-61CC-4603-A589-7422A47A8E4A}"/>
+      <thm15:themeFamily xmlns:thm15="http://schemas.microsoft.com/office/thememl/2012/main" xmlns="" name="Office Theme" id="{62F939B6-93AF-4DB8-9C6B-D6C7DFDC589F}" vid="{4A3C46E8-61CC-4603-A589-7422A47A8E4A}"/>
     </a:ext>
   </a:extLst>
 </a:theme>
@@ -24792,7 +24795,7 @@
   <a:extraClrSchemeLst/>
   <a:extLst>
     <a:ext uri="{05A4C25C-085E-4340-85A3-A5531E510DB2}">
-      <thm15:themeFamily xmlns:thm15="http://schemas.microsoft.com/office/thememl/2012/main" name="Office Theme" id="{62F939B6-93AF-4DB8-9C6B-D6C7DFDC589F}" vid="{4A3C46E8-61CC-4603-A589-7422A47A8E4A}"/>
+      <thm15:themeFamily xmlns:thm15="http://schemas.microsoft.com/office/thememl/2012/main" xmlns="" name="Office Theme" id="{62F939B6-93AF-4DB8-9C6B-D6C7DFDC589F}" vid="{4A3C46E8-61CC-4603-A589-7422A47A8E4A}"/>
     </a:ext>
   </a:extLst>
 </a:theme>

--- a/folien/Semester_04_Termin_01_Kapitel09.pptx
+++ b/folien/Semester_04_Termin_01_Kapitel09.pptx
@@ -173,7 +173,7 @@
   </p:defaultTextStyle>
   <p:extLst>
     <p:ext uri="{EFAFB233-063F-42B5-8137-9DF3F51BA10A}">
-      <p15:sldGuideLst xmlns:p15="http://schemas.microsoft.com/office/powerpoint/2012/main" xmlns="">
+      <p15:sldGuideLst xmlns:p15="http://schemas.microsoft.com/office/powerpoint/2012/main">
         <p15:guide id="1" orient="horz" pos="2160">
           <p15:clr>
             <a:srgbClr val="A4A3A4"/>
@@ -187,7 +187,7 @@
       </p15:sldGuideLst>
     </p:ext>
     <p:ext uri="{2D200454-40CA-4A62-9FC3-DE9A4176ACB9}">
-      <p15:notesGuideLst xmlns:p15="http://schemas.microsoft.com/office/powerpoint/2012/main" xmlns="">
+      <p15:notesGuideLst xmlns:p15="http://schemas.microsoft.com/office/powerpoint/2012/main">
         <p15:guide id="1" orient="horz" pos="2880">
           <p15:clr>
             <a:srgbClr val="A4A3A4"/>
@@ -318,7 +318,7 @@
           <a:lstStyle/>
           <a:p>
             <a:pPr lvl="0"/>
-            <a:endParaRPr lang="de-DE" altLang="de-DE" noProof="0" smtClean="0"/>
+            <a:endParaRPr lang="de-DE" altLang="de-DE" noProof="0"/>
           </a:p>
         </p:txBody>
       </p:sp>
@@ -952,7 +952,7 @@
           <a:bodyPr wrap="none" anchor="ctr"/>
           <a:lstStyle/>
           <a:p>
-            <a:endParaRPr lang="de-DE" altLang="de-DE" smtClean="0">
+            <a:endParaRPr lang="de-DE" altLang="de-DE">
               <a:latin typeface="Times New Roman" pitchFamily="16" charset="0"/>
             </a:endParaRPr>
           </a:p>
@@ -1074,7 +1074,7 @@
           <a:bodyPr wrap="none" anchor="ctr"/>
           <a:lstStyle/>
           <a:p>
-            <a:endParaRPr lang="de-DE" altLang="de-DE" smtClean="0">
+            <a:endParaRPr lang="de-DE" altLang="de-DE">
               <a:latin typeface="Times New Roman" pitchFamily="16" charset="0"/>
             </a:endParaRPr>
           </a:p>
@@ -1196,7 +1196,7 @@
           <a:bodyPr wrap="none" anchor="ctr"/>
           <a:lstStyle/>
           <a:p>
-            <a:endParaRPr lang="de-DE" altLang="de-DE" smtClean="0">
+            <a:endParaRPr lang="de-DE" altLang="de-DE">
               <a:latin typeface="Times New Roman" pitchFamily="16" charset="0"/>
             </a:endParaRPr>
           </a:p>
@@ -1318,7 +1318,7 @@
           <a:bodyPr wrap="none" anchor="ctr"/>
           <a:lstStyle/>
           <a:p>
-            <a:endParaRPr lang="de-DE" altLang="de-DE" smtClean="0">
+            <a:endParaRPr lang="de-DE" altLang="de-DE">
               <a:latin typeface="Times New Roman" pitchFamily="16" charset="0"/>
             </a:endParaRPr>
           </a:p>
@@ -1440,7 +1440,7 @@
           <a:bodyPr wrap="none" anchor="ctr"/>
           <a:lstStyle/>
           <a:p>
-            <a:endParaRPr lang="de-DE" altLang="de-DE" smtClean="0">
+            <a:endParaRPr lang="de-DE" altLang="de-DE">
               <a:latin typeface="Times New Roman" pitchFamily="16" charset="0"/>
             </a:endParaRPr>
           </a:p>
@@ -1562,7 +1562,7 @@
           <a:bodyPr wrap="none" anchor="ctr"/>
           <a:lstStyle/>
           <a:p>
-            <a:endParaRPr lang="de-DE" altLang="de-DE" smtClean="0">
+            <a:endParaRPr lang="de-DE" altLang="de-DE">
               <a:latin typeface="Times New Roman" pitchFamily="16" charset="0"/>
             </a:endParaRPr>
           </a:p>
@@ -1684,7 +1684,7 @@
           <a:bodyPr wrap="none" anchor="ctr"/>
           <a:lstStyle/>
           <a:p>
-            <a:endParaRPr lang="de-DE" altLang="de-DE" smtClean="0">
+            <a:endParaRPr lang="de-DE" altLang="de-DE">
               <a:latin typeface="Times New Roman" pitchFamily="16" charset="0"/>
             </a:endParaRPr>
           </a:p>
@@ -1806,7 +1806,7 @@
           <a:bodyPr wrap="none" anchor="ctr"/>
           <a:lstStyle/>
           <a:p>
-            <a:endParaRPr lang="de-DE" altLang="de-DE" smtClean="0">
+            <a:endParaRPr lang="de-DE" altLang="de-DE">
               <a:latin typeface="Times New Roman" pitchFamily="16" charset="0"/>
             </a:endParaRPr>
           </a:p>
@@ -1928,7 +1928,7 @@
           <a:bodyPr wrap="none" anchor="ctr"/>
           <a:lstStyle/>
           <a:p>
-            <a:endParaRPr lang="de-DE" altLang="de-DE" smtClean="0">
+            <a:endParaRPr lang="de-DE" altLang="de-DE">
               <a:latin typeface="Times New Roman" pitchFamily="16" charset="0"/>
             </a:endParaRPr>
           </a:p>
@@ -2050,7 +2050,7 @@
           <a:bodyPr wrap="none" anchor="ctr"/>
           <a:lstStyle/>
           <a:p>
-            <a:endParaRPr lang="de-DE" altLang="de-DE" smtClean="0">
+            <a:endParaRPr lang="de-DE" altLang="de-DE">
               <a:latin typeface="Times New Roman" pitchFamily="16" charset="0"/>
             </a:endParaRPr>
           </a:p>
@@ -2172,7 +2172,7 @@
           <a:bodyPr wrap="none" anchor="ctr"/>
           <a:lstStyle/>
           <a:p>
-            <a:endParaRPr lang="de-DE" altLang="de-DE" smtClean="0">
+            <a:endParaRPr lang="de-DE" altLang="de-DE">
               <a:latin typeface="Times New Roman" pitchFamily="16" charset="0"/>
             </a:endParaRPr>
           </a:p>
@@ -2294,7 +2294,7 @@
           <a:bodyPr wrap="none" anchor="ctr"/>
           <a:lstStyle/>
           <a:p>
-            <a:endParaRPr lang="de-DE" altLang="de-DE" smtClean="0">
+            <a:endParaRPr lang="de-DE" altLang="de-DE">
               <a:latin typeface="Times New Roman" pitchFamily="16" charset="0"/>
             </a:endParaRPr>
           </a:p>
@@ -2416,7 +2416,7 @@
           <a:bodyPr wrap="none" anchor="ctr"/>
           <a:lstStyle/>
           <a:p>
-            <a:endParaRPr lang="de-DE" altLang="de-DE" smtClean="0">
+            <a:endParaRPr lang="de-DE" altLang="de-DE">
               <a:latin typeface="Times New Roman" pitchFamily="16" charset="0"/>
             </a:endParaRPr>
           </a:p>
@@ -2538,7 +2538,7 @@
           <a:bodyPr wrap="none" anchor="ctr"/>
           <a:lstStyle/>
           <a:p>
-            <a:endParaRPr lang="de-DE" altLang="de-DE" smtClean="0">
+            <a:endParaRPr lang="de-DE" altLang="de-DE">
               <a:latin typeface="Times New Roman" pitchFamily="16" charset="0"/>
             </a:endParaRPr>
           </a:p>
@@ -2660,7 +2660,7 @@
           <a:bodyPr wrap="none" anchor="ctr"/>
           <a:lstStyle/>
           <a:p>
-            <a:endParaRPr lang="de-DE" altLang="de-DE" smtClean="0">
+            <a:endParaRPr lang="de-DE" altLang="de-DE">
               <a:latin typeface="Times New Roman" pitchFamily="16" charset="0"/>
             </a:endParaRPr>
           </a:p>
@@ -2782,7 +2782,7 @@
           <a:bodyPr wrap="none" anchor="ctr"/>
           <a:lstStyle/>
           <a:p>
-            <a:endParaRPr lang="de-DE" altLang="de-DE" smtClean="0">
+            <a:endParaRPr lang="de-DE" altLang="de-DE">
               <a:latin typeface="Times New Roman" pitchFamily="16" charset="0"/>
             </a:endParaRPr>
           </a:p>
@@ -2904,7 +2904,7 @@
           <a:bodyPr wrap="none" anchor="ctr"/>
           <a:lstStyle/>
           <a:p>
-            <a:endParaRPr lang="de-DE" altLang="de-DE" smtClean="0">
+            <a:endParaRPr lang="de-DE" altLang="de-DE">
               <a:latin typeface="Times New Roman" pitchFamily="16" charset="0"/>
             </a:endParaRPr>
           </a:p>
@@ -3026,7 +3026,7 @@
           <a:bodyPr wrap="none" anchor="ctr"/>
           <a:lstStyle/>
           <a:p>
-            <a:endParaRPr lang="de-DE" altLang="de-DE" smtClean="0">
+            <a:endParaRPr lang="de-DE" altLang="de-DE">
               <a:latin typeface="Times New Roman" pitchFamily="16" charset="0"/>
             </a:endParaRPr>
           </a:p>
@@ -3148,7 +3148,7 @@
           <a:bodyPr wrap="none" anchor="ctr"/>
           <a:lstStyle/>
           <a:p>
-            <a:endParaRPr lang="de-DE" altLang="de-DE" smtClean="0">
+            <a:endParaRPr lang="de-DE" altLang="de-DE">
               <a:latin typeface="Times New Roman" pitchFamily="16" charset="0"/>
             </a:endParaRPr>
           </a:p>
@@ -3270,7 +3270,7 @@
           <a:bodyPr wrap="none" anchor="ctr"/>
           <a:lstStyle/>
           <a:p>
-            <a:endParaRPr lang="de-DE" altLang="de-DE" smtClean="0">
+            <a:endParaRPr lang="de-DE" altLang="de-DE">
               <a:latin typeface="Times New Roman" pitchFamily="16" charset="0"/>
             </a:endParaRPr>
           </a:p>
@@ -3392,7 +3392,7 @@
           <a:bodyPr wrap="none" anchor="ctr"/>
           <a:lstStyle/>
           <a:p>
-            <a:endParaRPr lang="de-DE" altLang="de-DE" smtClean="0">
+            <a:endParaRPr lang="de-DE" altLang="de-DE">
               <a:latin typeface="Times New Roman" pitchFamily="16" charset="0"/>
             </a:endParaRPr>
           </a:p>
@@ -3514,7 +3514,7 @@
           <a:bodyPr wrap="none" anchor="ctr"/>
           <a:lstStyle/>
           <a:p>
-            <a:endParaRPr lang="de-DE" altLang="de-DE" smtClean="0">
+            <a:endParaRPr lang="de-DE" altLang="de-DE">
               <a:latin typeface="Times New Roman" pitchFamily="16" charset="0"/>
             </a:endParaRPr>
           </a:p>
@@ -3636,7 +3636,7 @@
           <a:bodyPr wrap="none" anchor="ctr"/>
           <a:lstStyle/>
           <a:p>
-            <a:endParaRPr lang="de-DE" altLang="de-DE" smtClean="0">
+            <a:endParaRPr lang="de-DE" altLang="de-DE">
               <a:latin typeface="Times New Roman" pitchFamily="16" charset="0"/>
             </a:endParaRPr>
           </a:p>
@@ -3758,7 +3758,7 @@
           <a:bodyPr wrap="none" anchor="ctr"/>
           <a:lstStyle/>
           <a:p>
-            <a:endParaRPr lang="de-DE" altLang="de-DE" smtClean="0">
+            <a:endParaRPr lang="de-DE" altLang="de-DE">
               <a:latin typeface="Times New Roman" pitchFamily="16" charset="0"/>
             </a:endParaRPr>
           </a:p>
@@ -3880,7 +3880,7 @@
           <a:bodyPr wrap="none" anchor="ctr"/>
           <a:lstStyle/>
           <a:p>
-            <a:endParaRPr lang="de-DE" altLang="de-DE" smtClean="0">
+            <a:endParaRPr lang="de-DE" altLang="de-DE">
               <a:latin typeface="Times New Roman" pitchFamily="16" charset="0"/>
             </a:endParaRPr>
           </a:p>
@@ -4002,7 +4002,7 @@
           <a:bodyPr wrap="none" anchor="ctr"/>
           <a:lstStyle/>
           <a:p>
-            <a:endParaRPr lang="de-DE" altLang="de-DE" smtClean="0">
+            <a:endParaRPr lang="de-DE" altLang="de-DE">
               <a:latin typeface="Times New Roman" pitchFamily="16" charset="0"/>
             </a:endParaRPr>
           </a:p>
@@ -4124,7 +4124,7 @@
           <a:bodyPr wrap="none" anchor="ctr"/>
           <a:lstStyle/>
           <a:p>
-            <a:endParaRPr lang="de-DE" altLang="de-DE" smtClean="0">
+            <a:endParaRPr lang="de-DE" altLang="de-DE">
               <a:latin typeface="Times New Roman" pitchFamily="16" charset="0"/>
             </a:endParaRPr>
           </a:p>
@@ -4246,7 +4246,7 @@
           <a:bodyPr wrap="none" anchor="ctr"/>
           <a:lstStyle/>
           <a:p>
-            <a:endParaRPr lang="de-DE" altLang="de-DE" smtClean="0">
+            <a:endParaRPr lang="de-DE" altLang="de-DE">
               <a:latin typeface="Times New Roman" pitchFamily="16" charset="0"/>
             </a:endParaRPr>
           </a:p>
@@ -4368,7 +4368,7 @@
           <a:bodyPr wrap="none" anchor="ctr"/>
           <a:lstStyle/>
           <a:p>
-            <a:endParaRPr lang="de-DE" altLang="de-DE" smtClean="0">
+            <a:endParaRPr lang="de-DE" altLang="de-DE">
               <a:latin typeface="Times New Roman" pitchFamily="16" charset="0"/>
             </a:endParaRPr>
           </a:p>
@@ -4490,7 +4490,7 @@
           <a:bodyPr wrap="none" anchor="ctr"/>
           <a:lstStyle/>
           <a:p>
-            <a:endParaRPr lang="de-DE" altLang="de-DE" smtClean="0">
+            <a:endParaRPr lang="de-DE" altLang="de-DE">
               <a:latin typeface="Times New Roman" pitchFamily="16" charset="0"/>
             </a:endParaRPr>
           </a:p>
@@ -4612,7 +4612,7 @@
           <a:bodyPr wrap="none" anchor="ctr"/>
           <a:lstStyle/>
           <a:p>
-            <a:endParaRPr lang="de-DE" altLang="de-DE" smtClean="0">
+            <a:endParaRPr lang="de-DE" altLang="de-DE">
               <a:latin typeface="Times New Roman" pitchFamily="16" charset="0"/>
             </a:endParaRPr>
           </a:p>
@@ -4734,7 +4734,7 @@
           <a:bodyPr wrap="none" anchor="ctr"/>
           <a:lstStyle/>
           <a:p>
-            <a:endParaRPr lang="de-DE" altLang="de-DE" smtClean="0">
+            <a:endParaRPr lang="de-DE" altLang="de-DE">
               <a:latin typeface="Times New Roman" pitchFamily="16" charset="0"/>
             </a:endParaRPr>
           </a:p>
@@ -4856,7 +4856,7 @@
           <a:bodyPr wrap="none" anchor="ctr"/>
           <a:lstStyle/>
           <a:p>
-            <a:endParaRPr lang="de-DE" altLang="de-DE" smtClean="0">
+            <a:endParaRPr lang="de-DE" altLang="de-DE">
               <a:latin typeface="Times New Roman" pitchFamily="16" charset="0"/>
             </a:endParaRPr>
           </a:p>
@@ -4978,7 +4978,7 @@
           <a:bodyPr wrap="none" anchor="ctr"/>
           <a:lstStyle/>
           <a:p>
-            <a:endParaRPr lang="de-DE" altLang="de-DE" smtClean="0">
+            <a:endParaRPr lang="de-DE" altLang="de-DE">
               <a:latin typeface="Times New Roman" pitchFamily="16" charset="0"/>
             </a:endParaRPr>
           </a:p>
@@ -5100,7 +5100,7 @@
           <a:bodyPr wrap="none" anchor="ctr"/>
           <a:lstStyle/>
           <a:p>
-            <a:endParaRPr lang="de-DE" altLang="de-DE" smtClean="0">
+            <a:endParaRPr lang="de-DE" altLang="de-DE">
               <a:latin typeface="Times New Roman" pitchFamily="16" charset="0"/>
             </a:endParaRPr>
           </a:p>
@@ -5161,10 +5161,9 @@
           </a:lstStyle>
           <a:p>
             <a:r>
-              <a:rPr lang="de-DE" smtClean="0"/>
+              <a:rPr lang="de-DE"/>
               <a:t>Titelmasterformat durch Klicken bearbeiten</a:t>
             </a:r>
-            <a:endParaRPr lang="de-DE"/>
           </a:p>
         </p:txBody>
       </p:sp>
@@ -5226,10 +5225,9 @@
           </a:lstStyle>
           <a:p>
             <a:r>
-              <a:rPr lang="de-DE" smtClean="0"/>
+              <a:rPr lang="de-DE"/>
               <a:t>Formatvorlage des Untertitelmasters durch Klicken bearbeiten</a:t>
             </a:r>
-            <a:endParaRPr lang="de-DE"/>
           </a:p>
         </p:txBody>
       </p:sp>
@@ -5360,10 +5358,9 @@
           <a:lstStyle/>
           <a:p>
             <a:r>
-              <a:rPr lang="de-DE" smtClean="0"/>
+              <a:rPr lang="de-DE"/>
               <a:t>Titelmasterformat durch Klicken bearbeiten</a:t>
             </a:r>
-            <a:endParaRPr lang="de-DE"/>
           </a:p>
         </p:txBody>
       </p:sp>
@@ -5384,38 +5381,37 @@
           <a:p>
             <a:pPr lvl="0"/>
             <a:r>
-              <a:rPr lang="de-DE" smtClean="0"/>
+              <a:rPr lang="de-DE"/>
               <a:t>Textmasterformat bearbeiten</a:t>
             </a:r>
           </a:p>
           <a:p>
             <a:pPr lvl="1"/>
             <a:r>
-              <a:rPr lang="de-DE" smtClean="0"/>
+              <a:rPr lang="de-DE"/>
               <a:t>Zweite Ebene</a:t>
             </a:r>
           </a:p>
           <a:p>
             <a:pPr lvl="2"/>
             <a:r>
-              <a:rPr lang="de-DE" smtClean="0"/>
+              <a:rPr lang="de-DE"/>
               <a:t>Dritte Ebene</a:t>
             </a:r>
           </a:p>
           <a:p>
             <a:pPr lvl="3"/>
             <a:r>
-              <a:rPr lang="de-DE" smtClean="0"/>
+              <a:rPr lang="de-DE"/>
               <a:t>Vierte Ebene</a:t>
             </a:r>
           </a:p>
           <a:p>
             <a:pPr lvl="4"/>
             <a:r>
-              <a:rPr lang="de-DE" smtClean="0"/>
+              <a:rPr lang="de-DE"/>
               <a:t>Fünfte Ebene</a:t>
             </a:r>
-            <a:endParaRPr lang="de-DE"/>
           </a:p>
         </p:txBody>
       </p:sp>
@@ -5551,10 +5547,9 @@
           <a:lstStyle/>
           <a:p>
             <a:r>
-              <a:rPr lang="de-DE" smtClean="0"/>
+              <a:rPr lang="de-DE"/>
               <a:t>Titelmasterformat durch Klicken bearbeiten</a:t>
             </a:r>
-            <a:endParaRPr lang="de-DE"/>
           </a:p>
         </p:txBody>
       </p:sp>
@@ -5580,38 +5575,37 @@
           <a:p>
             <a:pPr lvl="0"/>
             <a:r>
-              <a:rPr lang="de-DE" smtClean="0"/>
+              <a:rPr lang="de-DE"/>
               <a:t>Textmasterformat bearbeiten</a:t>
             </a:r>
           </a:p>
           <a:p>
             <a:pPr lvl="1"/>
             <a:r>
-              <a:rPr lang="de-DE" smtClean="0"/>
+              <a:rPr lang="de-DE"/>
               <a:t>Zweite Ebene</a:t>
             </a:r>
           </a:p>
           <a:p>
             <a:pPr lvl="2"/>
             <a:r>
-              <a:rPr lang="de-DE" smtClean="0"/>
+              <a:rPr lang="de-DE"/>
               <a:t>Dritte Ebene</a:t>
             </a:r>
           </a:p>
           <a:p>
             <a:pPr lvl="3"/>
             <a:r>
-              <a:rPr lang="de-DE" smtClean="0"/>
+              <a:rPr lang="de-DE"/>
               <a:t>Vierte Ebene</a:t>
             </a:r>
           </a:p>
           <a:p>
             <a:pPr lvl="4"/>
             <a:r>
-              <a:rPr lang="de-DE" smtClean="0"/>
+              <a:rPr lang="de-DE"/>
               <a:t>Fünfte Ebene</a:t>
             </a:r>
-            <a:endParaRPr lang="de-DE"/>
           </a:p>
         </p:txBody>
       </p:sp>
@@ -5747,10 +5741,9 @@
           <a:lstStyle/>
           <a:p>
             <a:r>
-              <a:rPr lang="de-DE" smtClean="0"/>
+              <a:rPr lang="de-DE"/>
               <a:t>Titelmasterformat durch Klicken bearbeiten</a:t>
             </a:r>
-            <a:endParaRPr lang="de-DE"/>
           </a:p>
         </p:txBody>
       </p:sp>
@@ -5881,10 +5874,9 @@
           <a:lstStyle/>
           <a:p>
             <a:r>
-              <a:rPr lang="de-DE" smtClean="0"/>
+              <a:rPr lang="de-DE"/>
               <a:t>Titelmasterformat durch Klicken bearbeiten</a:t>
             </a:r>
-            <a:endParaRPr lang="de-DE"/>
           </a:p>
         </p:txBody>
       </p:sp>
@@ -5905,38 +5897,37 @@
           <a:p>
             <a:pPr lvl="0"/>
             <a:r>
-              <a:rPr lang="de-DE" smtClean="0"/>
+              <a:rPr lang="de-DE"/>
               <a:t>Textmasterformat bearbeiten</a:t>
             </a:r>
           </a:p>
           <a:p>
             <a:pPr lvl="1"/>
             <a:r>
-              <a:rPr lang="de-DE" smtClean="0"/>
+              <a:rPr lang="de-DE"/>
               <a:t>Zweite Ebene</a:t>
             </a:r>
           </a:p>
           <a:p>
             <a:pPr lvl="2"/>
             <a:r>
-              <a:rPr lang="de-DE" smtClean="0"/>
+              <a:rPr lang="de-DE"/>
               <a:t>Dritte Ebene</a:t>
             </a:r>
           </a:p>
           <a:p>
             <a:pPr lvl="3"/>
             <a:r>
-              <a:rPr lang="de-DE" smtClean="0"/>
+              <a:rPr lang="de-DE"/>
               <a:t>Vierte Ebene</a:t>
             </a:r>
           </a:p>
           <a:p>
             <a:pPr lvl="4"/>
             <a:r>
-              <a:rPr lang="de-DE" smtClean="0"/>
+              <a:rPr lang="de-DE"/>
               <a:t>Fünfte Ebene</a:t>
             </a:r>
-            <a:endParaRPr lang="de-DE"/>
           </a:p>
         </p:txBody>
       </p:sp>
@@ -6076,10 +6067,9 @@
           </a:lstStyle>
           <a:p>
             <a:r>
-              <a:rPr lang="de-DE" smtClean="0"/>
+              <a:rPr lang="de-DE"/>
               <a:t>Titelmasterformat durch Klicken bearbeiten</a:t>
             </a:r>
-            <a:endParaRPr lang="de-DE"/>
           </a:p>
         </p:txBody>
       </p:sp>
@@ -6142,7 +6132,7 @@
           <a:p>
             <a:pPr lvl="0"/>
             <a:r>
-              <a:rPr lang="de-DE" smtClean="0"/>
+              <a:rPr lang="de-DE"/>
               <a:t>Textmasterformat bearbeiten</a:t>
             </a:r>
           </a:p>
@@ -6275,10 +6265,9 @@
           <a:lstStyle/>
           <a:p>
             <a:r>
-              <a:rPr lang="de-DE" smtClean="0"/>
+              <a:rPr lang="de-DE"/>
               <a:t>Titelmasterformat durch Klicken bearbeiten</a:t>
             </a:r>
-            <a:endParaRPr lang="de-DE"/>
           </a:p>
         </p:txBody>
       </p:sp>
@@ -6304,38 +6293,37 @@
           <a:p>
             <a:pPr lvl="0"/>
             <a:r>
-              <a:rPr lang="de-DE" smtClean="0"/>
+              <a:rPr lang="de-DE"/>
               <a:t>Textmasterformat bearbeiten</a:t>
             </a:r>
           </a:p>
           <a:p>
             <a:pPr lvl="1"/>
             <a:r>
-              <a:rPr lang="de-DE" smtClean="0"/>
+              <a:rPr lang="de-DE"/>
               <a:t>Zweite Ebene</a:t>
             </a:r>
           </a:p>
           <a:p>
             <a:pPr lvl="2"/>
             <a:r>
-              <a:rPr lang="de-DE" smtClean="0"/>
+              <a:rPr lang="de-DE"/>
               <a:t>Dritte Ebene</a:t>
             </a:r>
           </a:p>
           <a:p>
             <a:pPr lvl="3"/>
             <a:r>
-              <a:rPr lang="de-DE" smtClean="0"/>
+              <a:rPr lang="de-DE"/>
               <a:t>Vierte Ebene</a:t>
             </a:r>
           </a:p>
           <a:p>
             <a:pPr lvl="4"/>
             <a:r>
-              <a:rPr lang="de-DE" smtClean="0"/>
+              <a:rPr lang="de-DE"/>
               <a:t>Fünfte Ebene</a:t>
             </a:r>
-            <a:endParaRPr lang="de-DE"/>
           </a:p>
         </p:txBody>
       </p:sp>
@@ -6361,38 +6349,37 @@
           <a:p>
             <a:pPr lvl="0"/>
             <a:r>
-              <a:rPr lang="de-DE" smtClean="0"/>
+              <a:rPr lang="de-DE"/>
               <a:t>Textmasterformat bearbeiten</a:t>
             </a:r>
           </a:p>
           <a:p>
             <a:pPr lvl="1"/>
             <a:r>
-              <a:rPr lang="de-DE" smtClean="0"/>
+              <a:rPr lang="de-DE"/>
               <a:t>Zweite Ebene</a:t>
             </a:r>
           </a:p>
           <a:p>
             <a:pPr lvl="2"/>
             <a:r>
-              <a:rPr lang="de-DE" smtClean="0"/>
+              <a:rPr lang="de-DE"/>
               <a:t>Dritte Ebene</a:t>
             </a:r>
           </a:p>
           <a:p>
             <a:pPr lvl="3"/>
             <a:r>
-              <a:rPr lang="de-DE" smtClean="0"/>
+              <a:rPr lang="de-DE"/>
               <a:t>Vierte Ebene</a:t>
             </a:r>
           </a:p>
           <a:p>
             <a:pPr lvl="4"/>
             <a:r>
-              <a:rPr lang="de-DE" smtClean="0"/>
+              <a:rPr lang="de-DE"/>
               <a:t>Fünfte Ebene</a:t>
             </a:r>
-            <a:endParaRPr lang="de-DE"/>
           </a:p>
         </p:txBody>
       </p:sp>
@@ -6528,10 +6515,9 @@
           <a:lstStyle/>
           <a:p>
             <a:r>
-              <a:rPr lang="de-DE" smtClean="0"/>
+              <a:rPr lang="de-DE"/>
               <a:t>Titelmasterformat durch Klicken bearbeiten</a:t>
             </a:r>
-            <a:endParaRPr lang="de-DE"/>
           </a:p>
         </p:txBody>
       </p:sp>
@@ -6594,7 +6580,7 @@
           <a:p>
             <a:pPr lvl="0"/>
             <a:r>
-              <a:rPr lang="de-DE" smtClean="0"/>
+              <a:rPr lang="de-DE"/>
               <a:t>Textmasterformat bearbeiten</a:t>
             </a:r>
           </a:p>
@@ -6622,38 +6608,37 @@
           <a:p>
             <a:pPr lvl="0"/>
             <a:r>
-              <a:rPr lang="de-DE" smtClean="0"/>
+              <a:rPr lang="de-DE"/>
               <a:t>Textmasterformat bearbeiten</a:t>
             </a:r>
           </a:p>
           <a:p>
             <a:pPr lvl="1"/>
             <a:r>
-              <a:rPr lang="de-DE" smtClean="0"/>
+              <a:rPr lang="de-DE"/>
               <a:t>Zweite Ebene</a:t>
             </a:r>
           </a:p>
           <a:p>
             <a:pPr lvl="2"/>
             <a:r>
-              <a:rPr lang="de-DE" smtClean="0"/>
+              <a:rPr lang="de-DE"/>
               <a:t>Dritte Ebene</a:t>
             </a:r>
           </a:p>
           <a:p>
             <a:pPr lvl="3"/>
             <a:r>
-              <a:rPr lang="de-DE" smtClean="0"/>
+              <a:rPr lang="de-DE"/>
               <a:t>Vierte Ebene</a:t>
             </a:r>
           </a:p>
           <a:p>
             <a:pPr lvl="4"/>
             <a:r>
-              <a:rPr lang="de-DE" smtClean="0"/>
+              <a:rPr lang="de-DE"/>
               <a:t>Fünfte Ebene</a:t>
             </a:r>
-            <a:endParaRPr lang="de-DE"/>
           </a:p>
         </p:txBody>
       </p:sp>
@@ -6716,7 +6701,7 @@
           <a:p>
             <a:pPr lvl="0"/>
             <a:r>
-              <a:rPr lang="de-DE" smtClean="0"/>
+              <a:rPr lang="de-DE"/>
               <a:t>Textmasterformat bearbeiten</a:t>
             </a:r>
           </a:p>
@@ -6744,38 +6729,37 @@
           <a:p>
             <a:pPr lvl="0"/>
             <a:r>
-              <a:rPr lang="de-DE" smtClean="0"/>
+              <a:rPr lang="de-DE"/>
               <a:t>Textmasterformat bearbeiten</a:t>
             </a:r>
           </a:p>
           <a:p>
             <a:pPr lvl="1"/>
             <a:r>
-              <a:rPr lang="de-DE" smtClean="0"/>
+              <a:rPr lang="de-DE"/>
               <a:t>Zweite Ebene</a:t>
             </a:r>
           </a:p>
           <a:p>
             <a:pPr lvl="2"/>
             <a:r>
-              <a:rPr lang="de-DE" smtClean="0"/>
+              <a:rPr lang="de-DE"/>
               <a:t>Dritte Ebene</a:t>
             </a:r>
           </a:p>
           <a:p>
             <a:pPr lvl="3"/>
             <a:r>
-              <a:rPr lang="de-DE" smtClean="0"/>
+              <a:rPr lang="de-DE"/>
               <a:t>Vierte Ebene</a:t>
             </a:r>
           </a:p>
           <a:p>
             <a:pPr lvl="4"/>
             <a:r>
-              <a:rPr lang="de-DE" smtClean="0"/>
+              <a:rPr lang="de-DE"/>
               <a:t>Fünfte Ebene</a:t>
             </a:r>
-            <a:endParaRPr lang="de-DE"/>
           </a:p>
         </p:txBody>
       </p:sp>
@@ -6906,10 +6890,9 @@
           <a:lstStyle/>
           <a:p>
             <a:r>
-              <a:rPr lang="de-DE" smtClean="0"/>
+              <a:rPr lang="de-DE"/>
               <a:t>Titelmasterformat durch Klicken bearbeiten</a:t>
             </a:r>
-            <a:endParaRPr lang="de-DE"/>
           </a:p>
         </p:txBody>
       </p:sp>
@@ -7160,10 +7143,9 @@
           </a:lstStyle>
           <a:p>
             <a:r>
-              <a:rPr lang="de-DE" smtClean="0"/>
+              <a:rPr lang="de-DE"/>
               <a:t>Titelmasterformat durch Klicken bearbeiten</a:t>
             </a:r>
-            <a:endParaRPr lang="de-DE"/>
           </a:p>
         </p:txBody>
       </p:sp>
@@ -7217,38 +7199,37 @@
           <a:p>
             <a:pPr lvl="0"/>
             <a:r>
-              <a:rPr lang="de-DE" smtClean="0"/>
+              <a:rPr lang="de-DE"/>
               <a:t>Textmasterformat bearbeiten</a:t>
             </a:r>
           </a:p>
           <a:p>
             <a:pPr lvl="1"/>
             <a:r>
-              <a:rPr lang="de-DE" smtClean="0"/>
+              <a:rPr lang="de-DE"/>
               <a:t>Zweite Ebene</a:t>
             </a:r>
           </a:p>
           <a:p>
             <a:pPr lvl="2"/>
             <a:r>
-              <a:rPr lang="de-DE" smtClean="0"/>
+              <a:rPr lang="de-DE"/>
               <a:t>Dritte Ebene</a:t>
             </a:r>
           </a:p>
           <a:p>
             <a:pPr lvl="3"/>
             <a:r>
-              <a:rPr lang="de-DE" smtClean="0"/>
+              <a:rPr lang="de-DE"/>
               <a:t>Vierte Ebene</a:t>
             </a:r>
           </a:p>
           <a:p>
             <a:pPr lvl="4"/>
             <a:r>
-              <a:rPr lang="de-DE" smtClean="0"/>
+              <a:rPr lang="de-DE"/>
               <a:t>Fünfte Ebene</a:t>
             </a:r>
-            <a:endParaRPr lang="de-DE"/>
           </a:p>
         </p:txBody>
       </p:sp>
@@ -7311,7 +7292,7 @@
           <a:p>
             <a:pPr lvl="0"/>
             <a:r>
-              <a:rPr lang="de-DE" smtClean="0"/>
+              <a:rPr lang="de-DE"/>
               <a:t>Textmasterformat bearbeiten</a:t>
             </a:r>
           </a:p>
@@ -7453,10 +7434,9 @@
           </a:lstStyle>
           <a:p>
             <a:r>
-              <a:rPr lang="de-DE" smtClean="0"/>
+              <a:rPr lang="de-DE"/>
               <a:t>Titelmasterformat durch Klicken bearbeiten</a:t>
             </a:r>
-            <a:endParaRPr lang="de-DE"/>
           </a:p>
         </p:txBody>
       </p:sp>
@@ -7518,7 +7498,7 @@
           </a:lstStyle>
           <a:p>
             <a:pPr lvl="0"/>
-            <a:endParaRPr lang="de-DE" noProof="0" smtClean="0"/>
+            <a:endParaRPr lang="de-DE" noProof="0"/>
           </a:p>
         </p:txBody>
       </p:sp>
@@ -7581,7 +7561,7 @@
           <a:p>
             <a:pPr lvl="0"/>
             <a:r>
-              <a:rPr lang="de-DE" smtClean="0"/>
+              <a:rPr lang="de-DE"/>
               <a:t>Textmasterformat bearbeiten</a:t>
             </a:r>
           </a:p>
@@ -7743,7 +7723,7 @@
           <a:p>
             <a:pPr lvl="0"/>
             <a:r>
-              <a:rPr lang="en-GB" altLang="de-DE" smtClean="0"/>
+              <a:rPr lang="en-GB" altLang="de-DE"/>
               <a:t>Klicken Sie, um das Format des Titeltextes zu bearbeiten</a:t>
             </a:r>
           </a:p>
@@ -7786,63 +7766,63 @@
           <a:p>
             <a:pPr lvl="0"/>
             <a:r>
-              <a:rPr lang="en-GB" altLang="de-DE" smtClean="0"/>
+              <a:rPr lang="en-GB" altLang="de-DE"/>
               <a:t>Klicken Sie, um die Formate des Gliederungstextes zu bearbeiten</a:t>
             </a:r>
           </a:p>
           <a:p>
             <a:pPr lvl="1"/>
             <a:r>
-              <a:rPr lang="en-GB" altLang="de-DE" smtClean="0"/>
+              <a:rPr lang="en-GB" altLang="de-DE"/>
               <a:t>Zweite Gliederungsebene</a:t>
             </a:r>
           </a:p>
           <a:p>
             <a:pPr lvl="2"/>
             <a:r>
-              <a:rPr lang="en-GB" altLang="de-DE" smtClean="0"/>
+              <a:rPr lang="en-GB" altLang="de-DE"/>
               <a:t>Dritte Gliederungsebene</a:t>
             </a:r>
           </a:p>
           <a:p>
             <a:pPr lvl="3"/>
             <a:r>
-              <a:rPr lang="en-GB" altLang="de-DE" smtClean="0"/>
+              <a:rPr lang="en-GB" altLang="de-DE"/>
               <a:t>Vierte Gliederungsebene</a:t>
             </a:r>
           </a:p>
           <a:p>
             <a:pPr lvl="4"/>
             <a:r>
-              <a:rPr lang="en-GB" altLang="de-DE" smtClean="0"/>
+              <a:rPr lang="en-GB" altLang="de-DE"/>
               <a:t>Fünfte Gliederungsebene</a:t>
             </a:r>
           </a:p>
           <a:p>
             <a:pPr lvl="4"/>
             <a:r>
-              <a:rPr lang="en-GB" altLang="de-DE" smtClean="0"/>
+              <a:rPr lang="en-GB" altLang="de-DE"/>
               <a:t>Sechste Gliederungsebene</a:t>
             </a:r>
           </a:p>
           <a:p>
             <a:pPr lvl="4"/>
             <a:r>
-              <a:rPr lang="en-GB" altLang="de-DE" smtClean="0"/>
+              <a:rPr lang="en-GB" altLang="de-DE"/>
               <a:t>Siebente Gliederungsebene</a:t>
             </a:r>
           </a:p>
           <a:p>
             <a:pPr lvl="4"/>
             <a:r>
-              <a:rPr lang="en-GB" altLang="de-DE" smtClean="0"/>
+              <a:rPr lang="en-GB" altLang="de-DE"/>
               <a:t>Achte Gliederungsebene</a:t>
             </a:r>
           </a:p>
           <a:p>
             <a:pPr lvl="4"/>
             <a:r>
-              <a:rPr lang="en-GB" altLang="de-DE" smtClean="0"/>
+              <a:rPr lang="en-GB" altLang="de-DE"/>
               <a:t>Neunte Gliederungsebene</a:t>
             </a:r>
           </a:p>
@@ -8747,7 +8727,7 @@
               </a:tabLst>
             </a:pPr>
             <a:r>
-              <a:rPr lang="de-DE" altLang="de-DE" smtClean="0"/>
+              <a:rPr lang="de-DE" altLang="de-DE"/>
               <a:t> </a:t>
             </a:r>
           </a:p>
@@ -8793,7 +8773,7 @@
               </a:tabLst>
             </a:pPr>
             <a:r>
-              <a:rPr lang="de-DE" altLang="de-DE" b="1" smtClean="0"/>
+              <a:rPr lang="de-DE" altLang="de-DE" b="1"/>
               <a:t>W120</a:t>
             </a:r>
           </a:p>
@@ -8817,7 +8797,7 @@
                 <a:tab pos="8686800" algn="l"/>
               </a:tabLst>
             </a:pPr>
-            <a:endParaRPr lang="de-DE" altLang="de-DE" b="1" smtClean="0"/>
+            <a:endParaRPr lang="de-DE" altLang="de-DE" b="1"/>
           </a:p>
           <a:p>
             <a:pPr marL="0" indent="0" algn="ctr" eaLnBrk="1">
@@ -8840,7 +8820,7 @@
               </a:tabLst>
             </a:pPr>
             <a:r>
-              <a:rPr lang="de-DE" altLang="de-DE" b="1" smtClean="0"/>
+              <a:rPr lang="de-DE" altLang="de-DE" b="1"/>
               <a:t>Einführung in die Software-Entwicklung</a:t>
             </a:r>
           </a:p>
@@ -8864,7 +8844,7 @@
                 <a:tab pos="8686800" algn="l"/>
               </a:tabLst>
             </a:pPr>
-            <a:endParaRPr lang="de-DE" altLang="de-DE" smtClean="0"/>
+            <a:endParaRPr lang="de-DE" altLang="de-DE"/>
           </a:p>
           <a:p>
             <a:pPr marL="0" indent="0" algn="ctr" eaLnBrk="1">
@@ -8886,7 +8866,7 @@
                 <a:tab pos="8686800" algn="l"/>
               </a:tabLst>
             </a:pPr>
-            <a:endParaRPr lang="de-DE" altLang="de-DE" smtClean="0"/>
+            <a:endParaRPr lang="de-DE" altLang="de-DE"/>
           </a:p>
           <a:p>
             <a:pPr marL="0" indent="0" algn="ctr" eaLnBrk="1">
@@ -8909,7 +8889,7 @@
               </a:tabLst>
             </a:pPr>
             <a:r>
-              <a:rPr lang="de-DE" altLang="de-DE" smtClean="0"/>
+              <a:rPr lang="de-DE" altLang="de-DE"/>
               <a:t>Kapitel 9</a:t>
             </a:r>
           </a:p>
@@ -8995,7 +8975,7 @@
               <a:buNone/>
             </a:pPr>
             <a:r>
-              <a:rPr lang="de-DE" altLang="de-DE" smtClean="0">
+              <a:rPr lang="de-DE" altLang="de-DE">
                 <a:latin typeface="Arial" charset="0"/>
                 <a:ea typeface="Microsoft YaHei" charset="-122"/>
               </a:rPr>
@@ -9122,7 +9102,7 @@
               </a:tabLst>
             </a:pPr>
             <a:r>
-              <a:rPr lang="de-DE" altLang="de-DE" sz="4000" smtClean="0">
+              <a:rPr lang="de-DE" altLang="de-DE" sz="4000">
                 <a:solidFill>
                   <a:srgbClr val="FFFFFF"/>
                 </a:solidFill>
@@ -9175,41 +9155,33 @@
               </a:tabLst>
             </a:pPr>
             <a:r>
-              <a:rPr lang="de-DE" altLang="de-DE" sz="2400" smtClean="0"/>
+              <a:rPr lang="de-DE" altLang="de-DE" sz="2400"/>
               <a:t>Eine Spielkarte hat 2 Attribute:</a:t>
             </a:r>
             <a:br>
-              <a:rPr lang="de-DE" altLang="de-DE" sz="2400" smtClean="0"/>
+              <a:rPr lang="de-DE" altLang="de-DE" sz="2400"/>
             </a:br>
-            <a:r>
-              <a:rPr lang="de-DE" altLang="de-DE" sz="2400" smtClean="0"/>
-              <a:t/>
-            </a:r>
             <a:br>
-              <a:rPr lang="de-DE" altLang="de-DE" sz="2400" smtClean="0"/>
+              <a:rPr lang="de-DE" altLang="de-DE" sz="2400"/>
             </a:br>
             <a:r>
-              <a:rPr lang="de-DE" altLang="de-DE" sz="2400" smtClean="0"/>
+              <a:rPr lang="de-DE" altLang="de-DE" sz="2400"/>
               <a:t>die Farbe (Herz, Pik, Karo, Kreuz) sowie</a:t>
             </a:r>
             <a:br>
-              <a:rPr lang="de-DE" altLang="de-DE" sz="2400" smtClean="0"/>
+              <a:rPr lang="de-DE" altLang="de-DE" sz="2400"/>
             </a:br>
             <a:r>
-              <a:rPr lang="de-DE" altLang="de-DE" sz="2400" smtClean="0"/>
+              <a:rPr lang="de-DE" altLang="de-DE" sz="2400"/>
               <a:t>die Bezeichnung (Ass, Zwei, ..., Zehn, Bube, Dame, König).</a:t>
             </a:r>
             <a:br>
-              <a:rPr lang="de-DE" altLang="de-DE" sz="2400" smtClean="0"/>
+              <a:rPr lang="de-DE" altLang="de-DE" sz="2400"/>
             </a:br>
-            <a:r>
-              <a:rPr lang="de-DE" altLang="de-DE" sz="2400" smtClean="0"/>
-              <a:t/>
-            </a:r>
             <a:br>
-              <a:rPr lang="de-DE" altLang="de-DE" sz="2400" smtClean="0"/>
+              <a:rPr lang="de-DE" altLang="de-DE" sz="2400"/>
             </a:br>
-            <a:endParaRPr lang="de-DE" altLang="de-DE" sz="2400" smtClean="0"/>
+            <a:endParaRPr lang="de-DE" altLang="de-DE" sz="2400"/>
           </a:p>
           <a:p>
             <a:pPr marL="269875" indent="-269875" eaLnBrk="1">
@@ -9235,35 +9207,31 @@
               </a:tabLst>
             </a:pPr>
             <a:r>
-              <a:rPr lang="de-DE" altLang="de-DE" sz="2400" smtClean="0"/>
+              <a:rPr lang="de-DE" altLang="de-DE" sz="2400"/>
               <a:t>Eine Spielkarte kann</a:t>
             </a:r>
             <a:br>
-              <a:rPr lang="de-DE" altLang="de-DE" sz="2400" smtClean="0"/>
+              <a:rPr lang="de-DE" altLang="de-DE" sz="2400"/>
             </a:br>
-            <a:r>
-              <a:rPr lang="de-DE" altLang="de-DE" sz="2400" smtClean="0"/>
-              <a:t/>
-            </a:r>
             <a:br>
-              <a:rPr lang="de-DE" altLang="de-DE" sz="2400" smtClean="0"/>
+              <a:rPr lang="de-DE" altLang="de-DE" sz="2400"/>
             </a:br>
             <a:r>
-              <a:rPr lang="de-DE" altLang="de-DE" sz="2400" smtClean="0"/>
+              <a:rPr lang="de-DE" altLang="de-DE" sz="2400"/>
               <a:t>ihren Basiswert zurückliefern (11, 2, ..., 10, 10, 10, 10) sowie</a:t>
             </a:r>
             <a:br>
-              <a:rPr lang="de-DE" altLang="de-DE" sz="2400" smtClean="0"/>
+              <a:rPr lang="de-DE" altLang="de-DE" sz="2400"/>
             </a:br>
             <a:r>
-              <a:rPr lang="de-DE" altLang="de-DE" sz="2400" smtClean="0"/>
+              <a:rPr lang="de-DE" altLang="de-DE" sz="2400"/>
               <a:t>eine Textdarstellung von sich erzeugen (z. B.  "Pik Sieben").</a:t>
             </a:r>
             <a:br>
-              <a:rPr lang="de-DE" altLang="de-DE" sz="2400" smtClean="0"/>
+              <a:rPr lang="de-DE" altLang="de-DE" sz="2400"/>
             </a:br>
             <a:r>
-              <a:rPr lang="de-DE" altLang="de-DE" sz="2800" smtClean="0"/>
+              <a:rPr lang="de-DE" altLang="de-DE" sz="2800"/>
               <a:t> </a:t>
             </a:r>
           </a:p>
@@ -9290,7 +9258,7 @@
                 <a:tab pos="8686800" algn="l"/>
               </a:tabLst>
             </a:pPr>
-            <a:endParaRPr lang="de-DE" altLang="de-DE" sz="2400" smtClean="0"/>
+            <a:endParaRPr lang="de-DE" altLang="de-DE" sz="2400"/>
           </a:p>
           <a:p>
             <a:pPr marL="269875" indent="-269875" eaLnBrk="1">
@@ -9315,7 +9283,7 @@
                 <a:tab pos="8686800" algn="l"/>
               </a:tabLst>
             </a:pPr>
-            <a:endParaRPr lang="de-DE" altLang="de-DE" smtClean="0"/>
+            <a:endParaRPr lang="de-DE" altLang="de-DE"/>
           </a:p>
           <a:p>
             <a:pPr marL="269875" indent="-269875" eaLnBrk="1">
@@ -9340,7 +9308,7 @@
                 <a:tab pos="8686800" algn="l"/>
               </a:tabLst>
             </a:pPr>
-            <a:endParaRPr lang="de-DE" altLang="de-DE" smtClean="0"/>
+            <a:endParaRPr lang="de-DE" altLang="de-DE"/>
           </a:p>
         </p:txBody>
       </p:sp>
@@ -9424,7 +9392,7 @@
               <a:buNone/>
             </a:pPr>
             <a:r>
-              <a:rPr lang="de-DE" altLang="de-DE" smtClean="0">
+              <a:rPr lang="de-DE" altLang="de-DE">
                 <a:latin typeface="Arial" charset="0"/>
                 <a:ea typeface="Microsoft YaHei" charset="-122"/>
               </a:rPr>
@@ -9551,7 +9519,7 @@
               </a:tabLst>
             </a:pPr>
             <a:r>
-              <a:rPr lang="de-DE" altLang="de-DE" sz="4000" smtClean="0">
+              <a:rPr lang="de-DE" altLang="de-DE" sz="4000">
                 <a:solidFill>
                   <a:srgbClr val="FFFFFF"/>
                 </a:solidFill>
@@ -9601,7 +9569,7 @@
               </a:tabLst>
             </a:pPr>
             <a:r>
-              <a:rPr lang="de-DE" altLang="de-DE" sz="2800" smtClean="0"/>
+              <a:rPr lang="de-DE" altLang="de-DE" sz="2800"/>
               <a:t>Einige Werte und Funktionen können nicht einer</a:t>
             </a:r>
           </a:p>
@@ -9626,7 +9594,7 @@
               </a:tabLst>
             </a:pPr>
             <a:r>
-              <a:rPr lang="de-DE" altLang="de-DE" sz="2800" smtClean="0"/>
+              <a:rPr lang="de-DE" altLang="de-DE" sz="2800"/>
               <a:t>Spielkarte individuell zugeordnet werden, sondern sind</a:t>
             </a:r>
           </a:p>
@@ -9651,7 +9619,7 @@
               </a:tabLst>
             </a:pPr>
             <a:r>
-              <a:rPr lang="de-DE" altLang="de-DE" sz="2800" smtClean="0"/>
+              <a:rPr lang="de-DE" altLang="de-DE" sz="2800"/>
               <a:t>von übergreifendem Charakter:</a:t>
             </a:r>
           </a:p>
@@ -9675,7 +9643,7 @@
                 <a:tab pos="8686800" algn="l"/>
               </a:tabLst>
             </a:pPr>
-            <a:endParaRPr lang="de-DE" altLang="de-DE" sz="2800" smtClean="0"/>
+            <a:endParaRPr lang="de-DE" altLang="de-DE" sz="2800"/>
           </a:p>
           <a:p>
             <a:pPr marL="269875" indent="-269875" eaLnBrk="1">
@@ -9698,7 +9666,7 @@
               </a:tabLst>
             </a:pPr>
             <a:r>
-              <a:rPr lang="de-DE" altLang="de-DE" sz="2800" smtClean="0"/>
+              <a:rPr lang="de-DE" altLang="de-DE" sz="2800"/>
               <a:t>Konstanten für die gültigen Farben sowie </a:t>
             </a:r>
           </a:p>
@@ -9723,7 +9691,7 @@
               </a:tabLst>
             </a:pPr>
             <a:r>
-              <a:rPr lang="de-DE" altLang="de-DE" sz="2800" smtClean="0"/>
+              <a:rPr lang="de-DE" altLang="de-DE" sz="2800"/>
               <a:t>Konstanten für die gültigen Bezeichnungen.</a:t>
             </a:r>
           </a:p>
@@ -9747,7 +9715,7 @@
                 <a:tab pos="8686800" algn="l"/>
               </a:tabLst>
             </a:pPr>
-            <a:endParaRPr lang="de-DE" altLang="de-DE" sz="2800" smtClean="0"/>
+            <a:endParaRPr lang="de-DE" altLang="de-DE" sz="2800"/>
           </a:p>
           <a:p>
             <a:pPr marL="269875" indent="-269875" eaLnBrk="1">
@@ -9770,7 +9738,7 @@
               </a:tabLst>
             </a:pPr>
             <a:r>
-              <a:rPr lang="de-DE" altLang="de-DE" sz="2800" smtClean="0"/>
+              <a:rPr lang="de-DE" altLang="de-DE" sz="2800"/>
               <a:t>=&gt; Diese Werte (und ggf. zugehörige Funktionen) sind</a:t>
             </a:r>
           </a:p>
@@ -9795,7 +9763,7 @@
               </a:tabLst>
             </a:pPr>
             <a:r>
-              <a:rPr lang="de-DE" altLang="de-DE" sz="2800" smtClean="0"/>
+              <a:rPr lang="de-DE" altLang="de-DE" sz="2800"/>
               <a:t>deshalb statisch (siehe Kapitel 7).</a:t>
             </a:r>
           </a:p>
@@ -9819,7 +9787,7 @@
                 <a:tab pos="8686800" algn="l"/>
               </a:tabLst>
             </a:pPr>
-            <a:endParaRPr lang="de-DE" altLang="de-DE" sz="2800" smtClean="0"/>
+            <a:endParaRPr lang="de-DE" altLang="de-DE" sz="2800"/>
           </a:p>
           <a:p>
             <a:pPr marL="269875" indent="-269875" eaLnBrk="1">
@@ -9844,7 +9812,7 @@
                 <a:tab pos="8686800" algn="l"/>
               </a:tabLst>
             </a:pPr>
-            <a:endParaRPr lang="de-DE" altLang="de-DE" smtClean="0"/>
+            <a:endParaRPr lang="de-DE" altLang="de-DE"/>
           </a:p>
           <a:p>
             <a:pPr marL="269875" indent="-269875" eaLnBrk="1">
@@ -9869,7 +9837,7 @@
                 <a:tab pos="8686800" algn="l"/>
               </a:tabLst>
             </a:pPr>
-            <a:endParaRPr lang="de-DE" altLang="de-DE" smtClean="0"/>
+            <a:endParaRPr lang="de-DE" altLang="de-DE"/>
           </a:p>
         </p:txBody>
       </p:sp>
@@ -9953,7 +9921,7 @@
               <a:buNone/>
             </a:pPr>
             <a:r>
-              <a:rPr lang="de-DE" altLang="de-DE" smtClean="0">
+              <a:rPr lang="de-DE" altLang="de-DE">
                 <a:latin typeface="Arial" charset="0"/>
                 <a:ea typeface="Microsoft YaHei" charset="-122"/>
               </a:rPr>
@@ -10080,7 +10048,7 @@
               </a:tabLst>
             </a:pPr>
             <a:r>
-              <a:rPr lang="de-DE" altLang="de-DE" sz="4000" smtClean="0">
+              <a:rPr lang="de-DE" altLang="de-DE" sz="4000">
                 <a:solidFill>
                   <a:srgbClr val="FFFFFF"/>
                 </a:solidFill>
@@ -10133,34 +10101,30 @@
               </a:tabLst>
             </a:pPr>
             <a:r>
-              <a:rPr lang="de-DE" altLang="de-DE" sz="2400" smtClean="0"/>
+              <a:rPr lang="de-DE" altLang="de-DE" sz="2400"/>
               <a:t>Ein Kartenstapel hat 2 Attribute:</a:t>
             </a:r>
             <a:br>
-              <a:rPr lang="de-DE" altLang="de-DE" sz="2400" smtClean="0"/>
+              <a:rPr lang="de-DE" altLang="de-DE" sz="2400"/>
             </a:br>
-            <a:r>
-              <a:rPr lang="de-DE" altLang="de-DE" sz="2400" smtClean="0"/>
-              <a:t/>
-            </a:r>
             <a:br>
-              <a:rPr lang="de-DE" altLang="de-DE" sz="2400" smtClean="0"/>
+              <a:rPr lang="de-DE" altLang="de-DE" sz="2400"/>
             </a:br>
             <a:r>
-              <a:rPr lang="de-DE" altLang="de-DE" sz="2400" smtClean="0"/>
+              <a:rPr lang="de-DE" altLang="de-DE" sz="2400"/>
               <a:t>ein Array mit den Karten des Stapels (siehe Kapitel 5)‏ sowie</a:t>
             </a:r>
             <a:br>
-              <a:rPr lang="de-DE" altLang="de-DE" sz="2400" smtClean="0"/>
+              <a:rPr lang="de-DE" altLang="de-DE" sz="2400"/>
             </a:br>
             <a:r>
-              <a:rPr lang="de-DE" altLang="de-DE" sz="2400" smtClean="0"/>
+              <a:rPr lang="de-DE" altLang="de-DE" sz="2400"/>
               <a:t>die Anzahl der Karten auf dem Stapel.</a:t>
             </a:r>
             <a:br>
-              <a:rPr lang="de-DE" altLang="de-DE" sz="2400" smtClean="0"/>
+              <a:rPr lang="de-DE" altLang="de-DE" sz="2400"/>
             </a:br>
-            <a:endParaRPr lang="de-DE" altLang="de-DE" sz="2400" smtClean="0"/>
+            <a:endParaRPr lang="de-DE" altLang="de-DE" sz="2400"/>
           </a:p>
           <a:p>
             <a:pPr marL="269875" indent="-269875" eaLnBrk="1">
@@ -10186,42 +10150,38 @@
               </a:tabLst>
             </a:pPr>
             <a:r>
-              <a:rPr lang="de-DE" altLang="de-DE" sz="2400" smtClean="0"/>
+              <a:rPr lang="de-DE" altLang="de-DE" sz="2400"/>
               <a:t>Ein Kartenstapel kann</a:t>
             </a:r>
             <a:br>
-              <a:rPr lang="de-DE" altLang="de-DE" sz="2400" smtClean="0"/>
+              <a:rPr lang="de-DE" altLang="de-DE" sz="2400"/>
             </a:br>
-            <a:r>
-              <a:rPr lang="de-DE" altLang="de-DE" sz="2400" smtClean="0"/>
-              <a:t/>
-            </a:r>
             <a:br>
-              <a:rPr lang="de-DE" altLang="de-DE" sz="2400" smtClean="0"/>
+              <a:rPr lang="de-DE" altLang="de-DE" sz="2400"/>
             </a:br>
             <a:r>
-              <a:rPr lang="de-DE" altLang="de-DE" sz="2400" smtClean="0"/>
+              <a:rPr lang="de-DE" altLang="de-DE" sz="2400"/>
               <a:t>gemischt werden,</a:t>
             </a:r>
             <a:br>
-              <a:rPr lang="de-DE" altLang="de-DE" sz="2400" smtClean="0"/>
+              <a:rPr lang="de-DE" altLang="de-DE" sz="2400"/>
             </a:br>
             <a:r>
-              <a:rPr lang="de-DE" altLang="de-DE" sz="2400" smtClean="0"/>
+              <a:rPr lang="de-DE" altLang="de-DE" sz="2400"/>
               <a:t>die oberste Karte "herunternehmen" sowie</a:t>
             </a:r>
             <a:br>
-              <a:rPr lang="de-DE" altLang="de-DE" sz="2400" smtClean="0"/>
+              <a:rPr lang="de-DE" altLang="de-DE" sz="2400"/>
             </a:br>
             <a:r>
-              <a:rPr lang="de-DE" altLang="de-DE" sz="2400" smtClean="0"/>
+              <a:rPr lang="de-DE" altLang="de-DE" sz="2400"/>
               <a:t>eine Textdarstellung von sich erzeugen.</a:t>
             </a:r>
             <a:br>
-              <a:rPr lang="de-DE" altLang="de-DE" sz="2400" smtClean="0"/>
+              <a:rPr lang="de-DE" altLang="de-DE" sz="2400"/>
             </a:br>
             <a:r>
-              <a:rPr lang="de-DE" altLang="de-DE" sz="2800" smtClean="0"/>
+              <a:rPr lang="de-DE" altLang="de-DE" sz="2800"/>
               <a:t> </a:t>
             </a:r>
           </a:p>
@@ -10248,7 +10208,7 @@
                 <a:tab pos="8686800" algn="l"/>
               </a:tabLst>
             </a:pPr>
-            <a:endParaRPr lang="de-DE" altLang="de-DE" smtClean="0"/>
+            <a:endParaRPr lang="de-DE" altLang="de-DE"/>
           </a:p>
           <a:p>
             <a:pPr marL="269875" indent="-269875" eaLnBrk="1">
@@ -10273,7 +10233,7 @@
                 <a:tab pos="8686800" algn="l"/>
               </a:tabLst>
             </a:pPr>
-            <a:endParaRPr lang="de-DE" altLang="de-DE" smtClean="0"/>
+            <a:endParaRPr lang="de-DE" altLang="de-DE"/>
           </a:p>
         </p:txBody>
       </p:sp>
@@ -10357,7 +10317,7 @@
               <a:buNone/>
             </a:pPr>
             <a:r>
-              <a:rPr lang="de-DE" altLang="de-DE" smtClean="0">
+              <a:rPr lang="de-DE" altLang="de-DE">
                 <a:latin typeface="Arial" charset="0"/>
                 <a:ea typeface="Microsoft YaHei" charset="-122"/>
               </a:rPr>
@@ -10484,7 +10444,7 @@
               </a:tabLst>
             </a:pPr>
             <a:r>
-              <a:rPr lang="de-DE" altLang="de-DE" sz="4000" smtClean="0">
+              <a:rPr lang="de-DE" altLang="de-DE" sz="4000">
                 <a:solidFill>
                   <a:srgbClr val="FFFFFF"/>
                 </a:solidFill>
@@ -10534,7 +10494,7 @@
               </a:tabLst>
             </a:pPr>
             <a:r>
-              <a:rPr lang="de-DE" altLang="de-DE" sz="2800" smtClean="0"/>
+              <a:rPr lang="de-DE" altLang="de-DE" sz="2800"/>
               <a:t>Hinweis:</a:t>
             </a:r>
           </a:p>
@@ -10558,7 +10518,7 @@
                 <a:tab pos="8686800" algn="l"/>
               </a:tabLst>
             </a:pPr>
-            <a:endParaRPr lang="de-DE" altLang="de-DE" sz="2800" smtClean="0"/>
+            <a:endParaRPr lang="de-DE" altLang="de-DE" sz="2800"/>
           </a:p>
           <a:p>
             <a:pPr marL="269875" indent="-269875" eaLnBrk="1">
@@ -10581,7 +10541,7 @@
               </a:tabLst>
             </a:pPr>
             <a:r>
-              <a:rPr lang="de-DE" altLang="de-DE" sz="2800" smtClean="0"/>
+              <a:rPr lang="de-DE" altLang="de-DE" sz="2800"/>
               <a:t>Es war die Idee des Entwicklers, den Kartenstapel beim</a:t>
             </a:r>
           </a:p>
@@ -10606,7 +10566,7 @@
               </a:tabLst>
             </a:pPr>
             <a:r>
-              <a:rPr lang="de-DE" altLang="de-DE" sz="2800" smtClean="0"/>
+              <a:rPr lang="de-DE" altLang="de-DE" sz="2800"/>
               <a:t>Herunternehmen von Karten nicht wirklich leerer werden</a:t>
             </a:r>
           </a:p>
@@ -10631,7 +10591,7 @@
               </a:tabLst>
             </a:pPr>
             <a:r>
-              <a:rPr lang="de-DE" altLang="de-DE" sz="2800" smtClean="0"/>
+              <a:rPr lang="de-DE" altLang="de-DE" sz="2800"/>
               <a:t>zu lassen; alle Karten verbleiben in dem Array.</a:t>
             </a:r>
           </a:p>
@@ -10655,7 +10615,7 @@
                 <a:tab pos="8686800" algn="l"/>
               </a:tabLst>
             </a:pPr>
-            <a:endParaRPr lang="de-DE" altLang="de-DE" sz="2800" smtClean="0"/>
+            <a:endParaRPr lang="de-DE" altLang="de-DE" sz="2800"/>
           </a:p>
           <a:p>
             <a:pPr marL="269875" indent="-269875" eaLnBrk="1">
@@ -10678,7 +10638,7 @@
               </a:tabLst>
             </a:pPr>
             <a:r>
-              <a:rPr lang="de-DE" altLang="de-DE" sz="2800" smtClean="0"/>
+              <a:rPr lang="de-DE" altLang="de-DE" sz="2800"/>
               <a:t>Stattdessen merkt sich der Stapel nur, wie hoch er ist,</a:t>
             </a:r>
           </a:p>
@@ -10703,7 +10663,7 @@
               </a:tabLst>
             </a:pPr>
             <a:r>
-              <a:rPr lang="de-DE" altLang="de-DE" sz="2800" smtClean="0"/>
+              <a:rPr lang="de-DE" altLang="de-DE" sz="2800"/>
               <a:t>damit er beim nächsten "gib die oberste Karte" immer die</a:t>
             </a:r>
           </a:p>
@@ -10728,7 +10688,7 @@
               </a:tabLst>
             </a:pPr>
             <a:r>
-              <a:rPr lang="de-DE" altLang="de-DE" sz="2800" smtClean="0"/>
+              <a:rPr lang="de-DE" altLang="de-DE" sz="2800"/>
               <a:t>jeweils nächsthöhere Karte liefern kann.</a:t>
             </a:r>
           </a:p>
@@ -10755,7 +10715,7 @@
                 <a:tab pos="8686800" algn="l"/>
               </a:tabLst>
             </a:pPr>
-            <a:endParaRPr lang="de-DE" altLang="de-DE" smtClean="0"/>
+            <a:endParaRPr lang="de-DE" altLang="de-DE"/>
           </a:p>
           <a:p>
             <a:pPr marL="269875" indent="-269875" eaLnBrk="1">
@@ -10780,7 +10740,7 @@
                 <a:tab pos="8686800" algn="l"/>
               </a:tabLst>
             </a:pPr>
-            <a:endParaRPr lang="de-DE" altLang="de-DE" smtClean="0"/>
+            <a:endParaRPr lang="de-DE" altLang="de-DE"/>
           </a:p>
         </p:txBody>
       </p:sp>
@@ -10864,7 +10824,7 @@
               <a:buNone/>
             </a:pPr>
             <a:r>
-              <a:rPr lang="de-DE" altLang="de-DE" smtClean="0">
+              <a:rPr lang="de-DE" altLang="de-DE">
                 <a:latin typeface="Arial" charset="0"/>
                 <a:ea typeface="Microsoft YaHei" charset="-122"/>
               </a:rPr>
@@ -10991,7 +10951,7 @@
               </a:tabLst>
             </a:pPr>
             <a:r>
-              <a:rPr lang="de-DE" altLang="de-DE" sz="4000" smtClean="0">
+              <a:rPr lang="de-DE" altLang="de-DE" sz="4000">
                 <a:solidFill>
                   <a:srgbClr val="FFFFFF"/>
                 </a:solidFill>
@@ -11044,20 +11004,20 @@
               </a:tabLst>
             </a:pPr>
             <a:r>
-              <a:rPr lang="de-DE" altLang="de-DE" sz="2400" smtClean="0"/>
+              <a:rPr lang="de-DE" altLang="de-DE" sz="2400"/>
               <a:t>Eine Kartenhand hat 1 Attribut:</a:t>
             </a:r>
             <a:br>
-              <a:rPr lang="de-DE" altLang="de-DE" sz="2400" smtClean="0"/>
+              <a:rPr lang="de-DE" altLang="de-DE" sz="2400"/>
             </a:br>
             <a:r>
-              <a:rPr lang="de-DE" altLang="de-DE" sz="2400" smtClean="0"/>
+              <a:rPr lang="de-DE" altLang="de-DE" sz="2400"/>
               <a:t>ein Array mit den Karten des Spielers.</a:t>
             </a:r>
             <a:br>
-              <a:rPr lang="de-DE" altLang="de-DE" sz="2400" smtClean="0"/>
+              <a:rPr lang="de-DE" altLang="de-DE" sz="2400"/>
             </a:br>
-            <a:endParaRPr lang="de-DE" altLang="de-DE" sz="2400" smtClean="0"/>
+            <a:endParaRPr lang="de-DE" altLang="de-DE" sz="2400"/>
           </a:p>
           <a:p>
             <a:pPr marL="269875" indent="-269875" eaLnBrk="1">
@@ -11083,42 +11043,42 @@
               </a:tabLst>
             </a:pPr>
             <a:r>
-              <a:rPr lang="de-DE" altLang="de-DE" sz="2400" smtClean="0"/>
+              <a:rPr lang="de-DE" altLang="de-DE" sz="2400"/>
               <a:t>Eine Kartenhand kann</a:t>
             </a:r>
             <a:br>
-              <a:rPr lang="de-DE" altLang="de-DE" sz="2400" smtClean="0"/>
+              <a:rPr lang="de-DE" altLang="de-DE" sz="2400"/>
             </a:br>
             <a:r>
-              <a:rPr lang="de-DE" altLang="de-DE" sz="2400" smtClean="0"/>
+              <a:rPr lang="de-DE" altLang="de-DE" sz="2400"/>
               <a:t>eine Karte von einem Stapel nehmen,</a:t>
             </a:r>
             <a:br>
-              <a:rPr lang="de-DE" altLang="de-DE" sz="2400" smtClean="0"/>
+              <a:rPr lang="de-DE" altLang="de-DE" sz="2400"/>
             </a:br>
             <a:r>
-              <a:rPr lang="de-DE" altLang="de-DE" sz="2400" smtClean="0"/>
+              <a:rPr lang="de-DE" altLang="de-DE" sz="2400"/>
               <a:t>sagen, wie viele Karten auf der Hand sind,</a:t>
             </a:r>
             <a:br>
-              <a:rPr lang="de-DE" altLang="de-DE" sz="2400" smtClean="0"/>
+              <a:rPr lang="de-DE" altLang="de-DE" sz="2400"/>
             </a:br>
             <a:r>
-              <a:rPr lang="de-DE" altLang="de-DE" sz="2400" smtClean="0"/>
+              <a:rPr lang="de-DE" altLang="de-DE" sz="2400"/>
               <a:t>ermitteln, wie viele Punkte die Kartenhand wert ist und</a:t>
             </a:r>
             <a:br>
-              <a:rPr lang="de-DE" altLang="de-DE" sz="2400" smtClean="0"/>
+              <a:rPr lang="de-DE" altLang="de-DE" sz="2400"/>
             </a:br>
             <a:r>
-              <a:rPr lang="de-DE" altLang="de-DE" sz="2400" smtClean="0"/>
+              <a:rPr lang="de-DE" altLang="de-DE" sz="2400"/>
               <a:t>eine Textdarstellung von sich erzeugen.</a:t>
             </a:r>
             <a:br>
-              <a:rPr lang="de-DE" altLang="de-DE" sz="2400" smtClean="0"/>
+              <a:rPr lang="de-DE" altLang="de-DE" sz="2400"/>
             </a:br>
             <a:r>
-              <a:rPr lang="de-DE" altLang="de-DE" sz="2400" smtClean="0"/>
+              <a:rPr lang="de-DE" altLang="de-DE" sz="2400"/>
               <a:t> </a:t>
             </a:r>
           </a:p>
@@ -11146,14 +11106,14 @@
               </a:tabLst>
             </a:pPr>
             <a:r>
-              <a:rPr lang="de-DE" altLang="de-DE" sz="2400" smtClean="0"/>
+              <a:rPr lang="de-DE" altLang="de-DE" sz="2400"/>
               <a:t>Hinweis:</a:t>
             </a:r>
             <a:br>
-              <a:rPr lang="de-DE" altLang="de-DE" sz="2400" smtClean="0"/>
+              <a:rPr lang="de-DE" altLang="de-DE" sz="2400"/>
             </a:br>
             <a:r>
-              <a:rPr lang="de-DE" altLang="de-DE" sz="2400" smtClean="0"/>
+              <a:rPr lang="de-DE" altLang="de-DE" sz="2400"/>
               <a:t>Im Spiel können die Punkte einer Kartenhand auf 2 verschiedene Arten und Weisen zählen - entweder man zählt jedes Ass mit 11 Punkten (was der Geber tun muss, um zu wissen, wann er aufhören muss) oder man zählt Asse entweder mit 1 oder 11 Punkten (je nachdem, was besser ist).</a:t>
             </a:r>
           </a:p>
@@ -11180,7 +11140,7 @@
                 <a:tab pos="8686800" algn="l"/>
               </a:tabLst>
             </a:pPr>
-            <a:endParaRPr lang="de-DE" altLang="de-DE" smtClean="0"/>
+            <a:endParaRPr lang="de-DE" altLang="de-DE"/>
           </a:p>
           <a:p>
             <a:pPr marL="269875" indent="-269875" eaLnBrk="1">
@@ -11205,7 +11165,7 @@
                 <a:tab pos="8686800" algn="l"/>
               </a:tabLst>
             </a:pPr>
-            <a:endParaRPr lang="de-DE" altLang="de-DE" smtClean="0"/>
+            <a:endParaRPr lang="de-DE" altLang="de-DE"/>
           </a:p>
         </p:txBody>
       </p:sp>
@@ -11289,7 +11249,7 @@
               <a:buNone/>
             </a:pPr>
             <a:r>
-              <a:rPr lang="de-DE" altLang="de-DE" smtClean="0">
+              <a:rPr lang="de-DE" altLang="de-DE">
                 <a:latin typeface="Arial" charset="0"/>
                 <a:ea typeface="Microsoft YaHei" charset="-122"/>
               </a:rPr>
@@ -11416,7 +11376,7 @@
               </a:tabLst>
             </a:pPr>
             <a:r>
-              <a:rPr lang="de-DE" altLang="de-DE" sz="4000" dirty="0" smtClean="0">
+              <a:rPr lang="de-DE" altLang="de-DE" sz="4000" dirty="0">
                 <a:solidFill>
                   <a:srgbClr val="FFFFFF"/>
                 </a:solidFill>
@@ -11466,7 +11426,7 @@
               </a:tabLst>
             </a:pPr>
             <a:r>
-              <a:rPr lang="de-DE" altLang="de-DE" sz="2800" smtClean="0"/>
+              <a:rPr lang="de-DE" altLang="de-DE" sz="2800"/>
               <a:t>Die zweite Übung besteht darin, einen einfachen</a:t>
             </a:r>
           </a:p>
@@ -11491,13 +11451,13 @@
               </a:tabLst>
             </a:pPr>
             <a:r>
-              <a:rPr lang="de-DE" altLang="de-DE" sz="2800" smtClean="0"/>
+              <a:rPr lang="de-DE" altLang="de-DE" sz="2800"/>
               <a:t>Spielablauf umzusetzen:</a:t>
             </a:r>
             <a:br>
-              <a:rPr lang="de-DE" altLang="de-DE" sz="2800" smtClean="0"/>
+              <a:rPr lang="de-DE" altLang="de-DE" sz="2800"/>
             </a:br>
-            <a:endParaRPr lang="de-DE" altLang="de-DE" sz="2800" smtClean="0"/>
+            <a:endParaRPr lang="de-DE" altLang="de-DE" sz="2800"/>
           </a:p>
           <a:p>
             <a:pPr marL="269875" indent="-269875" eaLnBrk="1">
@@ -11523,13 +11483,13 @@
               </a:tabLst>
             </a:pPr>
             <a:r>
-              <a:rPr lang="de-DE" altLang="de-DE" sz="2800" smtClean="0"/>
+              <a:rPr lang="de-DE" altLang="de-DE" sz="2800"/>
               <a:t>Spieler und Geber erhalten Karten.</a:t>
             </a:r>
             <a:br>
-              <a:rPr lang="de-DE" altLang="de-DE" sz="2800" smtClean="0"/>
+              <a:rPr lang="de-DE" altLang="de-DE" sz="2800"/>
             </a:br>
-            <a:endParaRPr lang="de-DE" altLang="de-DE" sz="2800" smtClean="0"/>
+            <a:endParaRPr lang="de-DE" altLang="de-DE" sz="2800"/>
           </a:p>
           <a:p>
             <a:pPr marL="269875" indent="-269875" eaLnBrk="1">
@@ -11555,20 +11515,20 @@
               </a:tabLst>
             </a:pPr>
             <a:r>
-              <a:rPr lang="de-DE" altLang="de-DE" sz="2800" smtClean="0"/>
+              <a:rPr lang="de-DE" altLang="de-DE" sz="2800"/>
               <a:t>Der Spieler kann weitere Karten nehmen und verliert</a:t>
             </a:r>
             <a:br>
-              <a:rPr lang="de-DE" altLang="de-DE" sz="2800" smtClean="0"/>
+              <a:rPr lang="de-DE" altLang="de-DE" sz="2800"/>
             </a:br>
             <a:r>
-              <a:rPr lang="de-DE" altLang="de-DE" sz="2800" smtClean="0"/>
+              <a:rPr lang="de-DE" altLang="de-DE" sz="2800"/>
               <a:t>dabei ggf. schon.</a:t>
             </a:r>
             <a:br>
-              <a:rPr lang="de-DE" altLang="de-DE" sz="2800" smtClean="0"/>
+              <a:rPr lang="de-DE" altLang="de-DE" sz="2800"/>
             </a:br>
-            <a:endParaRPr lang="de-DE" altLang="de-DE" sz="2800" smtClean="0"/>
+            <a:endParaRPr lang="de-DE" altLang="de-DE" sz="2800"/>
           </a:p>
           <a:p>
             <a:pPr marL="269875" indent="-269875" eaLnBrk="1">
@@ -11594,21 +11554,21 @@
               </a:tabLst>
             </a:pPr>
             <a:r>
-              <a:rPr lang="de-DE" altLang="de-DE" sz="2800" smtClean="0"/>
+              <a:rPr lang="de-DE" altLang="de-DE" sz="2800"/>
               <a:t>Nimmt der Spieler keine Karten mehr, zieht der Geber</a:t>
             </a:r>
             <a:br>
-              <a:rPr lang="de-DE" altLang="de-DE" sz="2800" smtClean="0"/>
+              <a:rPr lang="de-DE" altLang="de-DE" sz="2800"/>
             </a:br>
             <a:r>
-              <a:rPr lang="de-DE" altLang="de-DE" sz="2800" smtClean="0"/>
+              <a:rPr lang="de-DE" altLang="de-DE" sz="2800"/>
               <a:t>Karten, bis er 17 Punkte oder mehr hat.</a:t>
             </a:r>
             <a:br>
-              <a:rPr lang="de-DE" altLang="de-DE" sz="2800" smtClean="0"/>
+              <a:rPr lang="de-DE" altLang="de-DE" sz="2800"/>
             </a:br>
             <a:r>
-              <a:rPr lang="de-DE" altLang="de-DE" sz="2800" smtClean="0"/>
+              <a:rPr lang="de-DE" altLang="de-DE" sz="2800"/>
               <a:t> </a:t>
             </a:r>
           </a:p>
@@ -11636,7 +11596,7 @@
               </a:tabLst>
             </a:pPr>
             <a:r>
-              <a:rPr lang="de-DE" altLang="de-DE" sz="2800" smtClean="0"/>
+              <a:rPr lang="de-DE" altLang="de-DE" sz="2800"/>
               <a:t>Das Spielergebnis wird ausgewertet.</a:t>
             </a:r>
           </a:p>
@@ -11663,7 +11623,7 @@
                 <a:tab pos="8686800" algn="l"/>
               </a:tabLst>
             </a:pPr>
-            <a:endParaRPr lang="de-DE" altLang="de-DE" smtClean="0"/>
+            <a:endParaRPr lang="de-DE" altLang="de-DE"/>
           </a:p>
           <a:p>
             <a:pPr marL="269875" indent="-269875" eaLnBrk="1">
@@ -11688,7 +11648,7 @@
                 <a:tab pos="8686800" algn="l"/>
               </a:tabLst>
             </a:pPr>
-            <a:endParaRPr lang="de-DE" altLang="de-DE" smtClean="0"/>
+            <a:endParaRPr lang="de-DE" altLang="de-DE"/>
           </a:p>
         </p:txBody>
       </p:sp>
@@ -11772,7 +11732,7 @@
               <a:buNone/>
             </a:pPr>
             <a:r>
-              <a:rPr lang="de-DE" altLang="de-DE" smtClean="0">
+              <a:rPr lang="de-DE" altLang="de-DE">
                 <a:latin typeface="Arial" charset="0"/>
                 <a:ea typeface="Microsoft YaHei" charset="-122"/>
               </a:rPr>
@@ -11899,7 +11859,7 @@
               </a:tabLst>
             </a:pPr>
             <a:r>
-              <a:rPr lang="de-DE" altLang="de-DE" sz="4000" dirty="0" smtClean="0">
+              <a:rPr lang="de-DE" altLang="de-DE" sz="4000" dirty="0">
                 <a:solidFill>
                   <a:srgbClr val="FFFFFF"/>
                 </a:solidFill>
@@ -11952,30 +11912,30 @@
               </a:tabLst>
             </a:pPr>
             <a:r>
-              <a:rPr lang="de-DE" altLang="de-DE" sz="2400" smtClean="0"/>
+              <a:rPr lang="de-DE" altLang="de-DE" sz="2400"/>
               <a:t>Der Ablauf des Spieles wurde komplett in der main-Methode der</a:t>
             </a:r>
             <a:br>
-              <a:rPr lang="de-DE" altLang="de-DE" sz="2400" smtClean="0"/>
+              <a:rPr lang="de-DE" altLang="de-DE" sz="2400"/>
             </a:br>
             <a:r>
-              <a:rPr lang="de-DE" altLang="de-DE" sz="2400" smtClean="0"/>
+              <a:rPr lang="de-DE" altLang="de-DE" sz="2400"/>
               <a:t>Klasse </a:t>
             </a:r>
             <a:r>
-              <a:rPr lang="de-DE" altLang="de-DE" sz="2400" smtClean="0">
+              <a:rPr lang="de-DE" altLang="de-DE" sz="2400">
                 <a:latin typeface="Courier New" pitchFamily="49" charset="0"/>
               </a:rPr>
               <a:t>Start</a:t>
             </a:r>
             <a:r>
-              <a:rPr lang="de-DE" altLang="de-DE" sz="2400" smtClean="0"/>
+              <a:rPr lang="de-DE" altLang="de-DE" sz="2400"/>
               <a:t> programmiert.</a:t>
             </a:r>
             <a:br>
-              <a:rPr lang="de-DE" altLang="de-DE" sz="2400" smtClean="0"/>
+              <a:rPr lang="de-DE" altLang="de-DE" sz="2400"/>
             </a:br>
-            <a:endParaRPr lang="de-DE" altLang="de-DE" sz="2400" smtClean="0"/>
+            <a:endParaRPr lang="de-DE" altLang="de-DE" sz="2400"/>
           </a:p>
           <a:p>
             <a:pPr marL="269875" indent="-269875" eaLnBrk="1">
@@ -12001,59 +11961,55 @@
               </a:tabLst>
             </a:pPr>
             <a:r>
-              <a:rPr lang="de-DE" altLang="de-DE" sz="2400" smtClean="0"/>
+              <a:rPr lang="de-DE" altLang="de-DE" sz="2400"/>
               <a:t>Für die Ausgaben an den Benutzer und dessen Eingaben wurde</a:t>
             </a:r>
             <a:br>
-              <a:rPr lang="de-DE" altLang="de-DE" sz="2400" smtClean="0"/>
+              <a:rPr lang="de-DE" altLang="de-DE" sz="2400"/>
             </a:br>
             <a:r>
-              <a:rPr lang="de-DE" altLang="de-DE" sz="2400" smtClean="0"/>
+              <a:rPr lang="de-DE" altLang="de-DE" sz="2400"/>
               <a:t>eine Klasse </a:t>
             </a:r>
             <a:r>
-              <a:rPr lang="de-DE" altLang="de-DE" sz="2400" smtClean="0">
+              <a:rPr lang="de-DE" altLang="de-DE" sz="2400">
                 <a:latin typeface="Courier New" pitchFamily="49" charset="0"/>
               </a:rPr>
               <a:t>Benutzerinterface</a:t>
             </a:r>
             <a:r>
-              <a:rPr lang="de-DE" altLang="de-DE" sz="2400" smtClean="0"/>
+              <a:rPr lang="de-DE" altLang="de-DE" sz="2400"/>
               <a:t> geschaffen. Sie bietet für</a:t>
             </a:r>
             <a:br>
-              <a:rPr lang="de-DE" altLang="de-DE" sz="2400" smtClean="0"/>
+              <a:rPr lang="de-DE" altLang="de-DE" sz="2400"/>
             </a:br>
             <a:r>
-              <a:rPr lang="de-DE" altLang="de-DE" sz="2400" smtClean="0"/>
+              <a:rPr lang="de-DE" altLang="de-DE" sz="2400"/>
               <a:t>jede Kommunikation mit dem Anwender eine statische Methode</a:t>
             </a:r>
             <a:br>
-              <a:rPr lang="de-DE" altLang="de-DE" sz="2400" smtClean="0"/>
+              <a:rPr lang="de-DE" altLang="de-DE" sz="2400"/>
             </a:br>
             <a:r>
-              <a:rPr lang="de-DE" altLang="de-DE" sz="2400" smtClean="0"/>
+              <a:rPr lang="de-DE" altLang="de-DE" sz="2400"/>
               <a:t>an.</a:t>
             </a:r>
             <a:br>
-              <a:rPr lang="de-DE" altLang="de-DE" sz="2400" smtClean="0"/>
+              <a:rPr lang="de-DE" altLang="de-DE" sz="2400"/>
             </a:br>
-            <a:r>
-              <a:rPr lang="de-DE" altLang="de-DE" sz="2400" smtClean="0"/>
-              <a:t/>
-            </a:r>
             <a:br>
-              <a:rPr lang="de-DE" altLang="de-DE" sz="2400" smtClean="0"/>
+              <a:rPr lang="de-DE" altLang="de-DE" sz="2400"/>
             </a:br>
             <a:r>
-              <a:rPr lang="de-DE" altLang="de-DE" sz="2400" smtClean="0"/>
+              <a:rPr lang="de-DE" altLang="de-DE" sz="2400"/>
               <a:t>=&gt; Dadurch wird die main-Methode deutlich übersichtlicher.</a:t>
             </a:r>
             <a:br>
-              <a:rPr lang="de-DE" altLang="de-DE" sz="2400" smtClean="0"/>
+              <a:rPr lang="de-DE" altLang="de-DE" sz="2400"/>
             </a:br>
             <a:r>
-              <a:rPr lang="de-DE" altLang="de-DE" sz="2400" smtClean="0"/>
+              <a:rPr lang="de-DE" altLang="de-DE" sz="2400"/>
               <a:t> </a:t>
             </a:r>
           </a:p>
@@ -12080,7 +12036,7 @@
                 <a:tab pos="8686800" algn="l"/>
               </a:tabLst>
             </a:pPr>
-            <a:endParaRPr lang="de-DE" altLang="de-DE" sz="2400" smtClean="0"/>
+            <a:endParaRPr lang="de-DE" altLang="de-DE" sz="2400"/>
           </a:p>
           <a:p>
             <a:pPr marL="269875" indent="-269875" eaLnBrk="1">
@@ -12105,7 +12061,7 @@
                 <a:tab pos="8686800" algn="l"/>
               </a:tabLst>
             </a:pPr>
-            <a:endParaRPr lang="de-DE" altLang="de-DE" sz="2400" smtClean="0"/>
+            <a:endParaRPr lang="de-DE" altLang="de-DE" sz="2400"/>
           </a:p>
         </p:txBody>
       </p:sp>
@@ -12189,7 +12145,7 @@
               <a:buNone/>
             </a:pPr>
             <a:r>
-              <a:rPr lang="de-DE" altLang="de-DE" smtClean="0">
+              <a:rPr lang="de-DE" altLang="de-DE">
                 <a:latin typeface="Arial" charset="0"/>
                 <a:ea typeface="Microsoft YaHei" charset="-122"/>
               </a:rPr>
@@ -12316,7 +12272,7 @@
               </a:tabLst>
             </a:pPr>
             <a:r>
-              <a:rPr lang="de-DE" altLang="de-DE" sz="4000" dirty="0" smtClean="0">
+              <a:rPr lang="de-DE" altLang="de-DE" sz="4000" dirty="0">
                 <a:solidFill>
                   <a:srgbClr val="FFFFFF"/>
                 </a:solidFill>
@@ -12366,52 +12322,44 @@
               </a:tabLst>
             </a:pPr>
             <a:r>
-              <a:rPr lang="de-DE" altLang="de-DE" sz="2800" smtClean="0"/>
+              <a:rPr lang="de-DE" altLang="de-DE" sz="2800"/>
               <a:t>Für wichtige konstante Werte im Spiel wie z. B. die</a:t>
             </a:r>
             <a:br>
-              <a:rPr lang="de-DE" altLang="de-DE" sz="2800" smtClean="0"/>
+              <a:rPr lang="de-DE" altLang="de-DE" sz="2800"/>
             </a:br>
             <a:r>
-              <a:rPr lang="de-DE" altLang="de-DE" sz="2800" smtClean="0"/>
+              <a:rPr lang="de-DE" altLang="de-DE" sz="2800"/>
               <a:t>Grenze, ab wann der Geber aufhört, weitere Karten zu</a:t>
             </a:r>
             <a:br>
-              <a:rPr lang="de-DE" altLang="de-DE" sz="2800" smtClean="0"/>
+              <a:rPr lang="de-DE" altLang="de-DE" sz="2800"/>
             </a:br>
             <a:r>
-              <a:rPr lang="de-DE" altLang="de-DE" sz="2800" smtClean="0"/>
+              <a:rPr lang="de-DE" altLang="de-DE" sz="2800"/>
               <a:t>ziehen, wurde eine Klasse mit dem Namen </a:t>
             </a:r>
             <a:r>
-              <a:rPr lang="de-DE" altLang="de-DE" sz="2800" smtClean="0">
+              <a:rPr lang="de-DE" altLang="de-DE" sz="2800">
                 <a:latin typeface="Courier New" pitchFamily="49" charset="0"/>
               </a:rPr>
               <a:t>Konstanten</a:t>
             </a:r>
-            <a:r>
-              <a:rPr lang="de-DE" altLang="de-DE" sz="2800" smtClean="0"/>
-              <a:t/>
-            </a:r>
             <a:br>
-              <a:rPr lang="de-DE" altLang="de-DE" sz="2800" smtClean="0"/>
+              <a:rPr lang="de-DE" altLang="de-DE" sz="2800"/>
             </a:br>
             <a:r>
-              <a:rPr lang="de-DE" altLang="de-DE" sz="2800" smtClean="0"/>
+              <a:rPr lang="de-DE" altLang="de-DE" sz="2800"/>
               <a:t>angelegt.</a:t>
             </a:r>
             <a:br>
-              <a:rPr lang="de-DE" altLang="de-DE" sz="2800" smtClean="0"/>
+              <a:rPr lang="de-DE" altLang="de-DE" sz="2800"/>
             </a:br>
-            <a:r>
-              <a:rPr lang="de-DE" altLang="de-DE" sz="2800" smtClean="0"/>
-              <a:t/>
-            </a:r>
             <a:br>
-              <a:rPr lang="de-DE" altLang="de-DE" sz="2800" smtClean="0"/>
+              <a:rPr lang="de-DE" altLang="de-DE" sz="2800"/>
             </a:br>
             <a:r>
-              <a:rPr lang="de-DE" altLang="de-DE" sz="2800" smtClean="0"/>
+              <a:rPr lang="de-DE" altLang="de-DE" sz="2800"/>
               <a:t>=&gt; Diese Werte werden sehr oft im Spiel verwendet und können für Testzwecke so schnell und einfach manipuliert werden.</a:t>
             </a:r>
           </a:p>
@@ -12497,7 +12445,7 @@
               <a:buNone/>
             </a:pPr>
             <a:r>
-              <a:rPr lang="de-DE" altLang="de-DE" smtClean="0">
+              <a:rPr lang="de-DE" altLang="de-DE">
                 <a:latin typeface="Arial" charset="0"/>
                 <a:ea typeface="Microsoft YaHei" charset="-122"/>
               </a:rPr>
@@ -12624,7 +12572,7 @@
               </a:tabLst>
             </a:pPr>
             <a:r>
-              <a:rPr lang="de-DE" altLang="de-DE" sz="4000" smtClean="0">
+              <a:rPr lang="de-DE" altLang="de-DE" sz="4000">
                 <a:solidFill>
                   <a:srgbClr val="FFFFFF"/>
                 </a:solidFill>
@@ -12677,20 +12625,20 @@
               </a:tabLst>
             </a:pPr>
             <a:r>
-              <a:rPr lang="de-DE" altLang="de-DE" sz="2600" smtClean="0"/>
+              <a:rPr lang="de-DE" altLang="de-DE" sz="2600"/>
               <a:t>Javadoc dient der Dokumentation Ihres</a:t>
             </a:r>
             <a:br>
-              <a:rPr lang="de-DE" altLang="de-DE" sz="2600" smtClean="0"/>
+              <a:rPr lang="de-DE" altLang="de-DE" sz="2600"/>
             </a:br>
             <a:r>
-              <a:rPr lang="de-DE" altLang="de-DE" sz="2600" smtClean="0"/>
+              <a:rPr lang="de-DE" altLang="de-DE" sz="2600"/>
               <a:t>Programmcodes.</a:t>
             </a:r>
             <a:br>
-              <a:rPr lang="de-DE" altLang="de-DE" sz="2600" smtClean="0"/>
+              <a:rPr lang="de-DE" altLang="de-DE" sz="2600"/>
             </a:br>
-            <a:endParaRPr lang="de-DE" altLang="de-DE" sz="2600" smtClean="0"/>
+            <a:endParaRPr lang="de-DE" altLang="de-DE" sz="2600"/>
           </a:p>
           <a:p>
             <a:pPr marL="269875" indent="-269875" eaLnBrk="1">
@@ -12716,21 +12664,21 @@
               </a:tabLst>
             </a:pPr>
             <a:r>
-              <a:rPr lang="de-DE" altLang="de-DE" sz="2600" smtClean="0"/>
+              <a:rPr lang="de-DE" altLang="de-DE" sz="2600"/>
               <a:t>Javadoc-Kommentare dienen insbesondere der</a:t>
             </a:r>
             <a:br>
-              <a:rPr lang="de-DE" altLang="de-DE" sz="2600" smtClean="0"/>
+              <a:rPr lang="de-DE" altLang="de-DE" sz="2600"/>
             </a:br>
             <a:r>
-              <a:rPr lang="de-DE" altLang="de-DE" sz="2600" smtClean="0"/>
+              <a:rPr lang="de-DE" altLang="de-DE" sz="2600"/>
               <a:t>Kommentierung von Klassen, Attributen und Methoden.</a:t>
             </a:r>
             <a:br>
-              <a:rPr lang="de-DE" altLang="de-DE" sz="2600" smtClean="0"/>
+              <a:rPr lang="de-DE" altLang="de-DE" sz="2600"/>
             </a:br>
             <a:r>
-              <a:rPr lang="de-DE" altLang="de-DE" sz="2600" smtClean="0"/>
+              <a:rPr lang="de-DE" altLang="de-DE" sz="2600"/>
               <a:t> </a:t>
             </a:r>
           </a:p>
@@ -12758,28 +12706,24 @@
               </a:tabLst>
             </a:pPr>
             <a:r>
-              <a:rPr lang="de-DE" altLang="de-DE" sz="2600" smtClean="0"/>
+              <a:rPr lang="de-DE" altLang="de-DE" sz="2600"/>
               <a:t>Javadoc-Kommentare beginnen mit </a:t>
             </a:r>
             <a:r>
-              <a:rPr lang="de-DE" altLang="de-DE" sz="2600" smtClean="0">
+              <a:rPr lang="de-DE" altLang="de-DE" sz="2600">
                 <a:latin typeface="Courier New" pitchFamily="49" charset="0"/>
               </a:rPr>
               <a:t>/**</a:t>
             </a:r>
-            <a:r>
-              <a:rPr lang="de-DE" altLang="de-DE" sz="2600" smtClean="0"/>
-              <a:t/>
-            </a:r>
             <a:br>
-              <a:rPr lang="de-DE" altLang="de-DE" sz="2600" smtClean="0"/>
+              <a:rPr lang="de-DE" altLang="de-DE" sz="2600"/>
             </a:br>
             <a:r>
-              <a:rPr lang="de-DE" altLang="de-DE" sz="2600" smtClean="0"/>
+              <a:rPr lang="de-DE" altLang="de-DE" sz="2600"/>
               <a:t>und enden mit </a:t>
             </a:r>
             <a:r>
-              <a:rPr lang="de-DE" altLang="de-DE" sz="2600" smtClean="0">
+              <a:rPr lang="de-DE" altLang="de-DE" sz="2600">
                 <a:latin typeface="Courier New" pitchFamily="49" charset="0"/>
               </a:rPr>
               <a:t>*/</a:t>
@@ -12808,7 +12752,7 @@
                 <a:tab pos="8686800" algn="l"/>
               </a:tabLst>
             </a:pPr>
-            <a:endParaRPr lang="de-DE" altLang="de-DE" smtClean="0"/>
+            <a:endParaRPr lang="de-DE" altLang="de-DE"/>
           </a:p>
         </p:txBody>
       </p:sp>
@@ -12925,7 +12869,7 @@
               <a:buNone/>
             </a:pPr>
             <a:r>
-              <a:rPr lang="de-DE" altLang="de-DE" smtClean="0">
+              <a:rPr lang="de-DE" altLang="de-DE">
                 <a:latin typeface="Arial" charset="0"/>
                 <a:ea typeface="Microsoft YaHei" charset="-122"/>
               </a:rPr>
@@ -13052,7 +12996,7 @@
               </a:tabLst>
             </a:pPr>
             <a:r>
-              <a:rPr lang="de-DE" altLang="de-DE" sz="4000" smtClean="0">
+              <a:rPr lang="de-DE" altLang="de-DE" sz="4000">
                 <a:solidFill>
                   <a:srgbClr val="FFFFFF"/>
                 </a:solidFill>
@@ -13105,20 +13049,20 @@
               </a:tabLst>
             </a:pPr>
             <a:r>
-              <a:rPr lang="de-DE" altLang="de-DE" sz="2800" smtClean="0"/>
+              <a:rPr lang="de-DE" altLang="de-DE" sz="2800"/>
               <a:t>Javadoc-Kommentare können spezielle Doclet-Tags</a:t>
             </a:r>
             <a:br>
-              <a:rPr lang="de-DE" altLang="de-DE" sz="2800" smtClean="0"/>
+              <a:rPr lang="de-DE" altLang="de-DE" sz="2800"/>
             </a:br>
             <a:r>
-              <a:rPr lang="de-DE" altLang="de-DE" sz="2800" smtClean="0"/>
+              <a:rPr lang="de-DE" altLang="de-DE" sz="2800"/>
               <a:t>enthalten.</a:t>
             </a:r>
             <a:br>
-              <a:rPr lang="de-DE" altLang="de-DE" sz="2800" smtClean="0"/>
+              <a:rPr lang="de-DE" altLang="de-DE" sz="2800"/>
             </a:br>
-            <a:endParaRPr lang="de-DE" altLang="de-DE" sz="2800" smtClean="0"/>
+            <a:endParaRPr lang="de-DE" altLang="de-DE" sz="2800"/>
           </a:p>
           <a:p>
             <a:pPr marL="269875" indent="-269875" eaLnBrk="1">
@@ -13144,21 +13088,21 @@
               </a:tabLst>
             </a:pPr>
             <a:r>
-              <a:rPr lang="de-DE" altLang="de-DE" sz="2800" smtClean="0"/>
+              <a:rPr lang="de-DE" altLang="de-DE" sz="2800"/>
               <a:t>Doclet-Tags beginnen mit </a:t>
             </a:r>
             <a:r>
-              <a:rPr lang="de-DE" altLang="de-DE" sz="2800" smtClean="0">
+              <a:rPr lang="de-DE" altLang="de-DE" sz="2800">
                 <a:latin typeface="Courier New" pitchFamily="49" charset="0"/>
               </a:rPr>
               <a:t>@</a:t>
             </a:r>
             <a:br>
-              <a:rPr lang="de-DE" altLang="de-DE" sz="2800" smtClean="0">
+              <a:rPr lang="de-DE" altLang="de-DE" sz="2800">
                 <a:latin typeface="Courier New" pitchFamily="49" charset="0"/>
               </a:rPr>
             </a:br>
-            <a:endParaRPr lang="de-DE" altLang="de-DE" sz="2800" smtClean="0">
+            <a:endParaRPr lang="de-DE" altLang="de-DE" sz="2800">
               <a:latin typeface="Courier New" pitchFamily="49" charset="0"/>
             </a:endParaRPr>
           </a:p>
@@ -13185,7 +13129,7 @@
                 <a:tab pos="8686800" algn="l"/>
               </a:tabLst>
             </a:pPr>
-            <a:endParaRPr lang="de-DE" altLang="de-DE" smtClean="0"/>
+            <a:endParaRPr lang="de-DE" altLang="de-DE"/>
           </a:p>
         </p:txBody>
       </p:sp>
@@ -13335,7 +13279,7 @@
               <a:buNone/>
             </a:pPr>
             <a:r>
-              <a:rPr lang="de-DE" altLang="de-DE" smtClean="0">
+              <a:rPr lang="de-DE" altLang="de-DE">
                 <a:latin typeface="Arial" charset="0"/>
                 <a:ea typeface="Microsoft YaHei" charset="-122"/>
               </a:rPr>
@@ -13462,7 +13406,7 @@
               </a:tabLst>
             </a:pPr>
             <a:r>
-              <a:rPr lang="de-DE" altLang="de-DE" sz="4000" smtClean="0">
+              <a:rPr lang="de-DE" altLang="de-DE" sz="4000">
                 <a:solidFill>
                   <a:srgbClr val="FFFFFF"/>
                 </a:solidFill>
@@ -13515,7 +13459,7 @@
               </a:tabLst>
             </a:pPr>
             <a:r>
-              <a:rPr lang="de-DE" altLang="de-DE" sz="2800" smtClean="0"/>
+              <a:rPr lang="de-DE" altLang="de-DE" sz="2800" dirty="0"/>
               <a:t>Aufbau des 2. Semesters „Einführung in die Software-Entwicklung“:</a:t>
             </a:r>
           </a:p>
@@ -13542,7 +13486,7 @@
                 <a:tab pos="8686800" algn="l"/>
               </a:tabLst>
             </a:pPr>
-            <a:endParaRPr lang="de-DE" altLang="de-DE" sz="2800" smtClean="0"/>
+            <a:endParaRPr lang="de-DE" altLang="de-DE" sz="2800" dirty="0"/>
           </a:p>
           <a:p>
             <a:pPr marL="269875" indent="-269875" eaLnBrk="1">
@@ -13568,7 +13512,7 @@
               </a:tabLst>
             </a:pPr>
             <a:r>
-              <a:rPr lang="de-DE" altLang="de-DE" sz="2800" smtClean="0"/>
+              <a:rPr lang="de-DE" altLang="de-DE" sz="2800" dirty="0"/>
               <a:t>4 Vorlesungen: Weitere inhaltliche Themen</a:t>
             </a:r>
           </a:p>
@@ -13596,8 +13540,12 @@
               </a:tabLst>
             </a:pPr>
             <a:r>
-              <a:rPr lang="de-DE" altLang="de-DE" sz="2400" smtClean="0"/>
-              <a:t>Javadoc / JARs</a:t>
+              <a:rPr lang="de-DE" altLang="de-DE" sz="2400" dirty="0" err="1"/>
+              <a:t>Javadoc</a:t>
+            </a:r>
+            <a:r>
+              <a:rPr lang="de-DE" altLang="de-DE" sz="2400" dirty="0"/>
+              <a:t> / JARs</a:t>
             </a:r>
           </a:p>
           <a:p>
@@ -13624,7 +13572,7 @@
               </a:tabLst>
             </a:pPr>
             <a:r>
-              <a:rPr lang="de-DE" altLang="de-DE" sz="2400" smtClean="0"/>
+              <a:rPr lang="de-DE" altLang="de-DE" sz="2400" dirty="0"/>
               <a:t>Vererbung / Polymorphie</a:t>
             </a:r>
           </a:p>
@@ -13652,7 +13600,7 @@
               </a:tabLst>
             </a:pPr>
             <a:r>
-              <a:rPr lang="de-DE" altLang="de-DE" sz="2400" smtClean="0"/>
+              <a:rPr lang="de-DE" altLang="de-DE" sz="2400" dirty="0"/>
               <a:t>Fehlerbehandlung / Collections</a:t>
             </a:r>
           </a:p>
@@ -13680,7 +13628,7 @@
               </a:tabLst>
             </a:pPr>
             <a:r>
-              <a:rPr lang="de-DE" altLang="de-DE" sz="2400" smtClean="0"/>
+              <a:rPr lang="de-DE" altLang="de-DE" sz="2400" dirty="0"/>
               <a:t>Ein- / Ausgabe</a:t>
             </a:r>
           </a:p>
@@ -13708,7 +13656,7 @@
               </a:tabLst>
             </a:pPr>
             <a:r>
-              <a:rPr lang="de-DE" altLang="de-DE" sz="2800" smtClean="0"/>
+              <a:rPr lang="de-DE" altLang="de-DE" sz="2800" dirty="0"/>
               <a:t>1 Vorlesung: Vorstellung des Hausarbeitsthemas</a:t>
             </a:r>
           </a:p>
@@ -13736,7 +13684,7 @@
               </a:tabLst>
             </a:pPr>
             <a:r>
-              <a:rPr lang="de-DE" altLang="de-DE" sz="2800" smtClean="0"/>
+              <a:rPr lang="de-DE" altLang="de-DE" sz="2800" dirty="0"/>
               <a:t>3 Vorlesungen: Zwischenstandsaufnahmen Hausarbeit</a:t>
             </a:r>
           </a:p>
@@ -13764,10 +13712,10 @@
               </a:tabLst>
             </a:pPr>
             <a:r>
-              <a:rPr lang="de-DE" altLang="de-DE" sz="2800" smtClean="0"/>
+              <a:rPr lang="de-DE" altLang="de-DE" sz="2800" dirty="0"/>
               <a:t>Letzte Vorlesung: Vorstellung der Hausarbeiten</a:t>
             </a:r>
-            <a:endParaRPr lang="de-DE" altLang="de-DE" sz="2400" smtClean="0"/>
+            <a:endParaRPr lang="de-DE" altLang="de-DE" sz="2400" dirty="0"/>
           </a:p>
           <a:p>
             <a:pPr marL="269875" indent="-269875" eaLnBrk="1">
@@ -13792,7 +13740,7 @@
                 <a:tab pos="8686800" algn="l"/>
               </a:tabLst>
             </a:pPr>
-            <a:endParaRPr lang="de-DE" altLang="de-DE" smtClean="0"/>
+            <a:endParaRPr lang="de-DE" altLang="de-DE" dirty="0"/>
           </a:p>
           <a:p>
             <a:pPr marL="269875" indent="-269875" eaLnBrk="1">
@@ -13817,7 +13765,7 @@
                 <a:tab pos="8686800" algn="l"/>
               </a:tabLst>
             </a:pPr>
-            <a:endParaRPr lang="de-DE" altLang="de-DE" smtClean="0"/>
+            <a:endParaRPr lang="de-DE" altLang="de-DE" dirty="0"/>
           </a:p>
         </p:txBody>
       </p:sp>
@@ -13901,7 +13849,7 @@
               <a:buNone/>
             </a:pPr>
             <a:r>
-              <a:rPr lang="de-DE" altLang="de-DE" smtClean="0">
+              <a:rPr lang="de-DE" altLang="de-DE">
                 <a:latin typeface="Arial" charset="0"/>
                 <a:ea typeface="Microsoft YaHei" charset="-122"/>
               </a:rPr>
@@ -14028,7 +13976,7 @@
               </a:tabLst>
             </a:pPr>
             <a:r>
-              <a:rPr lang="de-DE" altLang="de-DE" sz="4000" smtClean="0">
+              <a:rPr lang="de-DE" altLang="de-DE" sz="4000">
                 <a:solidFill>
                   <a:srgbClr val="FFFFFF"/>
                 </a:solidFill>
@@ -14078,7 +14026,7 @@
               </a:tabLst>
             </a:pPr>
             <a:r>
-              <a:rPr lang="de-DE" altLang="de-DE" sz="2400" smtClean="0"/>
+              <a:rPr lang="de-DE" altLang="de-DE" sz="2400"/>
               <a:t>Aus dem Javacode kann eine HTML-Dokumentation für Ihre</a:t>
             </a:r>
           </a:p>
@@ -14103,24 +14051,16 @@
               </a:tabLst>
             </a:pPr>
             <a:r>
-              <a:rPr lang="de-DE" altLang="de-DE" sz="2400" smtClean="0"/>
+              <a:rPr lang="de-DE" altLang="de-DE" sz="2400"/>
               <a:t>Klassen generiert werden:</a:t>
             </a:r>
-            <a:r>
-              <a:rPr lang="de-DE" altLang="de-DE" sz="2800" smtClean="0"/>
-              <a:t/>
-            </a:r>
             <a:br>
-              <a:rPr lang="de-DE" altLang="de-DE" sz="2800" smtClean="0"/>
+              <a:rPr lang="de-DE" altLang="de-DE" sz="2800"/>
             </a:br>
-            <a:r>
-              <a:rPr lang="de-DE" altLang="de-DE" sz="2800" smtClean="0"/>
-              <a:t/>
-            </a:r>
             <a:br>
-              <a:rPr lang="de-DE" altLang="de-DE" sz="2800" smtClean="0"/>
+              <a:rPr lang="de-DE" altLang="de-DE" sz="2800"/>
             </a:br>
-            <a:endParaRPr lang="de-DE" altLang="de-DE" sz="2800" smtClean="0"/>
+            <a:endParaRPr lang="de-DE" altLang="de-DE" sz="2800"/>
           </a:p>
           <a:p>
             <a:pPr marL="269875" indent="-269875" eaLnBrk="1">
@@ -14145,7 +14085,7 @@
                 <a:tab pos="8686800" algn="l"/>
               </a:tabLst>
             </a:pPr>
-            <a:endParaRPr lang="de-DE" altLang="de-DE" sz="2800" smtClean="0"/>
+            <a:endParaRPr lang="de-DE" altLang="de-DE" sz="2800"/>
           </a:p>
           <a:p>
             <a:pPr marL="269875" indent="-269875" eaLnBrk="1">
@@ -14170,7 +14110,7 @@
                 <a:tab pos="8686800" algn="l"/>
               </a:tabLst>
             </a:pPr>
-            <a:endParaRPr lang="de-DE" altLang="de-DE" smtClean="0"/>
+            <a:endParaRPr lang="de-DE" altLang="de-DE"/>
           </a:p>
           <a:p>
             <a:pPr marL="269875" indent="-269875" eaLnBrk="1">
@@ -14195,7 +14135,7 @@
                 <a:tab pos="8686800" algn="l"/>
               </a:tabLst>
             </a:pPr>
-            <a:endParaRPr lang="de-DE" altLang="de-DE" smtClean="0"/>
+            <a:endParaRPr lang="de-DE" altLang="de-DE"/>
           </a:p>
         </p:txBody>
       </p:sp>
@@ -14312,7 +14252,7 @@
               <a:buNone/>
             </a:pPr>
             <a:r>
-              <a:rPr lang="de-DE" altLang="de-DE" smtClean="0">
+              <a:rPr lang="de-DE" altLang="de-DE">
                 <a:latin typeface="Arial" charset="0"/>
                 <a:ea typeface="Microsoft YaHei" charset="-122"/>
               </a:rPr>
@@ -14439,7 +14379,7 @@
               </a:tabLst>
             </a:pPr>
             <a:r>
-              <a:rPr lang="de-DE" altLang="de-DE" sz="4000" smtClean="0">
+              <a:rPr lang="de-DE" altLang="de-DE" sz="4000">
                 <a:solidFill>
                   <a:srgbClr val="FFFFFF"/>
                 </a:solidFill>
@@ -14492,27 +14432,27 @@
               </a:tabLst>
             </a:pPr>
             <a:r>
-              <a:rPr lang="de-DE" altLang="de-DE" sz="2400" smtClean="0"/>
+              <a:rPr lang="de-DE" altLang="de-DE" sz="2400"/>
               <a:t>Rechtsklicken Sie auf Ihr Projekt und wählen Sie den Menüpunkt</a:t>
             </a:r>
             <a:br>
-              <a:rPr lang="de-DE" altLang="de-DE" sz="2400" smtClean="0"/>
+              <a:rPr lang="de-DE" altLang="de-DE" sz="2400"/>
             </a:br>
             <a:r>
-              <a:rPr lang="de-DE" altLang="de-DE" sz="2400" smtClean="0"/>
+              <a:rPr lang="de-DE" altLang="de-DE" sz="2400"/>
               <a:t>"Export..." aus. Selektieren Sie dann unter "Java" den Knoten</a:t>
             </a:r>
             <a:br>
-              <a:rPr lang="de-DE" altLang="de-DE" sz="2400" smtClean="0"/>
+              <a:rPr lang="de-DE" altLang="de-DE" sz="2400"/>
             </a:br>
             <a:r>
-              <a:rPr lang="de-DE" altLang="de-DE" sz="2400" smtClean="0"/>
+              <a:rPr lang="de-DE" altLang="de-DE" sz="2400"/>
               <a:t>"Javadoc" und klicken Sie auf "Next".</a:t>
             </a:r>
             <a:br>
-              <a:rPr lang="de-DE" altLang="de-DE" sz="2400" smtClean="0"/>
+              <a:rPr lang="de-DE" altLang="de-DE" sz="2400"/>
             </a:br>
-            <a:endParaRPr lang="de-DE" altLang="de-DE" sz="2400" smtClean="0"/>
+            <a:endParaRPr lang="de-DE" altLang="de-DE" sz="2400"/>
           </a:p>
           <a:p>
             <a:pPr marL="269875" indent="-269875" eaLnBrk="1">
@@ -14538,21 +14478,21 @@
               </a:tabLst>
             </a:pPr>
             <a:r>
-              <a:rPr lang="de-DE" altLang="de-DE" sz="2400" smtClean="0"/>
+              <a:rPr lang="de-DE" altLang="de-DE" sz="2400"/>
               <a:t>Im folgenden Fenster können Sie die Klassen auswählen, für die</a:t>
             </a:r>
             <a:br>
-              <a:rPr lang="de-DE" altLang="de-DE" sz="2400" smtClean="0"/>
+              <a:rPr lang="de-DE" altLang="de-DE" sz="2400"/>
             </a:br>
             <a:r>
-              <a:rPr lang="de-DE" altLang="de-DE" sz="2400" smtClean="0"/>
+              <a:rPr lang="de-DE" altLang="de-DE" sz="2400"/>
               <a:t>die Javadoc generiert werden soll (normalerweise alle).</a:t>
             </a:r>
             <a:br>
-              <a:rPr lang="de-DE" altLang="de-DE" sz="2400" smtClean="0"/>
+              <a:rPr lang="de-DE" altLang="de-DE" sz="2400"/>
             </a:br>
             <a:r>
-              <a:rPr lang="de-DE" altLang="de-DE" sz="2400" smtClean="0"/>
+              <a:rPr lang="de-DE" altLang="de-DE" sz="2400"/>
               <a:t> </a:t>
             </a:r>
           </a:p>
@@ -14580,27 +14520,27 @@
               </a:tabLst>
             </a:pPr>
             <a:r>
-              <a:rPr lang="de-DE" altLang="de-DE" sz="2400" smtClean="0"/>
+              <a:rPr lang="de-DE" altLang="de-DE" sz="2400"/>
               <a:t>Außerdem können Sie wählen, ob nur für öffentliche (public)</a:t>
             </a:r>
             <a:br>
-              <a:rPr lang="de-DE" altLang="de-DE" sz="2400" smtClean="0"/>
+              <a:rPr lang="de-DE" altLang="de-DE" sz="2400"/>
             </a:br>
             <a:r>
-              <a:rPr lang="de-DE" altLang="de-DE" sz="2400" smtClean="0"/>
+              <a:rPr lang="de-DE" altLang="de-DE" sz="2400"/>
               <a:t>Attribute und Methoden Javadoc generiert werden soll oder auch</a:t>
             </a:r>
             <a:br>
-              <a:rPr lang="de-DE" altLang="de-DE" sz="2400" smtClean="0"/>
+              <a:rPr lang="de-DE" altLang="de-DE" sz="2400"/>
             </a:br>
             <a:r>
-              <a:rPr lang="de-DE" altLang="de-DE" sz="2400" smtClean="0"/>
+              <a:rPr lang="de-DE" altLang="de-DE" sz="2400"/>
               <a:t>für nicht-öffentliche (in 3 Abstufungen).</a:t>
             </a:r>
             <a:br>
-              <a:rPr lang="de-DE" altLang="de-DE" sz="2400" smtClean="0"/>
+              <a:rPr lang="de-DE" altLang="de-DE" sz="2400"/>
             </a:br>
-            <a:endParaRPr lang="de-DE" altLang="de-DE" sz="2400" smtClean="0"/>
+            <a:endParaRPr lang="de-DE" altLang="de-DE" sz="2400"/>
           </a:p>
           <a:p>
             <a:pPr marL="269875" indent="-269875" eaLnBrk="1">
@@ -14626,13 +14566,13 @@
               </a:tabLst>
             </a:pPr>
             <a:r>
-              <a:rPr lang="de-DE" altLang="de-DE" sz="2400" smtClean="0"/>
+              <a:rPr lang="de-DE" altLang="de-DE" sz="2400"/>
               <a:t>Wählen Sie unter "Use Standard Doclet" bei "Destination" einen Ordner aus, in dem die Javadoc abgelegt werden soll.</a:t>
             </a:r>
             <a:br>
-              <a:rPr lang="de-DE" altLang="de-DE" sz="2400" smtClean="0"/>
+              <a:rPr lang="de-DE" altLang="de-DE" sz="2400"/>
             </a:br>
-            <a:endParaRPr lang="de-DE" altLang="de-DE" sz="2400" smtClean="0"/>
+            <a:endParaRPr lang="de-DE" altLang="de-DE" sz="2400"/>
           </a:p>
           <a:p>
             <a:pPr marL="269875" indent="-269875" eaLnBrk="1">
@@ -14658,20 +14598,16 @@
               </a:tabLst>
             </a:pPr>
             <a:r>
-              <a:rPr lang="de-DE" altLang="de-DE" sz="2400" smtClean="0"/>
+              <a:rPr lang="de-DE" altLang="de-DE" sz="2400"/>
               <a:t>Klicken Sie auf "Finish".</a:t>
             </a:r>
             <a:br>
-              <a:rPr lang="de-DE" altLang="de-DE" sz="2400" smtClean="0"/>
+              <a:rPr lang="de-DE" altLang="de-DE" sz="2400"/>
             </a:br>
-            <a:r>
-              <a:rPr lang="de-DE" altLang="de-DE" sz="2400" smtClean="0"/>
-              <a:t/>
-            </a:r>
             <a:br>
-              <a:rPr lang="de-DE" altLang="de-DE" sz="2400" smtClean="0"/>
+              <a:rPr lang="de-DE" altLang="de-DE" sz="2400"/>
             </a:br>
-            <a:endParaRPr lang="de-DE" altLang="de-DE" sz="2400" smtClean="0"/>
+            <a:endParaRPr lang="de-DE" altLang="de-DE" sz="2400"/>
           </a:p>
           <a:p>
             <a:pPr marL="269875" indent="-269875" eaLnBrk="1">
@@ -14696,7 +14632,7 @@
                 <a:tab pos="8686800" algn="l"/>
               </a:tabLst>
             </a:pPr>
-            <a:endParaRPr lang="de-DE" altLang="de-DE" smtClean="0"/>
+            <a:endParaRPr lang="de-DE" altLang="de-DE"/>
           </a:p>
         </p:txBody>
       </p:sp>
@@ -14780,7 +14716,7 @@
               <a:buNone/>
             </a:pPr>
             <a:r>
-              <a:rPr lang="de-DE" altLang="de-DE" smtClean="0">
+              <a:rPr lang="de-DE" altLang="de-DE">
                 <a:latin typeface="Arial" charset="0"/>
                 <a:ea typeface="Microsoft YaHei" charset="-122"/>
               </a:rPr>
@@ -14907,7 +14843,7 @@
               </a:tabLst>
             </a:pPr>
             <a:r>
-              <a:rPr lang="de-DE" altLang="de-DE" sz="4000" smtClean="0">
+              <a:rPr lang="de-DE" altLang="de-DE" sz="4000">
                 <a:solidFill>
                   <a:srgbClr val="FFFFFF"/>
                 </a:solidFill>
@@ -14957,7 +14893,7 @@
               </a:tabLst>
             </a:pPr>
             <a:r>
-              <a:rPr lang="de-DE" altLang="de-DE" sz="2800" smtClean="0"/>
+              <a:rPr lang="de-DE" altLang="de-DE" sz="2800"/>
               <a:t>Die Java-Klassen selbst sind selbstverständlich auch mit</a:t>
             </a:r>
           </a:p>
@@ -14982,7 +14918,7 @@
               </a:tabLst>
             </a:pPr>
             <a:r>
-              <a:rPr lang="de-DE" altLang="de-DE" sz="2800" smtClean="0"/>
+              <a:rPr lang="de-DE" altLang="de-DE" sz="2800"/>
               <a:t>Javadoc-Kommentaren kommentiert; die Dokumentation</a:t>
             </a:r>
           </a:p>
@@ -15007,7 +14943,7 @@
               </a:tabLst>
             </a:pPr>
             <a:r>
-              <a:rPr lang="de-DE" altLang="de-DE" sz="2800" smtClean="0"/>
+              <a:rPr lang="de-DE" altLang="de-DE" sz="2800"/>
               <a:t>ist im Internet verfügbar:</a:t>
             </a:r>
           </a:p>
@@ -15031,7 +14967,7 @@
                 <a:tab pos="8686800" algn="l"/>
               </a:tabLst>
             </a:pPr>
-            <a:endParaRPr lang="de-DE" altLang="de-DE" sz="2800" smtClean="0"/>
+            <a:endParaRPr lang="de-DE" altLang="de-DE" sz="2800"/>
           </a:p>
           <a:p>
             <a:pPr marL="269875" indent="-269875" eaLnBrk="1">
@@ -15054,7 +14990,7 @@
               </a:tabLst>
             </a:pPr>
             <a:r>
-              <a:rPr lang="de-DE" altLang="de-DE" sz="2800" smtClean="0"/>
+              <a:rPr lang="de-DE" altLang="de-DE" sz="2800"/>
               <a:t>http://docs.oracle.com/javase/7/docs/api/</a:t>
             </a:r>
           </a:p>
@@ -15081,7 +15017,7 @@
                 <a:tab pos="8686800" algn="l"/>
               </a:tabLst>
             </a:pPr>
-            <a:endParaRPr lang="de-DE" altLang="de-DE" smtClean="0"/>
+            <a:endParaRPr lang="de-DE" altLang="de-DE"/>
           </a:p>
           <a:p>
             <a:pPr marL="269875" indent="-269875" eaLnBrk="1">
@@ -15106,7 +15042,7 @@
                 <a:tab pos="8686800" algn="l"/>
               </a:tabLst>
             </a:pPr>
-            <a:endParaRPr lang="de-DE" altLang="de-DE" smtClean="0"/>
+            <a:endParaRPr lang="de-DE" altLang="de-DE"/>
           </a:p>
         </p:txBody>
       </p:sp>
@@ -15190,7 +15126,7 @@
               <a:buNone/>
             </a:pPr>
             <a:r>
-              <a:rPr lang="de-DE" altLang="de-DE" smtClean="0">
+              <a:rPr lang="de-DE" altLang="de-DE">
                 <a:latin typeface="Arial" charset="0"/>
                 <a:ea typeface="Microsoft YaHei" charset="-122"/>
               </a:rPr>
@@ -15317,7 +15253,7 @@
               </a:tabLst>
             </a:pPr>
             <a:r>
-              <a:rPr lang="de-DE" altLang="de-DE" sz="4000" smtClean="0">
+              <a:rPr lang="de-DE" altLang="de-DE" sz="4000">
                 <a:solidFill>
                   <a:srgbClr val="FFFFFF"/>
                 </a:solidFill>
@@ -15370,20 +15306,20 @@
               </a:tabLst>
             </a:pPr>
             <a:r>
-              <a:rPr lang="de-DE" altLang="de-DE" sz="2800" smtClean="0"/>
+              <a:rPr lang="de-DE" altLang="de-DE" sz="2800"/>
               <a:t>Eine fertige Anwendung besteht ggf. aus sehr vielen</a:t>
             </a:r>
             <a:br>
-              <a:rPr lang="de-DE" altLang="de-DE" sz="2800" smtClean="0"/>
+              <a:rPr lang="de-DE" altLang="de-DE" sz="2800"/>
             </a:br>
             <a:r>
-              <a:rPr lang="de-DE" altLang="de-DE" sz="2800" smtClean="0"/>
+              <a:rPr lang="de-DE" altLang="de-DE" sz="2800"/>
               <a:t>zusammengehörigen Klassen.</a:t>
             </a:r>
             <a:br>
-              <a:rPr lang="de-DE" altLang="de-DE" sz="2800" smtClean="0"/>
+              <a:rPr lang="de-DE" altLang="de-DE" sz="2800"/>
             </a:br>
-            <a:endParaRPr lang="de-DE" altLang="de-DE" sz="2800" smtClean="0"/>
+            <a:endParaRPr lang="de-DE" altLang="de-DE" sz="2800"/>
           </a:p>
           <a:p>
             <a:pPr marL="269875" indent="-269875" eaLnBrk="1">
@@ -15409,41 +15345,37 @@
               </a:tabLst>
             </a:pPr>
             <a:r>
-              <a:rPr lang="de-DE" altLang="de-DE" sz="2800" smtClean="0"/>
+              <a:rPr lang="de-DE" altLang="de-DE" sz="2800"/>
               <a:t>Sie führen Anwendungen bisher nur über Eclipse aus,</a:t>
             </a:r>
             <a:br>
-              <a:rPr lang="de-DE" altLang="de-DE" sz="2800" smtClean="0"/>
+              <a:rPr lang="de-DE" altLang="de-DE" sz="2800"/>
             </a:br>
             <a:r>
-              <a:rPr lang="de-DE" altLang="de-DE" sz="2800" smtClean="0"/>
+              <a:rPr lang="de-DE" altLang="de-DE" sz="2800"/>
               <a:t>für Endanwender ist das jedoch nicht zumutbar.</a:t>
             </a:r>
             <a:br>
-              <a:rPr lang="de-DE" altLang="de-DE" sz="2800" smtClean="0"/>
+              <a:rPr lang="de-DE" altLang="de-DE" sz="2800"/>
             </a:br>
-            <a:r>
-              <a:rPr lang="de-DE" altLang="de-DE" sz="2800" smtClean="0"/>
-              <a:t/>
-            </a:r>
             <a:br>
-              <a:rPr lang="de-DE" altLang="de-DE" sz="2800" smtClean="0"/>
+              <a:rPr lang="de-DE" altLang="de-DE" sz="2800"/>
             </a:br>
             <a:r>
-              <a:rPr lang="de-DE" altLang="de-DE" sz="2800" smtClean="0"/>
+              <a:rPr lang="de-DE" altLang="de-DE" sz="2800"/>
               <a:t>=&gt; Sie müssen eine Anwendung als geschlossenes</a:t>
             </a:r>
             <a:br>
-              <a:rPr lang="de-DE" altLang="de-DE" sz="2800" smtClean="0"/>
+              <a:rPr lang="de-DE" altLang="de-DE" sz="2800"/>
             </a:br>
             <a:r>
-              <a:rPr lang="de-DE" altLang="de-DE" sz="2800" smtClean="0"/>
+              <a:rPr lang="de-DE" altLang="de-DE" sz="2800"/>
               <a:t>Paket ausliefern und wie eine normale Windows-Anwendung starten können.</a:t>
             </a:r>
             <a:br>
-              <a:rPr lang="de-DE" altLang="de-DE" sz="2800" smtClean="0"/>
+              <a:rPr lang="de-DE" altLang="de-DE" sz="2800"/>
             </a:br>
-            <a:endParaRPr lang="de-DE" altLang="de-DE" sz="2800" smtClean="0"/>
+            <a:endParaRPr lang="de-DE" altLang="de-DE" sz="2800"/>
           </a:p>
           <a:p>
             <a:pPr marL="269875" indent="-269875" eaLnBrk="1">
@@ -15469,11 +15401,11 @@
               </a:tabLst>
             </a:pPr>
             <a:r>
-              <a:rPr lang="de-DE" altLang="de-DE" sz="2800" smtClean="0"/>
+              <a:rPr lang="de-DE" altLang="de-DE" sz="2800"/>
               <a:t>Die Lösung: </a:t>
             </a:r>
             <a:r>
-              <a:rPr lang="de-DE" altLang="de-DE" sz="2800" b="1" smtClean="0"/>
+              <a:rPr lang="de-DE" altLang="de-DE" sz="2800" b="1"/>
               <a:t>JARs</a:t>
             </a:r>
           </a:p>
@@ -15500,7 +15432,7 @@
                 <a:tab pos="8686800" algn="l"/>
               </a:tabLst>
             </a:pPr>
-            <a:endParaRPr lang="de-DE" altLang="de-DE" smtClean="0"/>
+            <a:endParaRPr lang="de-DE" altLang="de-DE"/>
           </a:p>
         </p:txBody>
       </p:sp>
@@ -15584,7 +15516,7 @@
               <a:buNone/>
             </a:pPr>
             <a:r>
-              <a:rPr lang="de-DE" altLang="de-DE" smtClean="0">
+              <a:rPr lang="de-DE" altLang="de-DE">
                 <a:latin typeface="Arial" charset="0"/>
                 <a:ea typeface="Microsoft YaHei" charset="-122"/>
               </a:rPr>
@@ -15711,7 +15643,7 @@
               </a:tabLst>
             </a:pPr>
             <a:r>
-              <a:rPr lang="de-DE" altLang="de-DE" sz="4000" smtClean="0">
+              <a:rPr lang="de-DE" altLang="de-DE" sz="4000">
                 <a:solidFill>
                   <a:srgbClr val="FFFFFF"/>
                 </a:solidFill>
@@ -15764,29 +15696,29 @@
               </a:tabLst>
             </a:pPr>
             <a:r>
-              <a:rPr lang="de-DE" altLang="de-DE" sz="2400" smtClean="0"/>
+              <a:rPr lang="de-DE" altLang="de-DE" sz="2400"/>
               <a:t>"Jar" steht für </a:t>
             </a:r>
             <a:r>
-              <a:rPr lang="de-DE" altLang="de-DE" sz="2400" u="sng" smtClean="0"/>
+              <a:rPr lang="de-DE" altLang="de-DE" sz="2400" u="sng"/>
               <a:t>J</a:t>
             </a:r>
             <a:r>
-              <a:rPr lang="de-DE" altLang="de-DE" sz="2400" smtClean="0"/>
+              <a:rPr lang="de-DE" altLang="de-DE" sz="2400"/>
               <a:t>ava </a:t>
             </a:r>
             <a:r>
-              <a:rPr lang="de-DE" altLang="de-DE" sz="2400" u="sng" smtClean="0"/>
+              <a:rPr lang="de-DE" altLang="de-DE" sz="2400" u="sng"/>
               <a:t>Ar</a:t>
             </a:r>
             <a:r>
-              <a:rPr lang="de-DE" altLang="de-DE" sz="2400" smtClean="0"/>
+              <a:rPr lang="de-DE" altLang="de-DE" sz="2400"/>
               <a:t>chive.</a:t>
             </a:r>
             <a:br>
-              <a:rPr lang="de-DE" altLang="de-DE" sz="2400" smtClean="0"/>
+              <a:rPr lang="de-DE" altLang="de-DE" sz="2400"/>
             </a:br>
-            <a:endParaRPr lang="de-DE" altLang="de-DE" sz="2400" smtClean="0"/>
+            <a:endParaRPr lang="de-DE" altLang="de-DE" sz="2400"/>
           </a:p>
           <a:p>
             <a:pPr marL="269875" indent="-269875" eaLnBrk="1">
@@ -15812,28 +15744,28 @@
               </a:tabLst>
             </a:pPr>
             <a:r>
-              <a:rPr lang="de-DE" altLang="de-DE" sz="2400" smtClean="0"/>
+              <a:rPr lang="de-DE" altLang="de-DE" sz="2400"/>
               <a:t>Eine Datei mit der Endung ".jar" ist eigentlich nur eine</a:t>
             </a:r>
             <a:br>
-              <a:rPr lang="de-DE" altLang="de-DE" sz="2400" smtClean="0"/>
+              <a:rPr lang="de-DE" altLang="de-DE" sz="2400"/>
             </a:br>
             <a:r>
-              <a:rPr lang="de-DE" altLang="de-DE" sz="2400" smtClean="0"/>
+              <a:rPr lang="de-DE" altLang="de-DE" sz="2400"/>
               <a:t>zip-Datei, die ein Java-Programm enthalten kann (aber</a:t>
             </a:r>
             <a:br>
-              <a:rPr lang="de-DE" altLang="de-DE" sz="2400" smtClean="0"/>
+              <a:rPr lang="de-DE" altLang="de-DE" sz="2400"/>
             </a:br>
             <a:r>
-              <a:rPr lang="de-DE" altLang="de-DE" sz="2400" smtClean="0"/>
+              <a:rPr lang="de-DE" altLang="de-DE" sz="2400"/>
               <a:t>nicht muss).</a:t>
             </a:r>
             <a:br>
-              <a:rPr lang="de-DE" altLang="de-DE" sz="2400" smtClean="0"/>
+              <a:rPr lang="de-DE" altLang="de-DE" sz="2400"/>
             </a:br>
             <a:r>
-              <a:rPr lang="de-DE" altLang="de-DE" sz="2400" smtClean="0"/>
+              <a:rPr lang="de-DE" altLang="de-DE" sz="2400"/>
               <a:t> </a:t>
             </a:r>
           </a:p>
@@ -15861,56 +15793,52 @@
               </a:tabLst>
             </a:pPr>
             <a:r>
-              <a:rPr lang="de-DE" altLang="de-DE" sz="2400" smtClean="0"/>
+              <a:rPr lang="de-DE" altLang="de-DE" sz="2400"/>
               <a:t>Ein Jar-Archiv enthält:</a:t>
             </a:r>
             <a:br>
-              <a:rPr lang="de-DE" altLang="de-DE" sz="2400" smtClean="0"/>
+              <a:rPr lang="de-DE" altLang="de-DE" sz="2400"/>
             </a:br>
-            <a:r>
-              <a:rPr lang="de-DE" altLang="de-DE" sz="2400" smtClean="0"/>
-              <a:t/>
-            </a:r>
             <a:br>
-              <a:rPr lang="de-DE" altLang="de-DE" sz="2400" smtClean="0"/>
+              <a:rPr lang="de-DE" altLang="de-DE" sz="2400"/>
             </a:br>
             <a:r>
-              <a:rPr lang="de-DE" altLang="de-DE" sz="2400" smtClean="0"/>
+              <a:rPr lang="de-DE" altLang="de-DE" sz="2400"/>
               <a:t>alle compilierten Java-Klassen (.class-Dateien),</a:t>
             </a:r>
             <a:br>
-              <a:rPr lang="de-DE" altLang="de-DE" sz="2400" smtClean="0"/>
+              <a:rPr lang="de-DE" altLang="de-DE" sz="2400"/>
             </a:br>
             <a:r>
-              <a:rPr lang="de-DE" altLang="de-DE" sz="2400" smtClean="0"/>
+              <a:rPr lang="de-DE" altLang="de-DE" sz="2400"/>
               <a:t>eine sog. Manifest-Datei, die beschreibt,</a:t>
             </a:r>
             <a:br>
-              <a:rPr lang="de-DE" altLang="de-DE" sz="2400" smtClean="0"/>
+              <a:rPr lang="de-DE" altLang="de-DE" sz="2400"/>
             </a:br>
             <a:r>
-              <a:rPr lang="de-DE" altLang="de-DE" sz="2400" smtClean="0"/>
+              <a:rPr lang="de-DE" altLang="de-DE" sz="2400"/>
               <a:t>welche Klasse die main-Methode enthält (.mf-Datei),</a:t>
             </a:r>
             <a:br>
-              <a:rPr lang="de-DE" altLang="de-DE" sz="2400" smtClean="0"/>
+              <a:rPr lang="de-DE" altLang="de-DE" sz="2400"/>
             </a:br>
             <a:r>
-              <a:rPr lang="de-DE" altLang="de-DE" sz="2400" smtClean="0"/>
+              <a:rPr lang="de-DE" altLang="de-DE" sz="2400"/>
               <a:t>optional den Quellcode (.java-Dateien) und</a:t>
             </a:r>
             <a:br>
-              <a:rPr lang="de-DE" altLang="de-DE" sz="2400" smtClean="0"/>
+              <a:rPr lang="de-DE" altLang="de-DE" sz="2400"/>
             </a:br>
             <a:r>
-              <a:rPr lang="de-DE" altLang="de-DE" sz="2400" smtClean="0"/>
+              <a:rPr lang="de-DE" altLang="de-DE" sz="2400"/>
               <a:t>ggf. noch weitere Ressourcen, z. B. Bilder oder</a:t>
             </a:r>
             <a:br>
-              <a:rPr lang="de-DE" altLang="de-DE" sz="2400" smtClean="0"/>
+              <a:rPr lang="de-DE" altLang="de-DE" sz="2400"/>
             </a:br>
             <a:r>
-              <a:rPr lang="de-DE" altLang="de-DE" sz="2400" smtClean="0"/>
+              <a:rPr lang="de-DE" altLang="de-DE" sz="2400"/>
               <a:t>Sounds, die in dem Programm verwendet werden.</a:t>
             </a:r>
           </a:p>
@@ -15937,7 +15865,7 @@
                 <a:tab pos="8686800" algn="l"/>
               </a:tabLst>
             </a:pPr>
-            <a:endParaRPr lang="de-DE" altLang="de-DE" smtClean="0"/>
+            <a:endParaRPr lang="de-DE" altLang="de-DE"/>
           </a:p>
           <a:p>
             <a:pPr marL="269875" indent="-269875" eaLnBrk="1">
@@ -15962,7 +15890,7 @@
                 <a:tab pos="8686800" algn="l"/>
               </a:tabLst>
             </a:pPr>
-            <a:endParaRPr lang="de-DE" altLang="de-DE" smtClean="0"/>
+            <a:endParaRPr lang="de-DE" altLang="de-DE"/>
           </a:p>
         </p:txBody>
       </p:sp>
@@ -16046,7 +15974,7 @@
               <a:buNone/>
             </a:pPr>
             <a:r>
-              <a:rPr lang="de-DE" altLang="de-DE" smtClean="0">
+              <a:rPr lang="de-DE" altLang="de-DE">
                 <a:latin typeface="Arial" charset="0"/>
                 <a:ea typeface="Microsoft YaHei" charset="-122"/>
               </a:rPr>
@@ -16173,7 +16101,7 @@
               </a:tabLst>
             </a:pPr>
             <a:r>
-              <a:rPr lang="de-DE" altLang="de-DE" sz="4000" smtClean="0">
+              <a:rPr lang="de-DE" altLang="de-DE" sz="4000">
                 <a:solidFill>
                   <a:srgbClr val="FFFFFF"/>
                 </a:solidFill>
@@ -16226,20 +16154,20 @@
               </a:tabLst>
             </a:pPr>
             <a:r>
-              <a:rPr lang="de-DE" altLang="de-DE" sz="2800" smtClean="0"/>
+              <a:rPr lang="de-DE" altLang="de-DE" sz="2800"/>
               <a:t>Windows-Rechner identifizieren über die Dateiendung</a:t>
             </a:r>
             <a:br>
-              <a:rPr lang="de-DE" altLang="de-DE" sz="2800" smtClean="0"/>
+              <a:rPr lang="de-DE" altLang="de-DE" sz="2800"/>
             </a:br>
             <a:r>
-              <a:rPr lang="de-DE" altLang="de-DE" sz="2800" smtClean="0"/>
+              <a:rPr lang="de-DE" altLang="de-DE" sz="2800"/>
               <a:t>einer Datei, was bei einem Doppelklick passieren soll.</a:t>
             </a:r>
             <a:br>
-              <a:rPr lang="de-DE" altLang="de-DE" sz="2800" smtClean="0"/>
+              <a:rPr lang="de-DE" altLang="de-DE" sz="2800"/>
             </a:br>
-            <a:endParaRPr lang="de-DE" altLang="de-DE" sz="2800" smtClean="0"/>
+            <a:endParaRPr lang="de-DE" altLang="de-DE" sz="2800"/>
           </a:p>
           <a:p>
             <a:pPr marL="269875" indent="-269875" eaLnBrk="1">
@@ -16265,28 +16193,28 @@
               </a:tabLst>
             </a:pPr>
             <a:r>
-              <a:rPr lang="de-DE" altLang="de-DE" sz="2800" smtClean="0"/>
+              <a:rPr lang="de-DE" altLang="de-DE" sz="2800"/>
               <a:t>Wenn Java installiert wird, wird Windows so</a:t>
             </a:r>
             <a:br>
-              <a:rPr lang="de-DE" altLang="de-DE" sz="2800" smtClean="0"/>
+              <a:rPr lang="de-DE" altLang="de-DE" sz="2800"/>
             </a:br>
             <a:r>
-              <a:rPr lang="de-DE" altLang="de-DE" sz="2800" smtClean="0"/>
+              <a:rPr lang="de-DE" altLang="de-DE" sz="2800"/>
               <a:t>eingerichtet, dass bei einem Doppelklick auf einem Jar</a:t>
             </a:r>
             <a:br>
-              <a:rPr lang="de-DE" altLang="de-DE" sz="2800" smtClean="0"/>
+              <a:rPr lang="de-DE" altLang="de-DE" sz="2800"/>
             </a:br>
             <a:r>
-              <a:rPr lang="de-DE" altLang="de-DE" sz="2800" smtClean="0"/>
+              <a:rPr lang="de-DE" altLang="de-DE" sz="2800"/>
               <a:t>die enthaltene Anwendung gestartet wird.</a:t>
             </a:r>
             <a:br>
-              <a:rPr lang="de-DE" altLang="de-DE" sz="2800" smtClean="0"/>
+              <a:rPr lang="de-DE" altLang="de-DE" sz="2800"/>
             </a:br>
             <a:r>
-              <a:rPr lang="de-DE" altLang="de-DE" sz="2800" smtClean="0"/>
+              <a:rPr lang="de-DE" altLang="de-DE" sz="2800"/>
               <a:t> </a:t>
             </a:r>
           </a:p>
@@ -16314,7 +16242,7 @@
               </a:tabLst>
             </a:pPr>
             <a:r>
-              <a:rPr lang="de-DE" altLang="de-DE" sz="2800" smtClean="0"/>
+              <a:rPr lang="de-DE" altLang="de-DE" sz="2800"/>
               <a:t>Einige Programme (z. B. Packprogramme) ändern diese Einstellung jedoch.</a:t>
             </a:r>
           </a:p>
@@ -16341,7 +16269,7 @@
                 <a:tab pos="8686800" algn="l"/>
               </a:tabLst>
             </a:pPr>
-            <a:endParaRPr lang="de-DE" altLang="de-DE" smtClean="0"/>
+            <a:endParaRPr lang="de-DE" altLang="de-DE"/>
           </a:p>
           <a:p>
             <a:pPr marL="269875" indent="-269875" eaLnBrk="1">
@@ -16366,7 +16294,7 @@
                 <a:tab pos="8686800" algn="l"/>
               </a:tabLst>
             </a:pPr>
-            <a:endParaRPr lang="de-DE" altLang="de-DE" smtClean="0"/>
+            <a:endParaRPr lang="de-DE" altLang="de-DE"/>
           </a:p>
         </p:txBody>
       </p:sp>
@@ -16450,7 +16378,7 @@
               <a:buNone/>
             </a:pPr>
             <a:r>
-              <a:rPr lang="de-DE" altLang="de-DE" smtClean="0">
+              <a:rPr lang="de-DE" altLang="de-DE">
                 <a:latin typeface="Arial" charset="0"/>
                 <a:ea typeface="Microsoft YaHei" charset="-122"/>
               </a:rPr>
@@ -16577,7 +16505,7 @@
               </a:tabLst>
             </a:pPr>
             <a:r>
-              <a:rPr lang="de-DE" altLang="de-DE" sz="4000" smtClean="0">
+              <a:rPr lang="de-DE" altLang="de-DE" sz="4000">
                 <a:solidFill>
                   <a:srgbClr val="FFFFFF"/>
                 </a:solidFill>
@@ -16630,13 +16558,13 @@
               </a:tabLst>
             </a:pPr>
             <a:r>
-              <a:rPr lang="de-DE" altLang="de-DE" sz="2400" smtClean="0"/>
+              <a:rPr lang="de-DE" altLang="de-DE" sz="2400"/>
               <a:t>Einfachster Fall: Doppelklick funktioniert.</a:t>
             </a:r>
             <a:br>
-              <a:rPr lang="de-DE" altLang="de-DE" sz="2400" smtClean="0"/>
+              <a:rPr lang="de-DE" altLang="de-DE" sz="2400"/>
             </a:br>
-            <a:endParaRPr lang="de-DE" altLang="de-DE" sz="2400" smtClean="0"/>
+            <a:endParaRPr lang="de-DE" altLang="de-DE" sz="2400"/>
           </a:p>
           <a:p>
             <a:pPr marL="269875" indent="-269875" eaLnBrk="1">
@@ -16662,28 +16590,28 @@
               </a:tabLst>
             </a:pPr>
             <a:r>
-              <a:rPr lang="de-DE" altLang="de-DE" sz="2400" smtClean="0"/>
+              <a:rPr lang="de-DE" altLang="de-DE" sz="2400"/>
               <a:t>Alternative: Rechter Klick auf die Datei, und es befindet</a:t>
             </a:r>
             <a:br>
-              <a:rPr lang="de-DE" altLang="de-DE" sz="2400" smtClean="0"/>
+              <a:rPr lang="de-DE" altLang="de-DE" sz="2400"/>
             </a:br>
             <a:r>
-              <a:rPr lang="de-DE" altLang="de-DE" sz="2400" smtClean="0"/>
+              <a:rPr lang="de-DE" altLang="de-DE" sz="2400"/>
               <a:t>sich dort ein Eintrag, mit dem Sie das Programm</a:t>
             </a:r>
             <a:br>
-              <a:rPr lang="de-DE" altLang="de-DE" sz="2400" smtClean="0"/>
+              <a:rPr lang="de-DE" altLang="de-DE" sz="2400"/>
             </a:br>
             <a:r>
-              <a:rPr lang="de-DE" altLang="de-DE" sz="2400" smtClean="0"/>
+              <a:rPr lang="de-DE" altLang="de-DE" sz="2400"/>
               <a:t>ausführen können.</a:t>
             </a:r>
             <a:br>
-              <a:rPr lang="de-DE" altLang="de-DE" sz="2400" smtClean="0"/>
+              <a:rPr lang="de-DE" altLang="de-DE" sz="2400"/>
             </a:br>
             <a:r>
-              <a:rPr lang="de-DE" altLang="de-DE" sz="2400" smtClean="0"/>
+              <a:rPr lang="de-DE" altLang="de-DE" sz="2400"/>
               <a:t> </a:t>
             </a:r>
           </a:p>
@@ -16711,20 +16639,16 @@
               </a:tabLst>
             </a:pPr>
             <a:r>
-              <a:rPr lang="de-DE" altLang="de-DE" sz="2400" smtClean="0"/>
+              <a:rPr lang="de-DE" altLang="de-DE" sz="2400"/>
               <a:t>Sonst: Klicken Sie mit der rechten Maustaste auf das JAR und wählen Sie "Öffnen mit" und klicken Sie dann auf einen entsprechenden Java-Eintrag:</a:t>
             </a:r>
             <a:br>
-              <a:rPr lang="de-DE" altLang="de-DE" sz="2400" smtClean="0"/>
+              <a:rPr lang="de-DE" altLang="de-DE" sz="2400"/>
             </a:br>
-            <a:r>
-              <a:rPr lang="de-DE" altLang="de-DE" sz="2400" smtClean="0"/>
-              <a:t/>
-            </a:r>
             <a:br>
-              <a:rPr lang="de-DE" altLang="de-DE" sz="2400" smtClean="0"/>
+              <a:rPr lang="de-DE" altLang="de-DE" sz="2400"/>
             </a:br>
-            <a:endParaRPr lang="de-DE" altLang="de-DE" sz="2400" smtClean="0"/>
+            <a:endParaRPr lang="de-DE" altLang="de-DE" sz="2400"/>
           </a:p>
           <a:p>
             <a:pPr marL="269875" indent="-269875" eaLnBrk="1">
@@ -16749,7 +16673,7 @@
                 <a:tab pos="8686800" algn="l"/>
               </a:tabLst>
             </a:pPr>
-            <a:endParaRPr lang="de-DE" altLang="de-DE" sz="2400" smtClean="0"/>
+            <a:endParaRPr lang="de-DE" altLang="de-DE" sz="2400"/>
           </a:p>
           <a:p>
             <a:pPr marL="269875" indent="-269875" eaLnBrk="1">
@@ -16774,7 +16698,7 @@
                 <a:tab pos="8686800" algn="l"/>
               </a:tabLst>
             </a:pPr>
-            <a:endParaRPr lang="de-DE" altLang="de-DE" smtClean="0"/>
+            <a:endParaRPr lang="de-DE" altLang="de-DE"/>
           </a:p>
         </p:txBody>
       </p:sp>
@@ -16891,7 +16815,7 @@
               <a:buNone/>
             </a:pPr>
             <a:r>
-              <a:rPr lang="de-DE" altLang="de-DE" smtClean="0">
+              <a:rPr lang="de-DE" altLang="de-DE">
                 <a:latin typeface="Arial" charset="0"/>
                 <a:ea typeface="Microsoft YaHei" charset="-122"/>
               </a:rPr>
@@ -17018,7 +16942,7 @@
               </a:tabLst>
             </a:pPr>
             <a:r>
-              <a:rPr lang="de-DE" altLang="de-DE" sz="4000" smtClean="0">
+              <a:rPr lang="de-DE" altLang="de-DE" sz="4000">
                 <a:solidFill>
                   <a:srgbClr val="FFFFFF"/>
                 </a:solidFill>
@@ -17071,13 +16995,13 @@
               </a:tabLst>
             </a:pPr>
             <a:r>
-              <a:rPr lang="de-DE" altLang="de-DE" sz="2800" smtClean="0"/>
+              <a:rPr lang="de-DE" altLang="de-DE" sz="2800"/>
               <a:t>Ein Java-Programm muss mit mindestens der Java-Version ausgeführt werden, mit der es compiliert wurde.</a:t>
             </a:r>
             <a:br>
-              <a:rPr lang="de-DE" altLang="de-DE" sz="2800" smtClean="0"/>
+              <a:rPr lang="de-DE" altLang="de-DE" sz="2800"/>
             </a:br>
-            <a:endParaRPr lang="de-DE" altLang="de-DE" sz="2800" smtClean="0"/>
+            <a:endParaRPr lang="de-DE" altLang="de-DE" sz="2800"/>
           </a:p>
           <a:p>
             <a:pPr marL="269875" indent="-269875" eaLnBrk="1">
@@ -17103,42 +17027,42 @@
               </a:tabLst>
             </a:pPr>
             <a:r>
-              <a:rPr lang="de-DE" altLang="de-DE" sz="2800" smtClean="0"/>
+              <a:rPr lang="de-DE" altLang="de-DE" sz="2800"/>
               <a:t>Ein- und Ausgaben über die Konsole sind in Windows</a:t>
             </a:r>
             <a:br>
-              <a:rPr lang="de-DE" altLang="de-DE" sz="2800" smtClean="0"/>
+              <a:rPr lang="de-DE" altLang="de-DE" sz="2800"/>
             </a:br>
             <a:r>
-              <a:rPr lang="de-DE" altLang="de-DE" sz="2800" smtClean="0"/>
+              <a:rPr lang="de-DE" altLang="de-DE" sz="2800"/>
               <a:t>nur möglich, wenn das Programm auch aus einer</a:t>
             </a:r>
             <a:br>
-              <a:rPr lang="de-DE" altLang="de-DE" sz="2800" smtClean="0"/>
+              <a:rPr lang="de-DE" altLang="de-DE" sz="2800"/>
             </a:br>
             <a:r>
-              <a:rPr lang="de-DE" altLang="de-DE" sz="2800" smtClean="0"/>
+              <a:rPr lang="de-DE" altLang="de-DE" sz="2800"/>
               <a:t>Konsole (Dos-Box) heraus gestartet wird. Solche</a:t>
             </a:r>
             <a:br>
-              <a:rPr lang="de-DE" altLang="de-DE" sz="2800" smtClean="0"/>
+              <a:rPr lang="de-DE" altLang="de-DE" sz="2800"/>
             </a:br>
             <a:r>
-              <a:rPr lang="de-DE" altLang="de-DE" sz="2800" smtClean="0"/>
+              <a:rPr lang="de-DE" altLang="de-DE" sz="2800"/>
               <a:t>Programme sollten ggf. in Eclipse laufen.</a:t>
             </a:r>
             <a:br>
-              <a:rPr lang="de-DE" altLang="de-DE" sz="2800" smtClean="0"/>
+              <a:rPr lang="de-DE" altLang="de-DE" sz="2800"/>
             </a:br>
             <a:r>
-              <a:rPr lang="de-DE" altLang="de-DE" sz="2800" smtClean="0"/>
+              <a:rPr lang="de-DE" altLang="de-DE" sz="2800"/>
               <a:t>(Programme, die in der Konsole laufen, werden heutzutage ohnehin nicht mehr an Endanwender ausgeliefert)</a:t>
             </a:r>
             <a:br>
-              <a:rPr lang="de-DE" altLang="de-DE" sz="2800" smtClean="0"/>
+              <a:rPr lang="de-DE" altLang="de-DE" sz="2800"/>
             </a:br>
             <a:r>
-              <a:rPr lang="de-DE" altLang="de-DE" sz="2800" smtClean="0"/>
+              <a:rPr lang="de-DE" altLang="de-DE" sz="2800"/>
               <a:t> </a:t>
             </a:r>
           </a:p>
@@ -17165,7 +17089,7 @@
                 <a:tab pos="8686800" algn="l"/>
               </a:tabLst>
             </a:pPr>
-            <a:endParaRPr lang="de-DE" altLang="de-DE" smtClean="0"/>
+            <a:endParaRPr lang="de-DE" altLang="de-DE"/>
           </a:p>
           <a:p>
             <a:pPr marL="269875" indent="-269875" eaLnBrk="1">
@@ -17190,7 +17114,7 @@
                 <a:tab pos="8686800" algn="l"/>
               </a:tabLst>
             </a:pPr>
-            <a:endParaRPr lang="de-DE" altLang="de-DE" smtClean="0"/>
+            <a:endParaRPr lang="de-DE" altLang="de-DE"/>
           </a:p>
         </p:txBody>
       </p:sp>
@@ -17274,7 +17198,7 @@
               <a:buNone/>
             </a:pPr>
             <a:r>
-              <a:rPr lang="de-DE" altLang="de-DE" smtClean="0">
+              <a:rPr lang="de-DE" altLang="de-DE">
                 <a:latin typeface="Arial" charset="0"/>
                 <a:ea typeface="Microsoft YaHei" charset="-122"/>
               </a:rPr>
@@ -17401,7 +17325,7 @@
               </a:tabLst>
             </a:pPr>
             <a:r>
-              <a:rPr lang="de-DE" altLang="de-DE" sz="4000" smtClean="0">
+              <a:rPr lang="de-DE" altLang="de-DE" sz="4000">
                 <a:solidFill>
                   <a:srgbClr val="FFFFFF"/>
                 </a:solidFill>
@@ -17454,27 +17378,27 @@
               </a:tabLst>
             </a:pPr>
             <a:r>
-              <a:rPr lang="de-DE" altLang="de-DE" sz="2800" smtClean="0"/>
+              <a:rPr lang="de-DE" altLang="de-DE" sz="2800"/>
               <a:t>Klicken Sie mit der rechten Maustaste auf ein Projekt</a:t>
             </a:r>
             <a:br>
-              <a:rPr lang="de-DE" altLang="de-DE" sz="2800" smtClean="0"/>
+              <a:rPr lang="de-DE" altLang="de-DE" sz="2800"/>
             </a:br>
             <a:r>
-              <a:rPr lang="de-DE" altLang="de-DE" sz="2800" smtClean="0"/>
+              <a:rPr lang="de-DE" altLang="de-DE" sz="2800"/>
               <a:t>und dann auf "Export...", wählen Sie dann "JAR file"</a:t>
             </a:r>
             <a:br>
-              <a:rPr lang="de-DE" altLang="de-DE" sz="2800" smtClean="0"/>
+              <a:rPr lang="de-DE" altLang="de-DE" sz="2800"/>
             </a:br>
             <a:r>
-              <a:rPr lang="de-DE" altLang="de-DE" sz="2800" smtClean="0"/>
+              <a:rPr lang="de-DE" altLang="de-DE" sz="2800"/>
               <a:t>aus (unter Punkt "Java") und klicken Sie auf "Next".</a:t>
             </a:r>
             <a:br>
-              <a:rPr lang="de-DE" altLang="de-DE" sz="2800" smtClean="0"/>
+              <a:rPr lang="de-DE" altLang="de-DE" sz="2800"/>
             </a:br>
-            <a:endParaRPr lang="de-DE" altLang="de-DE" sz="2800" smtClean="0"/>
+            <a:endParaRPr lang="de-DE" altLang="de-DE" sz="2800"/>
           </a:p>
           <a:p>
             <a:pPr marL="269875" indent="-269875" eaLnBrk="1">
@@ -17500,13 +17424,13 @@
               </a:tabLst>
             </a:pPr>
             <a:r>
-              <a:rPr lang="de-DE" altLang="de-DE" sz="2800" smtClean="0"/>
+              <a:rPr lang="de-DE" altLang="de-DE" sz="2800"/>
               <a:t>Sie können auf der folgenden Seite auswählen, was alles in das Jar gepackt werden soll und wie das Jar heißen soll, das Sie erzeugen wollen. Klicken Sie danach auf "Next".</a:t>
             </a:r>
             <a:br>
-              <a:rPr lang="de-DE" altLang="de-DE" sz="2800" smtClean="0"/>
+              <a:rPr lang="de-DE" altLang="de-DE" sz="2800"/>
             </a:br>
-            <a:endParaRPr lang="de-DE" altLang="de-DE" sz="2800" smtClean="0"/>
+            <a:endParaRPr lang="de-DE" altLang="de-DE" sz="2800"/>
           </a:p>
           <a:p>
             <a:pPr marL="269875" indent="-269875" eaLnBrk="1">
@@ -17532,7 +17456,7 @@
               </a:tabLst>
             </a:pPr>
             <a:r>
-              <a:rPr lang="de-DE" altLang="de-DE" sz="2800" smtClean="0"/>
+              <a:rPr lang="de-DE" altLang="de-DE" sz="2800"/>
               <a:t>Die Einstellungen im folgenden Fenster können Sie vorerst überspringen - klicken Sie auf "Next". </a:t>
             </a:r>
           </a:p>
@@ -17559,7 +17483,7 @@
                 <a:tab pos="8686800" algn="l"/>
               </a:tabLst>
             </a:pPr>
-            <a:endParaRPr lang="de-DE" altLang="de-DE" sz="2800" smtClean="0"/>
+            <a:endParaRPr lang="de-DE" altLang="de-DE" sz="2800"/>
           </a:p>
           <a:p>
             <a:pPr marL="269875" indent="-269875" eaLnBrk="1">
@@ -17584,7 +17508,7 @@
                 <a:tab pos="8686800" algn="l"/>
               </a:tabLst>
             </a:pPr>
-            <a:endParaRPr lang="de-DE" altLang="de-DE" smtClean="0"/>
+            <a:endParaRPr lang="de-DE" altLang="de-DE"/>
           </a:p>
           <a:p>
             <a:pPr marL="269875" indent="-269875" eaLnBrk="1">
@@ -17609,7 +17533,7 @@
                 <a:tab pos="8686800" algn="l"/>
               </a:tabLst>
             </a:pPr>
-            <a:endParaRPr lang="de-DE" altLang="de-DE" smtClean="0"/>
+            <a:endParaRPr lang="de-DE" altLang="de-DE"/>
           </a:p>
         </p:txBody>
       </p:sp>
@@ -17693,7 +17617,7 @@
               <a:buNone/>
             </a:pPr>
             <a:r>
-              <a:rPr lang="de-DE" altLang="de-DE" smtClean="0">
+              <a:rPr lang="de-DE" altLang="de-DE">
                 <a:latin typeface="Arial" charset="0"/>
                 <a:ea typeface="Microsoft YaHei" charset="-122"/>
               </a:rPr>
@@ -17820,7 +17744,7 @@
               </a:tabLst>
             </a:pPr>
             <a:r>
-              <a:rPr lang="de-DE" altLang="de-DE" sz="4000" smtClean="0">
+              <a:rPr lang="de-DE" altLang="de-DE" sz="4000">
                 <a:solidFill>
                   <a:srgbClr val="FFFFFF"/>
                 </a:solidFill>
@@ -17873,76 +17797,64 @@
               </a:tabLst>
             </a:pPr>
             <a:r>
-              <a:rPr lang="de-DE" altLang="de-DE" sz="2800" smtClean="0"/>
+              <a:rPr lang="de-DE" altLang="de-DE" sz="2800"/>
               <a:t>Im vorliegenden Fenster können Sie</a:t>
             </a:r>
             <a:br>
-              <a:rPr lang="de-DE" altLang="de-DE" sz="2800" smtClean="0"/>
+              <a:rPr lang="de-DE" altLang="de-DE" sz="2800"/>
             </a:br>
-            <a:r>
-              <a:rPr lang="de-DE" altLang="de-DE" sz="2800" smtClean="0"/>
-              <a:t/>
-            </a:r>
             <a:br>
-              <a:rPr lang="de-DE" altLang="de-DE" sz="2800" smtClean="0"/>
+              <a:rPr lang="de-DE" altLang="de-DE" sz="2800"/>
             </a:br>
             <a:r>
-              <a:rPr lang="de-DE" altLang="de-DE" sz="2800" smtClean="0"/>
+              <a:rPr lang="de-DE" altLang="de-DE" sz="2800"/>
               <a:t>eine Manifest-Datei erzeugen lassen (ggf. auch eine</a:t>
             </a:r>
             <a:br>
-              <a:rPr lang="de-DE" altLang="de-DE" sz="2800" smtClean="0"/>
+              <a:rPr lang="de-DE" altLang="de-DE" sz="2800"/>
             </a:br>
             <a:r>
-              <a:rPr lang="de-DE" altLang="de-DE" sz="2800" smtClean="0"/>
+              <a:rPr lang="de-DE" altLang="de-DE" sz="2800"/>
               <a:t>selbstgeschriebene verwenden, was nicht nötig ist),</a:t>
             </a:r>
             <a:br>
-              <a:rPr lang="de-DE" altLang="de-DE" sz="2800" smtClean="0"/>
+              <a:rPr lang="de-DE" altLang="de-DE" sz="2800"/>
             </a:br>
-            <a:r>
-              <a:rPr lang="de-DE" altLang="de-DE" sz="2800" smtClean="0"/>
-              <a:t/>
-            </a:r>
             <a:br>
-              <a:rPr lang="de-DE" altLang="de-DE" sz="2800" smtClean="0"/>
+              <a:rPr lang="de-DE" altLang="de-DE" sz="2800"/>
             </a:br>
             <a:r>
-              <a:rPr lang="de-DE" altLang="de-DE" sz="2800" smtClean="0"/>
+              <a:rPr lang="de-DE" altLang="de-DE" sz="2800"/>
               <a:t>das Jar gegen Veränderungen schützen (Versiegeln,</a:t>
             </a:r>
             <a:br>
-              <a:rPr lang="de-DE" altLang="de-DE" sz="2800" smtClean="0"/>
+              <a:rPr lang="de-DE" altLang="de-DE" sz="2800"/>
             </a:br>
             <a:r>
-              <a:rPr lang="de-DE" altLang="de-DE" sz="2800" smtClean="0"/>
+              <a:rPr lang="de-DE" altLang="de-DE" sz="2800"/>
               <a:t>ist aber nicht besonders sicher) und </a:t>
             </a:r>
             <a:br>
-              <a:rPr lang="de-DE" altLang="de-DE" sz="2800" smtClean="0"/>
+              <a:rPr lang="de-DE" altLang="de-DE" sz="2800"/>
             </a:br>
-            <a:r>
-              <a:rPr lang="de-DE" altLang="de-DE" sz="2800" smtClean="0"/>
-              <a:t/>
-            </a:r>
             <a:br>
-              <a:rPr lang="de-DE" altLang="de-DE" sz="2800" smtClean="0"/>
+              <a:rPr lang="de-DE" altLang="de-DE" sz="2800"/>
             </a:br>
             <a:r>
-              <a:rPr lang="de-DE" altLang="de-DE" sz="2800" smtClean="0"/>
+              <a:rPr lang="de-DE" altLang="de-DE" sz="2800"/>
               <a:t>eine Hauptklasse auswählen, d. h. die Klasse mit der</a:t>
             </a:r>
             <a:br>
-              <a:rPr lang="de-DE" altLang="de-DE" sz="2800" smtClean="0"/>
+              <a:rPr lang="de-DE" altLang="de-DE" sz="2800"/>
             </a:br>
             <a:r>
-              <a:rPr lang="de-DE" altLang="de-DE" sz="2800" smtClean="0"/>
+              <a:rPr lang="de-DE" altLang="de-DE" sz="2800"/>
               <a:t>main-Methode, die auch ausgeführt werden soll.</a:t>
             </a:r>
             <a:br>
-              <a:rPr lang="de-DE" altLang="de-DE" sz="2800" smtClean="0"/>
+              <a:rPr lang="de-DE" altLang="de-DE" sz="2800"/>
             </a:br>
-            <a:endParaRPr lang="de-DE" altLang="de-DE" sz="2800" smtClean="0"/>
+            <a:endParaRPr lang="de-DE" altLang="de-DE" sz="2800"/>
           </a:p>
           <a:p>
             <a:pPr marL="269875" indent="-269875" eaLnBrk="1">
@@ -17968,7 +17880,7 @@
               </a:tabLst>
             </a:pPr>
             <a:r>
-              <a:rPr lang="de-DE" altLang="de-DE" sz="2800" smtClean="0"/>
+              <a:rPr lang="de-DE" altLang="de-DE" sz="2800"/>
               <a:t>Klicken Sie auf "Finish".</a:t>
             </a:r>
           </a:p>
@@ -17995,7 +17907,7 @@
                 <a:tab pos="8686800" algn="l"/>
               </a:tabLst>
             </a:pPr>
-            <a:endParaRPr lang="de-DE" altLang="de-DE" smtClean="0"/>
+            <a:endParaRPr lang="de-DE" altLang="de-DE"/>
           </a:p>
           <a:p>
             <a:pPr marL="269875" indent="-269875" eaLnBrk="1">
@@ -18020,7 +17932,7 @@
                 <a:tab pos="8686800" algn="l"/>
               </a:tabLst>
             </a:pPr>
-            <a:endParaRPr lang="de-DE" altLang="de-DE" smtClean="0"/>
+            <a:endParaRPr lang="de-DE" altLang="de-DE"/>
           </a:p>
         </p:txBody>
       </p:sp>
@@ -18104,7 +18016,7 @@
               <a:buNone/>
             </a:pPr>
             <a:r>
-              <a:rPr lang="de-DE" altLang="de-DE" smtClean="0">
+              <a:rPr lang="de-DE" altLang="de-DE">
                 <a:latin typeface="Arial" charset="0"/>
                 <a:ea typeface="Microsoft YaHei" charset="-122"/>
               </a:rPr>
@@ -18231,7 +18143,7 @@
               </a:tabLst>
             </a:pPr>
             <a:r>
-              <a:rPr lang="de-DE" altLang="de-DE" sz="4000" smtClean="0">
+              <a:rPr lang="de-DE" altLang="de-DE" sz="4000">
                 <a:solidFill>
                   <a:srgbClr val="FFFFFF"/>
                 </a:solidFill>
@@ -18284,27 +18196,27 @@
               </a:tabLst>
             </a:pPr>
             <a:r>
-              <a:rPr lang="de-DE" altLang="de-DE" sz="2800" dirty="0" smtClean="0"/>
+              <a:rPr lang="de-DE" altLang="de-DE" sz="2800" dirty="0"/>
               <a:t>Teilen Sie bitte bis spätestens Sonntag,</a:t>
             </a:r>
             <a:br>
-              <a:rPr lang="de-DE" altLang="de-DE" sz="2800" dirty="0" smtClean="0"/>
+              <a:rPr lang="de-DE" altLang="de-DE" sz="2800" dirty="0"/>
             </a:br>
             <a:r>
-              <a:rPr lang="de-DE" altLang="de-DE" sz="2800" dirty="0" smtClean="0"/>
+              <a:rPr lang="de-DE" altLang="de-DE" sz="2800" dirty="0"/>
               <a:t>den 15.05.2016, 24 Uhr mit, wie Sie Ihre Gruppen</a:t>
             </a:r>
             <a:br>
-              <a:rPr lang="de-DE" altLang="de-DE" sz="2800" dirty="0" smtClean="0"/>
+              <a:rPr lang="de-DE" altLang="de-DE" sz="2800" dirty="0"/>
             </a:br>
             <a:r>
-              <a:rPr lang="de-DE" altLang="de-DE" sz="2800" dirty="0" smtClean="0"/>
+              <a:rPr lang="de-DE" altLang="de-DE" sz="2800" dirty="0"/>
               <a:t>für die Hausarbeit aufteilen.</a:t>
             </a:r>
             <a:br>
-              <a:rPr lang="de-DE" altLang="de-DE" sz="2800" dirty="0" smtClean="0"/>
+              <a:rPr lang="de-DE" altLang="de-DE" sz="2800" dirty="0"/>
             </a:br>
-            <a:endParaRPr lang="de-DE" altLang="de-DE" sz="2800" dirty="0" smtClean="0"/>
+            <a:endParaRPr lang="de-DE" altLang="de-DE" sz="2800" dirty="0"/>
           </a:p>
           <a:p>
             <a:pPr marL="269875" indent="-269875" eaLnBrk="1">
@@ -18330,14 +18242,9 @@
               </a:tabLst>
             </a:pPr>
             <a:r>
-              <a:rPr lang="de-DE" altLang="de-DE" sz="2800" dirty="0" smtClean="0"/>
-              <a:t>Möglich sind nur Dreier- oder Vierergruppen</a:t>
-            </a:r>
-            <a:r>
               <a:rPr lang="de-DE" altLang="de-DE" sz="2800" dirty="0"/>
-              <a:t>.</a:t>
-            </a:r>
-            <a:endParaRPr lang="de-DE" altLang="de-DE" sz="2800" dirty="0" smtClean="0"/>
+              <a:t>Möglich sind nur Dreier- oder Vierergruppen.</a:t>
+            </a:r>
           </a:p>
           <a:p>
             <a:pPr marL="269875" indent="-269875" eaLnBrk="1">
@@ -18363,12 +18270,8 @@
               </a:tabLst>
             </a:pPr>
             <a:r>
-              <a:rPr lang="de-DE" altLang="de-DE" sz="2800" dirty="0" smtClean="0"/>
-              <a:t>Alle Gruppen haben exakt dieselbe Aufgabe zu bearbeiten</a:t>
-            </a:r>
-            <a:r>
-              <a:rPr lang="de-DE" altLang="de-DE" sz="2800" dirty="0" smtClean="0"/>
-              <a:t>.</a:t>
+              <a:rPr lang="de-DE" altLang="de-DE" sz="2800" dirty="0"/>
+              <a:t>Alle Gruppen haben exakt dieselbe Aufgabe zu bearbeiten.</a:t>
             </a:r>
           </a:p>
           <a:p>
@@ -18395,18 +18298,14 @@
               </a:tabLst>
             </a:pPr>
             <a:r>
-              <a:rPr lang="de-DE" altLang="de-DE" sz="2800" dirty="0" smtClean="0"/>
+              <a:rPr lang="de-DE" altLang="de-DE" sz="2800" dirty="0"/>
               <a:t>Die Aufgabe ist für 4er-Gruppen dimensioniert.</a:t>
             </a:r>
-            <a:r>
-              <a:rPr lang="de-DE" altLang="de-DE" sz="2800" dirty="0" smtClean="0"/>
-              <a:t/>
-            </a:r>
             <a:br>
-              <a:rPr lang="de-DE" altLang="de-DE" sz="2800" dirty="0" smtClean="0"/>
+              <a:rPr lang="de-DE" altLang="de-DE" sz="2800" dirty="0"/>
             </a:br>
             <a:r>
-              <a:rPr lang="de-DE" altLang="de-DE" sz="2800" dirty="0" smtClean="0"/>
+              <a:rPr lang="de-DE" altLang="de-DE" sz="2800" dirty="0"/>
               <a:t> </a:t>
             </a:r>
           </a:p>
@@ -18434,17 +18333,17 @@
               </a:tabLst>
             </a:pPr>
             <a:r>
-              <a:rPr lang="de-DE" altLang="de-DE" sz="2800" dirty="0" smtClean="0"/>
+              <a:rPr lang="de-DE" altLang="de-DE" sz="2800" dirty="0"/>
               <a:t>Die Mitteilung erfolgt an die E-Mail des Dozenten (</a:t>
             </a:r>
             <a:r>
-              <a:rPr lang="de-DE" altLang="de-DE" sz="2800" dirty="0" smtClean="0">
+              <a:rPr lang="de-DE" altLang="de-DE" sz="2800" dirty="0">
                 <a:hlinkClick r:id="rId3"/>
               </a:rPr>
               <a:t>bjoern.kimminich@nordakademie.de</a:t>
             </a:r>
             <a:r>
-              <a:rPr lang="de-DE" altLang="de-DE" sz="2800" dirty="0" smtClean="0"/>
+              <a:rPr lang="de-DE" altLang="de-DE" sz="2800" dirty="0"/>
               <a:t>) und enthält die Namen aller Studenten der Gruppe.</a:t>
             </a:r>
           </a:p>
@@ -18471,7 +18370,7 @@
                 <a:tab pos="8686800" algn="l"/>
               </a:tabLst>
             </a:pPr>
-            <a:endParaRPr lang="de-DE" altLang="de-DE" dirty="0" smtClean="0"/>
+            <a:endParaRPr lang="de-DE" altLang="de-DE" dirty="0"/>
           </a:p>
           <a:p>
             <a:pPr marL="269875" indent="-269875" eaLnBrk="1">
@@ -18496,7 +18395,7 @@
                 <a:tab pos="8686800" algn="l"/>
               </a:tabLst>
             </a:pPr>
-            <a:endParaRPr lang="de-DE" altLang="de-DE" dirty="0" smtClean="0"/>
+            <a:endParaRPr lang="de-DE" altLang="de-DE" dirty="0"/>
           </a:p>
         </p:txBody>
       </p:sp>
@@ -18580,7 +18479,7 @@
               <a:buNone/>
             </a:pPr>
             <a:r>
-              <a:rPr lang="de-DE" altLang="de-DE" smtClean="0">
+              <a:rPr lang="de-DE" altLang="de-DE">
                 <a:latin typeface="Arial" charset="0"/>
                 <a:ea typeface="Microsoft YaHei" charset="-122"/>
               </a:rPr>
@@ -18707,7 +18606,7 @@
               </a:tabLst>
             </a:pPr>
             <a:r>
-              <a:rPr lang="de-DE" altLang="de-DE" sz="4000" dirty="0" smtClean="0">
+              <a:rPr lang="de-DE" altLang="de-DE" sz="4000" dirty="0">
                 <a:solidFill>
                   <a:srgbClr val="FFFFFF"/>
                 </a:solidFill>
@@ -18757,13 +18656,13 @@
               </a:tabLst>
             </a:pPr>
             <a:r>
-              <a:rPr lang="de-DE" altLang="de-DE" sz="2400" dirty="0" smtClean="0"/>
+              <a:rPr lang="de-DE" altLang="de-DE" sz="2400" dirty="0"/>
               <a:t>Erweitern Sie das "Black Jack"-Programm wie folgt:</a:t>
             </a:r>
             <a:br>
-              <a:rPr lang="de-DE" altLang="de-DE" sz="2400" dirty="0" smtClean="0"/>
+              <a:rPr lang="de-DE" altLang="de-DE" sz="2400" dirty="0"/>
             </a:br>
-            <a:endParaRPr lang="de-DE" altLang="de-DE" sz="2400" dirty="0" smtClean="0"/>
+            <a:endParaRPr lang="de-DE" altLang="de-DE" sz="2400" dirty="0"/>
           </a:p>
           <a:p>
             <a:pPr marL="269875" indent="-269875" eaLnBrk="1">
@@ -18789,63 +18688,63 @@
               </a:tabLst>
             </a:pPr>
             <a:r>
-              <a:rPr lang="de-DE" altLang="de-DE" sz="2400" dirty="0" smtClean="0"/>
+              <a:rPr lang="de-DE" altLang="de-DE" sz="2400" dirty="0"/>
               <a:t>Erweitern Sie die Klasse </a:t>
             </a:r>
             <a:r>
-              <a:rPr lang="de-DE" altLang="de-DE" sz="2400" dirty="0" smtClean="0">
+              <a:rPr lang="de-DE" altLang="de-DE" sz="2400" dirty="0">
                 <a:latin typeface="Courier New" pitchFamily="49" charset="0"/>
                 <a:cs typeface="Courier New" pitchFamily="49" charset="0"/>
               </a:rPr>
               <a:t>Kartenhand</a:t>
             </a:r>
             <a:r>
-              <a:rPr lang="de-DE" altLang="de-DE" sz="2400" dirty="0" smtClean="0"/>
+              <a:rPr lang="de-DE" altLang="de-DE" sz="2400" dirty="0"/>
               <a:t> um eine Methode</a:t>
             </a:r>
             <a:br>
-              <a:rPr lang="de-DE" altLang="de-DE" sz="2400" dirty="0" smtClean="0"/>
+              <a:rPr lang="de-DE" altLang="de-DE" sz="2400" dirty="0"/>
             </a:br>
             <a:r>
-              <a:rPr lang="de-DE" altLang="de-DE" sz="2400" dirty="0" err="1" smtClean="0">
+              <a:rPr lang="de-DE" altLang="de-DE" sz="2400" dirty="0" err="1">
                 <a:latin typeface="Courier New" pitchFamily="49" charset="0"/>
                 <a:cs typeface="Courier New" pitchFamily="49" charset="0"/>
               </a:rPr>
               <a:t>istSiebenerDrilling</a:t>
             </a:r>
             <a:r>
-              <a:rPr lang="de-DE" altLang="de-DE" sz="2400" dirty="0" smtClean="0"/>
+              <a:rPr lang="de-DE" altLang="de-DE" sz="2400" dirty="0"/>
               <a:t>, welche </a:t>
             </a:r>
             <a:r>
-              <a:rPr lang="de-DE" altLang="de-DE" sz="2400" dirty="0" err="1" smtClean="0">
+              <a:rPr lang="de-DE" altLang="de-DE" sz="2400" dirty="0" err="1">
                 <a:latin typeface="Courier New" pitchFamily="49" charset="0"/>
                 <a:cs typeface="Courier New" pitchFamily="49" charset="0"/>
               </a:rPr>
               <a:t>true</a:t>
             </a:r>
             <a:r>
-              <a:rPr lang="de-DE" altLang="de-DE" sz="2400" dirty="0" smtClean="0"/>
+              <a:rPr lang="de-DE" altLang="de-DE" sz="2400" dirty="0"/>
               <a:t> zurückliefert, wenn die</a:t>
             </a:r>
             <a:br>
-              <a:rPr lang="de-DE" altLang="de-DE" sz="2400" dirty="0" smtClean="0"/>
+              <a:rPr lang="de-DE" altLang="de-DE" sz="2400" dirty="0"/>
             </a:br>
             <a:r>
-              <a:rPr lang="de-DE" altLang="de-DE" sz="2400" dirty="0" smtClean="0"/>
+              <a:rPr lang="de-DE" altLang="de-DE" sz="2400" dirty="0"/>
               <a:t>Kartenhand aus nur 3 Karten besteht und alle Karten Siebenen</a:t>
             </a:r>
             <a:br>
-              <a:rPr lang="de-DE" altLang="de-DE" sz="2400" dirty="0" smtClean="0"/>
+              <a:rPr lang="de-DE" altLang="de-DE" sz="2400" dirty="0"/>
             </a:br>
             <a:r>
-              <a:rPr lang="de-DE" altLang="de-DE" sz="2400" dirty="0" smtClean="0"/>
+              <a:rPr lang="de-DE" altLang="de-DE" sz="2400" dirty="0"/>
               <a:t>sind.</a:t>
             </a:r>
             <a:br>
-              <a:rPr lang="de-DE" altLang="de-DE" sz="2400" dirty="0" smtClean="0"/>
+              <a:rPr lang="de-DE" altLang="de-DE" sz="2400" dirty="0"/>
             </a:br>
-            <a:endParaRPr lang="de-DE" altLang="de-DE" sz="2400" dirty="0" smtClean="0"/>
+            <a:endParaRPr lang="de-DE" altLang="de-DE" sz="2400" dirty="0"/>
           </a:p>
           <a:p>
             <a:pPr marL="269875" indent="-269875" eaLnBrk="1">
@@ -18871,68 +18770,68 @@
               </a:tabLst>
             </a:pPr>
             <a:r>
-              <a:rPr lang="de-DE" altLang="de-DE" sz="2400" dirty="0" smtClean="0"/>
+              <a:rPr lang="de-DE" altLang="de-DE" sz="2400" dirty="0"/>
               <a:t>Prüfen Sie in der Klasse </a:t>
             </a:r>
             <a:r>
-              <a:rPr lang="de-DE" altLang="de-DE" sz="2400" dirty="0" smtClean="0">
+              <a:rPr lang="de-DE" altLang="de-DE" sz="2400" dirty="0">
                 <a:latin typeface="Courier New" pitchFamily="49" charset="0"/>
                 <a:cs typeface="Courier New" pitchFamily="49" charset="0"/>
               </a:rPr>
               <a:t>Start</a:t>
             </a:r>
             <a:r>
-              <a:rPr lang="de-DE" altLang="de-DE" sz="2400" dirty="0" smtClean="0"/>
+              <a:rPr lang="de-DE" altLang="de-DE" sz="2400" dirty="0"/>
               <a:t> an geeigneter Stelle ab, ob der</a:t>
             </a:r>
             <a:br>
-              <a:rPr lang="de-DE" altLang="de-DE" sz="2400" dirty="0" smtClean="0"/>
+              <a:rPr lang="de-DE" altLang="de-DE" sz="2400" dirty="0"/>
             </a:br>
             <a:r>
-              <a:rPr lang="de-DE" altLang="de-DE" sz="2400" dirty="0" smtClean="0"/>
+              <a:rPr lang="de-DE" altLang="de-DE" sz="2400" dirty="0"/>
               <a:t>Spieler einen Siebener-Drilling hat und beenden Sie das Spiel</a:t>
             </a:r>
             <a:br>
-              <a:rPr lang="de-DE" altLang="de-DE" sz="2400" dirty="0" smtClean="0"/>
+              <a:rPr lang="de-DE" altLang="de-DE" sz="2400" dirty="0"/>
             </a:br>
             <a:r>
-              <a:rPr lang="de-DE" altLang="de-DE" sz="2400" dirty="0" err="1" smtClean="0"/>
+              <a:rPr lang="de-DE" altLang="de-DE" sz="2400" dirty="0" err="1"/>
               <a:t>gegebenfalls</a:t>
             </a:r>
             <a:r>
-              <a:rPr lang="de-DE" altLang="de-DE" sz="2400" dirty="0" smtClean="0"/>
+              <a:rPr lang="de-DE" altLang="de-DE" sz="2400" dirty="0"/>
               <a:t> mit einer Gewonnen-Nachricht. Erweitern Sie dafür</a:t>
             </a:r>
             <a:br>
-              <a:rPr lang="de-DE" altLang="de-DE" sz="2400" dirty="0" smtClean="0"/>
+              <a:rPr lang="de-DE" altLang="de-DE" sz="2400" dirty="0"/>
             </a:br>
             <a:r>
-              <a:rPr lang="de-DE" altLang="de-DE" sz="2400" dirty="0" smtClean="0"/>
+              <a:rPr lang="de-DE" altLang="de-DE" sz="2400" dirty="0"/>
               <a:t>auch die Klasse </a:t>
             </a:r>
             <a:r>
-              <a:rPr lang="de-DE" altLang="de-DE" sz="2400" dirty="0" smtClean="0">
+              <a:rPr lang="de-DE" altLang="de-DE" sz="2400" dirty="0">
                 <a:latin typeface="Courier New" pitchFamily="49" charset="0"/>
                 <a:cs typeface="Courier New" pitchFamily="49" charset="0"/>
               </a:rPr>
               <a:t>Benutzerinterface</a:t>
             </a:r>
             <a:r>
-              <a:rPr lang="de-DE" altLang="de-DE" sz="2400" dirty="0" smtClean="0"/>
+              <a:rPr lang="de-DE" altLang="de-DE" sz="2400" dirty="0"/>
               <a:t> um eine entsprechende</a:t>
             </a:r>
             <a:br>
-              <a:rPr lang="de-DE" altLang="de-DE" sz="2400" dirty="0" smtClean="0"/>
+              <a:rPr lang="de-DE" altLang="de-DE" sz="2400" dirty="0"/>
             </a:br>
             <a:r>
-              <a:rPr lang="de-DE" altLang="de-DE" sz="2400" dirty="0" smtClean="0"/>
+              <a:rPr lang="de-DE" altLang="de-DE" sz="2400" dirty="0"/>
               <a:t>Methode.</a:t>
             </a:r>
             <a:br>
-              <a:rPr lang="de-DE" altLang="de-DE" sz="2400" dirty="0" smtClean="0"/>
+              <a:rPr lang="de-DE" altLang="de-DE" sz="2400" dirty="0"/>
             </a:br>
             <a:r>
-              <a:rPr lang="de-DE" altLang="de-DE" sz="2400" dirty="0" smtClean="0"/>
+              <a:rPr lang="de-DE" altLang="de-DE" sz="2400" dirty="0"/>
               <a:t> </a:t>
             </a:r>
           </a:p>
@@ -18960,22 +18859,22 @@
               </a:tabLst>
             </a:pPr>
             <a:r>
-              <a:rPr lang="de-DE" altLang="de-DE" sz="2400" dirty="0" smtClean="0"/>
+              <a:rPr lang="de-DE" altLang="de-DE" sz="2400" dirty="0"/>
               <a:t>Kommentieren Sie die neuen Methoden und generieren Sie</a:t>
             </a:r>
             <a:br>
-              <a:rPr lang="de-DE" altLang="de-DE" sz="2400" dirty="0" smtClean="0"/>
+              <a:rPr lang="de-DE" altLang="de-DE" sz="2400" dirty="0"/>
             </a:br>
             <a:r>
-              <a:rPr lang="de-DE" altLang="de-DE" sz="2400" dirty="0" smtClean="0"/>
+              <a:rPr lang="de-DE" altLang="de-DE" sz="2400" dirty="0"/>
               <a:t>ein </a:t>
             </a:r>
             <a:r>
-              <a:rPr lang="de-DE" altLang="de-DE" sz="2400" dirty="0" err="1" smtClean="0"/>
+              <a:rPr lang="de-DE" altLang="de-DE" sz="2400" dirty="0" err="1"/>
               <a:t>Jar</a:t>
             </a:r>
             <a:r>
-              <a:rPr lang="de-DE" altLang="de-DE" sz="2400" dirty="0" smtClean="0"/>
+              <a:rPr lang="de-DE" altLang="de-DE" sz="2400" dirty="0"/>
               <a:t>.</a:t>
             </a:r>
           </a:p>
@@ -19002,7 +18901,7 @@
                 <a:tab pos="8686800" algn="l"/>
               </a:tabLst>
             </a:pPr>
-            <a:endParaRPr lang="de-DE" altLang="de-DE" sz="2400" dirty="0" smtClean="0"/>
+            <a:endParaRPr lang="de-DE" altLang="de-DE" sz="2400" dirty="0"/>
           </a:p>
           <a:p>
             <a:pPr marL="269875" indent="-269875" eaLnBrk="1">
@@ -19027,7 +18926,7 @@
                 <a:tab pos="8686800" algn="l"/>
               </a:tabLst>
             </a:pPr>
-            <a:endParaRPr lang="de-DE" altLang="de-DE" dirty="0" smtClean="0"/>
+            <a:endParaRPr lang="de-DE" altLang="de-DE" dirty="0"/>
           </a:p>
         </p:txBody>
       </p:sp>
@@ -19111,7 +19010,7 @@
               <a:buNone/>
             </a:pPr>
             <a:r>
-              <a:rPr lang="de-DE" altLang="de-DE" smtClean="0">
+              <a:rPr lang="de-DE" altLang="de-DE">
                 <a:latin typeface="Arial" charset="0"/>
                 <a:ea typeface="Microsoft YaHei" charset="-122"/>
               </a:rPr>
@@ -19238,7 +19137,7 @@
               </a:tabLst>
             </a:pPr>
             <a:r>
-              <a:rPr lang="de-DE" altLang="de-DE" sz="4000" dirty="0" smtClean="0">
+              <a:rPr lang="de-DE" altLang="de-DE" sz="4000" dirty="0">
                 <a:solidFill>
                   <a:srgbClr val="FFFFFF"/>
                 </a:solidFill>
@@ -19291,49 +19190,49 @@
               </a:tabLst>
             </a:pPr>
             <a:r>
-              <a:rPr lang="de-DE" altLang="de-DE" sz="2400" dirty="0" smtClean="0"/>
+              <a:rPr lang="de-DE" altLang="de-DE" sz="2400" dirty="0"/>
               <a:t>Erweitern Sie die Klasse </a:t>
             </a:r>
             <a:r>
-              <a:rPr lang="de-DE" altLang="de-DE" sz="2400" dirty="0" smtClean="0">
+              <a:rPr lang="de-DE" altLang="de-DE" sz="2400" dirty="0">
                 <a:latin typeface="Courier New" pitchFamily="49" charset="0"/>
                 <a:cs typeface="Courier New" pitchFamily="49" charset="0"/>
               </a:rPr>
               <a:t>Kartenhand</a:t>
             </a:r>
             <a:r>
-              <a:rPr lang="de-DE" altLang="de-DE" sz="2400" dirty="0" smtClean="0"/>
+              <a:rPr lang="de-DE" altLang="de-DE" sz="2400" dirty="0"/>
               <a:t> um eine Methode</a:t>
             </a:r>
             <a:br>
-              <a:rPr lang="de-DE" altLang="de-DE" sz="2400" dirty="0" smtClean="0"/>
+              <a:rPr lang="de-DE" altLang="de-DE" sz="2400" dirty="0"/>
             </a:br>
             <a:r>
-              <a:rPr lang="de-DE" altLang="de-DE" sz="2400" dirty="0" err="1" smtClean="0">
+              <a:rPr lang="de-DE" altLang="de-DE" sz="2400" dirty="0" err="1">
                 <a:latin typeface="Courier New" pitchFamily="49" charset="0"/>
                 <a:cs typeface="Courier New" pitchFamily="49" charset="0"/>
               </a:rPr>
               <a:t>istBlackJack</a:t>
             </a:r>
             <a:r>
-              <a:rPr lang="de-DE" altLang="de-DE" sz="2400" dirty="0" smtClean="0"/>
+              <a:rPr lang="de-DE" altLang="de-DE" sz="2400" dirty="0"/>
               <a:t>, welche </a:t>
             </a:r>
             <a:r>
-              <a:rPr lang="de-DE" altLang="de-DE" sz="2400" dirty="0" err="1" smtClean="0">
+              <a:rPr lang="de-DE" altLang="de-DE" sz="2400" dirty="0" err="1">
                 <a:latin typeface="Courier New" pitchFamily="49" charset="0"/>
                 <a:cs typeface="Courier New" pitchFamily="49" charset="0"/>
               </a:rPr>
               <a:t>true</a:t>
             </a:r>
             <a:r>
-              <a:rPr lang="de-DE" altLang="de-DE" sz="2400" dirty="0" smtClean="0"/>
+              <a:rPr lang="de-DE" altLang="de-DE" sz="2400" dirty="0"/>
               <a:t> zurückliefert, wenn die Kartenhand aus nur 2 Karten besteht und 21 Punkte ergibt.</a:t>
             </a:r>
             <a:br>
-              <a:rPr lang="de-DE" altLang="de-DE" sz="2400" dirty="0" smtClean="0"/>
+              <a:rPr lang="de-DE" altLang="de-DE" sz="2400" dirty="0"/>
             </a:br>
-            <a:endParaRPr lang="de-DE" altLang="de-DE" sz="2400" dirty="0" smtClean="0"/>
+            <a:endParaRPr lang="de-DE" altLang="de-DE" sz="2400" dirty="0"/>
           </a:p>
           <a:p>
             <a:pPr marL="269875" indent="-269875" eaLnBrk="1">
@@ -19359,39 +19258,39 @@
               </a:tabLst>
             </a:pPr>
             <a:r>
-              <a:rPr lang="de-DE" altLang="de-DE" sz="2400" dirty="0" smtClean="0"/>
+              <a:rPr lang="de-DE" altLang="de-DE" sz="2400" dirty="0"/>
               <a:t>Ergänzen Sie die Methode </a:t>
             </a:r>
             <a:r>
-              <a:rPr lang="de-DE" altLang="de-DE" sz="2400" dirty="0" err="1" smtClean="0">
+              <a:rPr lang="de-DE" altLang="de-DE" sz="2400" dirty="0" err="1">
                 <a:latin typeface="Courier New" pitchFamily="49" charset="0"/>
                 <a:cs typeface="Courier New" pitchFamily="49" charset="0"/>
               </a:rPr>
               <a:t>getTextdarstellung</a:t>
             </a:r>
             <a:r>
-              <a:rPr lang="de-DE" altLang="de-DE" sz="2400" dirty="0" smtClean="0"/>
+              <a:rPr lang="de-DE" altLang="de-DE" sz="2400" dirty="0"/>
               <a:t> der Kartenhand</a:t>
             </a:r>
             <a:br>
-              <a:rPr lang="de-DE" altLang="de-DE" sz="2400" dirty="0" smtClean="0"/>
+              <a:rPr lang="de-DE" altLang="de-DE" sz="2400" dirty="0"/>
             </a:br>
             <a:r>
-              <a:rPr lang="de-DE" altLang="de-DE" sz="2400" dirty="0" smtClean="0"/>
+              <a:rPr lang="de-DE" altLang="de-DE" sz="2400" dirty="0"/>
               <a:t>insoweit, dass bei einem Black Jack am Ende nicht die Punkte</a:t>
             </a:r>
             <a:br>
-              <a:rPr lang="de-DE" altLang="de-DE" sz="2400" dirty="0" smtClean="0"/>
+              <a:rPr lang="de-DE" altLang="de-DE" sz="2400" dirty="0"/>
             </a:br>
             <a:r>
-              <a:rPr lang="de-DE" altLang="de-DE" sz="2400" dirty="0" smtClean="0"/>
+              <a:rPr lang="de-DE" altLang="de-DE" sz="2400" dirty="0"/>
               <a:t>angezeigt werden, sondern der Text "Black Jack".</a:t>
             </a:r>
             <a:br>
-              <a:rPr lang="de-DE" altLang="de-DE" sz="2400" dirty="0" smtClean="0"/>
+              <a:rPr lang="de-DE" altLang="de-DE" sz="2400" dirty="0"/>
             </a:br>
             <a:r>
-              <a:rPr lang="de-DE" altLang="de-DE" sz="2400" dirty="0" smtClean="0"/>
+              <a:rPr lang="de-DE" altLang="de-DE" sz="2400" dirty="0"/>
               <a:t> </a:t>
             </a:r>
           </a:p>
@@ -19419,57 +19318,57 @@
               </a:tabLst>
             </a:pPr>
             <a:r>
-              <a:rPr lang="de-DE" altLang="de-DE" sz="2400" dirty="0" smtClean="0"/>
+              <a:rPr lang="de-DE" altLang="de-DE" sz="2400" dirty="0"/>
               <a:t>Berücksichtigen Sie zum Ende eines Spieles, dass ein Black</a:t>
             </a:r>
             <a:br>
-              <a:rPr lang="de-DE" altLang="de-DE" sz="2400" dirty="0" smtClean="0"/>
+              <a:rPr lang="de-DE" altLang="de-DE" sz="2400" dirty="0"/>
             </a:br>
             <a:r>
-              <a:rPr lang="de-DE" altLang="de-DE" sz="2400" dirty="0" smtClean="0"/>
+              <a:rPr lang="de-DE" altLang="de-DE" sz="2400" dirty="0"/>
               <a:t>Jack gegenüber einem Nicht-Black-Jack gewinnt. Verwenden</a:t>
             </a:r>
             <a:br>
-              <a:rPr lang="de-DE" altLang="de-DE" sz="2400" dirty="0" smtClean="0"/>
+              <a:rPr lang="de-DE" altLang="de-DE" sz="2400" dirty="0"/>
             </a:br>
             <a:r>
-              <a:rPr lang="de-DE" altLang="de-DE" sz="2400" dirty="0" smtClean="0"/>
+              <a:rPr lang="de-DE" altLang="de-DE" sz="2400" dirty="0"/>
               <a:t>Sie die unveränderten Methoden </a:t>
             </a:r>
             <a:r>
-              <a:rPr lang="de-DE" altLang="de-DE" sz="2400" dirty="0" err="1" smtClean="0">
+              <a:rPr lang="de-DE" altLang="de-DE" sz="2400" dirty="0" err="1">
                 <a:latin typeface="Courier New" pitchFamily="49" charset="0"/>
                 <a:cs typeface="Courier New" pitchFamily="49" charset="0"/>
               </a:rPr>
               <a:t>verlorenGeberHatMehr</a:t>
             </a:r>
             <a:r>
-              <a:rPr lang="de-DE" altLang="de-DE" sz="2400" dirty="0" smtClean="0"/>
+              <a:rPr lang="de-DE" altLang="de-DE" sz="2400" dirty="0"/>
               <a:t> und</a:t>
             </a:r>
             <a:br>
-              <a:rPr lang="de-DE" altLang="de-DE" sz="2400" dirty="0" smtClean="0"/>
+              <a:rPr lang="de-DE" altLang="de-DE" sz="2400" dirty="0"/>
             </a:br>
             <a:r>
-              <a:rPr lang="de-DE" altLang="de-DE" sz="2400" dirty="0" err="1" smtClean="0">
+              <a:rPr lang="de-DE" altLang="de-DE" sz="2400" dirty="0" err="1">
                 <a:latin typeface="Courier New" pitchFamily="49" charset="0"/>
                 <a:cs typeface="Courier New" pitchFamily="49" charset="0"/>
               </a:rPr>
               <a:t>gewonnenGeberHatWeniger</a:t>
             </a:r>
             <a:r>
-              <a:rPr lang="de-DE" altLang="de-DE" sz="2400" dirty="0" smtClean="0"/>
+              <a:rPr lang="de-DE" altLang="de-DE" sz="2400" dirty="0"/>
               <a:t> der Klasse </a:t>
             </a:r>
             <a:r>
-              <a:rPr lang="de-DE" altLang="de-DE" sz="2400" dirty="0" smtClean="0">
+              <a:rPr lang="de-DE" altLang="de-DE" sz="2400" dirty="0">
                 <a:latin typeface="Courier New" pitchFamily="49" charset="0"/>
                 <a:cs typeface="Courier New" pitchFamily="49" charset="0"/>
               </a:rPr>
               <a:t>Benutzerinterface</a:t>
             </a:r>
             <a:r>
-              <a:rPr lang="de-DE" altLang="de-DE" sz="2400" dirty="0" smtClean="0"/>
+              <a:rPr lang="de-DE" altLang="de-DE" sz="2400" dirty="0"/>
               <a:t>.</a:t>
             </a:r>
           </a:p>
@@ -19496,7 +19395,7 @@
                 <a:tab pos="8686800" algn="l"/>
               </a:tabLst>
             </a:pPr>
-            <a:endParaRPr lang="de-DE" altLang="de-DE" dirty="0" smtClean="0"/>
+            <a:endParaRPr lang="de-DE" altLang="de-DE" dirty="0"/>
           </a:p>
           <a:p>
             <a:pPr marL="269875" indent="-269875" eaLnBrk="1">
@@ -19521,7 +19420,7 @@
                 <a:tab pos="8686800" algn="l"/>
               </a:tabLst>
             </a:pPr>
-            <a:endParaRPr lang="de-DE" altLang="de-DE" dirty="0" smtClean="0"/>
+            <a:endParaRPr lang="de-DE" altLang="de-DE" dirty="0"/>
           </a:p>
         </p:txBody>
       </p:sp>
@@ -19605,7 +19504,7 @@
               <a:buNone/>
             </a:pPr>
             <a:r>
-              <a:rPr lang="de-DE" altLang="de-DE" smtClean="0">
+              <a:rPr lang="de-DE" altLang="de-DE">
                 <a:latin typeface="Arial" charset="0"/>
                 <a:ea typeface="Microsoft YaHei" charset="-122"/>
               </a:rPr>
@@ -19732,7 +19631,7 @@
               </a:tabLst>
             </a:pPr>
             <a:r>
-              <a:rPr lang="de-DE" altLang="de-DE" sz="4000" dirty="0" smtClean="0">
+              <a:rPr lang="de-DE" altLang="de-DE" sz="4000" dirty="0">
                 <a:solidFill>
                   <a:srgbClr val="FFFFFF"/>
                 </a:solidFill>
@@ -19785,21 +19684,21 @@
               </a:tabLst>
             </a:pPr>
             <a:r>
-              <a:rPr lang="de-DE" altLang="de-DE" sz="2400" dirty="0" smtClean="0"/>
+              <a:rPr lang="de-DE" altLang="de-DE" sz="2400" dirty="0"/>
               <a:t>Vor dem Spiel am Black-Jack-Tisch soll ein Geldeinsatz getätigt</a:t>
             </a:r>
             <a:br>
-              <a:rPr lang="de-DE" altLang="de-DE" sz="2400" dirty="0" smtClean="0"/>
+              <a:rPr lang="de-DE" altLang="de-DE" sz="2400" dirty="0"/>
             </a:br>
             <a:r>
-              <a:rPr lang="de-DE" altLang="de-DE" sz="2400" dirty="0" smtClean="0"/>
+              <a:rPr lang="de-DE" altLang="de-DE" sz="2400" dirty="0"/>
               <a:t>werden können. Gültige Einsätze sind 10, 20, 50, 100, 250, 500</a:t>
             </a:r>
             <a:br>
-              <a:rPr lang="de-DE" altLang="de-DE" sz="2400" dirty="0" smtClean="0"/>
+              <a:rPr lang="de-DE" altLang="de-DE" sz="2400" dirty="0"/>
             </a:br>
             <a:r>
-              <a:rPr lang="de-DE" altLang="de-DE" sz="2400" dirty="0" smtClean="0"/>
+              <a:rPr lang="de-DE" altLang="de-DE" sz="2400" dirty="0"/>
               <a:t>und 1000 Euro.</a:t>
             </a:r>
           </a:p>
@@ -19826,7 +19725,7 @@
                 <a:tab pos="8686800" algn="l"/>
               </a:tabLst>
             </a:pPr>
-            <a:endParaRPr lang="de-DE" altLang="de-DE" sz="2400" dirty="0" smtClean="0"/>
+            <a:endParaRPr lang="de-DE" altLang="de-DE" sz="2400" dirty="0"/>
           </a:p>
           <a:p>
             <a:pPr marL="269875" indent="-269875" eaLnBrk="1">
@@ -19852,15 +19751,15 @@
               </a:tabLst>
             </a:pPr>
             <a:r>
-              <a:rPr lang="de-DE" altLang="de-DE" sz="2400" dirty="0" smtClean="0"/>
+              <a:rPr lang="de-DE" altLang="de-DE" sz="2400" dirty="0"/>
               <a:t>Das Spiel soll am Ende ausgeben, </a:t>
             </a:r>
             <a:r>
-              <a:rPr lang="de-DE" altLang="de-DE" sz="2400" dirty="0" err="1" smtClean="0"/>
+              <a:rPr lang="de-DE" altLang="de-DE" sz="2400" dirty="0" err="1"/>
               <a:t>wieviel</a:t>
             </a:r>
             <a:r>
-              <a:rPr lang="de-DE" altLang="de-DE" sz="2400" dirty="0" smtClean="0"/>
+              <a:rPr lang="de-DE" altLang="de-DE" sz="2400" dirty="0"/>
               <a:t> der Spieler erhält:</a:t>
             </a:r>
           </a:p>
@@ -19888,7 +19787,7 @@
               </a:tabLst>
             </a:pPr>
             <a:r>
-              <a:rPr lang="de-DE" altLang="de-DE" sz="2000" dirty="0" smtClean="0"/>
+              <a:rPr lang="de-DE" altLang="de-DE" sz="2000" dirty="0"/>
               <a:t>Verliert er, erhält er nichts.</a:t>
             </a:r>
           </a:p>
@@ -19916,7 +19815,7 @@
               </a:tabLst>
             </a:pPr>
             <a:r>
-              <a:rPr lang="de-DE" altLang="de-DE" sz="2000" dirty="0" smtClean="0"/>
+              <a:rPr lang="de-DE" altLang="de-DE" sz="2000" dirty="0"/>
               <a:t>Bei Unentschieden erhält er den Einsatz zurück.</a:t>
             </a:r>
           </a:p>
@@ -19944,14 +19843,14 @@
               </a:tabLst>
             </a:pPr>
             <a:r>
-              <a:rPr lang="de-DE" altLang="de-DE" sz="2000" dirty="0" smtClean="0"/>
+              <a:rPr lang="de-DE" altLang="de-DE" sz="2000" dirty="0"/>
               <a:t>Gewinnt der Spieler, erhält er seinen Einsatz zurück plus einen</a:t>
             </a:r>
             <a:br>
-              <a:rPr lang="de-DE" altLang="de-DE" sz="2000" dirty="0" smtClean="0"/>
+              <a:rPr lang="de-DE" altLang="de-DE" sz="2000" dirty="0"/>
             </a:br>
             <a:r>
-              <a:rPr lang="de-DE" altLang="de-DE" sz="2000" dirty="0" smtClean="0"/>
+              <a:rPr lang="de-DE" altLang="de-DE" sz="2000" dirty="0"/>
               <a:t>Gewinn in Höhe:</a:t>
             </a:r>
           </a:p>
@@ -19979,7 +19878,7 @@
               </a:tabLst>
             </a:pPr>
             <a:r>
-              <a:rPr lang="de-DE" altLang="de-DE" sz="1600" dirty="0" smtClean="0"/>
+              <a:rPr lang="de-DE" altLang="de-DE" sz="1600" dirty="0"/>
               <a:t>des Einsatzes bei einem "normalen" Sieg</a:t>
             </a:r>
           </a:p>
@@ -20007,7 +19906,7 @@
               </a:tabLst>
             </a:pPr>
             <a:r>
-              <a:rPr lang="de-DE" altLang="de-DE" sz="1600" dirty="0" smtClean="0"/>
+              <a:rPr lang="de-DE" altLang="de-DE" sz="1600" dirty="0"/>
               <a:t>des 1,5-fachen Einsatzes bei einem Siebener-Drilling sowie</a:t>
             </a:r>
           </a:p>
@@ -20035,13 +19934,13 @@
               </a:tabLst>
             </a:pPr>
             <a:r>
-              <a:rPr lang="de-DE" altLang="de-DE" sz="1600" dirty="0" smtClean="0"/>
+              <a:rPr lang="de-DE" altLang="de-DE" sz="1600" dirty="0"/>
               <a:t>des 1,5-fachen Einsatzes bei einem Black Jack.</a:t>
             </a:r>
             <a:br>
-              <a:rPr lang="de-DE" altLang="de-DE" sz="1600" dirty="0" smtClean="0"/>
+              <a:rPr lang="de-DE" altLang="de-DE" sz="1600" dirty="0"/>
             </a:br>
-            <a:endParaRPr lang="de-DE" altLang="de-DE" sz="1600" dirty="0" smtClean="0"/>
+            <a:endParaRPr lang="de-DE" altLang="de-DE" sz="1600" dirty="0"/>
           </a:p>
           <a:p>
             <a:pPr marL="269875" indent="-269875" eaLnBrk="1">
@@ -20067,13 +19966,13 @@
               </a:tabLst>
             </a:pPr>
             <a:r>
-              <a:rPr lang="de-DE" altLang="de-DE" sz="2400" dirty="0" smtClean="0"/>
+              <a:rPr lang="de-DE" altLang="de-DE" sz="2400" dirty="0"/>
               <a:t>Der Einsatz soll bei jedem Spielschritt ausgegeben werden. </a:t>
             </a:r>
             <a:br>
-              <a:rPr lang="de-DE" altLang="de-DE" sz="2400" dirty="0" smtClean="0"/>
+              <a:rPr lang="de-DE" altLang="de-DE" sz="2400" dirty="0"/>
             </a:br>
-            <a:endParaRPr lang="de-DE" altLang="de-DE" sz="2400" dirty="0" smtClean="0"/>
+            <a:endParaRPr lang="de-DE" altLang="de-DE" sz="2400" dirty="0"/>
           </a:p>
           <a:p>
             <a:pPr marL="269875" indent="-269875" eaLnBrk="1">
@@ -20098,7 +19997,7 @@
                 <a:tab pos="8686800" algn="l"/>
               </a:tabLst>
             </a:pPr>
-            <a:endParaRPr lang="de-DE" altLang="de-DE" dirty="0" smtClean="0"/>
+            <a:endParaRPr lang="de-DE" altLang="de-DE" dirty="0"/>
           </a:p>
         </p:txBody>
       </p:sp>
@@ -20182,7 +20081,7 @@
               <a:buNone/>
             </a:pPr>
             <a:r>
-              <a:rPr lang="de-DE" altLang="de-DE" smtClean="0">
+              <a:rPr lang="de-DE" altLang="de-DE">
                 <a:latin typeface="Arial" charset="0"/>
                 <a:ea typeface="Microsoft YaHei" charset="-122"/>
               </a:rPr>
@@ -20309,7 +20208,7 @@
               </a:tabLst>
             </a:pPr>
             <a:r>
-              <a:rPr lang="de-DE" altLang="de-DE" sz="4000" dirty="0" smtClean="0">
+              <a:rPr lang="de-DE" altLang="de-DE" sz="4000" dirty="0">
                 <a:solidFill>
                   <a:srgbClr val="FFFFFF"/>
                 </a:solidFill>
@@ -20362,27 +20261,27 @@
               </a:tabLst>
             </a:pPr>
             <a:r>
-              <a:rPr lang="de-DE" altLang="de-DE" sz="2400" dirty="0" smtClean="0"/>
+              <a:rPr lang="de-DE" altLang="de-DE" sz="2400" dirty="0"/>
               <a:t>Der Geber erhält die erste Karte zusammen mit den ersten</a:t>
             </a:r>
             <a:br>
-              <a:rPr lang="de-DE" altLang="de-DE" sz="2400" dirty="0" smtClean="0"/>
+              <a:rPr lang="de-DE" altLang="de-DE" sz="2400" dirty="0"/>
             </a:br>
             <a:r>
-              <a:rPr lang="de-DE" altLang="de-DE" sz="2400" dirty="0" smtClean="0"/>
+              <a:rPr lang="de-DE" altLang="de-DE" sz="2400" dirty="0"/>
               <a:t>beiden Karten des Spielers. Bei jedem Spielzug sollen nun</a:t>
             </a:r>
             <a:br>
-              <a:rPr lang="de-DE" altLang="de-DE" sz="2400" dirty="0" smtClean="0"/>
+              <a:rPr lang="de-DE" altLang="de-DE" sz="2400" dirty="0"/>
             </a:br>
             <a:r>
-              <a:rPr lang="de-DE" altLang="de-DE" sz="2400" dirty="0" smtClean="0"/>
+              <a:rPr lang="de-DE" altLang="de-DE" sz="2400" dirty="0"/>
               <a:t>immer beide Kartenhände ausgegeben werden.</a:t>
             </a:r>
             <a:br>
-              <a:rPr lang="de-DE" altLang="de-DE" sz="2400" dirty="0" smtClean="0"/>
+              <a:rPr lang="de-DE" altLang="de-DE" sz="2400" dirty="0"/>
             </a:br>
-            <a:endParaRPr lang="de-DE" altLang="de-DE" sz="2400" dirty="0" smtClean="0"/>
+            <a:endParaRPr lang="de-DE" altLang="de-DE" sz="2400" dirty="0"/>
           </a:p>
           <a:p>
             <a:pPr marL="269875" indent="-269875" eaLnBrk="1">
@@ -20408,21 +20307,21 @@
               </a:tabLst>
             </a:pPr>
             <a:r>
-              <a:rPr lang="de-DE" altLang="de-DE" sz="2400" dirty="0" smtClean="0"/>
+              <a:rPr lang="de-DE" altLang="de-DE" sz="2400" dirty="0"/>
               <a:t>Ergänzen Sie die "double-Regel", d.h. bei seinem ersten</a:t>
             </a:r>
             <a:br>
-              <a:rPr lang="de-DE" altLang="de-DE" sz="2400" dirty="0" smtClean="0"/>
+              <a:rPr lang="de-DE" altLang="de-DE" sz="2400" dirty="0"/>
             </a:br>
             <a:r>
-              <a:rPr lang="de-DE" altLang="de-DE" sz="2400" dirty="0" smtClean="0"/>
+              <a:rPr lang="de-DE" altLang="de-DE" sz="2400" dirty="0"/>
               <a:t>Spielzug (solange der Spieler noch 2 Karten hat), hat der Spieler</a:t>
             </a:r>
             <a:br>
-              <a:rPr lang="de-DE" altLang="de-DE" sz="2400" dirty="0" smtClean="0"/>
+              <a:rPr lang="de-DE" altLang="de-DE" sz="2400" dirty="0"/>
             </a:br>
             <a:r>
-              <a:rPr lang="de-DE" altLang="de-DE" sz="2400" dirty="0" smtClean="0"/>
+              <a:rPr lang="de-DE" altLang="de-DE" sz="2400" dirty="0"/>
               <a:t>zusätzlich die Möglichkeit, seinen Einsatz zu verdoppeln.</a:t>
             </a:r>
           </a:p>
@@ -20449,7 +20348,7 @@
                 <a:tab pos="8686800" algn="l"/>
               </a:tabLst>
             </a:pPr>
-            <a:endParaRPr lang="de-DE" altLang="de-DE" dirty="0" smtClean="0"/>
+            <a:endParaRPr lang="de-DE" altLang="de-DE" dirty="0"/>
           </a:p>
           <a:p>
             <a:pPr marL="269875" indent="-269875" eaLnBrk="1">
@@ -20474,7 +20373,7 @@
                 <a:tab pos="8686800" algn="l"/>
               </a:tabLst>
             </a:pPr>
-            <a:endParaRPr lang="de-DE" altLang="de-DE" dirty="0" smtClean="0"/>
+            <a:endParaRPr lang="de-DE" altLang="de-DE" dirty="0"/>
           </a:p>
         </p:txBody>
       </p:sp>
@@ -20558,7 +20457,7 @@
               <a:buNone/>
             </a:pPr>
             <a:r>
-              <a:rPr lang="de-DE" altLang="de-DE" smtClean="0">
+              <a:rPr lang="de-DE" altLang="de-DE">
                 <a:latin typeface="Arial" charset="0"/>
                 <a:ea typeface="Microsoft YaHei" charset="-122"/>
               </a:rPr>
@@ -20685,7 +20584,7 @@
               </a:tabLst>
             </a:pPr>
             <a:r>
-              <a:rPr lang="de-DE" altLang="de-DE" sz="4000" dirty="0" smtClean="0">
+              <a:rPr lang="de-DE" altLang="de-DE" sz="4000" dirty="0">
                 <a:solidFill>
                   <a:srgbClr val="FFFFFF"/>
                 </a:solidFill>
@@ -20738,42 +20637,42 @@
               </a:tabLst>
             </a:pPr>
             <a:r>
-              <a:rPr lang="de-DE" altLang="de-DE" sz="2400" dirty="0" smtClean="0"/>
+              <a:rPr lang="de-DE" altLang="de-DE" sz="2400" dirty="0"/>
               <a:t>Ergänzen Sie die "</a:t>
             </a:r>
             <a:r>
-              <a:rPr lang="de-DE" altLang="de-DE" sz="2400" dirty="0" err="1" smtClean="0"/>
+              <a:rPr lang="de-DE" altLang="de-DE" sz="2400" dirty="0" err="1"/>
               <a:t>insurance</a:t>
             </a:r>
             <a:r>
-              <a:rPr lang="de-DE" altLang="de-DE" sz="2400" dirty="0" smtClean="0"/>
+              <a:rPr lang="de-DE" altLang="de-DE" sz="2400" dirty="0"/>
               <a:t>-Regel": Wurden die Karten</a:t>
             </a:r>
             <a:br>
-              <a:rPr lang="de-DE" altLang="de-DE" sz="2400" dirty="0" smtClean="0"/>
+              <a:rPr lang="de-DE" altLang="de-DE" sz="2400" dirty="0"/>
             </a:br>
             <a:r>
-              <a:rPr lang="de-DE" altLang="de-DE" sz="2400" dirty="0" smtClean="0"/>
+              <a:rPr lang="de-DE" altLang="de-DE" sz="2400" dirty="0"/>
               <a:t>ausgeteilt und hat der Geber ein Ass, so hat der Spieler bei</a:t>
             </a:r>
             <a:br>
-              <a:rPr lang="de-DE" altLang="de-DE" sz="2400" dirty="0" smtClean="0"/>
+              <a:rPr lang="de-DE" altLang="de-DE" sz="2400" dirty="0"/>
             </a:br>
             <a:r>
-              <a:rPr lang="de-DE" altLang="de-DE" sz="2400" dirty="0" smtClean="0"/>
+              <a:rPr lang="de-DE" altLang="de-DE" sz="2400" dirty="0"/>
               <a:t>seinem ersten Spielzug die Möglichkeit, eine "Versicherung"</a:t>
             </a:r>
             <a:br>
-              <a:rPr lang="de-DE" altLang="de-DE" sz="2400" dirty="0" smtClean="0"/>
+              <a:rPr lang="de-DE" altLang="de-DE" sz="2400" dirty="0"/>
             </a:br>
             <a:r>
-              <a:rPr lang="de-DE" altLang="de-DE" sz="2400" dirty="0" smtClean="0"/>
+              <a:rPr lang="de-DE" altLang="de-DE" sz="2400" dirty="0"/>
               <a:t>abzuschließen.</a:t>
             </a:r>
             <a:br>
-              <a:rPr lang="de-DE" altLang="de-DE" sz="2400" dirty="0" smtClean="0"/>
+              <a:rPr lang="de-DE" altLang="de-DE" sz="2400" dirty="0"/>
             </a:br>
-            <a:endParaRPr lang="de-DE" altLang="de-DE" sz="2400" dirty="0" smtClean="0"/>
+            <a:endParaRPr lang="de-DE" altLang="de-DE" sz="2400" dirty="0"/>
           </a:p>
           <a:p>
             <a:pPr marL="269875" indent="-269875" eaLnBrk="1">
@@ -20799,38 +20698,38 @@
               </a:tabLst>
             </a:pPr>
             <a:r>
-              <a:rPr lang="de-DE" altLang="de-DE" sz="2400" dirty="0" smtClean="0"/>
+              <a:rPr lang="de-DE" altLang="de-DE" sz="2400" dirty="0"/>
               <a:t>Dies bedeutet, dass er einen zusätzlichen Betrag darauf wetten</a:t>
             </a:r>
             <a:br>
-              <a:rPr lang="de-DE" altLang="de-DE" sz="2400" dirty="0" smtClean="0"/>
+              <a:rPr lang="de-DE" altLang="de-DE" sz="2400" dirty="0"/>
             </a:br>
             <a:r>
-              <a:rPr lang="de-DE" altLang="de-DE" sz="2400" dirty="0" smtClean="0"/>
+              <a:rPr lang="de-DE" altLang="de-DE" sz="2400" dirty="0"/>
               <a:t>kann, dass der Geber einen Black Jack erhalten wird. Dieser</a:t>
             </a:r>
             <a:br>
-              <a:rPr lang="de-DE" altLang="de-DE" sz="2400" dirty="0" smtClean="0"/>
+              <a:rPr lang="de-DE" altLang="de-DE" sz="2400" dirty="0"/>
             </a:br>
             <a:r>
-              <a:rPr lang="de-DE" altLang="de-DE" sz="2400" dirty="0" err="1" smtClean="0"/>
+              <a:rPr lang="de-DE" altLang="de-DE" sz="2400" dirty="0" err="1"/>
               <a:t>insurance</a:t>
             </a:r>
             <a:r>
-              <a:rPr lang="de-DE" altLang="de-DE" sz="2400" dirty="0" smtClean="0"/>
+              <a:rPr lang="de-DE" altLang="de-DE" sz="2400" dirty="0"/>
               <a:t>-Einsatz wird unabhängig vom restlichen Betrag</a:t>
             </a:r>
             <a:br>
-              <a:rPr lang="de-DE" altLang="de-DE" sz="2400" dirty="0" smtClean="0"/>
+              <a:rPr lang="de-DE" altLang="de-DE" sz="2400" dirty="0"/>
             </a:br>
             <a:r>
-              <a:rPr lang="de-DE" altLang="de-DE" sz="2400" dirty="0" smtClean="0"/>
+              <a:rPr lang="de-DE" altLang="de-DE" sz="2400" dirty="0"/>
               <a:t>verwaltet.</a:t>
             </a:r>
             <a:br>
-              <a:rPr lang="de-DE" altLang="de-DE" sz="2400" dirty="0" smtClean="0"/>
+              <a:rPr lang="de-DE" altLang="de-DE" sz="2400" dirty="0"/>
             </a:br>
-            <a:endParaRPr lang="de-DE" altLang="de-DE" sz="2400" dirty="0" smtClean="0"/>
+            <a:endParaRPr lang="de-DE" altLang="de-DE" sz="2400" dirty="0"/>
           </a:p>
           <a:p>
             <a:pPr marL="269875" indent="-269875" eaLnBrk="1">
@@ -20856,37 +20755,37 @@
               </a:tabLst>
             </a:pPr>
             <a:r>
-              <a:rPr lang="de-DE" altLang="de-DE" sz="2400" dirty="0" smtClean="0"/>
+              <a:rPr lang="de-DE" altLang="de-DE" sz="2400" dirty="0"/>
               <a:t>Hat der Geber zum Ende des Spieles einen Black Jack auf der</a:t>
             </a:r>
             <a:br>
-              <a:rPr lang="de-DE" altLang="de-DE" sz="2400" dirty="0" smtClean="0"/>
+              <a:rPr lang="de-DE" altLang="de-DE" sz="2400" dirty="0"/>
             </a:br>
             <a:r>
-              <a:rPr lang="de-DE" altLang="de-DE" sz="2400" dirty="0" smtClean="0"/>
+              <a:rPr lang="de-DE" altLang="de-DE" sz="2400" dirty="0"/>
               <a:t>Hand, erhält der Spieler seinen </a:t>
             </a:r>
             <a:r>
-              <a:rPr lang="de-DE" altLang="de-DE" sz="2400" dirty="0" err="1" smtClean="0"/>
+              <a:rPr lang="de-DE" altLang="de-DE" sz="2400" dirty="0" err="1"/>
               <a:t>insurance</a:t>
             </a:r>
             <a:r>
-              <a:rPr lang="de-DE" altLang="de-DE" sz="2400" dirty="0" smtClean="0"/>
+              <a:rPr lang="de-DE" altLang="de-DE" sz="2400" dirty="0"/>
               <a:t>-Einsatz zurück plus</a:t>
             </a:r>
             <a:br>
-              <a:rPr lang="de-DE" altLang="de-DE" sz="2400" dirty="0" smtClean="0"/>
+              <a:rPr lang="de-DE" altLang="de-DE" sz="2400" dirty="0"/>
             </a:br>
             <a:r>
-              <a:rPr lang="de-DE" altLang="de-DE" sz="2400" dirty="0" smtClean="0"/>
+              <a:rPr lang="de-DE" altLang="de-DE" sz="2400" dirty="0"/>
               <a:t>einen Gewinn in Höhe des doppelten </a:t>
             </a:r>
             <a:r>
-              <a:rPr lang="de-DE" altLang="de-DE" sz="2400" dirty="0" err="1" smtClean="0"/>
+              <a:rPr lang="de-DE" altLang="de-DE" sz="2400" dirty="0" err="1"/>
               <a:t>insurance</a:t>
             </a:r>
             <a:r>
-              <a:rPr lang="de-DE" altLang="de-DE" sz="2400" dirty="0" smtClean="0"/>
+              <a:rPr lang="de-DE" altLang="de-DE" sz="2400" dirty="0"/>
               <a:t>-Einsatzes.</a:t>
             </a:r>
           </a:p>
@@ -20913,7 +20812,7 @@
                 <a:tab pos="8686800" algn="l"/>
               </a:tabLst>
             </a:pPr>
-            <a:endParaRPr lang="de-DE" altLang="de-DE" dirty="0" smtClean="0"/>
+            <a:endParaRPr lang="de-DE" altLang="de-DE" dirty="0"/>
           </a:p>
           <a:p>
             <a:pPr marL="269875" indent="-269875" eaLnBrk="1">
@@ -20938,7 +20837,7 @@
                 <a:tab pos="8686800" algn="l"/>
               </a:tabLst>
             </a:pPr>
-            <a:endParaRPr lang="de-DE" altLang="de-DE" dirty="0" smtClean="0"/>
+            <a:endParaRPr lang="de-DE" altLang="de-DE" dirty="0"/>
           </a:p>
         </p:txBody>
       </p:sp>
@@ -21022,7 +20921,7 @@
               <a:buNone/>
             </a:pPr>
             <a:r>
-              <a:rPr lang="de-DE" altLang="de-DE" smtClean="0">
+              <a:rPr lang="de-DE" altLang="de-DE">
                 <a:latin typeface="Arial" charset="0"/>
                 <a:ea typeface="Microsoft YaHei" charset="-122"/>
               </a:rPr>
@@ -21149,7 +21048,7 @@
               </a:tabLst>
             </a:pPr>
             <a:r>
-              <a:rPr lang="de-DE" altLang="de-DE" sz="4000" dirty="0" smtClean="0">
+              <a:rPr lang="de-DE" altLang="de-DE" sz="4000" dirty="0">
                 <a:solidFill>
                   <a:srgbClr val="FFFFFF"/>
                 </a:solidFill>
@@ -21202,14 +21101,14 @@
               </a:tabLst>
             </a:pPr>
             <a:r>
-              <a:rPr lang="de-DE" altLang="de-DE" sz="2400" dirty="0" smtClean="0"/>
+              <a:rPr lang="de-DE" altLang="de-DE" sz="2400" dirty="0"/>
               <a:t>Das Spiel soll nun nicht nach einer Runde zu Ende sein.</a:t>
             </a:r>
             <a:br>
-              <a:rPr lang="de-DE" altLang="de-DE" sz="2400" dirty="0" smtClean="0"/>
+              <a:rPr lang="de-DE" altLang="de-DE" sz="2400" dirty="0"/>
             </a:br>
             <a:r>
-              <a:rPr lang="de-DE" altLang="de-DE" sz="2400" dirty="0" smtClean="0"/>
+              <a:rPr lang="de-DE" altLang="de-DE" sz="2400" dirty="0"/>
               <a:t> </a:t>
             </a:r>
           </a:p>
@@ -21237,27 +21136,27 @@
               </a:tabLst>
             </a:pPr>
             <a:r>
-              <a:rPr lang="de-DE" altLang="de-DE" sz="2400" dirty="0" smtClean="0"/>
+              <a:rPr lang="de-DE" altLang="de-DE" sz="2400" dirty="0"/>
               <a:t>Zu Beginn des Spiels erhält der Spieler ein Budget von 5000</a:t>
             </a:r>
             <a:br>
-              <a:rPr lang="de-DE" altLang="de-DE" sz="2400" dirty="0" smtClean="0"/>
+              <a:rPr lang="de-DE" altLang="de-DE" sz="2400" dirty="0"/>
             </a:br>
             <a:r>
-              <a:rPr lang="de-DE" altLang="de-DE" sz="2400" dirty="0" smtClean="0"/>
+              <a:rPr lang="de-DE" altLang="de-DE" sz="2400" dirty="0"/>
               <a:t>Euro, aus welchem die Einsätze bestritten werden müssen und</a:t>
             </a:r>
             <a:br>
-              <a:rPr lang="de-DE" altLang="de-DE" sz="2400" dirty="0" smtClean="0"/>
+              <a:rPr lang="de-DE" altLang="de-DE" sz="2400" dirty="0"/>
             </a:br>
             <a:r>
-              <a:rPr lang="de-DE" altLang="de-DE" sz="2400" dirty="0" smtClean="0"/>
+              <a:rPr lang="de-DE" altLang="de-DE" sz="2400" dirty="0"/>
               <a:t>in welches die Gewinne einfließen.</a:t>
             </a:r>
             <a:br>
-              <a:rPr lang="de-DE" altLang="de-DE" sz="2400" dirty="0" smtClean="0"/>
+              <a:rPr lang="de-DE" altLang="de-DE" sz="2400" dirty="0"/>
             </a:br>
-            <a:endParaRPr lang="de-DE" altLang="de-DE" sz="2400" dirty="0" smtClean="0"/>
+            <a:endParaRPr lang="de-DE" altLang="de-DE" sz="2400" dirty="0"/>
           </a:p>
           <a:p>
             <a:pPr marL="269875" indent="-269875" eaLnBrk="1">
@@ -21283,14 +21182,14 @@
               </a:tabLst>
             </a:pPr>
             <a:r>
-              <a:rPr lang="de-DE" altLang="de-DE" sz="2400" dirty="0" smtClean="0"/>
+              <a:rPr lang="de-DE" altLang="de-DE" sz="2400" dirty="0"/>
               <a:t>Sinkt das Budget unter den Minimum-Einsatz, ist das Spiel</a:t>
             </a:r>
             <a:br>
-              <a:rPr lang="de-DE" altLang="de-DE" sz="2400" dirty="0" smtClean="0"/>
+              <a:rPr lang="de-DE" altLang="de-DE" sz="2400" dirty="0"/>
             </a:br>
             <a:r>
-              <a:rPr lang="de-DE" altLang="de-DE" sz="2400" dirty="0" smtClean="0"/>
+              <a:rPr lang="de-DE" altLang="de-DE" sz="2400" dirty="0"/>
               <a:t>verloren.</a:t>
             </a:r>
           </a:p>
@@ -21317,7 +21216,7 @@
                 <a:tab pos="8686800" algn="l"/>
               </a:tabLst>
             </a:pPr>
-            <a:endParaRPr lang="de-DE" altLang="de-DE" sz="2400" dirty="0" smtClean="0"/>
+            <a:endParaRPr lang="de-DE" altLang="de-DE" sz="2400" dirty="0"/>
           </a:p>
           <a:p>
             <a:pPr marL="269875" indent="-269875" eaLnBrk="1">
@@ -21343,27 +21242,27 @@
               </a:tabLst>
             </a:pPr>
             <a:r>
-              <a:rPr lang="de-DE" altLang="de-DE" sz="2400" dirty="0" smtClean="0"/>
+              <a:rPr lang="de-DE" altLang="de-DE" sz="2400" dirty="0"/>
               <a:t>Solange das nicht der Fall ist, fragt das Programm nach jedem</a:t>
             </a:r>
             <a:br>
-              <a:rPr lang="de-DE" altLang="de-DE" sz="2400" dirty="0" smtClean="0"/>
+              <a:rPr lang="de-DE" altLang="de-DE" sz="2400" dirty="0"/>
             </a:br>
             <a:r>
-              <a:rPr lang="de-DE" altLang="de-DE" sz="2400" dirty="0" smtClean="0"/>
+              <a:rPr lang="de-DE" altLang="de-DE" sz="2400" dirty="0"/>
               <a:t>Spiel, ob eine neue Runde gespielt werden soll. Dazu werden</a:t>
             </a:r>
             <a:br>
-              <a:rPr lang="de-DE" altLang="de-DE" sz="2400" dirty="0" smtClean="0"/>
+              <a:rPr lang="de-DE" altLang="de-DE" sz="2400" dirty="0"/>
             </a:br>
             <a:r>
-              <a:rPr lang="de-DE" altLang="de-DE" sz="2400" dirty="0" smtClean="0"/>
+              <a:rPr lang="de-DE" altLang="de-DE" sz="2400" dirty="0"/>
               <a:t>die Karten neu gemischt und eine neue Runde beginnt.</a:t>
             </a:r>
             <a:br>
-              <a:rPr lang="de-DE" altLang="de-DE" sz="2400" dirty="0" smtClean="0"/>
+              <a:rPr lang="de-DE" altLang="de-DE" sz="2400" dirty="0"/>
             </a:br>
-            <a:endParaRPr lang="de-DE" altLang="de-DE" sz="2400" dirty="0" smtClean="0"/>
+            <a:endParaRPr lang="de-DE" altLang="de-DE" sz="2400" dirty="0"/>
           </a:p>
           <a:p>
             <a:pPr marL="269875" indent="-269875" eaLnBrk="1">
@@ -21389,10 +21288,10 @@
               </a:tabLst>
             </a:pPr>
             <a:r>
-              <a:rPr lang="de-DE" altLang="de-DE" sz="2400" dirty="0" smtClean="0"/>
+              <a:rPr lang="de-DE" altLang="de-DE" sz="2400" dirty="0"/>
               <a:t>Das Budget soll bei jedem Spielschritt ebenfalls ausgegeben werden.</a:t>
             </a:r>
-            <a:endParaRPr lang="de-DE" altLang="de-DE" dirty="0" smtClean="0"/>
+            <a:endParaRPr lang="de-DE" altLang="de-DE" dirty="0"/>
           </a:p>
           <a:p>
             <a:pPr marL="269875" indent="-269875" eaLnBrk="1">
@@ -21417,7 +21316,7 @@
                 <a:tab pos="8686800" algn="l"/>
               </a:tabLst>
             </a:pPr>
-            <a:endParaRPr lang="de-DE" altLang="de-DE" dirty="0" smtClean="0"/>
+            <a:endParaRPr lang="de-DE" altLang="de-DE" dirty="0"/>
           </a:p>
         </p:txBody>
       </p:sp>
@@ -21501,7 +21400,7 @@
               <a:buNone/>
             </a:pPr>
             <a:r>
-              <a:rPr lang="de-DE" altLang="de-DE" smtClean="0">
+              <a:rPr lang="de-DE" altLang="de-DE">
                 <a:latin typeface="Arial" charset="0"/>
                 <a:ea typeface="Microsoft YaHei" charset="-122"/>
               </a:rPr>
@@ -21628,7 +21527,7 @@
               </a:tabLst>
             </a:pPr>
             <a:r>
-              <a:rPr lang="de-DE" altLang="de-DE" sz="4000" smtClean="0">
+              <a:rPr lang="de-DE" altLang="de-DE" sz="4000">
                 <a:solidFill>
                   <a:srgbClr val="FFFFFF"/>
                 </a:solidFill>
@@ -21678,7 +21577,7 @@
               </a:tabLst>
             </a:pPr>
             <a:r>
-              <a:rPr lang="de-DE" altLang="de-DE" smtClean="0"/>
+              <a:rPr lang="de-DE" altLang="de-DE"/>
               <a:t>Beispiellösung "Black Jack"</a:t>
             </a:r>
           </a:p>
@@ -21702,7 +21601,7 @@
                 <a:tab pos="8686800" algn="l"/>
               </a:tabLst>
             </a:pPr>
-            <a:endParaRPr lang="de-DE" altLang="de-DE" smtClean="0"/>
+            <a:endParaRPr lang="de-DE" altLang="de-DE"/>
           </a:p>
           <a:p>
             <a:pPr marL="269875" indent="-269875" algn="ctr" eaLnBrk="1">
@@ -21725,7 +21624,7 @@
               </a:tabLst>
             </a:pPr>
             <a:r>
-              <a:rPr lang="de-DE" altLang="de-DE" smtClean="0"/>
+              <a:rPr lang="de-DE" altLang="de-DE"/>
               <a:t>Javadoc</a:t>
             </a:r>
           </a:p>
@@ -21749,7 +21648,7 @@
                 <a:tab pos="8686800" algn="l"/>
               </a:tabLst>
             </a:pPr>
-            <a:endParaRPr lang="de-DE" altLang="de-DE" smtClean="0"/>
+            <a:endParaRPr lang="de-DE" altLang="de-DE"/>
           </a:p>
           <a:p>
             <a:pPr marL="269875" indent="-269875" algn="ctr" eaLnBrk="1">
@@ -21772,7 +21671,7 @@
               </a:tabLst>
             </a:pPr>
             <a:r>
-              <a:rPr lang="de-DE" altLang="de-DE" smtClean="0"/>
+              <a:rPr lang="de-DE" altLang="de-DE"/>
               <a:t>Jars</a:t>
             </a:r>
           </a:p>
@@ -21796,7 +21695,7 @@
                 <a:tab pos="8686800" algn="l"/>
               </a:tabLst>
             </a:pPr>
-            <a:endParaRPr lang="de-DE" altLang="de-DE" smtClean="0"/>
+            <a:endParaRPr lang="de-DE" altLang="de-DE"/>
           </a:p>
           <a:p>
             <a:pPr marL="269875" indent="-269875" algn="ctr" eaLnBrk="1">
@@ -21822,7 +21721,7 @@
               </a:tabLst>
             </a:pPr>
             <a:r>
-              <a:rPr lang="de-DE" altLang="de-DE" smtClean="0"/>
+              <a:rPr lang="de-DE" altLang="de-DE"/>
               <a:t>Erweiterung von "Black Jack"</a:t>
             </a:r>
           </a:p>
@@ -21908,7 +21807,7 @@
               <a:buNone/>
             </a:pPr>
             <a:r>
-              <a:rPr lang="de-DE" altLang="de-DE" smtClean="0">
+              <a:rPr lang="de-DE" altLang="de-DE">
                 <a:latin typeface="Arial" charset="0"/>
                 <a:ea typeface="Microsoft YaHei" charset="-122"/>
               </a:rPr>
@@ -22035,7 +21934,7 @@
               </a:tabLst>
             </a:pPr>
             <a:r>
-              <a:rPr lang="de-DE" altLang="de-DE" sz="4000" smtClean="0">
+              <a:rPr lang="de-DE" altLang="de-DE" sz="4000">
                 <a:solidFill>
                   <a:srgbClr val="FFFFFF"/>
                 </a:solidFill>
@@ -22088,27 +21987,27 @@
               </a:tabLst>
             </a:pPr>
             <a:r>
-              <a:rPr lang="de-DE" altLang="de-DE" sz="2800" dirty="0" smtClean="0"/>
+              <a:rPr lang="de-DE" altLang="de-DE" sz="2800" dirty="0"/>
               <a:t>Im Foliensatz "Uebungsblock_05-08" wurde die</a:t>
             </a:r>
             <a:br>
-              <a:rPr lang="de-DE" altLang="de-DE" sz="2800" dirty="0" smtClean="0"/>
+              <a:rPr lang="de-DE" altLang="de-DE" sz="2800" dirty="0"/>
             </a:br>
             <a:r>
-              <a:rPr lang="de-DE" altLang="de-DE" sz="2800" dirty="0" smtClean="0"/>
+              <a:rPr lang="de-DE" altLang="de-DE" sz="2800" dirty="0"/>
               <a:t>Erstellung eines einfachen Black-Jack-Spiels</a:t>
             </a:r>
             <a:br>
-              <a:rPr lang="de-DE" altLang="de-DE" sz="2800" dirty="0" smtClean="0"/>
+              <a:rPr lang="de-DE" altLang="de-DE" sz="2800" dirty="0"/>
             </a:br>
             <a:r>
-              <a:rPr lang="de-DE" altLang="de-DE" sz="2800" dirty="0" smtClean="0"/>
+              <a:rPr lang="de-DE" altLang="de-DE" sz="2800" dirty="0"/>
               <a:t>begonnen.</a:t>
             </a:r>
             <a:br>
-              <a:rPr lang="de-DE" altLang="de-DE" sz="2800" dirty="0" smtClean="0"/>
+              <a:rPr lang="de-DE" altLang="de-DE" sz="2800" dirty="0"/>
             </a:br>
-            <a:endParaRPr lang="de-DE" altLang="de-DE" sz="2800" dirty="0" smtClean="0"/>
+            <a:endParaRPr lang="de-DE" altLang="de-DE" sz="2800" dirty="0"/>
           </a:p>
           <a:p>
             <a:pPr marL="269875" indent="-269875" eaLnBrk="1">
@@ -22134,24 +22033,24 @@
               </a:tabLst>
             </a:pPr>
             <a:r>
-              <a:rPr lang="de-DE" altLang="de-DE" sz="2800" dirty="0" smtClean="0"/>
+              <a:rPr lang="de-DE" altLang="de-DE" sz="2800" dirty="0"/>
               <a:t>Auf </a:t>
             </a:r>
             <a:r>
-              <a:rPr lang="de-DE" altLang="de-DE" sz="2800" dirty="0" err="1" smtClean="0"/>
+              <a:rPr lang="de-DE" altLang="de-DE" sz="2800" dirty="0" err="1"/>
               <a:t>GitHub</a:t>
             </a:r>
             <a:r>
-              <a:rPr lang="de-DE" altLang="de-DE" sz="2800" dirty="0" smtClean="0"/>
+              <a:rPr lang="de-DE" altLang="de-DE" sz="2800" dirty="0"/>
               <a:t> finden Sie eine Beispiellösung für Teil 1+2 der Übung: </a:t>
             </a:r>
             <a:r>
-              <a:rPr lang="de-DE" altLang="de-DE" sz="2400" dirty="0" smtClean="0">
+              <a:rPr lang="de-DE" altLang="de-DE" sz="2400" dirty="0">
                 <a:hlinkClick r:id="rId3"/>
               </a:rPr>
               <a:t>https://github.com/nordakademie-einfuehrung-java/beispielloesungen/tree/master/Uebungsblock_5_bis_8</a:t>
             </a:r>
-            <a:endParaRPr lang="de-DE" altLang="de-DE" sz="2400" dirty="0" smtClean="0"/>
+            <a:endParaRPr lang="de-DE" altLang="de-DE" sz="2400" dirty="0"/>
           </a:p>
           <a:p>
             <a:pPr marL="269875" indent="-269875" eaLnBrk="1">
@@ -22176,7 +22075,7 @@
                 <a:tab pos="8686800" algn="l"/>
               </a:tabLst>
             </a:pPr>
-            <a:endParaRPr lang="de-DE" altLang="de-DE" sz="2800" dirty="0" smtClean="0"/>
+            <a:endParaRPr lang="de-DE" altLang="de-DE" sz="2800" dirty="0"/>
           </a:p>
           <a:p>
             <a:pPr marL="269875" indent="-269875" eaLnBrk="1">
@@ -22202,28 +22101,28 @@
               </a:tabLst>
             </a:pPr>
             <a:r>
-              <a:rPr lang="de-DE" altLang="de-DE" sz="2800" dirty="0" smtClean="0"/>
+              <a:rPr lang="de-DE" altLang="de-DE" sz="2800" dirty="0"/>
               <a:t>Wichtig: Viele Problemstellungen können sehr</a:t>
             </a:r>
             <a:br>
-              <a:rPr lang="de-DE" altLang="de-DE" sz="2800" dirty="0" smtClean="0"/>
+              <a:rPr lang="de-DE" altLang="de-DE" sz="2800" dirty="0"/>
             </a:br>
             <a:r>
-              <a:rPr lang="de-DE" altLang="de-DE" sz="2800" dirty="0" smtClean="0"/>
+              <a:rPr lang="de-DE" altLang="de-DE" sz="2800" dirty="0"/>
               <a:t>unterschiedlich mit individuellen Vor- und Nachteilen</a:t>
             </a:r>
             <a:br>
-              <a:rPr lang="de-DE" altLang="de-DE" sz="2800" dirty="0" smtClean="0"/>
+              <a:rPr lang="de-DE" altLang="de-DE" sz="2800" dirty="0"/>
             </a:br>
             <a:r>
-              <a:rPr lang="de-DE" altLang="de-DE" sz="2800" dirty="0" smtClean="0"/>
+              <a:rPr lang="de-DE" altLang="de-DE" sz="2800" dirty="0"/>
               <a:t>gelöst werden.</a:t>
             </a:r>
             <a:br>
-              <a:rPr lang="de-DE" altLang="de-DE" sz="2800" dirty="0" smtClean="0"/>
+              <a:rPr lang="de-DE" altLang="de-DE" sz="2800" dirty="0"/>
             </a:br>
             <a:r>
-              <a:rPr lang="de-DE" altLang="de-DE" sz="2800" dirty="0" smtClean="0"/>
+              <a:rPr lang="de-DE" altLang="de-DE" sz="2800" dirty="0"/>
               <a:t>=&gt; Die Beispiellösung ist eine sehr gute Lösung, aber nicht die einzige sehr gute.</a:t>
             </a:r>
           </a:p>
@@ -22250,7 +22149,7 @@
                 <a:tab pos="8686800" algn="l"/>
               </a:tabLst>
             </a:pPr>
-            <a:endParaRPr lang="de-DE" altLang="de-DE" dirty="0" smtClean="0"/>
+            <a:endParaRPr lang="de-DE" altLang="de-DE" dirty="0"/>
           </a:p>
           <a:p>
             <a:pPr marL="269875" indent="-269875" eaLnBrk="1">
@@ -22275,7 +22174,7 @@
                 <a:tab pos="8686800" algn="l"/>
               </a:tabLst>
             </a:pPr>
-            <a:endParaRPr lang="de-DE" altLang="de-DE" dirty="0" smtClean="0"/>
+            <a:endParaRPr lang="de-DE" altLang="de-DE" dirty="0"/>
           </a:p>
         </p:txBody>
       </p:sp>
@@ -22359,7 +22258,7 @@
               <a:buNone/>
             </a:pPr>
             <a:r>
-              <a:rPr lang="de-DE" altLang="de-DE" smtClean="0">
+              <a:rPr lang="de-DE" altLang="de-DE">
                 <a:latin typeface="Arial" charset="0"/>
                 <a:ea typeface="Microsoft YaHei" charset="-122"/>
               </a:rPr>
@@ -22486,7 +22385,7 @@
               </a:tabLst>
             </a:pPr>
             <a:r>
-              <a:rPr lang="de-DE" altLang="de-DE" sz="4000" smtClean="0">
+              <a:rPr lang="de-DE" altLang="de-DE" sz="4000">
                 <a:solidFill>
                   <a:srgbClr val="FFFFFF"/>
                 </a:solidFill>
@@ -22539,27 +22438,27 @@
               </a:tabLst>
             </a:pPr>
             <a:r>
-              <a:rPr lang="de-DE" altLang="de-DE" sz="2800" smtClean="0"/>
+              <a:rPr lang="de-DE" altLang="de-DE" sz="2800"/>
               <a:t>"Die Welt wird vom Menschen in Objekten</a:t>
             </a:r>
             <a:br>
-              <a:rPr lang="de-DE" altLang="de-DE" sz="2800" smtClean="0"/>
+              <a:rPr lang="de-DE" altLang="de-DE" sz="2800"/>
             </a:br>
             <a:r>
-              <a:rPr lang="de-DE" altLang="de-DE" sz="2800" smtClean="0"/>
+              <a:rPr lang="de-DE" altLang="de-DE" sz="2800"/>
               <a:t>wahrgenommen. Diese Objekte werden üblicherweise</a:t>
             </a:r>
             <a:br>
-              <a:rPr lang="de-DE" altLang="de-DE" sz="2800" smtClean="0"/>
+              <a:rPr lang="de-DE" altLang="de-DE" sz="2800"/>
             </a:br>
             <a:r>
-              <a:rPr lang="de-DE" altLang="de-DE" sz="2800" smtClean="0"/>
+              <a:rPr lang="de-DE" altLang="de-DE" sz="2800"/>
               <a:t>in der Analysephase eines Programms identifiziert."</a:t>
             </a:r>
             <a:br>
-              <a:rPr lang="de-DE" altLang="de-DE" sz="2800" smtClean="0"/>
+              <a:rPr lang="de-DE" altLang="de-DE" sz="2800"/>
             </a:br>
-            <a:endParaRPr lang="de-DE" altLang="de-DE" sz="2800" smtClean="0"/>
+            <a:endParaRPr lang="de-DE" altLang="de-DE" sz="2800"/>
           </a:p>
           <a:p>
             <a:pPr marL="269875" indent="-269875" eaLnBrk="1">
@@ -22585,56 +22484,52 @@
               </a:tabLst>
             </a:pPr>
             <a:r>
-              <a:rPr lang="de-DE" altLang="de-DE" sz="2800" smtClean="0"/>
+              <a:rPr lang="de-DE" altLang="de-DE" sz="2800"/>
               <a:t>"Objektorientierte Programmiersprachen verwenden in</a:t>
             </a:r>
             <a:br>
-              <a:rPr lang="de-DE" altLang="de-DE" sz="2800" smtClean="0"/>
+              <a:rPr lang="de-DE" altLang="de-DE" sz="2800"/>
             </a:br>
             <a:r>
-              <a:rPr lang="de-DE" altLang="de-DE" sz="2800" smtClean="0"/>
+              <a:rPr lang="de-DE" altLang="de-DE" sz="2800"/>
               <a:t>der Umsetzung das gleiche Paradigma wie bei der</a:t>
             </a:r>
             <a:br>
-              <a:rPr lang="de-DE" altLang="de-DE" sz="2800" smtClean="0"/>
+              <a:rPr lang="de-DE" altLang="de-DE" sz="2800"/>
             </a:br>
             <a:r>
-              <a:rPr lang="de-DE" altLang="de-DE" sz="2800" smtClean="0"/>
+              <a:rPr lang="de-DE" altLang="de-DE" sz="2800"/>
               <a:t>Analyse."</a:t>
             </a:r>
             <a:br>
-              <a:rPr lang="de-DE" altLang="de-DE" sz="2800" smtClean="0"/>
+              <a:rPr lang="de-DE" altLang="de-DE" sz="2800"/>
             </a:br>
-            <a:r>
-              <a:rPr lang="de-DE" altLang="de-DE" sz="2800" smtClean="0"/>
-              <a:t/>
-            </a:r>
             <a:br>
-              <a:rPr lang="de-DE" altLang="de-DE" sz="2800" smtClean="0"/>
+              <a:rPr lang="de-DE" altLang="de-DE" sz="2800"/>
             </a:br>
             <a:r>
-              <a:rPr lang="de-DE" altLang="de-DE" sz="2800" smtClean="0"/>
+              <a:rPr lang="de-DE" altLang="de-DE" sz="2800"/>
               <a:t>=&gt; Objektorientierte Programmiersprachen verwenden</a:t>
             </a:r>
             <a:br>
-              <a:rPr lang="de-DE" altLang="de-DE" sz="2800" smtClean="0"/>
+              <a:rPr lang="de-DE" altLang="de-DE" sz="2800"/>
             </a:br>
             <a:r>
-              <a:rPr lang="de-DE" altLang="de-DE" sz="2800" smtClean="0"/>
+              <a:rPr lang="de-DE" altLang="de-DE" sz="2800"/>
               <a:t>bei der Umsetzung der Programme dieselben</a:t>
             </a:r>
             <a:br>
-              <a:rPr lang="de-DE" altLang="de-DE" sz="2800" smtClean="0"/>
+              <a:rPr lang="de-DE" altLang="de-DE" sz="2800"/>
             </a:br>
             <a:r>
-              <a:rPr lang="de-DE" altLang="de-DE" sz="2800" smtClean="0"/>
+              <a:rPr lang="de-DE" altLang="de-DE" sz="2800"/>
               <a:t>Denkstrukturen, indem sie eine Abbildung der Objekte</a:t>
             </a:r>
             <a:br>
-              <a:rPr lang="de-DE" altLang="de-DE" sz="2800" smtClean="0"/>
+              <a:rPr lang="de-DE" altLang="de-DE" sz="2800"/>
             </a:br>
             <a:r>
-              <a:rPr lang="de-DE" altLang="de-DE" sz="2800" smtClean="0"/>
+              <a:rPr lang="de-DE" altLang="de-DE" sz="2800"/>
               <a:t>im Programm ermöglichen. </a:t>
             </a:r>
           </a:p>
@@ -22661,7 +22556,7 @@
                 <a:tab pos="8686800" algn="l"/>
               </a:tabLst>
             </a:pPr>
-            <a:endParaRPr lang="de-DE" altLang="de-DE" smtClean="0"/>
+            <a:endParaRPr lang="de-DE" altLang="de-DE"/>
           </a:p>
           <a:p>
             <a:pPr marL="269875" indent="-269875" eaLnBrk="1">
@@ -22686,7 +22581,7 @@
                 <a:tab pos="8686800" algn="l"/>
               </a:tabLst>
             </a:pPr>
-            <a:endParaRPr lang="de-DE" altLang="de-DE" smtClean="0"/>
+            <a:endParaRPr lang="de-DE" altLang="de-DE"/>
           </a:p>
         </p:txBody>
       </p:sp>
@@ -22770,7 +22665,7 @@
               <a:buNone/>
             </a:pPr>
             <a:r>
-              <a:rPr lang="de-DE" altLang="de-DE" smtClean="0">
+              <a:rPr lang="de-DE" altLang="de-DE">
                 <a:latin typeface="Arial" charset="0"/>
                 <a:ea typeface="Microsoft YaHei" charset="-122"/>
               </a:rPr>
@@ -22897,7 +22792,7 @@
               </a:tabLst>
             </a:pPr>
             <a:r>
-              <a:rPr lang="de-DE" altLang="de-DE" sz="4000" smtClean="0">
+              <a:rPr lang="de-DE" altLang="de-DE" sz="4000">
                 <a:solidFill>
                   <a:srgbClr val="FFFFFF"/>
                 </a:solidFill>
@@ -22950,20 +22845,20 @@
               </a:tabLst>
             </a:pPr>
             <a:r>
-              <a:rPr lang="de-DE" altLang="de-DE" sz="2800" smtClean="0"/>
+              <a:rPr lang="de-DE" altLang="de-DE" sz="2800"/>
               <a:t>"Klassen sind das wichtigste Merkmal objektorientierter</a:t>
             </a:r>
             <a:br>
-              <a:rPr lang="de-DE" altLang="de-DE" sz="2800" smtClean="0"/>
+              <a:rPr lang="de-DE" altLang="de-DE" sz="2800"/>
             </a:br>
             <a:r>
-              <a:rPr lang="de-DE" altLang="de-DE" sz="2800" smtClean="0"/>
+              <a:rPr lang="de-DE" altLang="de-DE" sz="2800"/>
               <a:t>Programmiersprachen."</a:t>
             </a:r>
             <a:br>
-              <a:rPr lang="de-DE" altLang="de-DE" sz="2800" smtClean="0"/>
+              <a:rPr lang="de-DE" altLang="de-DE" sz="2800"/>
             </a:br>
-            <a:endParaRPr lang="de-DE" altLang="de-DE" sz="2800" smtClean="0"/>
+            <a:endParaRPr lang="de-DE" altLang="de-DE" sz="2800"/>
           </a:p>
           <a:p>
             <a:pPr marL="269875" indent="-269875" eaLnBrk="1">
@@ -22989,28 +22884,28 @@
               </a:tabLst>
             </a:pPr>
             <a:r>
-              <a:rPr lang="de-DE" altLang="de-DE" sz="2800" smtClean="0"/>
+              <a:rPr lang="de-DE" altLang="de-DE" sz="2800"/>
               <a:t>"Eine Klasse definiert einen neuen Typ und beschreibt</a:t>
             </a:r>
             <a:br>
-              <a:rPr lang="de-DE" altLang="de-DE" sz="2800" smtClean="0"/>
+              <a:rPr lang="de-DE" altLang="de-DE" sz="2800"/>
             </a:br>
             <a:r>
-              <a:rPr lang="de-DE" altLang="de-DE" sz="2800" smtClean="0"/>
+              <a:rPr lang="de-DE" altLang="de-DE" sz="2800"/>
               <a:t>die Eigenschaften der Objekte und gibt somit den</a:t>
             </a:r>
             <a:br>
-              <a:rPr lang="de-DE" altLang="de-DE" sz="2800" smtClean="0"/>
+              <a:rPr lang="de-DE" altLang="de-DE" sz="2800"/>
             </a:br>
             <a:r>
-              <a:rPr lang="de-DE" altLang="de-DE" sz="2800" smtClean="0"/>
+              <a:rPr lang="de-DE" altLang="de-DE" sz="2800"/>
               <a:t>Bauplan für neue Objekte an."</a:t>
             </a:r>
             <a:br>
-              <a:rPr lang="de-DE" altLang="de-DE" sz="2800" smtClean="0"/>
+              <a:rPr lang="de-DE" altLang="de-DE" sz="2800"/>
             </a:br>
             <a:r>
-              <a:rPr lang="de-DE" altLang="de-DE" sz="2800" smtClean="0"/>
+              <a:rPr lang="de-DE" altLang="de-DE" sz="2800"/>
               <a:t> </a:t>
             </a:r>
           </a:p>
@@ -23038,14 +22933,14 @@
               </a:tabLst>
             </a:pPr>
             <a:r>
-              <a:rPr lang="de-DE" altLang="de-DE" sz="2800" smtClean="0"/>
+              <a:rPr lang="de-DE" altLang="de-DE" sz="2800"/>
               <a:t>"Jedes Objekt ist ein Exemplar (engl. instance, daher</a:t>
             </a:r>
             <a:br>
-              <a:rPr lang="de-DE" altLang="de-DE" sz="2800" smtClean="0"/>
+              <a:rPr lang="de-DE" altLang="de-DE" sz="2800"/>
             </a:br>
             <a:r>
-              <a:rPr lang="de-DE" altLang="de-DE" sz="2800" smtClean="0"/>
+              <a:rPr lang="de-DE" altLang="de-DE" sz="2800"/>
               <a:t>auch 'Instanz' genannt) einer Klasse."</a:t>
             </a:r>
           </a:p>
@@ -23072,7 +22967,7 @@
                 <a:tab pos="8686800" algn="l"/>
               </a:tabLst>
             </a:pPr>
-            <a:endParaRPr lang="de-DE" altLang="de-DE" smtClean="0"/>
+            <a:endParaRPr lang="de-DE" altLang="de-DE"/>
           </a:p>
           <a:p>
             <a:pPr marL="269875" indent="-269875" eaLnBrk="1">
@@ -23097,7 +22992,7 @@
                 <a:tab pos="8686800" algn="l"/>
               </a:tabLst>
             </a:pPr>
-            <a:endParaRPr lang="de-DE" altLang="de-DE" smtClean="0"/>
+            <a:endParaRPr lang="de-DE" altLang="de-DE"/>
           </a:p>
         </p:txBody>
       </p:sp>
@@ -23181,7 +23076,7 @@
               <a:buNone/>
             </a:pPr>
             <a:r>
-              <a:rPr lang="de-DE" altLang="de-DE" smtClean="0">
+              <a:rPr lang="de-DE" altLang="de-DE">
                 <a:latin typeface="Arial" charset="0"/>
                 <a:ea typeface="Microsoft YaHei" charset="-122"/>
               </a:rPr>
@@ -23308,7 +23203,7 @@
               </a:tabLst>
             </a:pPr>
             <a:r>
-              <a:rPr lang="de-DE" altLang="de-DE" sz="4000" smtClean="0">
+              <a:rPr lang="de-DE" altLang="de-DE" sz="4000">
                 <a:solidFill>
                   <a:srgbClr val="FFFFFF"/>
                 </a:solidFill>
@@ -23361,34 +23256,30 @@
               </a:tabLst>
             </a:pPr>
             <a:r>
-              <a:rPr lang="de-DE" altLang="de-DE" sz="2800" smtClean="0"/>
+              <a:rPr lang="de-DE" altLang="de-DE" sz="2800"/>
               <a:t>"Eine Klasse deklariert im Wesentlichen zwei Dinge:</a:t>
             </a:r>
             <a:br>
-              <a:rPr lang="de-DE" altLang="de-DE" sz="2800" smtClean="0"/>
+              <a:rPr lang="de-DE" altLang="de-DE" sz="2800"/>
             </a:br>
-            <a:r>
-              <a:rPr lang="de-DE" altLang="de-DE" sz="2800" smtClean="0"/>
-              <a:t/>
-            </a:r>
             <a:br>
-              <a:rPr lang="de-DE" altLang="de-DE" sz="2800" smtClean="0"/>
+              <a:rPr lang="de-DE" altLang="de-DE" sz="2800"/>
             </a:br>
             <a:r>
-              <a:rPr lang="de-DE" altLang="de-DE" sz="2800" smtClean="0"/>
+              <a:rPr lang="de-DE" altLang="de-DE" sz="2800"/>
               <a:t>Attribute (was das Objekt hat) sowie</a:t>
             </a:r>
             <a:br>
-              <a:rPr lang="de-DE" altLang="de-DE" sz="2800" smtClean="0"/>
+              <a:rPr lang="de-DE" altLang="de-DE" sz="2800"/>
             </a:br>
             <a:r>
-              <a:rPr lang="de-DE" altLang="de-DE" sz="2800" smtClean="0"/>
+              <a:rPr lang="de-DE" altLang="de-DE" sz="2800"/>
               <a:t>Operationen (was das Objekt kann)."</a:t>
             </a:r>
             <a:br>
-              <a:rPr lang="de-DE" altLang="de-DE" sz="2800" smtClean="0"/>
+              <a:rPr lang="de-DE" altLang="de-DE" sz="2800"/>
             </a:br>
-            <a:endParaRPr lang="de-DE" altLang="de-DE" sz="2800" smtClean="0"/>
+            <a:endParaRPr lang="de-DE" altLang="de-DE" sz="2800"/>
           </a:p>
           <a:p>
             <a:pPr marL="269875" indent="-269875" eaLnBrk="1">
@@ -23414,21 +23305,21 @@
               </a:tabLst>
             </a:pPr>
             <a:r>
-              <a:rPr lang="de-DE" altLang="de-DE" sz="2800" smtClean="0"/>
+              <a:rPr lang="de-DE" altLang="de-DE" sz="2800"/>
               <a:t>"Attribute werden in Java durch Variablen</a:t>
             </a:r>
             <a:br>
-              <a:rPr lang="de-DE" altLang="de-DE" sz="2800" smtClean="0"/>
+              <a:rPr lang="de-DE" altLang="de-DE" sz="2800"/>
             </a:br>
             <a:r>
-              <a:rPr lang="de-DE" altLang="de-DE" sz="2800" smtClean="0"/>
+              <a:rPr lang="de-DE" altLang="de-DE" sz="2800"/>
               <a:t>implementiert."</a:t>
             </a:r>
             <a:br>
-              <a:rPr lang="de-DE" altLang="de-DE" sz="2800" smtClean="0"/>
+              <a:rPr lang="de-DE" altLang="de-DE" sz="2800"/>
             </a:br>
             <a:r>
-              <a:rPr lang="de-DE" altLang="de-DE" sz="2800" smtClean="0"/>
+              <a:rPr lang="de-DE" altLang="de-DE" sz="2800"/>
               <a:t> </a:t>
             </a:r>
           </a:p>
@@ -23456,7 +23347,7 @@
               </a:tabLst>
             </a:pPr>
             <a:r>
-              <a:rPr lang="de-DE" altLang="de-DE" sz="2800" smtClean="0"/>
+              <a:rPr lang="de-DE" altLang="de-DE" sz="2800"/>
               <a:t>"Die Operationen einer Klasse werden durch Methoden (auch 'Funktionen' genannt) abgebildet."</a:t>
             </a:r>
           </a:p>
@@ -23483,7 +23374,7 @@
                 <a:tab pos="8686800" algn="l"/>
               </a:tabLst>
             </a:pPr>
-            <a:endParaRPr lang="de-DE" altLang="de-DE" smtClean="0"/>
+            <a:endParaRPr lang="de-DE" altLang="de-DE"/>
           </a:p>
           <a:p>
             <a:pPr marL="269875" indent="-269875" eaLnBrk="1">
@@ -23508,7 +23399,7 @@
                 <a:tab pos="8686800" algn="l"/>
               </a:tabLst>
             </a:pPr>
-            <a:endParaRPr lang="de-DE" altLang="de-DE" smtClean="0"/>
+            <a:endParaRPr lang="de-DE" altLang="de-DE"/>
           </a:p>
         </p:txBody>
       </p:sp>
@@ -23592,7 +23483,7 @@
               <a:buNone/>
             </a:pPr>
             <a:r>
-              <a:rPr lang="de-DE" altLang="de-DE" smtClean="0">
+              <a:rPr lang="de-DE" altLang="de-DE">
                 <a:latin typeface="Arial" charset="0"/>
                 <a:ea typeface="Microsoft YaHei" charset="-122"/>
               </a:rPr>
@@ -23719,7 +23610,7 @@
               </a:tabLst>
             </a:pPr>
             <a:r>
-              <a:rPr lang="de-DE" altLang="de-DE" sz="4000" dirty="0" smtClean="0">
+              <a:rPr lang="de-DE" altLang="de-DE" sz="4000" dirty="0">
                 <a:solidFill>
                   <a:srgbClr val="FFFFFF"/>
                 </a:solidFill>
@@ -23769,34 +23660,26 @@
               </a:tabLst>
             </a:pPr>
             <a:r>
-              <a:rPr lang="de-DE" altLang="de-DE" sz="2800" smtClean="0"/>
+              <a:rPr lang="de-DE" altLang="de-DE" sz="2800"/>
               <a:t>Das Spiel "Black Jack" ist ein Kartenspiel. Die erste Übung besteht darin, 3 Klassen für die wichtigsten "Objekte" des Spiels zu erstellen:</a:t>
             </a:r>
             <a:br>
-              <a:rPr lang="de-DE" altLang="de-DE" sz="2800" smtClean="0"/>
+              <a:rPr lang="de-DE" altLang="de-DE" sz="2800"/>
             </a:br>
-            <a:r>
-              <a:rPr lang="de-DE" altLang="de-DE" sz="2800" smtClean="0"/>
-              <a:t/>
-            </a:r>
             <a:br>
-              <a:rPr lang="de-DE" altLang="de-DE" sz="2800" smtClean="0"/>
+              <a:rPr lang="de-DE" altLang="de-DE" sz="2800"/>
             </a:br>
-            <a:r>
-              <a:rPr lang="de-DE" altLang="de-DE" sz="2800" smtClean="0"/>
-              <a:t/>
-            </a:r>
             <a:br>
-              <a:rPr lang="de-DE" altLang="de-DE" sz="2800" smtClean="0"/>
+              <a:rPr lang="de-DE" altLang="de-DE" sz="2800"/>
             </a:br>
             <a:r>
-              <a:rPr lang="de-DE" altLang="de-DE" sz="2800" smtClean="0"/>
+              <a:rPr lang="de-DE" altLang="de-DE" sz="2800"/>
               <a:t>die Spielkarten,</a:t>
             </a:r>
             <a:br>
-              <a:rPr lang="de-DE" altLang="de-DE" sz="2800" smtClean="0"/>
+              <a:rPr lang="de-DE" altLang="de-DE" sz="2800"/>
             </a:br>
-            <a:endParaRPr lang="de-DE" altLang="de-DE" sz="2800" smtClean="0"/>
+            <a:endParaRPr lang="de-DE" altLang="de-DE" sz="2800"/>
           </a:p>
           <a:p>
             <a:pPr marL="0" indent="0" eaLnBrk="1">
@@ -23819,25 +23702,21 @@
               </a:tabLst>
             </a:pPr>
             <a:r>
-              <a:rPr lang="de-DE" altLang="de-DE" sz="2800" smtClean="0"/>
+              <a:rPr lang="de-DE" altLang="de-DE" sz="2800"/>
               <a:t>den Kartenstapel sowie</a:t>
             </a:r>
             <a:br>
-              <a:rPr lang="de-DE" altLang="de-DE" sz="2800" smtClean="0"/>
+              <a:rPr lang="de-DE" altLang="de-DE" sz="2800"/>
             </a:br>
-            <a:r>
-              <a:rPr lang="de-DE" altLang="de-DE" sz="2800" smtClean="0"/>
-              <a:t/>
-            </a:r>
             <a:br>
-              <a:rPr lang="de-DE" altLang="de-DE" sz="2800" smtClean="0"/>
+              <a:rPr lang="de-DE" altLang="de-DE" sz="2800"/>
             </a:br>
             <a:r>
-              <a:rPr lang="de-DE" altLang="de-DE" sz="2800" smtClean="0"/>
+              <a:rPr lang="de-DE" altLang="de-DE" sz="2800"/>
               <a:t>die Kartenhände</a:t>
             </a:r>
             <a:r>
-              <a:rPr lang="de-DE" altLang="de-DE" smtClean="0"/>
+              <a:rPr lang="de-DE" altLang="de-DE"/>
               <a:t>.</a:t>
             </a:r>
           </a:p>
@@ -23864,7 +23743,7 @@
                 <a:tab pos="8686800" algn="l"/>
               </a:tabLst>
             </a:pPr>
-            <a:endParaRPr lang="de-DE" altLang="de-DE" smtClean="0"/>
+            <a:endParaRPr lang="de-DE" altLang="de-DE"/>
           </a:p>
         </p:txBody>
       </p:sp>
@@ -24534,7 +24413,7 @@
   </a:extraClrSchemeLst>
   <a:extLst>
     <a:ext uri="{05A4C25C-085E-4340-85A3-A5531E510DB2}">
-      <thm15:themeFamily xmlns:thm15="http://schemas.microsoft.com/office/thememl/2012/main" xmlns="" name="Office Theme" id="{62F939B6-93AF-4DB8-9C6B-D6C7DFDC589F}" vid="{4A3C46E8-61CC-4603-A589-7422A47A8E4A}"/>
+      <thm15:themeFamily xmlns:thm15="http://schemas.microsoft.com/office/thememl/2012/main" name="Office Theme" id="{62F939B6-93AF-4DB8-9C6B-D6C7DFDC589F}" vid="{4A3C46E8-61CC-4603-A589-7422A47A8E4A}"/>
     </a:ext>
   </a:extLst>
 </a:theme>
@@ -24795,7 +24674,7 @@
   <a:extraClrSchemeLst/>
   <a:extLst>
     <a:ext uri="{05A4C25C-085E-4340-85A3-A5531E510DB2}">
-      <thm15:themeFamily xmlns:thm15="http://schemas.microsoft.com/office/thememl/2012/main" xmlns="" name="Office Theme" id="{62F939B6-93AF-4DB8-9C6B-D6C7DFDC589F}" vid="{4A3C46E8-61CC-4603-A589-7422A47A8E4A}"/>
+      <thm15:themeFamily xmlns:thm15="http://schemas.microsoft.com/office/thememl/2012/main" name="Office Theme" id="{62F939B6-93AF-4DB8-9C6B-D6C7DFDC589F}" vid="{4A3C46E8-61CC-4603-A589-7422A47A8E4A}"/>
     </a:ext>
   </a:extLst>
 </a:theme>

--- a/folien/Semester_04_Termin_01_Kapitel09.pptx
+++ b/folien/Semester_04_Termin_01_Kapitel09.pptx
@@ -13513,7 +13513,7 @@
             </a:pPr>
             <a:r>
               <a:rPr lang="de-DE" altLang="de-DE" sz="2800" dirty="0"/>
-              <a:t>4 Vorlesungen: Weitere inhaltliche Themen</a:t>
+              <a:t>1.-4. Vorlesung: Weitere inhaltliche Themen</a:t>
             </a:r>
           </a:p>
           <a:p>
@@ -13657,7 +13657,7 @@
             </a:pPr>
             <a:r>
               <a:rPr lang="de-DE" altLang="de-DE" sz="2800" dirty="0"/>
-              <a:t>1 Vorlesung: Vorstellung des Hausarbeitsthemas</a:t>
+              <a:t>4. Vorlesung: Vorstellung des Hausarbeitsthemas</a:t>
             </a:r>
           </a:p>
           <a:p>
@@ -13685,7 +13685,7 @@
             </a:pPr>
             <a:r>
               <a:rPr lang="de-DE" altLang="de-DE" sz="2800" dirty="0"/>
-              <a:t>3 Vorlesungen: Zwischenstandsaufnahmen Hausarbeit</a:t>
+              <a:t>5.-8. Vorlesungen: Zwischenstandsaufnahmen Hausarbeit</a:t>
             </a:r>
           </a:p>
           <a:p>
@@ -13713,7 +13713,7 @@
             </a:pPr>
             <a:r>
               <a:rPr lang="de-DE" altLang="de-DE" sz="2800" dirty="0"/>
-              <a:t>Letzte Vorlesung: Vorstellung der Hausarbeiten</a:t>
+              <a:t>9. Vorlesung: Verteidigung der Hausarbeiten</a:t>
             </a:r>
             <a:endParaRPr lang="de-DE" altLang="de-DE" sz="2400" dirty="0"/>
           </a:p>
@@ -18204,7 +18204,7 @@
             </a:br>
             <a:r>
               <a:rPr lang="de-DE" altLang="de-DE" sz="2800" dirty="0"/>
-              <a:t>den 15.05.2016, 24 Uhr mit, wie Sie Ihre Gruppen</a:t>
+              <a:t>den 13.05.2017, 24 Uhr mit, wie Sie Ihre Gruppen</a:t>
             </a:r>
             <a:br>
               <a:rPr lang="de-DE" altLang="de-DE" sz="2800" dirty="0"/>
